--- a/supports/08252021.pptx
+++ b/supports/08252021.pptx
@@ -5,10 +5,10 @@
     <p:sldMasterId id="2147483648" r:id="rId1"/>
   </p:sldMasterIdLst>
   <p:notesMasterIdLst>
-    <p:notesMasterId r:id="rId29"/>
+    <p:notesMasterId r:id="rId24"/>
   </p:notesMasterIdLst>
   <p:handoutMasterIdLst>
-    <p:handoutMasterId r:id="rId30"/>
+    <p:handoutMasterId r:id="rId25"/>
   </p:handoutMasterIdLst>
   <p:sldIdLst>
     <p:sldId id="563" r:id="rId2"/>
@@ -32,12 +32,7 @@
     <p:sldId id="583" r:id="rId20"/>
     <p:sldId id="582" r:id="rId21"/>
     <p:sldId id="569" r:id="rId22"/>
-    <p:sldId id="570" r:id="rId23"/>
-    <p:sldId id="571" r:id="rId24"/>
-    <p:sldId id="572" r:id="rId25"/>
-    <p:sldId id="549" r:id="rId26"/>
-    <p:sldId id="550" r:id="rId27"/>
-    <p:sldId id="551" r:id="rId28"/>
+    <p:sldId id="551" r:id="rId23"/>
   </p:sldIdLst>
   <p:sldSz cx="12192000" cy="6858000"/>
   <p:notesSz cx="6858000" cy="9144000"/>
@@ -346,7 +341,7 @@
     </inkml:brush>
   </inkml:definitions>
   <inkml:trace contextRef="#ctx0" brushRef="#br0">9737 8625 0,'-18'-17'78,"0"17"-62,1-53-16,-1 18 16,0-54-1,1 36 1,-1-52-16,1 34 16,-1 18-16,0-35 15,1 0-15,-1 0 16,0-1-16,1-34 15,-1 17-15,0 18 16,-17-18-16,18-70 16,-1 17-16,-17-53 15,-1 36-15,-52-159 16,71 88 15,-1-18-31,18 89 16,0 88-1,0-1-15,0 19 16,0-1 0,0 1-16,0 17 15,0 35 1,0 1 0,0-1-1,0-17-15,0 17 16,0 36 124,0-1-124,0 1-16,0 0 16,0-1-1</inkml:trace>
-  <inkml:trace contextRef="#ctx0" brushRef="#br0" timeOffset="1200.15">9102 4904 0,'0'17'110,"0"19"-95,0-19-15,-18 18 16,0 1-16,1 17 15,17 0-15,-36-1 16,19 1 0,-1 0-1,1-35 1,17 17-16,-18 1 31,0-19-15,18-70 46,0 18-46,0-18-16,18 18 16,0-53-1,-1 35-15,18 17 16,-17-17-1,0 36 1,-1 17 140</inkml:trace>
+  <inkml:trace contextRef="#ctx0" brushRef="#br0" timeOffset="1200.14">9102 4904 0,'0'17'110,"0"19"-95,0-19-15,-18 18 16,0 1-16,1 17 15,17 0-15,-36-1 16,19 1 0,-1 0-1,1-35 1,17 17-16,-18 1 31,0-19-15,18-70 46,0 18-46,0-18-16,18 18 16,0-53-1,-1 35-15,18 17 16,-17-17-1,0 36 1,-1 17 140</inkml:trace>
   <inkml:trace contextRef="#ctx0" brushRef="#br0" timeOffset="1695.25">9102 4974 0,'0'0'0,"17"-17"31,1 17 48,0 0-48,-1 0-16,1 0 1,17 35 0,-17 18-16,17-18 15,36 71 1,-71-71-16,35-17 16,-35-1-16,18-17 15,-18 18-15,0 0 16,17-18 15,1 17-15,-18 19-1,17-36 1,-17 17-16,18-17 31,-18 18-31,18-18 78,-1 0-78</inkml:trace>
   <inkml:trace contextRef="#ctx0" brushRef="#br0" timeOffset="3126.41">9225 8467 0,'35'0'94,"1"0"-94,-1 17 15,-17 1-15,35 35 16,-18-36 0,53 72-16,0-19 0,-53-52 15,36 35-15,-36-36 16,1 19-16,-19-36 15,18 17-15,-17-17 16,0 0 15,-1 0-31,1 18 16,0-18 0,-1 0-1,-17 18-15,36-18 0,-19 35 16,1-35-1,0-18 95,-18 1-95,0-1-15,0 0 16,0 1 0,0-1-16,0-17 15,0 0 1,35-18 0,-18-18-16,-17 53 15,36 1 1,-36-1-1,0 0-15,17 18 16,1-35 15,0 35-15,-18-17-16,0-1 172</inkml:trace>
   <inkml:trace contextRef="#ctx0" brushRef="#br0" timeOffset="5932.45">10142 9684 0,'18'0'62,"-18"17"-46,18 72 0,-1-19-16,-17-35 15,0 18-15,18 18 16,0-1-16,-18 1 15,0 17-15,17 53 16,1-70 0,-18-53 31,17-18-32,-17 35-15,0-18 16,18 1-16,-18 17 15,0-17 1,0-36 125</inkml:trace>
@@ -2317,506 +2312,6 @@
             <a:fld id="{B2BE2823-3393-479C-B299-87C7B63AEB2B}" type="slidenum">
               <a:rPr lang="en-US" smtClean="0"/>
               <a:t>22</a:t>
-            </a:fld>
-            <a:endParaRPr lang="en-US"/>
-          </a:p>
-        </p:txBody>
-      </p:sp>
-    </p:spTree>
-    <p:extLst>
-      <p:ext uri="{BB962C8B-B14F-4D97-AF65-F5344CB8AC3E}">
-        <p14:creationId xmlns:p14="http://schemas.microsoft.com/office/powerpoint/2010/main" val="2494909926"/>
-      </p:ext>
-    </p:extLst>
-  </p:cSld>
-  <p:clrMapOvr>
-    <a:masterClrMapping/>
-  </p:clrMapOvr>
-</p:notes>
-</file>
-
-<file path=ppt/notesSlides/notesSlide23.xml><?xml version="1.0" encoding="utf-8"?>
-<p:notes xmlns:a="http://schemas.openxmlformats.org/drawingml/2006/main" xmlns:r="http://schemas.openxmlformats.org/officeDocument/2006/relationships" xmlns:p="http://schemas.openxmlformats.org/presentationml/2006/main">
-  <p:cSld>
-    <p:spTree>
-      <p:nvGrpSpPr>
-        <p:cNvPr id="1" name=""/>
-        <p:cNvGrpSpPr/>
-        <p:nvPr/>
-      </p:nvGrpSpPr>
-      <p:grpSpPr>
-        <a:xfrm>
-          <a:off x="0" y="0"/>
-          <a:ext cx="0" cy="0"/>
-          <a:chOff x="0" y="0"/>
-          <a:chExt cx="0" cy="0"/>
-        </a:xfrm>
-      </p:grpSpPr>
-      <p:sp>
-        <p:nvSpPr>
-          <p:cNvPr id="2" name="Espace réservé de l'image des diapositives 1"/>
-          <p:cNvSpPr>
-            <a:spLocks noGrp="1" noRot="1" noChangeAspect="1"/>
-          </p:cNvSpPr>
-          <p:nvPr>
-            <p:ph type="sldImg"/>
-          </p:nvPr>
-        </p:nvSpPr>
-        <p:spPr/>
-      </p:sp>
-      <p:sp>
-        <p:nvSpPr>
-          <p:cNvPr id="3" name="Espace réservé des notes 2"/>
-          <p:cNvSpPr>
-            <a:spLocks noGrp="1"/>
-          </p:cNvSpPr>
-          <p:nvPr>
-            <p:ph type="body" idx="1"/>
-          </p:nvPr>
-        </p:nvSpPr>
-        <p:spPr/>
-        <p:txBody>
-          <a:bodyPr/>
-          <a:lstStyle/>
-          <a:p>
-            <a:pPr marL="228600" indent="-228600">
-              <a:buAutoNum type="arabicPeriod"/>
-            </a:pPr>
-            <a:endParaRPr lang="fr-FR" sz="1200" dirty="0">
-              <a:ln>
-                <a:solidFill>
-                  <a:schemeClr val="tx1"/>
-                </a:solidFill>
-              </a:ln>
-              <a:latin typeface="Google Sans"/>
-            </a:endParaRPr>
-          </a:p>
-          <a:p>
-            <a:pPr marL="228600" indent="-228600">
-              <a:buAutoNum type="arabicPeriod"/>
-            </a:pPr>
-            <a:endParaRPr lang="fr-FR" dirty="0"/>
-          </a:p>
-        </p:txBody>
-      </p:sp>
-      <p:sp>
-        <p:nvSpPr>
-          <p:cNvPr id="4" name="Espace réservé du numéro de diapositive 3"/>
-          <p:cNvSpPr>
-            <a:spLocks noGrp="1"/>
-          </p:cNvSpPr>
-          <p:nvPr>
-            <p:ph type="sldNum" sz="quarter" idx="5"/>
-          </p:nvPr>
-        </p:nvSpPr>
-        <p:spPr/>
-        <p:txBody>
-          <a:bodyPr/>
-          <a:lstStyle/>
-          <a:p>
-            <a:fld id="{B2BE2823-3393-479C-B299-87C7B63AEB2B}" type="slidenum">
-              <a:rPr lang="en-US" smtClean="0"/>
-              <a:t>23</a:t>
-            </a:fld>
-            <a:endParaRPr lang="en-US"/>
-          </a:p>
-        </p:txBody>
-      </p:sp>
-    </p:spTree>
-    <p:extLst>
-      <p:ext uri="{BB962C8B-B14F-4D97-AF65-F5344CB8AC3E}">
-        <p14:creationId xmlns:p14="http://schemas.microsoft.com/office/powerpoint/2010/main" val="3873676806"/>
-      </p:ext>
-    </p:extLst>
-  </p:cSld>
-  <p:clrMapOvr>
-    <a:masterClrMapping/>
-  </p:clrMapOvr>
-</p:notes>
-</file>
-
-<file path=ppt/notesSlides/notesSlide24.xml><?xml version="1.0" encoding="utf-8"?>
-<p:notes xmlns:a="http://schemas.openxmlformats.org/drawingml/2006/main" xmlns:r="http://schemas.openxmlformats.org/officeDocument/2006/relationships" xmlns:p="http://schemas.openxmlformats.org/presentationml/2006/main">
-  <p:cSld>
-    <p:spTree>
-      <p:nvGrpSpPr>
-        <p:cNvPr id="1" name=""/>
-        <p:cNvGrpSpPr/>
-        <p:nvPr/>
-      </p:nvGrpSpPr>
-      <p:grpSpPr>
-        <a:xfrm>
-          <a:off x="0" y="0"/>
-          <a:ext cx="0" cy="0"/>
-          <a:chOff x="0" y="0"/>
-          <a:chExt cx="0" cy="0"/>
-        </a:xfrm>
-      </p:grpSpPr>
-      <p:sp>
-        <p:nvSpPr>
-          <p:cNvPr id="2" name="Espace réservé de l'image des diapositives 1"/>
-          <p:cNvSpPr>
-            <a:spLocks noGrp="1" noRot="1" noChangeAspect="1"/>
-          </p:cNvSpPr>
-          <p:nvPr>
-            <p:ph type="sldImg"/>
-          </p:nvPr>
-        </p:nvSpPr>
-        <p:spPr/>
-      </p:sp>
-      <p:sp>
-        <p:nvSpPr>
-          <p:cNvPr id="3" name="Espace réservé des notes 2"/>
-          <p:cNvSpPr>
-            <a:spLocks noGrp="1"/>
-          </p:cNvSpPr>
-          <p:nvPr>
-            <p:ph type="body" idx="1"/>
-          </p:nvPr>
-        </p:nvSpPr>
-        <p:spPr/>
-        <p:txBody>
-          <a:bodyPr/>
-          <a:lstStyle/>
-          <a:p>
-            <a:pPr marL="228600" indent="-228600">
-              <a:buAutoNum type="arabicPeriod"/>
-            </a:pPr>
-            <a:endParaRPr lang="fr-FR" sz="1200" dirty="0">
-              <a:ln>
-                <a:solidFill>
-                  <a:schemeClr val="tx1"/>
-                </a:solidFill>
-              </a:ln>
-              <a:latin typeface="Google Sans"/>
-            </a:endParaRPr>
-          </a:p>
-          <a:p>
-            <a:pPr marL="228600" indent="-228600">
-              <a:buAutoNum type="arabicPeriod"/>
-            </a:pPr>
-            <a:endParaRPr lang="fr-FR" dirty="0"/>
-          </a:p>
-        </p:txBody>
-      </p:sp>
-      <p:sp>
-        <p:nvSpPr>
-          <p:cNvPr id="4" name="Espace réservé du numéro de diapositive 3"/>
-          <p:cNvSpPr>
-            <a:spLocks noGrp="1"/>
-          </p:cNvSpPr>
-          <p:nvPr>
-            <p:ph type="sldNum" sz="quarter" idx="5"/>
-          </p:nvPr>
-        </p:nvSpPr>
-        <p:spPr/>
-        <p:txBody>
-          <a:bodyPr/>
-          <a:lstStyle/>
-          <a:p>
-            <a:fld id="{B2BE2823-3393-479C-B299-87C7B63AEB2B}" type="slidenum">
-              <a:rPr lang="en-US" smtClean="0"/>
-              <a:t>24</a:t>
-            </a:fld>
-            <a:endParaRPr lang="en-US"/>
-          </a:p>
-        </p:txBody>
-      </p:sp>
-    </p:spTree>
-    <p:extLst>
-      <p:ext uri="{BB962C8B-B14F-4D97-AF65-F5344CB8AC3E}">
-        <p14:creationId xmlns:p14="http://schemas.microsoft.com/office/powerpoint/2010/main" val="2639844077"/>
-      </p:ext>
-    </p:extLst>
-  </p:cSld>
-  <p:clrMapOvr>
-    <a:masterClrMapping/>
-  </p:clrMapOvr>
-</p:notes>
-</file>
-
-<file path=ppt/notesSlides/notesSlide25.xml><?xml version="1.0" encoding="utf-8"?>
-<p:notes xmlns:a="http://schemas.openxmlformats.org/drawingml/2006/main" xmlns:r="http://schemas.openxmlformats.org/officeDocument/2006/relationships" xmlns:p="http://schemas.openxmlformats.org/presentationml/2006/main">
-  <p:cSld>
-    <p:spTree>
-      <p:nvGrpSpPr>
-        <p:cNvPr id="1" name=""/>
-        <p:cNvGrpSpPr/>
-        <p:nvPr/>
-      </p:nvGrpSpPr>
-      <p:grpSpPr>
-        <a:xfrm>
-          <a:off x="0" y="0"/>
-          <a:ext cx="0" cy="0"/>
-          <a:chOff x="0" y="0"/>
-          <a:chExt cx="0" cy="0"/>
-        </a:xfrm>
-      </p:grpSpPr>
-      <p:sp>
-        <p:nvSpPr>
-          <p:cNvPr id="2" name="Espace réservé de l'image des diapositives 1"/>
-          <p:cNvSpPr>
-            <a:spLocks noGrp="1" noRot="1" noChangeAspect="1"/>
-          </p:cNvSpPr>
-          <p:nvPr>
-            <p:ph type="sldImg"/>
-          </p:nvPr>
-        </p:nvSpPr>
-        <p:spPr/>
-      </p:sp>
-      <p:sp>
-        <p:nvSpPr>
-          <p:cNvPr id="3" name="Espace réservé des notes 2"/>
-          <p:cNvSpPr>
-            <a:spLocks noGrp="1"/>
-          </p:cNvSpPr>
-          <p:nvPr>
-            <p:ph type="body" idx="1"/>
-          </p:nvPr>
-        </p:nvSpPr>
-        <p:spPr/>
-        <p:txBody>
-          <a:bodyPr/>
-          <a:lstStyle/>
-          <a:p>
-            <a:pPr marL="228600" indent="-228600">
-              <a:buAutoNum type="arabicPeriod"/>
-            </a:pPr>
-            <a:endParaRPr lang="fr-FR" sz="1200" dirty="0">
-              <a:ln>
-                <a:solidFill>
-                  <a:schemeClr val="tx1"/>
-                </a:solidFill>
-              </a:ln>
-              <a:latin typeface="Google Sans"/>
-            </a:endParaRPr>
-          </a:p>
-          <a:p>
-            <a:pPr marL="228600" indent="-228600">
-              <a:buAutoNum type="arabicPeriod"/>
-            </a:pPr>
-            <a:endParaRPr lang="fr-FR" dirty="0"/>
-          </a:p>
-        </p:txBody>
-      </p:sp>
-      <p:sp>
-        <p:nvSpPr>
-          <p:cNvPr id="4" name="Espace réservé du numéro de diapositive 3"/>
-          <p:cNvSpPr>
-            <a:spLocks noGrp="1"/>
-          </p:cNvSpPr>
-          <p:nvPr>
-            <p:ph type="sldNum" sz="quarter" idx="5"/>
-          </p:nvPr>
-        </p:nvSpPr>
-        <p:spPr/>
-        <p:txBody>
-          <a:bodyPr/>
-          <a:lstStyle/>
-          <a:p>
-            <a:fld id="{B2BE2823-3393-479C-B299-87C7B63AEB2B}" type="slidenum">
-              <a:rPr lang="en-US" smtClean="0"/>
-              <a:t>25</a:t>
-            </a:fld>
-            <a:endParaRPr lang="en-US"/>
-          </a:p>
-        </p:txBody>
-      </p:sp>
-    </p:spTree>
-    <p:extLst>
-      <p:ext uri="{BB962C8B-B14F-4D97-AF65-F5344CB8AC3E}">
-        <p14:creationId xmlns:p14="http://schemas.microsoft.com/office/powerpoint/2010/main" val="2112149034"/>
-      </p:ext>
-    </p:extLst>
-  </p:cSld>
-  <p:clrMapOvr>
-    <a:masterClrMapping/>
-  </p:clrMapOvr>
-</p:notes>
-</file>
-
-<file path=ppt/notesSlides/notesSlide26.xml><?xml version="1.0" encoding="utf-8"?>
-<p:notes xmlns:a="http://schemas.openxmlformats.org/drawingml/2006/main" xmlns:r="http://schemas.openxmlformats.org/officeDocument/2006/relationships" xmlns:p="http://schemas.openxmlformats.org/presentationml/2006/main">
-  <p:cSld>
-    <p:spTree>
-      <p:nvGrpSpPr>
-        <p:cNvPr id="1" name=""/>
-        <p:cNvGrpSpPr/>
-        <p:nvPr/>
-      </p:nvGrpSpPr>
-      <p:grpSpPr>
-        <a:xfrm>
-          <a:off x="0" y="0"/>
-          <a:ext cx="0" cy="0"/>
-          <a:chOff x="0" y="0"/>
-          <a:chExt cx="0" cy="0"/>
-        </a:xfrm>
-      </p:grpSpPr>
-      <p:sp>
-        <p:nvSpPr>
-          <p:cNvPr id="2" name="Espace réservé de l'image des diapositives 1"/>
-          <p:cNvSpPr>
-            <a:spLocks noGrp="1" noRot="1" noChangeAspect="1"/>
-          </p:cNvSpPr>
-          <p:nvPr>
-            <p:ph type="sldImg"/>
-          </p:nvPr>
-        </p:nvSpPr>
-        <p:spPr/>
-      </p:sp>
-      <p:sp>
-        <p:nvSpPr>
-          <p:cNvPr id="3" name="Espace réservé des notes 2"/>
-          <p:cNvSpPr>
-            <a:spLocks noGrp="1"/>
-          </p:cNvSpPr>
-          <p:nvPr>
-            <p:ph type="body" idx="1"/>
-          </p:nvPr>
-        </p:nvSpPr>
-        <p:spPr/>
-        <p:txBody>
-          <a:bodyPr/>
-          <a:lstStyle/>
-          <a:p>
-            <a:pPr marL="228600" indent="-228600">
-              <a:buAutoNum type="arabicPeriod"/>
-            </a:pPr>
-            <a:endParaRPr lang="fr-FR" sz="1200" dirty="0">
-              <a:ln>
-                <a:solidFill>
-                  <a:schemeClr val="tx1"/>
-                </a:solidFill>
-              </a:ln>
-              <a:latin typeface="Google Sans"/>
-            </a:endParaRPr>
-          </a:p>
-          <a:p>
-            <a:pPr marL="228600" indent="-228600">
-              <a:buAutoNum type="arabicPeriod"/>
-            </a:pPr>
-            <a:endParaRPr lang="fr-FR" dirty="0"/>
-          </a:p>
-        </p:txBody>
-      </p:sp>
-      <p:sp>
-        <p:nvSpPr>
-          <p:cNvPr id="4" name="Espace réservé du numéro de diapositive 3"/>
-          <p:cNvSpPr>
-            <a:spLocks noGrp="1"/>
-          </p:cNvSpPr>
-          <p:nvPr>
-            <p:ph type="sldNum" sz="quarter" idx="5"/>
-          </p:nvPr>
-        </p:nvSpPr>
-        <p:spPr/>
-        <p:txBody>
-          <a:bodyPr/>
-          <a:lstStyle/>
-          <a:p>
-            <a:fld id="{B2BE2823-3393-479C-B299-87C7B63AEB2B}" type="slidenum">
-              <a:rPr lang="en-US" smtClean="0"/>
-              <a:t>26</a:t>
-            </a:fld>
-            <a:endParaRPr lang="en-US"/>
-          </a:p>
-        </p:txBody>
-      </p:sp>
-    </p:spTree>
-    <p:extLst>
-      <p:ext uri="{BB962C8B-B14F-4D97-AF65-F5344CB8AC3E}">
-        <p14:creationId xmlns:p14="http://schemas.microsoft.com/office/powerpoint/2010/main" val="4156865342"/>
-      </p:ext>
-    </p:extLst>
-  </p:cSld>
-  <p:clrMapOvr>
-    <a:masterClrMapping/>
-  </p:clrMapOvr>
-</p:notes>
-</file>
-
-<file path=ppt/notesSlides/notesSlide27.xml><?xml version="1.0" encoding="utf-8"?>
-<p:notes xmlns:a="http://schemas.openxmlformats.org/drawingml/2006/main" xmlns:r="http://schemas.openxmlformats.org/officeDocument/2006/relationships" xmlns:p="http://schemas.openxmlformats.org/presentationml/2006/main">
-  <p:cSld>
-    <p:spTree>
-      <p:nvGrpSpPr>
-        <p:cNvPr id="1" name=""/>
-        <p:cNvGrpSpPr/>
-        <p:nvPr/>
-      </p:nvGrpSpPr>
-      <p:grpSpPr>
-        <a:xfrm>
-          <a:off x="0" y="0"/>
-          <a:ext cx="0" cy="0"/>
-          <a:chOff x="0" y="0"/>
-          <a:chExt cx="0" cy="0"/>
-        </a:xfrm>
-      </p:grpSpPr>
-      <p:sp>
-        <p:nvSpPr>
-          <p:cNvPr id="2" name="Espace réservé de l'image des diapositives 1"/>
-          <p:cNvSpPr>
-            <a:spLocks noGrp="1" noRot="1" noChangeAspect="1"/>
-          </p:cNvSpPr>
-          <p:nvPr>
-            <p:ph type="sldImg"/>
-          </p:nvPr>
-        </p:nvSpPr>
-        <p:spPr/>
-      </p:sp>
-      <p:sp>
-        <p:nvSpPr>
-          <p:cNvPr id="3" name="Espace réservé des notes 2"/>
-          <p:cNvSpPr>
-            <a:spLocks noGrp="1"/>
-          </p:cNvSpPr>
-          <p:nvPr>
-            <p:ph type="body" idx="1"/>
-          </p:nvPr>
-        </p:nvSpPr>
-        <p:spPr/>
-        <p:txBody>
-          <a:bodyPr/>
-          <a:lstStyle/>
-          <a:p>
-            <a:pPr marL="228600" indent="-228600">
-              <a:buAutoNum type="arabicPeriod"/>
-            </a:pPr>
-            <a:endParaRPr lang="fr-FR" sz="1200" dirty="0">
-              <a:ln>
-                <a:solidFill>
-                  <a:schemeClr val="tx1"/>
-                </a:solidFill>
-              </a:ln>
-              <a:latin typeface="Google Sans"/>
-            </a:endParaRPr>
-          </a:p>
-          <a:p>
-            <a:pPr marL="228600" indent="-228600">
-              <a:buAutoNum type="arabicPeriod"/>
-            </a:pPr>
-            <a:endParaRPr lang="fr-FR" dirty="0"/>
-          </a:p>
-        </p:txBody>
-      </p:sp>
-      <p:sp>
-        <p:nvSpPr>
-          <p:cNvPr id="4" name="Espace réservé du numéro de diapositive 3"/>
-          <p:cNvSpPr>
-            <a:spLocks noGrp="1"/>
-          </p:cNvSpPr>
-          <p:nvPr>
-            <p:ph type="sldNum" sz="quarter" idx="5"/>
-          </p:nvPr>
-        </p:nvSpPr>
-        <p:spPr/>
-        <p:txBody>
-          <a:bodyPr/>
-          <a:lstStyle/>
-          <a:p>
-            <a:fld id="{B2BE2823-3393-479C-B299-87C7B63AEB2B}" type="slidenum">
-              <a:rPr lang="en-US" smtClean="0"/>
-              <a:t>27</a:t>
             </a:fld>
             <a:endParaRPr lang="en-US"/>
           </a:p>
@@ -10785,8 +10280,8 @@
           </a:prstGeom>
         </p:spPr>
       </p:pic>
-      <mc:AlternateContent xmlns:mc="http://schemas.openxmlformats.org/markup-compatibility/2006">
-        <mc:Choice xmlns:p14="http://schemas.microsoft.com/office/powerpoint/2010/main" Requires="p14">
+      <mc:AlternateContent xmlns:mc="http://schemas.openxmlformats.org/markup-compatibility/2006" xmlns:p14="http://schemas.microsoft.com/office/powerpoint/2010/main">
+        <mc:Choice Requires="p14">
           <p:contentPart p14:bwMode="auto" r:id="rId4">
             <p14:nvContentPartPr>
               <p14:cNvPr id="2" name="Encre 1">
@@ -10805,7 +10300,7 @@
             </p14:xfrm>
           </p:contentPart>
         </mc:Choice>
-        <mc:Fallback>
+        <mc:Fallback xmlns="">
           <p:pic>
             <p:nvPicPr>
               <p:cNvPr id="2" name="Encre 1">
@@ -12737,6 +12232,36 @@
           </a:p>
         </p:txBody>
       </p:sp>
+      <p:pic>
+        <p:nvPicPr>
+          <p:cNvPr id="3" name="Image 2">
+            <a:extLst>
+              <a:ext uri="{FF2B5EF4-FFF2-40B4-BE49-F238E27FC236}">
+                <a16:creationId xmlns:a16="http://schemas.microsoft.com/office/drawing/2014/main" id="{734512F0-3A9E-4C23-B898-09A2F3B5F0A0}"/>
+              </a:ext>
+            </a:extLst>
+          </p:cNvPr>
+          <p:cNvPicPr>
+            <a:picLocks noChangeAspect="1"/>
+          </p:cNvPicPr>
+          <p:nvPr/>
+        </p:nvPicPr>
+        <p:blipFill>
+          <a:blip r:embed="rId3"/>
+          <a:stretch>
+            <a:fillRect/>
+          </a:stretch>
+        </p:blipFill>
+        <p:spPr>
+          <a:xfrm>
+            <a:off x="3143250" y="1552575"/>
+            <a:ext cx="5905500" cy="3752850"/>
+          </a:xfrm>
+          <a:prstGeom prst="rect">
+            <a:avLst/>
+          </a:prstGeom>
+        </p:spPr>
+      </p:pic>
     </p:spTree>
     <p:extLst>
       <p:ext uri="{BB962C8B-B14F-4D97-AF65-F5344CB8AC3E}">
@@ -12937,8 +12462,18 @@
                 </a:solidFill>
                 <a:latin typeface="Google Sans"/>
               </a:rPr>
-              <a:t>XXXXXXXXXXXXXX</a:t>
-            </a:r>
+              <a:t>Ce que je vais faire.</a:t>
+            </a:r>
+            <a:endParaRPr lang="es-419" sz="4000" b="1" u="sng" dirty="0">
+              <a:ln>
+                <a:solidFill>
+                  <a:srgbClr val="7451EB"/>
+                </a:solidFill>
+              </a:ln>
+              <a:solidFill>
+                <a:srgbClr val="7451EB"/>
+              </a:solidFill>
+            </a:endParaRPr>
           </a:p>
         </p:txBody>
       </p:sp>
@@ -13005,1378 +12540,6 @@
           </a:p>
         </p:txBody>
       </p:sp>
-    </p:spTree>
-    <p:extLst>
-      <p:ext uri="{BB962C8B-B14F-4D97-AF65-F5344CB8AC3E}">
-        <p14:creationId xmlns:p14="http://schemas.microsoft.com/office/powerpoint/2010/main" val="3498588890"/>
-      </p:ext>
-    </p:extLst>
-  </p:cSld>
-  <p:clrMapOvr>
-    <a:masterClrMapping/>
-  </p:clrMapOvr>
-</p:sld>
-</file>
-
-<file path=ppt/slides/slide23.xml><?xml version="1.0" encoding="utf-8"?>
-<p:sld xmlns:a="http://schemas.openxmlformats.org/drawingml/2006/main" xmlns:r="http://schemas.openxmlformats.org/officeDocument/2006/relationships" xmlns:p="http://schemas.openxmlformats.org/presentationml/2006/main">
-  <p:cSld>
-    <p:spTree>
-      <p:nvGrpSpPr>
-        <p:cNvPr id="1" name=""/>
-        <p:cNvGrpSpPr/>
-        <p:nvPr/>
-      </p:nvGrpSpPr>
-      <p:grpSpPr>
-        <a:xfrm>
-          <a:off x="0" y="0"/>
-          <a:ext cx="0" cy="0"/>
-          <a:chOff x="0" y="0"/>
-          <a:chExt cx="0" cy="0"/>
-        </a:xfrm>
-      </p:grpSpPr>
-      <p:sp>
-        <p:nvSpPr>
-          <p:cNvPr id="5" name="Rectangle 4">
-            <a:extLst>
-              <a:ext uri="{FF2B5EF4-FFF2-40B4-BE49-F238E27FC236}">
-                <a16:creationId xmlns:a16="http://schemas.microsoft.com/office/drawing/2014/main" id="{A00233D2-38CE-441F-90C9-32F91999758A}"/>
-              </a:ext>
-            </a:extLst>
-          </p:cNvPr>
-          <p:cNvSpPr/>
-          <p:nvPr/>
-        </p:nvSpPr>
-        <p:spPr>
-          <a:xfrm>
-            <a:off x="0" y="6400273"/>
-            <a:ext cx="12192000" cy="457727"/>
-          </a:xfrm>
-          <a:prstGeom prst="rect">
-            <a:avLst/>
-          </a:prstGeom>
-          <a:solidFill>
-            <a:srgbClr val="7451EB"/>
-          </a:solidFill>
-          <a:ln>
-            <a:solidFill>
-              <a:srgbClr val="7451EB"/>
-            </a:solidFill>
-          </a:ln>
-        </p:spPr>
-        <p:style>
-          <a:lnRef idx="2">
-            <a:schemeClr val="accent1">
-              <a:shade val="50000"/>
-            </a:schemeClr>
-          </a:lnRef>
-          <a:fillRef idx="1">
-            <a:schemeClr val="accent1"/>
-          </a:fillRef>
-          <a:effectRef idx="0">
-            <a:schemeClr val="accent1"/>
-          </a:effectRef>
-          <a:fontRef idx="minor">
-            <a:schemeClr val="lt1"/>
-          </a:fontRef>
-        </p:style>
-        <p:txBody>
-          <a:bodyPr rtlCol="0" anchor="ctr"/>
-          <a:lstStyle/>
-          <a:p>
-            <a:pPr algn="ctr"/>
-            <a:endParaRPr lang="en-US" dirty="0"/>
-          </a:p>
-        </p:txBody>
-      </p:sp>
-      <p:sp>
-        <p:nvSpPr>
-          <p:cNvPr id="15" name="TextBox 3">
-            <a:extLst>
-              <a:ext uri="{FF2B5EF4-FFF2-40B4-BE49-F238E27FC236}">
-                <a16:creationId xmlns:a16="http://schemas.microsoft.com/office/drawing/2014/main" id="{47FC2DCC-BDE9-485D-AF79-4177B5479110}"/>
-              </a:ext>
-            </a:extLst>
-          </p:cNvPr>
-          <p:cNvSpPr txBox="1"/>
-          <p:nvPr/>
-        </p:nvSpPr>
-        <p:spPr>
-          <a:xfrm>
-            <a:off x="10543592" y="6475247"/>
-            <a:ext cx="1648408" cy="307777"/>
-          </a:xfrm>
-          <a:prstGeom prst="rect">
-            <a:avLst/>
-          </a:prstGeom>
-          <a:noFill/>
-        </p:spPr>
-        <p:txBody>
-          <a:bodyPr wrap="square" rtlCol="0">
-            <a:spAutoFit/>
-          </a:bodyPr>
-          <a:lstStyle/>
-          <a:p>
-            <a:pPr algn="r"/>
-            <a:r>
-              <a:rPr lang="es-CO" sz="1400" b="1" i="1" dirty="0" err="1">
-                <a:ln>
-                  <a:solidFill>
-                    <a:schemeClr val="bg1"/>
-                  </a:solidFill>
-                </a:ln>
-                <a:solidFill>
-                  <a:schemeClr val="bg1"/>
-                </a:solidFill>
-                <a:latin typeface="+mj-lt"/>
-              </a:rPr>
-              <a:t>OpenClassrooms</a:t>
-            </a:r>
-            <a:endParaRPr lang="en-US" sz="1400" b="1" i="1" dirty="0">
-              <a:ln>
-                <a:solidFill>
-                  <a:schemeClr val="bg1"/>
-                </a:solidFill>
-              </a:ln>
-              <a:solidFill>
-                <a:schemeClr val="bg1"/>
-              </a:solidFill>
-              <a:latin typeface="+mj-lt"/>
-            </a:endParaRPr>
-          </a:p>
-        </p:txBody>
-      </p:sp>
-      <p:sp>
-        <p:nvSpPr>
-          <p:cNvPr id="10" name="Titre 1">
-            <a:extLst>
-              <a:ext uri="{FF2B5EF4-FFF2-40B4-BE49-F238E27FC236}">
-                <a16:creationId xmlns:a16="http://schemas.microsoft.com/office/drawing/2014/main" id="{224E5C7D-3656-459F-9C01-61200508167F}"/>
-              </a:ext>
-            </a:extLst>
-          </p:cNvPr>
-          <p:cNvSpPr txBox="1">
-            <a:spLocks/>
-          </p:cNvSpPr>
-          <p:nvPr/>
-        </p:nvSpPr>
-        <p:spPr>
-          <a:xfrm>
-            <a:off x="279917" y="432794"/>
-            <a:ext cx="9452805" cy="820048"/>
-          </a:xfrm>
-          <a:prstGeom prst="rect">
-            <a:avLst/>
-          </a:prstGeom>
-        </p:spPr>
-        <p:txBody>
-          <a:bodyPr vert="horz" lIns="91440" tIns="45720" rIns="91440" bIns="45720" rtlCol="0" anchor="ctr">
-            <a:normAutofit/>
-          </a:bodyPr>
-          <a:lstStyle>
-            <a:lvl1pPr algn="l" defTabSz="914400" rtl="0" eaLnBrk="1" latinLnBrk="0" hangingPunct="1">
-              <a:lnSpc>
-                <a:spcPct val="90000"/>
-              </a:lnSpc>
-              <a:spcBef>
-                <a:spcPct val="0"/>
-              </a:spcBef>
-              <a:buNone/>
-              <a:defRPr sz="4400" kern="1200">
-                <a:solidFill>
-                  <a:schemeClr val="tx1"/>
-                </a:solidFill>
-                <a:latin typeface="+mj-lt"/>
-                <a:ea typeface="+mj-ea"/>
-                <a:cs typeface="+mj-cs"/>
-              </a:defRPr>
-            </a:lvl1pPr>
-          </a:lstStyle>
-          <a:p>
-            <a:r>
-              <a:rPr lang="fr-FR" sz="4000" b="1" dirty="0">
-                <a:ln>
-                  <a:solidFill>
-                    <a:srgbClr val="7451EB"/>
-                  </a:solidFill>
-                </a:ln>
-                <a:solidFill>
-                  <a:srgbClr val="7451EB"/>
-                </a:solidFill>
-                <a:latin typeface="Google Sans"/>
-              </a:rPr>
-              <a:t>XXXXXXXXXXXXXX</a:t>
-            </a:r>
-          </a:p>
-        </p:txBody>
-      </p:sp>
-      <p:sp>
-        <p:nvSpPr>
-          <p:cNvPr id="11" name="Rectángulo 4">
-            <a:extLst>
-              <a:ext uri="{FF2B5EF4-FFF2-40B4-BE49-F238E27FC236}">
-                <a16:creationId xmlns:a16="http://schemas.microsoft.com/office/drawing/2014/main" id="{B84F0FDC-2C73-4C87-9CC7-F9F129B3A699}"/>
-              </a:ext>
-            </a:extLst>
-          </p:cNvPr>
-          <p:cNvSpPr/>
-          <p:nvPr/>
-        </p:nvSpPr>
-        <p:spPr>
-          <a:xfrm>
-            <a:off x="377906" y="378794"/>
-            <a:ext cx="366721" cy="54000"/>
-          </a:xfrm>
-          <a:prstGeom prst="rect">
-            <a:avLst/>
-          </a:prstGeom>
-          <a:solidFill>
-            <a:srgbClr val="7451EB"/>
-          </a:solidFill>
-          <a:ln>
-            <a:solidFill>
-              <a:srgbClr val="7451EB"/>
-            </a:solidFill>
-          </a:ln>
-        </p:spPr>
-        <p:style>
-          <a:lnRef idx="2">
-            <a:schemeClr val="accent1">
-              <a:shade val="50000"/>
-            </a:schemeClr>
-          </a:lnRef>
-          <a:fillRef idx="1">
-            <a:schemeClr val="accent1"/>
-          </a:fillRef>
-          <a:effectRef idx="0">
-            <a:schemeClr val="accent1"/>
-          </a:effectRef>
-          <a:fontRef idx="minor">
-            <a:schemeClr val="lt1"/>
-          </a:fontRef>
-        </p:style>
-        <p:txBody>
-          <a:bodyPr rtlCol="0" anchor="ctr"/>
-          <a:lstStyle/>
-          <a:p>
-            <a:pPr algn="ctr"/>
-            <a:endParaRPr lang="es-AR">
-              <a:ln>
-                <a:solidFill>
-                  <a:srgbClr val="7451EB"/>
-                </a:solidFill>
-              </a:ln>
-              <a:solidFill>
-                <a:srgbClr val="7451EB"/>
-              </a:solidFill>
-            </a:endParaRPr>
-          </a:p>
-        </p:txBody>
-      </p:sp>
-    </p:spTree>
-    <p:extLst>
-      <p:ext uri="{BB962C8B-B14F-4D97-AF65-F5344CB8AC3E}">
-        <p14:creationId xmlns:p14="http://schemas.microsoft.com/office/powerpoint/2010/main" val="2518645492"/>
-      </p:ext>
-    </p:extLst>
-  </p:cSld>
-  <p:clrMapOvr>
-    <a:masterClrMapping/>
-  </p:clrMapOvr>
-</p:sld>
-</file>
-
-<file path=ppt/slides/slide24.xml><?xml version="1.0" encoding="utf-8"?>
-<p:sld xmlns:a="http://schemas.openxmlformats.org/drawingml/2006/main" xmlns:r="http://schemas.openxmlformats.org/officeDocument/2006/relationships" xmlns:p="http://schemas.openxmlformats.org/presentationml/2006/main">
-  <p:cSld>
-    <p:spTree>
-      <p:nvGrpSpPr>
-        <p:cNvPr id="1" name=""/>
-        <p:cNvGrpSpPr/>
-        <p:nvPr/>
-      </p:nvGrpSpPr>
-      <p:grpSpPr>
-        <a:xfrm>
-          <a:off x="0" y="0"/>
-          <a:ext cx="0" cy="0"/>
-          <a:chOff x="0" y="0"/>
-          <a:chExt cx="0" cy="0"/>
-        </a:xfrm>
-      </p:grpSpPr>
-      <p:sp>
-        <p:nvSpPr>
-          <p:cNvPr id="5" name="Rectangle 4">
-            <a:extLst>
-              <a:ext uri="{FF2B5EF4-FFF2-40B4-BE49-F238E27FC236}">
-                <a16:creationId xmlns:a16="http://schemas.microsoft.com/office/drawing/2014/main" id="{A00233D2-38CE-441F-90C9-32F91999758A}"/>
-              </a:ext>
-            </a:extLst>
-          </p:cNvPr>
-          <p:cNvSpPr/>
-          <p:nvPr/>
-        </p:nvSpPr>
-        <p:spPr>
-          <a:xfrm>
-            <a:off x="0" y="6400273"/>
-            <a:ext cx="12192000" cy="457727"/>
-          </a:xfrm>
-          <a:prstGeom prst="rect">
-            <a:avLst/>
-          </a:prstGeom>
-          <a:solidFill>
-            <a:srgbClr val="7451EB"/>
-          </a:solidFill>
-          <a:ln>
-            <a:solidFill>
-              <a:srgbClr val="7451EB"/>
-            </a:solidFill>
-          </a:ln>
-        </p:spPr>
-        <p:style>
-          <a:lnRef idx="2">
-            <a:schemeClr val="accent1">
-              <a:shade val="50000"/>
-            </a:schemeClr>
-          </a:lnRef>
-          <a:fillRef idx="1">
-            <a:schemeClr val="accent1"/>
-          </a:fillRef>
-          <a:effectRef idx="0">
-            <a:schemeClr val="accent1"/>
-          </a:effectRef>
-          <a:fontRef idx="minor">
-            <a:schemeClr val="lt1"/>
-          </a:fontRef>
-        </p:style>
-        <p:txBody>
-          <a:bodyPr rtlCol="0" anchor="ctr"/>
-          <a:lstStyle/>
-          <a:p>
-            <a:pPr algn="ctr"/>
-            <a:endParaRPr lang="en-US" dirty="0"/>
-          </a:p>
-        </p:txBody>
-      </p:sp>
-      <p:sp>
-        <p:nvSpPr>
-          <p:cNvPr id="15" name="TextBox 3">
-            <a:extLst>
-              <a:ext uri="{FF2B5EF4-FFF2-40B4-BE49-F238E27FC236}">
-                <a16:creationId xmlns:a16="http://schemas.microsoft.com/office/drawing/2014/main" id="{47FC2DCC-BDE9-485D-AF79-4177B5479110}"/>
-              </a:ext>
-            </a:extLst>
-          </p:cNvPr>
-          <p:cNvSpPr txBox="1"/>
-          <p:nvPr/>
-        </p:nvSpPr>
-        <p:spPr>
-          <a:xfrm>
-            <a:off x="10543592" y="6475247"/>
-            <a:ext cx="1648408" cy="307777"/>
-          </a:xfrm>
-          <a:prstGeom prst="rect">
-            <a:avLst/>
-          </a:prstGeom>
-          <a:noFill/>
-        </p:spPr>
-        <p:txBody>
-          <a:bodyPr wrap="square" rtlCol="0">
-            <a:spAutoFit/>
-          </a:bodyPr>
-          <a:lstStyle/>
-          <a:p>
-            <a:pPr algn="r"/>
-            <a:r>
-              <a:rPr lang="es-CO" sz="1400" b="1" i="1" dirty="0" err="1">
-                <a:ln>
-                  <a:solidFill>
-                    <a:schemeClr val="bg1"/>
-                  </a:solidFill>
-                </a:ln>
-                <a:solidFill>
-                  <a:schemeClr val="bg1"/>
-                </a:solidFill>
-                <a:latin typeface="+mj-lt"/>
-              </a:rPr>
-              <a:t>OpenClassrooms</a:t>
-            </a:r>
-            <a:endParaRPr lang="en-US" sz="1400" b="1" i="1" dirty="0">
-              <a:ln>
-                <a:solidFill>
-                  <a:schemeClr val="bg1"/>
-                </a:solidFill>
-              </a:ln>
-              <a:solidFill>
-                <a:schemeClr val="bg1"/>
-              </a:solidFill>
-              <a:latin typeface="+mj-lt"/>
-            </a:endParaRPr>
-          </a:p>
-        </p:txBody>
-      </p:sp>
-      <p:sp>
-        <p:nvSpPr>
-          <p:cNvPr id="10" name="Titre 1">
-            <a:extLst>
-              <a:ext uri="{FF2B5EF4-FFF2-40B4-BE49-F238E27FC236}">
-                <a16:creationId xmlns:a16="http://schemas.microsoft.com/office/drawing/2014/main" id="{224E5C7D-3656-459F-9C01-61200508167F}"/>
-              </a:ext>
-            </a:extLst>
-          </p:cNvPr>
-          <p:cNvSpPr txBox="1">
-            <a:spLocks/>
-          </p:cNvSpPr>
-          <p:nvPr/>
-        </p:nvSpPr>
-        <p:spPr>
-          <a:xfrm>
-            <a:off x="279917" y="432794"/>
-            <a:ext cx="9452805" cy="820048"/>
-          </a:xfrm>
-          <a:prstGeom prst="rect">
-            <a:avLst/>
-          </a:prstGeom>
-        </p:spPr>
-        <p:txBody>
-          <a:bodyPr vert="horz" lIns="91440" tIns="45720" rIns="91440" bIns="45720" rtlCol="0" anchor="ctr">
-            <a:normAutofit/>
-          </a:bodyPr>
-          <a:lstStyle>
-            <a:lvl1pPr algn="l" defTabSz="914400" rtl="0" eaLnBrk="1" latinLnBrk="0" hangingPunct="1">
-              <a:lnSpc>
-                <a:spcPct val="90000"/>
-              </a:lnSpc>
-              <a:spcBef>
-                <a:spcPct val="0"/>
-              </a:spcBef>
-              <a:buNone/>
-              <a:defRPr sz="4400" kern="1200">
-                <a:solidFill>
-                  <a:schemeClr val="tx1"/>
-                </a:solidFill>
-                <a:latin typeface="+mj-lt"/>
-                <a:ea typeface="+mj-ea"/>
-                <a:cs typeface="+mj-cs"/>
-              </a:defRPr>
-            </a:lvl1pPr>
-          </a:lstStyle>
-          <a:p>
-            <a:r>
-              <a:rPr lang="fr-FR" sz="4000" b="1" dirty="0">
-                <a:ln>
-                  <a:solidFill>
-                    <a:srgbClr val="7451EB"/>
-                  </a:solidFill>
-                </a:ln>
-                <a:solidFill>
-                  <a:srgbClr val="7451EB"/>
-                </a:solidFill>
-                <a:latin typeface="Google Sans"/>
-              </a:rPr>
-              <a:t>XXXXXXXXXXXXXX</a:t>
-            </a:r>
-          </a:p>
-        </p:txBody>
-      </p:sp>
-      <p:sp>
-        <p:nvSpPr>
-          <p:cNvPr id="11" name="Rectángulo 4">
-            <a:extLst>
-              <a:ext uri="{FF2B5EF4-FFF2-40B4-BE49-F238E27FC236}">
-                <a16:creationId xmlns:a16="http://schemas.microsoft.com/office/drawing/2014/main" id="{B84F0FDC-2C73-4C87-9CC7-F9F129B3A699}"/>
-              </a:ext>
-            </a:extLst>
-          </p:cNvPr>
-          <p:cNvSpPr/>
-          <p:nvPr/>
-        </p:nvSpPr>
-        <p:spPr>
-          <a:xfrm>
-            <a:off x="377906" y="378794"/>
-            <a:ext cx="366721" cy="54000"/>
-          </a:xfrm>
-          <a:prstGeom prst="rect">
-            <a:avLst/>
-          </a:prstGeom>
-          <a:solidFill>
-            <a:srgbClr val="7451EB"/>
-          </a:solidFill>
-          <a:ln>
-            <a:solidFill>
-              <a:srgbClr val="7451EB"/>
-            </a:solidFill>
-          </a:ln>
-        </p:spPr>
-        <p:style>
-          <a:lnRef idx="2">
-            <a:schemeClr val="accent1">
-              <a:shade val="50000"/>
-            </a:schemeClr>
-          </a:lnRef>
-          <a:fillRef idx="1">
-            <a:schemeClr val="accent1"/>
-          </a:fillRef>
-          <a:effectRef idx="0">
-            <a:schemeClr val="accent1"/>
-          </a:effectRef>
-          <a:fontRef idx="minor">
-            <a:schemeClr val="lt1"/>
-          </a:fontRef>
-        </p:style>
-        <p:txBody>
-          <a:bodyPr rtlCol="0" anchor="ctr"/>
-          <a:lstStyle/>
-          <a:p>
-            <a:pPr algn="ctr"/>
-            <a:endParaRPr lang="es-AR">
-              <a:ln>
-                <a:solidFill>
-                  <a:srgbClr val="7451EB"/>
-                </a:solidFill>
-              </a:ln>
-              <a:solidFill>
-                <a:srgbClr val="7451EB"/>
-              </a:solidFill>
-            </a:endParaRPr>
-          </a:p>
-        </p:txBody>
-      </p:sp>
-    </p:spTree>
-    <p:extLst>
-      <p:ext uri="{BB962C8B-B14F-4D97-AF65-F5344CB8AC3E}">
-        <p14:creationId xmlns:p14="http://schemas.microsoft.com/office/powerpoint/2010/main" val="1144220657"/>
-      </p:ext>
-    </p:extLst>
-  </p:cSld>
-  <p:clrMapOvr>
-    <a:masterClrMapping/>
-  </p:clrMapOvr>
-</p:sld>
-</file>
-
-<file path=ppt/slides/slide25.xml><?xml version="1.0" encoding="utf-8"?>
-<p:sld xmlns:a="http://schemas.openxmlformats.org/drawingml/2006/main" xmlns:r="http://schemas.openxmlformats.org/officeDocument/2006/relationships" xmlns:p="http://schemas.openxmlformats.org/presentationml/2006/main">
-  <p:cSld>
-    <p:spTree>
-      <p:nvGrpSpPr>
-        <p:cNvPr id="1" name=""/>
-        <p:cNvGrpSpPr/>
-        <p:nvPr/>
-      </p:nvGrpSpPr>
-      <p:grpSpPr>
-        <a:xfrm>
-          <a:off x="0" y="0"/>
-          <a:ext cx="0" cy="0"/>
-          <a:chOff x="0" y="0"/>
-          <a:chExt cx="0" cy="0"/>
-        </a:xfrm>
-      </p:grpSpPr>
-      <p:sp>
-        <p:nvSpPr>
-          <p:cNvPr id="5" name="Rectangle 4">
-            <a:extLst>
-              <a:ext uri="{FF2B5EF4-FFF2-40B4-BE49-F238E27FC236}">
-                <a16:creationId xmlns:a16="http://schemas.microsoft.com/office/drawing/2014/main" id="{A00233D2-38CE-441F-90C9-32F91999758A}"/>
-              </a:ext>
-            </a:extLst>
-          </p:cNvPr>
-          <p:cNvSpPr/>
-          <p:nvPr/>
-        </p:nvSpPr>
-        <p:spPr>
-          <a:xfrm>
-            <a:off x="0" y="6400273"/>
-            <a:ext cx="12192000" cy="457727"/>
-          </a:xfrm>
-          <a:prstGeom prst="rect">
-            <a:avLst/>
-          </a:prstGeom>
-          <a:solidFill>
-            <a:srgbClr val="7451EB"/>
-          </a:solidFill>
-          <a:ln>
-            <a:solidFill>
-              <a:srgbClr val="7451EB"/>
-            </a:solidFill>
-          </a:ln>
-        </p:spPr>
-        <p:style>
-          <a:lnRef idx="2">
-            <a:schemeClr val="accent1">
-              <a:shade val="50000"/>
-            </a:schemeClr>
-          </a:lnRef>
-          <a:fillRef idx="1">
-            <a:schemeClr val="accent1"/>
-          </a:fillRef>
-          <a:effectRef idx="0">
-            <a:schemeClr val="accent1"/>
-          </a:effectRef>
-          <a:fontRef idx="minor">
-            <a:schemeClr val="lt1"/>
-          </a:fontRef>
-        </p:style>
-        <p:txBody>
-          <a:bodyPr rtlCol="0" anchor="ctr"/>
-          <a:lstStyle/>
-          <a:p>
-            <a:pPr algn="ctr"/>
-            <a:endParaRPr lang="en-US" dirty="0"/>
-          </a:p>
-        </p:txBody>
-      </p:sp>
-      <p:sp>
-        <p:nvSpPr>
-          <p:cNvPr id="15" name="TextBox 3">
-            <a:extLst>
-              <a:ext uri="{FF2B5EF4-FFF2-40B4-BE49-F238E27FC236}">
-                <a16:creationId xmlns:a16="http://schemas.microsoft.com/office/drawing/2014/main" id="{47FC2DCC-BDE9-485D-AF79-4177B5479110}"/>
-              </a:ext>
-            </a:extLst>
-          </p:cNvPr>
-          <p:cNvSpPr txBox="1"/>
-          <p:nvPr/>
-        </p:nvSpPr>
-        <p:spPr>
-          <a:xfrm>
-            <a:off x="10543592" y="6475247"/>
-            <a:ext cx="1648408" cy="307777"/>
-          </a:xfrm>
-          <a:prstGeom prst="rect">
-            <a:avLst/>
-          </a:prstGeom>
-          <a:noFill/>
-        </p:spPr>
-        <p:txBody>
-          <a:bodyPr wrap="square" rtlCol="0">
-            <a:spAutoFit/>
-          </a:bodyPr>
-          <a:lstStyle/>
-          <a:p>
-            <a:pPr algn="r"/>
-            <a:r>
-              <a:rPr lang="es-CO" sz="1400" b="1" i="1" dirty="0" err="1">
-                <a:ln>
-                  <a:solidFill>
-                    <a:schemeClr val="bg1"/>
-                  </a:solidFill>
-                </a:ln>
-                <a:solidFill>
-                  <a:schemeClr val="bg1"/>
-                </a:solidFill>
-                <a:latin typeface="+mj-lt"/>
-              </a:rPr>
-              <a:t>OpenClassrooms</a:t>
-            </a:r>
-            <a:endParaRPr lang="en-US" sz="1400" b="1" i="1" dirty="0">
-              <a:ln>
-                <a:solidFill>
-                  <a:schemeClr val="bg1"/>
-                </a:solidFill>
-              </a:ln>
-              <a:solidFill>
-                <a:schemeClr val="bg1"/>
-              </a:solidFill>
-              <a:latin typeface="+mj-lt"/>
-            </a:endParaRPr>
-          </a:p>
-        </p:txBody>
-      </p:sp>
-      <p:sp>
-        <p:nvSpPr>
-          <p:cNvPr id="10" name="Titre 1">
-            <a:extLst>
-              <a:ext uri="{FF2B5EF4-FFF2-40B4-BE49-F238E27FC236}">
-                <a16:creationId xmlns:a16="http://schemas.microsoft.com/office/drawing/2014/main" id="{224E5C7D-3656-459F-9C01-61200508167F}"/>
-              </a:ext>
-            </a:extLst>
-          </p:cNvPr>
-          <p:cNvSpPr txBox="1">
-            <a:spLocks/>
-          </p:cNvSpPr>
-          <p:nvPr/>
-        </p:nvSpPr>
-        <p:spPr>
-          <a:xfrm>
-            <a:off x="279917" y="432794"/>
-            <a:ext cx="9452805" cy="820048"/>
-          </a:xfrm>
-          <a:prstGeom prst="rect">
-            <a:avLst/>
-          </a:prstGeom>
-        </p:spPr>
-        <p:txBody>
-          <a:bodyPr vert="horz" lIns="91440" tIns="45720" rIns="91440" bIns="45720" rtlCol="0" anchor="ctr">
-            <a:normAutofit/>
-          </a:bodyPr>
-          <a:lstStyle>
-            <a:lvl1pPr algn="l" defTabSz="914400" rtl="0" eaLnBrk="1" latinLnBrk="0" hangingPunct="1">
-              <a:lnSpc>
-                <a:spcPct val="90000"/>
-              </a:lnSpc>
-              <a:spcBef>
-                <a:spcPct val="0"/>
-              </a:spcBef>
-              <a:buNone/>
-              <a:defRPr sz="4400" kern="1200">
-                <a:solidFill>
-                  <a:schemeClr val="tx1"/>
-                </a:solidFill>
-                <a:latin typeface="+mj-lt"/>
-                <a:ea typeface="+mj-ea"/>
-                <a:cs typeface="+mj-cs"/>
-              </a:defRPr>
-            </a:lvl1pPr>
-          </a:lstStyle>
-          <a:p>
-            <a:r>
-              <a:rPr lang="fr-FR" sz="4000" b="1" dirty="0" err="1">
-                <a:ln>
-                  <a:solidFill>
-                    <a:srgbClr val="7451EB"/>
-                  </a:solidFill>
-                </a:ln>
-                <a:solidFill>
-                  <a:srgbClr val="7451EB"/>
-                </a:solidFill>
-                <a:latin typeface="Google Sans"/>
-              </a:rPr>
-              <a:t>RandomForestRegressor</a:t>
-            </a:r>
-            <a:endParaRPr lang="fr-FR" sz="4000" b="1" dirty="0">
-              <a:ln>
-                <a:solidFill>
-                  <a:srgbClr val="7451EB"/>
-                </a:solidFill>
-              </a:ln>
-              <a:solidFill>
-                <a:srgbClr val="7451EB"/>
-              </a:solidFill>
-              <a:latin typeface="Google Sans"/>
-            </a:endParaRPr>
-          </a:p>
-        </p:txBody>
-      </p:sp>
-      <p:sp>
-        <p:nvSpPr>
-          <p:cNvPr id="11" name="Rectángulo 4">
-            <a:extLst>
-              <a:ext uri="{FF2B5EF4-FFF2-40B4-BE49-F238E27FC236}">
-                <a16:creationId xmlns:a16="http://schemas.microsoft.com/office/drawing/2014/main" id="{B84F0FDC-2C73-4C87-9CC7-F9F129B3A699}"/>
-              </a:ext>
-            </a:extLst>
-          </p:cNvPr>
-          <p:cNvSpPr/>
-          <p:nvPr/>
-        </p:nvSpPr>
-        <p:spPr>
-          <a:xfrm>
-            <a:off x="377906" y="378794"/>
-            <a:ext cx="366721" cy="54000"/>
-          </a:xfrm>
-          <a:prstGeom prst="rect">
-            <a:avLst/>
-          </a:prstGeom>
-          <a:solidFill>
-            <a:srgbClr val="7451EB"/>
-          </a:solidFill>
-          <a:ln>
-            <a:solidFill>
-              <a:srgbClr val="7451EB"/>
-            </a:solidFill>
-          </a:ln>
-        </p:spPr>
-        <p:style>
-          <a:lnRef idx="2">
-            <a:schemeClr val="accent1">
-              <a:shade val="50000"/>
-            </a:schemeClr>
-          </a:lnRef>
-          <a:fillRef idx="1">
-            <a:schemeClr val="accent1"/>
-          </a:fillRef>
-          <a:effectRef idx="0">
-            <a:schemeClr val="accent1"/>
-          </a:effectRef>
-          <a:fontRef idx="minor">
-            <a:schemeClr val="lt1"/>
-          </a:fontRef>
-        </p:style>
-        <p:txBody>
-          <a:bodyPr rtlCol="0" anchor="ctr"/>
-          <a:lstStyle/>
-          <a:p>
-            <a:pPr algn="ctr"/>
-            <a:endParaRPr lang="es-AR">
-              <a:ln>
-                <a:solidFill>
-                  <a:srgbClr val="7451EB"/>
-                </a:solidFill>
-              </a:ln>
-              <a:solidFill>
-                <a:srgbClr val="7451EB"/>
-              </a:solidFill>
-            </a:endParaRPr>
-          </a:p>
-        </p:txBody>
-      </p:sp>
-    </p:spTree>
-    <p:extLst>
-      <p:ext uri="{BB962C8B-B14F-4D97-AF65-F5344CB8AC3E}">
-        <p14:creationId xmlns:p14="http://schemas.microsoft.com/office/powerpoint/2010/main" val="2720716022"/>
-      </p:ext>
-    </p:extLst>
-  </p:cSld>
-  <p:clrMapOvr>
-    <a:masterClrMapping/>
-  </p:clrMapOvr>
-</p:sld>
-</file>
-
-<file path=ppt/slides/slide26.xml><?xml version="1.0" encoding="utf-8"?>
-<p:sld xmlns:a="http://schemas.openxmlformats.org/drawingml/2006/main" xmlns:r="http://schemas.openxmlformats.org/officeDocument/2006/relationships" xmlns:p="http://schemas.openxmlformats.org/presentationml/2006/main">
-  <p:cSld>
-    <p:spTree>
-      <p:nvGrpSpPr>
-        <p:cNvPr id="1" name=""/>
-        <p:cNvGrpSpPr/>
-        <p:nvPr/>
-      </p:nvGrpSpPr>
-      <p:grpSpPr>
-        <a:xfrm>
-          <a:off x="0" y="0"/>
-          <a:ext cx="0" cy="0"/>
-          <a:chOff x="0" y="0"/>
-          <a:chExt cx="0" cy="0"/>
-        </a:xfrm>
-      </p:grpSpPr>
-      <p:sp>
-        <p:nvSpPr>
-          <p:cNvPr id="5" name="Rectangle 4">
-            <a:extLst>
-              <a:ext uri="{FF2B5EF4-FFF2-40B4-BE49-F238E27FC236}">
-                <a16:creationId xmlns:a16="http://schemas.microsoft.com/office/drawing/2014/main" id="{A00233D2-38CE-441F-90C9-32F91999758A}"/>
-              </a:ext>
-            </a:extLst>
-          </p:cNvPr>
-          <p:cNvSpPr/>
-          <p:nvPr/>
-        </p:nvSpPr>
-        <p:spPr>
-          <a:xfrm>
-            <a:off x="0" y="6400273"/>
-            <a:ext cx="12192000" cy="457727"/>
-          </a:xfrm>
-          <a:prstGeom prst="rect">
-            <a:avLst/>
-          </a:prstGeom>
-          <a:solidFill>
-            <a:srgbClr val="7451EB"/>
-          </a:solidFill>
-          <a:ln>
-            <a:solidFill>
-              <a:srgbClr val="7451EB"/>
-            </a:solidFill>
-          </a:ln>
-        </p:spPr>
-        <p:style>
-          <a:lnRef idx="2">
-            <a:schemeClr val="accent1">
-              <a:shade val="50000"/>
-            </a:schemeClr>
-          </a:lnRef>
-          <a:fillRef idx="1">
-            <a:schemeClr val="accent1"/>
-          </a:fillRef>
-          <a:effectRef idx="0">
-            <a:schemeClr val="accent1"/>
-          </a:effectRef>
-          <a:fontRef idx="minor">
-            <a:schemeClr val="lt1"/>
-          </a:fontRef>
-        </p:style>
-        <p:txBody>
-          <a:bodyPr rtlCol="0" anchor="ctr"/>
-          <a:lstStyle/>
-          <a:p>
-            <a:pPr algn="ctr"/>
-            <a:endParaRPr lang="en-US" dirty="0"/>
-          </a:p>
-        </p:txBody>
-      </p:sp>
-      <p:sp>
-        <p:nvSpPr>
-          <p:cNvPr id="15" name="TextBox 3">
-            <a:extLst>
-              <a:ext uri="{FF2B5EF4-FFF2-40B4-BE49-F238E27FC236}">
-                <a16:creationId xmlns:a16="http://schemas.microsoft.com/office/drawing/2014/main" id="{47FC2DCC-BDE9-485D-AF79-4177B5479110}"/>
-              </a:ext>
-            </a:extLst>
-          </p:cNvPr>
-          <p:cNvSpPr txBox="1"/>
-          <p:nvPr/>
-        </p:nvSpPr>
-        <p:spPr>
-          <a:xfrm>
-            <a:off x="10543592" y="6475247"/>
-            <a:ext cx="1648408" cy="307777"/>
-          </a:xfrm>
-          <a:prstGeom prst="rect">
-            <a:avLst/>
-          </a:prstGeom>
-          <a:noFill/>
-        </p:spPr>
-        <p:txBody>
-          <a:bodyPr wrap="square" rtlCol="0">
-            <a:spAutoFit/>
-          </a:bodyPr>
-          <a:lstStyle/>
-          <a:p>
-            <a:pPr algn="r"/>
-            <a:r>
-              <a:rPr lang="es-CO" sz="1400" b="1" i="1" dirty="0" err="1">
-                <a:ln>
-                  <a:solidFill>
-                    <a:schemeClr val="bg1"/>
-                  </a:solidFill>
-                </a:ln>
-                <a:solidFill>
-                  <a:schemeClr val="bg1"/>
-                </a:solidFill>
-                <a:latin typeface="+mj-lt"/>
-              </a:rPr>
-              <a:t>OpenClassrooms</a:t>
-            </a:r>
-            <a:endParaRPr lang="en-US" sz="1400" b="1" i="1" dirty="0">
-              <a:ln>
-                <a:solidFill>
-                  <a:schemeClr val="bg1"/>
-                </a:solidFill>
-              </a:ln>
-              <a:solidFill>
-                <a:schemeClr val="bg1"/>
-              </a:solidFill>
-              <a:latin typeface="+mj-lt"/>
-            </a:endParaRPr>
-          </a:p>
-        </p:txBody>
-      </p:sp>
-      <p:sp>
-        <p:nvSpPr>
-          <p:cNvPr id="10" name="Titre 1">
-            <a:extLst>
-              <a:ext uri="{FF2B5EF4-FFF2-40B4-BE49-F238E27FC236}">
-                <a16:creationId xmlns:a16="http://schemas.microsoft.com/office/drawing/2014/main" id="{224E5C7D-3656-459F-9C01-61200508167F}"/>
-              </a:ext>
-            </a:extLst>
-          </p:cNvPr>
-          <p:cNvSpPr txBox="1">
-            <a:spLocks/>
-          </p:cNvSpPr>
-          <p:nvPr/>
-        </p:nvSpPr>
-        <p:spPr>
-          <a:xfrm>
-            <a:off x="279917" y="432794"/>
-            <a:ext cx="9452805" cy="820048"/>
-          </a:xfrm>
-          <a:prstGeom prst="rect">
-            <a:avLst/>
-          </a:prstGeom>
-        </p:spPr>
-        <p:txBody>
-          <a:bodyPr vert="horz" lIns="91440" tIns="45720" rIns="91440" bIns="45720" rtlCol="0" anchor="ctr">
-            <a:normAutofit/>
-          </a:bodyPr>
-          <a:lstStyle>
-            <a:lvl1pPr algn="l" defTabSz="914400" rtl="0" eaLnBrk="1" latinLnBrk="0" hangingPunct="1">
-              <a:lnSpc>
-                <a:spcPct val="90000"/>
-              </a:lnSpc>
-              <a:spcBef>
-                <a:spcPct val="0"/>
-              </a:spcBef>
-              <a:buNone/>
-              <a:defRPr sz="4400" kern="1200">
-                <a:solidFill>
-                  <a:schemeClr val="tx1"/>
-                </a:solidFill>
-                <a:latin typeface="+mj-lt"/>
-                <a:ea typeface="+mj-ea"/>
-                <a:cs typeface="+mj-cs"/>
-              </a:defRPr>
-            </a:lvl1pPr>
-          </a:lstStyle>
-          <a:p>
-            <a:r>
-              <a:rPr lang="fr-FR" sz="4000" b="1" dirty="0" err="1">
-                <a:ln>
-                  <a:solidFill>
-                    <a:srgbClr val="7451EB"/>
-                  </a:solidFill>
-                </a:ln>
-                <a:solidFill>
-                  <a:srgbClr val="7451EB"/>
-                </a:solidFill>
-                <a:latin typeface="Google Sans"/>
-              </a:rPr>
-              <a:t>GradientBoostingRegressor</a:t>
-            </a:r>
-            <a:endParaRPr lang="fr-FR" sz="4000" b="1" dirty="0">
-              <a:ln>
-                <a:solidFill>
-                  <a:srgbClr val="7451EB"/>
-                </a:solidFill>
-              </a:ln>
-              <a:solidFill>
-                <a:srgbClr val="7451EB"/>
-              </a:solidFill>
-              <a:latin typeface="Google Sans"/>
-            </a:endParaRPr>
-          </a:p>
-        </p:txBody>
-      </p:sp>
-      <p:sp>
-        <p:nvSpPr>
-          <p:cNvPr id="11" name="Rectángulo 4">
-            <a:extLst>
-              <a:ext uri="{FF2B5EF4-FFF2-40B4-BE49-F238E27FC236}">
-                <a16:creationId xmlns:a16="http://schemas.microsoft.com/office/drawing/2014/main" id="{B84F0FDC-2C73-4C87-9CC7-F9F129B3A699}"/>
-              </a:ext>
-            </a:extLst>
-          </p:cNvPr>
-          <p:cNvSpPr/>
-          <p:nvPr/>
-        </p:nvSpPr>
-        <p:spPr>
-          <a:xfrm>
-            <a:off x="377906" y="378794"/>
-            <a:ext cx="366721" cy="54000"/>
-          </a:xfrm>
-          <a:prstGeom prst="rect">
-            <a:avLst/>
-          </a:prstGeom>
-          <a:solidFill>
-            <a:srgbClr val="7451EB"/>
-          </a:solidFill>
-          <a:ln>
-            <a:solidFill>
-              <a:srgbClr val="7451EB"/>
-            </a:solidFill>
-          </a:ln>
-        </p:spPr>
-        <p:style>
-          <a:lnRef idx="2">
-            <a:schemeClr val="accent1">
-              <a:shade val="50000"/>
-            </a:schemeClr>
-          </a:lnRef>
-          <a:fillRef idx="1">
-            <a:schemeClr val="accent1"/>
-          </a:fillRef>
-          <a:effectRef idx="0">
-            <a:schemeClr val="accent1"/>
-          </a:effectRef>
-          <a:fontRef idx="minor">
-            <a:schemeClr val="lt1"/>
-          </a:fontRef>
-        </p:style>
-        <p:txBody>
-          <a:bodyPr rtlCol="0" anchor="ctr"/>
-          <a:lstStyle/>
-          <a:p>
-            <a:pPr algn="ctr"/>
-            <a:endParaRPr lang="es-AR">
-              <a:ln>
-                <a:solidFill>
-                  <a:srgbClr val="7451EB"/>
-                </a:solidFill>
-              </a:ln>
-              <a:solidFill>
-                <a:srgbClr val="7451EB"/>
-              </a:solidFill>
-            </a:endParaRPr>
-          </a:p>
-        </p:txBody>
-      </p:sp>
-    </p:spTree>
-    <p:extLst>
-      <p:ext uri="{BB962C8B-B14F-4D97-AF65-F5344CB8AC3E}">
-        <p14:creationId xmlns:p14="http://schemas.microsoft.com/office/powerpoint/2010/main" val="3561239301"/>
-      </p:ext>
-    </p:extLst>
-  </p:cSld>
-  <p:clrMapOvr>
-    <a:masterClrMapping/>
-  </p:clrMapOvr>
-</p:sld>
-</file>
-
-<file path=ppt/slides/slide27.xml><?xml version="1.0" encoding="utf-8"?>
-<p:sld xmlns:a="http://schemas.openxmlformats.org/drawingml/2006/main" xmlns:r="http://schemas.openxmlformats.org/officeDocument/2006/relationships" xmlns:p="http://schemas.openxmlformats.org/presentationml/2006/main">
-  <p:cSld>
-    <p:spTree>
-      <p:nvGrpSpPr>
-        <p:cNvPr id="1" name=""/>
-        <p:cNvGrpSpPr/>
-        <p:nvPr/>
-      </p:nvGrpSpPr>
-      <p:grpSpPr>
-        <a:xfrm>
-          <a:off x="0" y="0"/>
-          <a:ext cx="0" cy="0"/>
-          <a:chOff x="0" y="0"/>
-          <a:chExt cx="0" cy="0"/>
-        </a:xfrm>
-      </p:grpSpPr>
-      <p:sp>
-        <p:nvSpPr>
-          <p:cNvPr id="5" name="Rectangle 4">
-            <a:extLst>
-              <a:ext uri="{FF2B5EF4-FFF2-40B4-BE49-F238E27FC236}">
-                <a16:creationId xmlns:a16="http://schemas.microsoft.com/office/drawing/2014/main" id="{A00233D2-38CE-441F-90C9-32F91999758A}"/>
-              </a:ext>
-            </a:extLst>
-          </p:cNvPr>
-          <p:cNvSpPr/>
-          <p:nvPr/>
-        </p:nvSpPr>
-        <p:spPr>
-          <a:xfrm>
-            <a:off x="0" y="6400273"/>
-            <a:ext cx="12192000" cy="457727"/>
-          </a:xfrm>
-          <a:prstGeom prst="rect">
-            <a:avLst/>
-          </a:prstGeom>
-          <a:solidFill>
-            <a:srgbClr val="7451EB"/>
-          </a:solidFill>
-          <a:ln>
-            <a:solidFill>
-              <a:srgbClr val="7451EB"/>
-            </a:solidFill>
-          </a:ln>
-        </p:spPr>
-        <p:style>
-          <a:lnRef idx="2">
-            <a:schemeClr val="accent1">
-              <a:shade val="50000"/>
-            </a:schemeClr>
-          </a:lnRef>
-          <a:fillRef idx="1">
-            <a:schemeClr val="accent1"/>
-          </a:fillRef>
-          <a:effectRef idx="0">
-            <a:schemeClr val="accent1"/>
-          </a:effectRef>
-          <a:fontRef idx="minor">
-            <a:schemeClr val="lt1"/>
-          </a:fontRef>
-        </p:style>
-        <p:txBody>
-          <a:bodyPr rtlCol="0" anchor="ctr"/>
-          <a:lstStyle/>
-          <a:p>
-            <a:pPr algn="ctr"/>
-            <a:endParaRPr lang="en-US" dirty="0"/>
-          </a:p>
-        </p:txBody>
-      </p:sp>
-      <p:sp>
-        <p:nvSpPr>
-          <p:cNvPr id="15" name="TextBox 3">
-            <a:extLst>
-              <a:ext uri="{FF2B5EF4-FFF2-40B4-BE49-F238E27FC236}">
-                <a16:creationId xmlns:a16="http://schemas.microsoft.com/office/drawing/2014/main" id="{47FC2DCC-BDE9-485D-AF79-4177B5479110}"/>
-              </a:ext>
-            </a:extLst>
-          </p:cNvPr>
-          <p:cNvSpPr txBox="1"/>
-          <p:nvPr/>
-        </p:nvSpPr>
-        <p:spPr>
-          <a:xfrm>
-            <a:off x="10543592" y="6475247"/>
-            <a:ext cx="1648408" cy="307777"/>
-          </a:xfrm>
-          <a:prstGeom prst="rect">
-            <a:avLst/>
-          </a:prstGeom>
-          <a:noFill/>
-        </p:spPr>
-        <p:txBody>
-          <a:bodyPr wrap="square" rtlCol="0">
-            <a:spAutoFit/>
-          </a:bodyPr>
-          <a:lstStyle/>
-          <a:p>
-            <a:pPr algn="r"/>
-            <a:r>
-              <a:rPr lang="es-CO" sz="1400" b="1" i="1" dirty="0" err="1">
-                <a:ln>
-                  <a:solidFill>
-                    <a:schemeClr val="bg1"/>
-                  </a:solidFill>
-                </a:ln>
-                <a:solidFill>
-                  <a:schemeClr val="bg1"/>
-                </a:solidFill>
-                <a:latin typeface="+mj-lt"/>
-              </a:rPr>
-              <a:t>OpenClassrooms</a:t>
-            </a:r>
-            <a:endParaRPr lang="en-US" sz="1400" b="1" i="1" dirty="0">
-              <a:ln>
-                <a:solidFill>
-                  <a:schemeClr val="bg1"/>
-                </a:solidFill>
-              </a:ln>
-              <a:solidFill>
-                <a:schemeClr val="bg1"/>
-              </a:solidFill>
-              <a:latin typeface="+mj-lt"/>
-            </a:endParaRPr>
-          </a:p>
-        </p:txBody>
-      </p:sp>
-      <p:sp>
-        <p:nvSpPr>
-          <p:cNvPr id="10" name="Titre 1">
-            <a:extLst>
-              <a:ext uri="{FF2B5EF4-FFF2-40B4-BE49-F238E27FC236}">
-                <a16:creationId xmlns:a16="http://schemas.microsoft.com/office/drawing/2014/main" id="{224E5C7D-3656-459F-9C01-61200508167F}"/>
-              </a:ext>
-            </a:extLst>
-          </p:cNvPr>
-          <p:cNvSpPr txBox="1">
-            <a:spLocks/>
-          </p:cNvSpPr>
-          <p:nvPr/>
-        </p:nvSpPr>
-        <p:spPr>
-          <a:xfrm>
-            <a:off x="279917" y="432794"/>
-            <a:ext cx="9452805" cy="820048"/>
-          </a:xfrm>
-          <a:prstGeom prst="rect">
-            <a:avLst/>
-          </a:prstGeom>
-        </p:spPr>
-        <p:txBody>
-          <a:bodyPr vert="horz" lIns="91440" tIns="45720" rIns="91440" bIns="45720" rtlCol="0" anchor="ctr">
-            <a:normAutofit/>
-          </a:bodyPr>
-          <a:lstStyle>
-            <a:lvl1pPr algn="l" defTabSz="914400" rtl="0" eaLnBrk="1" latinLnBrk="0" hangingPunct="1">
-              <a:lnSpc>
-                <a:spcPct val="90000"/>
-              </a:lnSpc>
-              <a:spcBef>
-                <a:spcPct val="0"/>
-              </a:spcBef>
-              <a:buNone/>
-              <a:defRPr sz="4400" kern="1200">
-                <a:solidFill>
-                  <a:schemeClr val="tx1"/>
-                </a:solidFill>
-                <a:latin typeface="+mj-lt"/>
-                <a:ea typeface="+mj-ea"/>
-                <a:cs typeface="+mj-cs"/>
-              </a:defRPr>
-            </a:lvl1pPr>
-          </a:lstStyle>
-          <a:p>
-            <a:r>
-              <a:rPr lang="fr-FR" sz="4000" b="1" dirty="0">
-                <a:ln>
-                  <a:solidFill>
-                    <a:srgbClr val="7451EB"/>
-                  </a:solidFill>
-                </a:ln>
-                <a:solidFill>
-                  <a:srgbClr val="7451EB"/>
-                </a:solidFill>
-                <a:latin typeface="Google Sans"/>
-              </a:rPr>
-              <a:t>Ce que je vais faire.</a:t>
-            </a:r>
-            <a:endParaRPr lang="es-419" sz="4000" b="1" u="sng" dirty="0">
-              <a:ln>
-                <a:solidFill>
-                  <a:srgbClr val="7451EB"/>
-                </a:solidFill>
-              </a:ln>
-              <a:solidFill>
-                <a:srgbClr val="7451EB"/>
-              </a:solidFill>
-            </a:endParaRPr>
-          </a:p>
-        </p:txBody>
-      </p:sp>
-      <p:sp>
-        <p:nvSpPr>
-          <p:cNvPr id="11" name="Rectángulo 4">
-            <a:extLst>
-              <a:ext uri="{FF2B5EF4-FFF2-40B4-BE49-F238E27FC236}">
-                <a16:creationId xmlns:a16="http://schemas.microsoft.com/office/drawing/2014/main" id="{B84F0FDC-2C73-4C87-9CC7-F9F129B3A699}"/>
-              </a:ext>
-            </a:extLst>
-          </p:cNvPr>
-          <p:cNvSpPr/>
-          <p:nvPr/>
-        </p:nvSpPr>
-        <p:spPr>
-          <a:xfrm>
-            <a:off x="377906" y="378794"/>
-            <a:ext cx="366721" cy="54000"/>
-          </a:xfrm>
-          <a:prstGeom prst="rect">
-            <a:avLst/>
-          </a:prstGeom>
-          <a:solidFill>
-            <a:srgbClr val="7451EB"/>
-          </a:solidFill>
-          <a:ln>
-            <a:solidFill>
-              <a:srgbClr val="7451EB"/>
-            </a:solidFill>
-          </a:ln>
-        </p:spPr>
-        <p:style>
-          <a:lnRef idx="2">
-            <a:schemeClr val="accent1">
-              <a:shade val="50000"/>
-            </a:schemeClr>
-          </a:lnRef>
-          <a:fillRef idx="1">
-            <a:schemeClr val="accent1"/>
-          </a:fillRef>
-          <a:effectRef idx="0">
-            <a:schemeClr val="accent1"/>
-          </a:effectRef>
-          <a:fontRef idx="minor">
-            <a:schemeClr val="lt1"/>
-          </a:fontRef>
-        </p:style>
-        <p:txBody>
-          <a:bodyPr rtlCol="0" anchor="ctr"/>
-          <a:lstStyle/>
-          <a:p>
-            <a:pPr algn="ctr"/>
-            <a:endParaRPr lang="es-AR">
-              <a:ln>
-                <a:solidFill>
-                  <a:srgbClr val="7451EB"/>
-                </a:solidFill>
-              </a:ln>
-              <a:solidFill>
-                <a:srgbClr val="7451EB"/>
-              </a:solidFill>
-            </a:endParaRPr>
-          </a:p>
-        </p:txBody>
-      </p:sp>
       <p:sp>
         <p:nvSpPr>
           <p:cNvPr id="16" name="ZoneTexte 15">
@@ -14437,8 +12600,53 @@
                 </a:solidFill>
                 <a:latin typeface="Google Sans"/>
               </a:rPr>
-              <a:t>Continuer los vidéos cours pour bien comprendre les méthodes ensembliste et non linéaires</a:t>
-            </a:r>
+              <a:t>Continuer l’apprentissage de différents </a:t>
+            </a:r>
+            <a:r>
+              <a:rPr lang="fr-FR" sz="2400" dirty="0" err="1">
+                <a:solidFill>
+                  <a:srgbClr val="202124"/>
+                </a:solidFill>
+                <a:latin typeface="Google Sans"/>
+              </a:rPr>
+              <a:t>models</a:t>
+            </a:r>
+            <a:endParaRPr lang="fr-FR" sz="2400" dirty="0">
+              <a:solidFill>
+                <a:srgbClr val="202124"/>
+              </a:solidFill>
+              <a:latin typeface="Google Sans"/>
+            </a:endParaRPr>
+          </a:p>
+          <a:p>
+            <a:pPr marL="285750" indent="-285750">
+              <a:buFont typeface="Wingdings" panose="05000000000000000000" pitchFamily="2" charset="2"/>
+              <a:buChar char="§"/>
+            </a:pPr>
+            <a:r>
+              <a:rPr lang="fr-FR" sz="2400" dirty="0">
+                <a:solidFill>
+                  <a:srgbClr val="202124"/>
+                </a:solidFill>
+                <a:latin typeface="Google Sans"/>
+              </a:rPr>
+              <a:t>Démarrer le </a:t>
+            </a:r>
+            <a:r>
+              <a:rPr lang="fr-FR" sz="2400">
+                <a:solidFill>
+                  <a:srgbClr val="202124"/>
+                </a:solidFill>
+                <a:latin typeface="Google Sans"/>
+              </a:rPr>
+              <a:t>prochaine projet??</a:t>
+            </a:r>
+            <a:endParaRPr lang="fr-FR" sz="2400" dirty="0">
+              <a:solidFill>
+                <a:srgbClr val="202124"/>
+              </a:solidFill>
+              <a:latin typeface="Google Sans"/>
+            </a:endParaRPr>
           </a:p>
         </p:txBody>
       </p:sp>

--- a/supports/08252021.pptx
+++ b/supports/08252021.pptx
@@ -5,34 +5,36 @@
     <p:sldMasterId id="2147483648" r:id="rId1"/>
   </p:sldMasterIdLst>
   <p:notesMasterIdLst>
-    <p:notesMasterId r:id="rId24"/>
+    <p:notesMasterId r:id="rId26"/>
   </p:notesMasterIdLst>
   <p:handoutMasterIdLst>
-    <p:handoutMasterId r:id="rId25"/>
+    <p:handoutMasterId r:id="rId27"/>
   </p:handoutMasterIdLst>
   <p:sldIdLst>
-    <p:sldId id="563" r:id="rId2"/>
-    <p:sldId id="408" r:id="rId3"/>
-    <p:sldId id="567" r:id="rId4"/>
-    <p:sldId id="565" r:id="rId5"/>
-    <p:sldId id="566" r:id="rId6"/>
-    <p:sldId id="568" r:id="rId7"/>
-    <p:sldId id="573" r:id="rId8"/>
-    <p:sldId id="552" r:id="rId9"/>
-    <p:sldId id="574" r:id="rId10"/>
-    <p:sldId id="554" r:id="rId11"/>
-    <p:sldId id="575" r:id="rId12"/>
-    <p:sldId id="545" r:id="rId13"/>
-    <p:sldId id="576" r:id="rId14"/>
-    <p:sldId id="546" r:id="rId15"/>
-    <p:sldId id="577" r:id="rId16"/>
-    <p:sldId id="578" r:id="rId17"/>
-    <p:sldId id="580" r:id="rId18"/>
-    <p:sldId id="561" r:id="rId19"/>
-    <p:sldId id="583" r:id="rId20"/>
-    <p:sldId id="582" r:id="rId21"/>
-    <p:sldId id="569" r:id="rId22"/>
-    <p:sldId id="551" r:id="rId23"/>
+    <p:sldId id="585" r:id="rId2"/>
+    <p:sldId id="563" r:id="rId3"/>
+    <p:sldId id="408" r:id="rId4"/>
+    <p:sldId id="567" r:id="rId5"/>
+    <p:sldId id="565" r:id="rId6"/>
+    <p:sldId id="566" r:id="rId7"/>
+    <p:sldId id="586" r:id="rId8"/>
+    <p:sldId id="568" r:id="rId9"/>
+    <p:sldId id="573" r:id="rId10"/>
+    <p:sldId id="552" r:id="rId11"/>
+    <p:sldId id="574" r:id="rId12"/>
+    <p:sldId id="554" r:id="rId13"/>
+    <p:sldId id="575" r:id="rId14"/>
+    <p:sldId id="545" r:id="rId15"/>
+    <p:sldId id="576" r:id="rId16"/>
+    <p:sldId id="546" r:id="rId17"/>
+    <p:sldId id="577" r:id="rId18"/>
+    <p:sldId id="578" r:id="rId19"/>
+    <p:sldId id="580" r:id="rId20"/>
+    <p:sldId id="561" r:id="rId21"/>
+    <p:sldId id="583" r:id="rId22"/>
+    <p:sldId id="582" r:id="rId23"/>
+    <p:sldId id="569" r:id="rId24"/>
+    <p:sldId id="551" r:id="rId25"/>
   </p:sldIdLst>
   <p:sldSz cx="12192000" cy="6858000"/>
   <p:notesSz cx="6858000" cy="9144000"/>
@@ -322,17 +324,17 @@
     <inkml:context xml:id="ctx0">
       <inkml:inkSource xml:id="inkSrc0">
         <inkml:traceFormat>
-          <inkml:channel name="X" type="integer" min="-1920" max="1920" units="cm"/>
+          <inkml:channel name="X" type="integer" min="-3840" max="1920" units="cm"/>
           <inkml:channel name="Y" type="integer" max="1080" units="cm"/>
           <inkml:channel name="T" type="integer" max="2.14748E9" units="dev"/>
         </inkml:traceFormat>
         <inkml:channelProperties>
-          <inkml:channelProperty channel="X" name="resolution" value="72.86527" units="1/cm"/>
+          <inkml:channelProperty channel="X" name="resolution" value="109.29791" units="1/cm"/>
           <inkml:channelProperty channel="Y" name="resolution" value="36.48649" units="1/cm"/>
           <inkml:channelProperty channel="T" name="resolution" value="1" units="1/dev"/>
         </inkml:channelProperties>
       </inkml:inkSource>
-      <inkml:timestamp xml:id="ts0" timeString="2021-08-19T07:14:08.429"/>
+      <inkml:timestamp xml:id="ts0" timeString="2021-08-25T06:52:21.807"/>
     </inkml:context>
     <inkml:brush xml:id="br0">
       <inkml:brushProperty name="width" value="0.05292" units="cm"/>
@@ -340,50 +342,17 @@
       <inkml:brushProperty name="color" value="#FF0000"/>
     </inkml:brush>
   </inkml:definitions>
-  <inkml:trace contextRef="#ctx0" brushRef="#br0">9737 8625 0,'-18'-17'78,"0"17"-62,1-53-16,-1 18 16,0-54-1,1 36 1,-1-52-16,1 34 16,-1 18-16,0-35 15,1 0-15,-1 0 16,0-1-16,1-34 15,-1 17-15,0 18 16,-17-18-16,18-70 16,-1 17-16,-17-53 15,-1 36-15,-52-159 16,71 88 15,-1-18-31,18 89 16,0 88-1,0-1-15,0 19 16,0-1 0,0 1-16,0 17 15,0 35 1,0 1 0,0-1-1,0-17-15,0 17 16,0 36 124,0-1-124,0 1-16,0 0 16,0-1-1</inkml:trace>
-  <inkml:trace contextRef="#ctx0" brushRef="#br0" timeOffset="1200.14">9102 4904 0,'0'17'110,"0"19"-95,0-19-15,-18 18 16,0 1-16,1 17 15,17 0-15,-36-1 16,19 1 0,-1 0-1,1-35 1,17 17-16,-18 1 31,0-19-15,18-70 46,0 18-46,0-18-16,18 18 16,0-53-1,-1 35-15,18 17 16,-17-17-1,0 36 1,-1 17 140</inkml:trace>
-  <inkml:trace contextRef="#ctx0" brushRef="#br0" timeOffset="1695.25">9102 4974 0,'0'0'0,"17"-17"31,1 17 48,0 0-48,-1 0-16,1 0 1,17 35 0,-17 18-16,17-18 15,36 71 1,-71-71-16,35-17 16,-35-1-16,18-17 15,-18 18-15,0 0 16,17-18 15,1 17-15,-18 19-1,17-36 1,-17 17-16,18-17 31,-18 18-31,18-18 78,-1 0-78</inkml:trace>
-  <inkml:trace contextRef="#ctx0" brushRef="#br0" timeOffset="3126.41">9225 8467 0,'35'0'94,"1"0"-94,-1 17 15,-17 1-15,35 35 16,-18-36 0,53 72-16,0-19 0,-53-52 15,36 35-15,-36-36 16,1 19-16,-19-36 15,18 17-15,-17-17 16,0 0 15,-1 0-31,1 18 16,0-18 0,-1 0-1,-17 18-15,36-18 0,-19 35 16,1-35-1,0-18 95,-18 1-95,0-1-15,0 0 16,0 1 0,0-1-16,0-17 15,0 0 1,35-18 0,-18-18-16,-17 53 15,36 1 1,-36-1-1,0 0-15,17 18 16,1-35 15,0 35-15,-18-17-16,0-1 172</inkml:trace>
-  <inkml:trace contextRef="#ctx0" brushRef="#br0" timeOffset="5932.45">10142 9684 0,'18'0'62,"-18"17"-46,18 72 0,-1-19-16,-17-35 15,0 18-15,18 18 16,0-1-16,-18 1 15,0 17-15,17 53 16,1-70 0,-18-53 31,17-18-32,-17 35-15,0-18 16,18 1-16,-18 17 15,0-17 1,0-36 125</inkml:trace>
-  <inkml:trace contextRef="#ctx0" brushRef="#br0" timeOffset="7229.09">10142 9596 0,'-17'0'78,"17"17"-63,-36 1 1,36 35-16,-35-36 0,18 36 16,-19-17-16,36-1 15,-17-18 1,17 1-16,-18 0 15,18-1-15,0-34 63,0-1-47,18 0-16,17-52 15,-17 17-15,17 0 16,18-35-16,-36 70 15,-17-17-15,18 17 16,0 1-16,-18-1 16,17 18 62,19 0-63,-19 18 1,1-1 0,-18 1 15,0 17-15</inkml:trace>
-  <inkml:trace contextRef="#ctx0" brushRef="#br0" timeOffset="7400.05">10301 9807 0,'71'88'16,"-142"-176"-16,212 282 0,-88-123 15,-18-36-15,1-17 16,-1-1-16,-17-17 31,-18-35-15,0 17-16,-18-52 15</inkml:trace>
-  <inkml:trace contextRef="#ctx0" brushRef="#br0" timeOffset="8460.57">10072 10495 0,'17'0'78,"19"0"-62,-19 0 0,36 18-16,-35 17 15,35-35-15,-18 35 16,0-17-16,-17-18 16,17 0-16,-17 18 15,0-18 1,-1 17-16,19-17 15,-19 0 79,1 0-63,-1-17-31,19-1 16,-1-35 0,-35 35-16,35-17 15,-35 53 48,0-36-1,0 1-46</inkml:trace>
-  <inkml:trace contextRef="#ctx0" brushRef="#br0" timeOffset="20923.07">19756 9119 0,'0'0'0,"17"0"47,1 0-32,-18 18 16,0 0-15,0 17-16,17-17 16,1 17-16,-18 18 15,18-36 1,-1 1-16,-17 0 16,36-1-16,-19 1 15,-17 0 1,36 17-1,-1 0 1,0-35 0,-35 18-16,18-18 15,-1 17 1,1-17-16,0 36 31,-1-36-15,1 0-1,0 17-15,-1-17 16,1 0 0,17 0-1,-17 0 1,-1 0-16,1 0 16,-18-17-16,18 17 15,-1 0 126,1 0-94,0-18-32,-18 0 1,17 18 0,1-17 15,0 17-16,-1 0 1,1 0 47,-1 0-48,-17-18 1,18 18-16,0 0 297,-1 0-266,1 0 31,0 0-30,-1 0-17,1 0 48,0 0-16,-1 0 78,1 0 328,0 0-406,-1 0 15,1 0-46,17 0-16,71 18 31,-88-18-31,17 0 16,-18 0-16,1 0 31,0 0 0,17 0-31,0 0 16,-35 17-1,18-17 1,0 0 0,-1 0 15,36 0-15,0 0-16,18 18 0,-19-18 15,-16 0 1,17 0-1,-36 0 1,1 0-16,0 0 31,17 0-15,-17 0-16,-1 0 16,1 0-16,-1 0 15,1 0 1,0 0-1,-1 0 48,1 0-47,17 0-1,18 0 1,0 0-1,18 0 1,-54 0 0,19 18-1,52-18 1,-35 0-16,211 35 16,-52-35-1,-36 0 1,-35 0 15,-105 0-15,17 0-16,0 0 15,-1 0-15,1 0 32,-35 0-32,17 0 15,-17 0-15,0 0 16,17 0-1,-17 0 1,17 0-16,-18 0 16,1 0-1,0 0-15,-1 0 32,19 0-17,-1 0 1,0 0-16,36 0 15,-18 0-15,-18 0 16,71 0 0,35 0-1,0 0 1,-53 18-16,71-18 31,-89 0-31,1 0 16,-36 0-1,-17 0 1,17 0 0,18 0-1,53 0-15,17 0 16,-87 0 0,70 0-16,-54 0 0,-16 0 15,-19 0 1,1 0 31,0 0-47,-1 0 31,1 0-15,0 0-1,-1 0 1,36 0-16,0 0 15,0 0 1,-35 0-16,87 0 16,-87 0-1,17 0-15,54 0 16,-54 0-16,18 0 16,-18 0-16,18 0 15,-18 0-15,-17 0 16,17 0-1,-17 0 32,-1 0-47,1 0 16,17 0-16,-17 0 16,0 0-1,-1 0-15,1 0 16,0 0-1,-1 0 1,1 0-16,-1 0 16,1 0-1,0 0 1,-1 0 0,19 0-1,-19 0-15,1 0 16,17 0-1,0 0-15,36 0 32,-53 0-32,-1 0 31,1 0-15,17 0-16,-17 0 15,52 0 1,-34 0-16,-19 0 15,1 0 1,0 0 0,17 0-1,-17 0-15,70 0 16,53 0 0,-88 0-1,-36 0-15,1 0 16,0 0-1,17 0 1,-17 0 0,35 0-16,17 0 15,-35 0 1,-17 0 0,0 0-1,17 0 1,71 0-1,-18 0 1,-35 0-16,-18 0 16,-17 0-1,-1 0-15,36 0 16,71 0-16,264 0 16,-159 0-1,124 17 1,-265-17-16,-35 0 15,-35 0 1,17 0 15,18 0-31,0 18 16,-36-18-16,54 0 31,-18 0-31,-18 0 16,18 0-1,0 0 1,123 0 0,-34 0-1,-90 0-15,-34 0 16,35 0-16,-35 0 16,-1-18-1,1 1 1,0-1-1,-1 0-15,-17 1 16,18 17-16,17-36 31,-35 1-31,35 17 16,-35 1 0,18-18-1,-18 17 48,0 0-48,0 1 1,-18-1 0,-17 18-16,0-18 15,-18 1-15,-53-19 16,-35 19-1,-18-18 1,53 17 0,-17 0-16,-124-52 15,18 34 1,176 19 0,17 17-1,-87 0 1,17-36-1,0 36 1,18-17-16,-88-18 16,70 17-16,-18 0 15,19 1 1,16 17-16,-34 0 16,35 0-16,-18-18 0,18 18 15,-18 0-15,0-18 16,-264-17-1,-1 0 1,177 35 0,106-18-16,-53 18 15,0 0-15,-36 0 16,54-17-16,17 17 16,-106 0-1,107 0-15,16 0 16,-228 0-1,140 0 1,1 0-16,-106 0 16,158 17-16,19-17 15,-72 0 1,1 35 0,70-17-16,18-18 15,17 0-15,-35 18 16,18-1-16,-53 1 15,18 17-15,-1-17 16,-17 0-16,-18-1 16,36 1-16,-54-18 15,89 0 1,0 17-16,35-17 16,-17 18-1,-1-18 1,-35 18-16,53-18 15,-53 0 1,36 0-16,17 0 16,-35 0-16,0 0 15,-54 35 1,72-17-16,52-18 16,-17 0-16,17 0 15,1 0 1,-1 17-1,-70-17-15,-18 18 16,18-18 0,-18 18-16,35-18 0,-87 17 31,140-17-15,0 0 30,-35 0-30,18 0 0,0 0-16,17 0 0,1 0 15,-1 0-15,0 0 16,-140 0 0,105 0-1</inkml:trace>
-  <inkml:trace contextRef="#ctx0" brushRef="#br0" timeOffset="47630.1">23160 6121 0,'18'0'31,"17"0"-15,-18 0-16,36 0 16,-35 0-16,0 0 15,87 0 1,19 0-16,88 0 15,140 0 1,-211 0-16,54 0 16,404 0-1,1271 35 1,-141-17 0,-1341-18-1,-36 0 1</inkml:trace>
-  <inkml:trace contextRef="#ctx0" brushRef="#br0" timeOffset="51509.94">23142 6050 0,'0'18'109,"-35"35"-109,0 17 16,-18 18-16,17-35 16,19 0-1,-1-35-15,1 17 16,-19 18-16,36-18 15,-35 18-15,17-17 16,18-19-16,0 1 31,0 0 1,-17-1-32,-1 18 15,18-17-15,-18 17 16,1-35-1,17 36 32,0-19-31,0 19 0,0-19-16,-18 1 15,18-1-15,0 19 16,0-1-16,0 0 15,0-17 1,0 0-16,18-1 172,17-17-156,-17 18-1,-1-18-15,36 0 16,-35 0-16,-18 17 15,35-17-15,0 18 16,1-18 0,17 35-16,-18-35 0,88 36 15,19 17 1,122 17-16,-105-52 0,123 17 16,-17 0-1,-124-17 1,194 0-1,53-1 1,-53 1 0,-158-18-16,-72 0 15,36 0-15,36 0 16,-89 0-16,53 0 16,-35 0-1,35-18 1,-35 18-16,-53 0 15,-36 0-15,1 0 16,123 0 0,-35 0-16,106-17 15,-54 17-15,-34 0 16,246 0 0,-299 0-1,-1 0-15,19 0 16,34 0-1,-35 0-15,18 0 16,35 0-16,71 0 16,-71-18 15,106-35-15,18-35-1,-142 53 1,1-1-16,-19 1 15,-69 0 1,17 17 0,-36-17-1,1 17 1,-1-35 0,-17 0-16,0-17 15,0 17-15,0-53 16,0 36-1,0 52 1,0-17-16,0-1 16,0 1-1,0 17 1,-52-17 0,-19 0-16,36 17 15,-1 1 1,-140-19-16,106 19 15,-36-1 1,70 18-16,-34 0 16,-265-71-16</inkml:trace>
-  <inkml:trace contextRef="#ctx0" brushRef="#br0" timeOffset="64954.58">29386 13159 0,'18'0'62,"-18"17"-15,18 54-47,-18-36 0,0-17 16,0 105-1,-53 36 1,-18 0-16,18 17 16,-53-17-16,36-18 15,-1-18-15,1-17 16,-18 71 0,88-160-16,0 1 15,-18-18 204,-35 0-203,18 0-16,-106 0 15,35-35 1,-18-54-1,71 1-15,-17 0 16,35-106 0,35 106-16,0-89 15,-18-17 1,18 106 0,-18 0-16,-17-18 31,17 53-16,18 36-15,0-1 16,0-17 0,0 17-16,18-17 15,35 0 1,0-36 0,17 18-16,-52 35 15,17-17-15,1 18 16,-1-1-16,0 18 15,18 0 1,35 0 0,71 18-1,70 70 1,-105-18 0,-71-70-16,-18 18 15,-17-18 1,-1 0 31,-17 18-47,18-18 15</inkml:trace>
+  <inkml:trace contextRef="#ctx0" brushRef="#br0">10813 5962 0,'-36'0'62,"1"-18"-46,17 18-1,-17 0-15,0 0 16,17-17 0,1 17-16,-1 0 15,-35-18-15,-17 18 16,-36-18-16,-18 18 15,1-35-15,35 35 16,-18-18-16,0 1 16,18 17-16,17 0 15,1 0 1,17 0 0,17 17-1,-17 1-15,18 35 0,0-18 16,-18 1-16,18 16 15,-18-16 1,0 17-16,18-18 16,-18 36-16,17-19 15,1 19-15,0-18 16,17-18-16,18 36 16,0-18-16,0 0 15,0-18-15,0 18 16,18 0-16,-1-18 15,1 0-15,17 1 16,1 16-16,34 19 16,18 35-1,-35-36-15,230 142 32,-178-177-32,-16-17 15,-54 0 1,71-18-16,0 17 0,70 1 15,-17 0 1,141 34-16,-54-34 16,-16 0-16,-19-1 15,1-17-15,0 0 16,-53-17-16,158-19 16,-70-16-1,-88 34 1,-36 0-16,89-35 15,-177 36 1,18-1-16,-35-17 16,35-53-16,-36-18 31,-17 18-31,0 17 16,0-35-16,-35 36 15,0-36-15,-1 53 16,-16-53-16,34 53 15,-35-35-15,0-18 16,0 18 0,-88-159-16,70 141 15,1 18-15,-54-36 16,19 36-16,-89-35 16,17 52-16,18 36 15,-52 0-15,70 17 16,-159-17-1,18-36-15,70 54 16,0-1-16,36 0 16,35 18-16,0 0 15,35 0-15,53 18 16,18 0 0,17-1 15,18 18 78,-18 1-93,18-1-16,-17 18 15,-19 0 1,1 35-16,0-35 16,-18 35-16,35-17 15</inkml:trace>
+  <inkml:trace contextRef="#ctx0" brushRef="#br0" timeOffset="34949.08">12594 6668 0,'18'0'31,"-1"0"0,1 0-15,0 0 15,-1 0-15,19 0-16,-19 0 15,19 0-15,-19 17 16,18-17-16,18 18 15,-17-1 1,34-17 0,18 18-1,-35-18 1,88 0 0,-105 0-1,-1 0-15,18 18 31,0-18-31,0 0 0,53 0 16,52 35 15,-105-17-31,0-18 16,-18 0-16,71 17 16,-70-17-1,52 0 1,-35 0-16,35 36 15,18-19-15,35 1 16,-71-18 0,36 17-16,265 36 31,-213-35-15,-34-18-16,-18 0 15,52 0 16,-87 0-15,0 0 0,-36 0-1,124-18 17,-71 1-32,-35-1 15,52-52 1,-16 70-16,122-106 31,-175 106-15,-1-18-16,-17 0 15,-1 18 1,1 0 0,-1-17-1,19-18 1,34-1-1,-52 1 1,17-18 0,-17 18-1,0 17-15,-18-35 16,17 36 0,-17-1-1,0-17 1,0-36-1,-17 18 1,-1 18 0,-35-36 15,-35-17-15,70 70-16,-194-123 31,142 106-31,-89-53 31,-17 17-15,70 54-1,-70-1 1,-71 0 0,105 18-16,1 0 15,-141-17 1,18-1 15,122 18-15,72 0-16,-36 0 0,36 0 15,-266 0 17,248 0-32,-18 0 0,-123 0 31,106 0-31,-19 0 15,1 0-15,53 0 16,-106 0 0,-53 0-1,124 18 1,70-1 0,-18 1-1,36 0 1,17 17-16,-35-17 15,0-1-15,-52 19 16,87-36 0,0 17-16,-35 1 31,18-1-15,18-17-16,-1 18 15,18 0-15,-35 17 31,-1 0-15,19-17-16,-1 17 16,18 53 15,0-70-15,0 0-16,0 17 15,0 0-15,0 18 16,18 35 15,35-17-15,-18-36-1,0 0 1,18-17 15,-53 0-15,0-1-16,18-17 15,17 0 1,-35 18 0,35-18-1,1 0 1,16 35 0,1-17 15,-35 0-31,88 17 15,247 124 17,-177-124-17,-70 18 1,-18-36 0,-70-17 499,17 0-484,-17 0-31,17 0 16,-17 0-16,34 0 16,-34 0-16,17-17 15,1 17 1,-1 0-16,-17 0 62,-1 0-46</inkml:trace>
+  <inkml:trace contextRef="#ctx0" brushRef="#br0" timeOffset="39220.99">17533 12577 0,'35'0'47,"18"0"-31,-35 0-1,0 17-15,17-17 16,0 0-16,-17 18 15,70-18-15,18 17 16,-53-17 0,247 36-1,-124-19 1,-123-17 0,-36 0 15,1 0 78,0 0-109,17-35 31,0 0-31,1-36 16,-36 18-16,35 18 16,-18-36-16,-17 19 15,0-1-15,0 35 16,0-17-16,0 17 16,0 0-16,-35 1 15,-18-1 1,18 18-1,0 0 1,17-17-16,0 17 16,1 0-1,-1-18 1,1 18 31,-1 0-47,-17 0 15,-1 0 1,-69-18-16,87 18 0,-35-17 16,-53 17-1,89 0 32,-1 0-47,0 0 31,1 17-31,-19 36 16,-17 35 0,18-52-1</inkml:trace>
+  <inkml:trace contextRef="#ctx0" brushRef="#br0" timeOffset="44373.72">14323 18274 0,'35'0'47,"0"0"-32,1 0-15,-19 0 16,19 0-16,-1 35 16,0-35-16,18 0 15,53 35 1,35 1-1,18-36 1,-106 0-16,0 0 16,35 0-1,-71 0 1,19 0 15</inkml:trace>
+  <inkml:trace contextRef="#ctx0" brushRef="#br0" timeOffset="45805.21">16651 18274 0,'0'0'0,"18"0"15,-1 0-15,19 0 16,-19 0 0,19 0-1,87 0 16,36 0-15,-89 0 0,195 0-1,-124 0-15,0 0 16,212 35 0,-282-17-1,-54-18 1</inkml:trace>
+  <inkml:trace contextRef="#ctx0" brushRef="#br0" timeOffset="46877.88">19209 18256 0,'35'0'78,"0"0"-78,-17 0 16,70 0-16,-53 0 15,-17 0 1,141 18-16,35-18 16,-88 0-16,-71 0 15,-35 18 79</inkml:trace>
+  <inkml:trace contextRef="#ctx0" brushRef="#br0" timeOffset="75994.73">25312 5980 0,'17'0'15,"1"0"1,0 0-16,-18 35 15,35-18-15,-35 1 16,18 35-16,17 53 31,0 0-31,-17-36 0,17 18 16,-35-35-16,35 36 16,-17-36-1,-18-1 1,35 37-16,1-54 0,-36 0 15,0-17-15,17 17 16,1-35 0,-18 18 124,18-18-77,17 17-63,-35 1 15,35-18-15,0 0 16,18 0 0,18 0-16,-1-18 15,-70 1-15,36 17 16,193 0 0,106-36-16,0 36 15,53 0-15,194 0 16,265 0 15,-477 0-31,-193 0 16,-142 0-1,-17 0 1,123 0 0,-88 18-1,17 0-15,-17-18 0,0 0 16,124 0-1,-1 0 1,-106 0-16,-17 0 16,18 0-1,0 0-15,34 17 0,-34-17 16,-1 0 0,-17 0-1,-17 0 16,-1 0-15,-17 0-16,52-17 16,1 17-16,-1 0 15,36 0-15,-35 0 16,-36 0 0,-17 0-1,17 0 1,-18 0-1,19 0 1,-19 0-16,1 0 16,0 0-16,17-18 31,0 18-31,0 0 16,18 0-16,-35-18 15,0 18-15,-1 0 16,1 0-16,0 0 15,-1 0 1,1 0-16,0-17 16,17 17-1,-18-18-15,19 18 16,-19 0 0,-17-17-16,18 17 15,0 0 16,-1-18-15,1 0 0,-18 1-1,0-1 1,18 0 0,-18-17-16,17 17 15,-17 1-15,0-36 16,0 0-16,0 0 15,0 0 1,0 0-16,0 0 0,0 0 16,0 0-1,0 18-15,0-18 16,0 36 0,0-1-1</inkml:trace>
 </inkml:ink>
 </file>
 
-<file path=ppt/ink/ink2.xml><?xml version="1.0" encoding="utf-8"?>
-<inkml:ink xmlns:inkml="http://www.w3.org/2003/InkML">
-  <inkml:definitions>
-    <inkml:context xml:id="ctx0">
-      <inkml:inkSource xml:id="inkSrc0">
-        <inkml:traceFormat>
-          <inkml:channel name="X" type="integer" min="-1920" max="1920" units="cm"/>
-          <inkml:channel name="Y" type="integer" max="1080" units="cm"/>
-          <inkml:channel name="T" type="integer" max="2.14748E9" units="dev"/>
-        </inkml:traceFormat>
-        <inkml:channelProperties>
-          <inkml:channelProperty channel="X" name="resolution" value="72.86527" units="1/cm"/>
-          <inkml:channelProperty channel="Y" name="resolution" value="36.48649" units="1/cm"/>
-          <inkml:channelProperty channel="T" name="resolution" value="1" units="1/dev"/>
-        </inkml:channelProperties>
-      </inkml:inkSource>
-      <inkml:timestamp xml:id="ts0" timeString="2021-08-19T07:25:50.164"/>
-    </inkml:context>
-    <inkml:brush xml:id="br0">
-      <inkml:brushProperty name="width" value="0.05292" units="cm"/>
-      <inkml:brushProperty name="height" value="0.05292" units="cm"/>
-      <inkml:brushProperty name="color" value="#FF0000"/>
-    </inkml:brush>
-  </inkml:definitions>
-  <inkml:trace contextRef="#ctx0" brushRef="#br0">2522 11271 0,'0'0'0,"36"0"63,-36-17-48,17-1 1,-17 0-16,18 18 16,0-17-16,17-19 15,18-17-15,-36 36 16,1-1-16,17-17 16,-17 0-16,17-1 15,1 19-15,-19-1 16,1 0-1,-1 18-15,1-17 16,17-1 0,1-17-16,-19 17 15,19-17-15,16 17 16,-16-17-16,-1 0 16,-17 17-1,-1 18-15,1 0 16,-18-17-1,18 17 1,17-18-16,0 0 16,53-17-1,-35 17 1,18-17 0,-54 35-16,1 0 15,0-18-15,35 1 16,-18-1-16,0 18 15,53-17-15,-35-1 16,18 0-16,70-17 16,-53 35-1,-35 0-15,0-35 16,0 17 0,-18 18-1,-17 0 1,-1-18-16,19 1 15,52-1 1,106 0 0,-106 1-16,-35-1 15,71 1-15,-89 17 16,-18-18-16,1 18 16,35 0-1,0-18-15,141 1 16,-71-1-1,19 18-15,104-35 16,-140 17 0,-70 0-1,-19 18-15,36 0 16,0 0-16,18-17 16,17-1-16,-18 1 15,36-1-15,141 18 16,-141-18-1,0 1-15,0-19 16,-1 1 0,-34 17-16,52-52 15,36 35 1,-18-18 0,-88 53-16,-17-18 15,-19 0-15,18 18 16,1 0-16,17-17 15,35-19-15,-35 1 16,106-18 0,-71 18-1,-18 0-15,-17 35 16,18-36-16,87-16 16,1-19 15,-88 36-31,70-18 15,-18 0 1,19 0 0,-1 0-1,0 0 1,-88 35-16,0 1 16,-1-1-16,-16 1 15,70-36 1,-18 17-16,-18 19 15,19-1-15,16-35 16,-52 36 0,53-19-16,18 1 15,70-36 17,-71 54-32,-17-1 31,-53 0-16,-36 18-15,36 0 16,141 0 0,36 18-1,-124-18-15,17 0 16,36 0 0,-53-35-16,-1-36 15,-34 1 1,-53 52-1,17-35-15,35-35 16,54 17 0,-71 19-1,-36 34 1,19-17 0,17-36-16,70-52 31,-35 34-16,-17 36 1,-1 1-16,-17 16 16,18-52-1,-18 70-15,-18-17 16,0 18-16,-17 17 16,17-18-16,1 18 15,52 0 1,35 0-1,-70 0 1,0 0-16,0 0 16,-35 0-16,-1-18 15,19-17 1,-19 17 0,-17 1-1,18 17 1,-1-18-16,1 0 15,0 1 1,-1-1 0,1 0-1</inkml:trace>
-</inkml:ink>
-</file>
-
-<file path=ppt/ink/ink3.xml><?xml version="1.0" encoding="utf-8"?>
+<file path=ppt/ink/ink10.xml><?xml version="1.0" encoding="utf-8"?>
 <inkml:ink xmlns:inkml="http://www.w3.org/2003/InkML">
   <inkml:definitions>
     <inkml:context xml:id="ctx0">
@@ -411,7 +380,7 @@
 </inkml:ink>
 </file>
 
-<file path=ppt/ink/ink4.xml><?xml version="1.0" encoding="utf-8"?>
+<file path=ppt/ink/ink11.xml><?xml version="1.0" encoding="utf-8"?>
 <inkml:ink xmlns:inkml="http://www.w3.org/2003/InkML">
   <inkml:definitions>
     <inkml:context xml:id="ctx0">
@@ -440,7 +409,159 @@
 </inkml:ink>
 </file>
 
-<file path=ppt/ink/ink5.xml><?xml version="1.0" encoding="utf-8"?>
+<file path=ppt/ink/ink12.xml><?xml version="1.0" encoding="utf-8"?>
+<inkml:ink xmlns:inkml="http://www.w3.org/2003/InkML">
+  <inkml:definitions>
+    <inkml:context xml:id="ctx0">
+      <inkml:inkSource xml:id="inkSrc0">
+        <inkml:traceFormat>
+          <inkml:channel name="X" type="integer" min="-3840" max="1920" units="cm"/>
+          <inkml:channel name="Y" type="integer" max="1080" units="cm"/>
+          <inkml:channel name="T" type="integer" max="2.14748E9" units="dev"/>
+        </inkml:traceFormat>
+        <inkml:channelProperties>
+          <inkml:channelProperty channel="X" name="resolution" value="109.29791" units="1/cm"/>
+          <inkml:channelProperty channel="Y" name="resolution" value="36.48649" units="1/cm"/>
+          <inkml:channelProperty channel="T" name="resolution" value="1" units="1/dev"/>
+        </inkml:channelProperties>
+      </inkml:inkSource>
+      <inkml:timestamp xml:id="ts0" timeString="2021-08-25T07:13:30.631"/>
+    </inkml:context>
+    <inkml:brush xml:id="br0">
+      <inkml:brushProperty name="width" value="0.05292" units="cm"/>
+      <inkml:brushProperty name="height" value="0.05292" units="cm"/>
+      <inkml:brushProperty name="color" value="#FF0000"/>
+    </inkml:brush>
+  </inkml:definitions>
+  <inkml:trace contextRef="#ctx0" brushRef="#br0">2893 15452 0,'0'0'0,"17"0"16,1 0-16,0 0 15,-1 0 17,19 0-32,-19 0 15,1 0-15,17 0 16,-17 0-16,17 0 15,36 0-15,-36 0 16,18 0-16,-18 0 16,18 0-1,70-18-15,-52 18 16,-53-18-16,17 1 16,0 17-16,-17 0 15,0 0 16,-18-18 110,0 0-125,0-17-16,0-18 15,0 0-15,0 0 16,-18 1-16,0 34 16,1-17-16,-19-1 15,19-17 1,-19 36-16,19-1 0,-1 18 15,-17 0 1,17 0-16,-35 0 16,36 0-16,-1 0 15,0 0-15,1-18 16,-1 18 0,0 0-16,1 0 15,-1 0 1,1 0-1,-1 0-15,0 0 16,1 0-16,-19 0 16,19 18-1,-1-18-15,18 18 16,0-1-16,-18 19 16,18-19-1,-17-17-15,17 18 16,0 0-1,0-1 1,0 1 0,0 35-1,0-18-15,0-17 16,0 35-16,0-18 16,0 0-1,0-17-15,0-1 16,0 1-16,-18-18 15,1 0 251</inkml:trace>
+</inkml:ink>
+</file>
+
+<file path=ppt/ink/ink13.xml><?xml version="1.0" encoding="utf-8"?>
+<inkml:ink xmlns:inkml="http://www.w3.org/2003/InkML">
+  <inkml:definitions>
+    <inkml:context xml:id="ctx0">
+      <inkml:inkSource xml:id="inkSrc0">
+        <inkml:traceFormat>
+          <inkml:channel name="X" type="integer" min="-3840" max="1920" units="cm"/>
+          <inkml:channel name="Y" type="integer" max="1080" units="cm"/>
+          <inkml:channel name="T" type="integer" max="2.14748E9" units="dev"/>
+        </inkml:traceFormat>
+        <inkml:channelProperties>
+          <inkml:channelProperty channel="X" name="resolution" value="109.29791" units="1/cm"/>
+          <inkml:channelProperty channel="Y" name="resolution" value="36.48649" units="1/cm"/>
+          <inkml:channelProperty channel="T" name="resolution" value="1" units="1/dev"/>
+        </inkml:channelProperties>
+      </inkml:inkSource>
+      <inkml:timestamp xml:id="ts0" timeString="2021-08-25T07:13:44.928"/>
+    </inkml:context>
+    <inkml:brush xml:id="br0">
+      <inkml:brushProperty name="width" value="0.05292" units="cm"/>
+      <inkml:brushProperty name="height" value="0.05292" units="cm"/>
+      <inkml:brushProperty name="color" value="#FF0000"/>
+    </inkml:brush>
+  </inkml:definitions>
+  <inkml:trace contextRef="#ctx0" brushRef="#br0">2752 14887 0,'35'0'31,"0"0"-16,1 0-15,-19 0 16,1 0-16,17 0 16,0 0-1,1 0-15,-1 0 16,35 0 0,-17 0-16,0 0 15,53 0 1,-53 0-16,-35 0 15,-1 0 1,1 0 15</inkml:trace>
+</inkml:ink>
+</file>
+
+<file path=ppt/ink/ink14.xml><?xml version="1.0" encoding="utf-8"?>
+<inkml:ink xmlns:inkml="http://www.w3.org/2003/InkML">
+  <inkml:definitions>
+    <inkml:context xml:id="ctx0">
+      <inkml:inkSource xml:id="inkSrc0">
+        <inkml:traceFormat>
+          <inkml:channel name="X" type="integer" min="-3840" max="1920" units="cm"/>
+          <inkml:channel name="Y" type="integer" max="1080" units="cm"/>
+          <inkml:channel name="T" type="integer" max="2.14748E9" units="dev"/>
+        </inkml:traceFormat>
+        <inkml:channelProperties>
+          <inkml:channelProperty channel="X" name="resolution" value="109.29791" units="1/cm"/>
+          <inkml:channelProperty channel="Y" name="resolution" value="36.48649" units="1/cm"/>
+          <inkml:channelProperty channel="T" name="resolution" value="1" units="1/dev"/>
+        </inkml:channelProperties>
+      </inkml:inkSource>
+      <inkml:timestamp xml:id="ts0" timeString="2021-08-25T07:20:02.288"/>
+    </inkml:context>
+    <inkml:brush xml:id="br0">
+      <inkml:brushProperty name="width" value="0.05292" units="cm"/>
+      <inkml:brushProperty name="height" value="0.05292" units="cm"/>
+      <inkml:brushProperty name="color" value="#FF0000"/>
+    </inkml:brush>
+  </inkml:definitions>
+  <inkml:trace contextRef="#ctx0" brushRef="#br0">20796 4392 0,'18'0'46,"0"0"1,-18 18-31,17 35-16,1-36 16,-18 36-16,17 18 15,1 17-15,-18-35 16,18 17-16,-1-17 15,1 18-15,-18-1 16,18-17-16,-18-17 16,0-19-16,0 36 15,0-35-15,0-1 16,17-17 78</inkml:trace>
+  <inkml:trace contextRef="#ctx0" brushRef="#br0" timeOffset="1105.49">21202 4410 0,'18'0'47,"-18"17"-15,0 1-32,17 0 15,-17 17-15,18-17 16,-18-1-16,0 36 15,0-18-15,17 18 16,-17-35-16,18 17 16,-18 0-16,35 36 31,-17-53-31,-18 17 0,35-17 16,-35-1-16,18 1 15,0-18 1,-18 18-16,17-1 15,19 1 1,-19-18 0,-17 17-16,18 1 15,-1-18-15,1 0 16,0 0 0,70 0-1,-53-18 1,36-34-1,-54 34-15,1-17 16,-18-1-16,35-52 31,-35 35-31,-35-35 16,-18 0 0,18 35 15,-18 0-16,18 18 1,35 17-16,-36 0 16,-34-17-1,52 35 1,-35-17 0,36 17-1,-142 0 1,53 17-1,88 18 1,1-17-16,-19 0 16,36-1-1</inkml:trace>
+  <inkml:trace contextRef="#ctx0" brushRef="#br0" timeOffset="1591.07">21890 4216 0,'18'0'31,"-1"0"-15,-17 17-1,0 19-15,0-1 16,18-17-1,-18 17 1</inkml:trace>
+  <inkml:trace contextRef="#ctx0" brushRef="#br0" timeOffset="1638.62">21978 4445 0,'0'0'15,"35"88"-15</inkml:trace>
+  <inkml:trace contextRef="#ctx0" brushRef="#br0" timeOffset="1681.62">22066 4604 0,'18'35'15</inkml:trace>
+  <inkml:trace contextRef="#ctx0" brushRef="#br0" timeOffset="1717.62">22102 4657 0,'17'17'15,"1"-17"-15</inkml:trace>
+  <inkml:trace contextRef="#ctx0" brushRef="#br0" timeOffset="1751.62">22154 4692 0,'36'18'16,"-1"17"-16</inkml:trace>
+  <inkml:trace contextRef="#ctx0" brushRef="#br0" timeOffset="1797.62">22313 4762 0,'35'0'16,"18"0"-16</inkml:trace>
+  <inkml:trace contextRef="#ctx0" brushRef="#br0" timeOffset="1946.88">22472 4762 0,'18'0'15,"17"0"-15,0-35 16,18 0 0,-53-18 15,-459 106-31,936-159 0,-830 282 16,706-475-1,-671 598-15,636-616 16</inkml:trace>
+  <inkml:trace contextRef="#ctx0" brushRef="#br0" timeOffset="1963.88">22595 4357 0,'-17'-53'0</inkml:trace>
+  <inkml:trace contextRef="#ctx0" brushRef="#br0" timeOffset="2181.05">22472 4163 0,'-35'-18'16,"35"635"-16,35-617 0,-88-652 16,18 617-1,17 35 1,0 0-1,1-18 1,281 318-16,-546-600 16,247 300-1,299 212-15,-334-318 16,-142 0-16,159 106 16,36 0-1,-19 0-15</inkml:trace>
+  <inkml:trace contextRef="#ctx0" brushRef="#br0" timeOffset="2355.71">22031 4110 0,'-88'53'16,"70"-18"0,-17-17-1,229-142 17,-247 142-17</inkml:trace>
+  <inkml:trace contextRef="#ctx0" brushRef="#br0" timeOffset="20172.36">13423 15505 0,'18'0'62,"17"0"-46,18 0-1,18 0 1,-19 0-16,19 0 16,-18 0-16,-35 0 15,35 0-15,35-36 16,-18 36-16,18-35 15,-35 17-15,36 18 16,-72 0 0,19-17-16</inkml:trace>
+  <inkml:trace contextRef="#ctx0" brushRef="#br0" timeOffset="84800.01">6844 8361 0,'18'0'110,"-1"0"-110,18 0 15,-17 0-15,17 0 16,1 0-16,-19 0 16,1 0-16,17 0 15,0 0-15,-17 0 16,35 0 15,-18 0-31,-17 0 16,17 0-16,0-18 15,18 18 1,0 0-16,36 0 16,-1 0-16,-18 0 15,54 0-15,-1 0 16,1 18-16,-36-18 16,-18 17-16,1 1 15,17-18 1,-70 0-1,-1 0-15,1 0 16,0 0 0,-1 0-1,19 0 1,17 0-16,-18 0 16,18 0-16,0 0 31,88 18-31,-71-18 15,-34 17 1,52-17-16,-18 18 16,-34-18-16,17 0 15,17 0-15,18 0 16,-17 0-16,-18 0 16,17 0-16,-17 0 15,18 18-15,-36-18 16,18 0-16,0 0 15,35 0 1,89 17-16,-107 1 16,-17-18-16,18 0 15,-19 0-15,1 0 16,0 0 0,-35 0-16,17 0 15,18 18-15,-35-18 16,-1 0-16,1 0 15,35 17-15,0-17 16,0 0-16,53 0 16,35 35-16,0-35 15,212 0 1,-53 18 0,-106 0-1,-71-18 1,-105 0-1,-1 0 1,1 0 0,17 0-16,18 0 0,18 0 15,17 0-15,106 17 16,-88 1 0,35 0-16,0-1 15,18-17 1,176 0-1,18 18 1,-71-18 0,-53 18-1,-158-18 1,-18 0-16,0 0 0,-1 0 16,37 0-1,-54 0-15,35 0 16,36 0-1,-70 0-15,16 0 16,-34 0-16,35 0 31,-18 0-31,-17 0 0,17 0 16,1 0-16,-1 0 31,0 0-31,-17 0 16,-1 0-16,1 0 31,0-18-15,17 18-1</inkml:trace>
+  <inkml:trace contextRef="#ctx0" brushRef="#br0" timeOffset="87159.22">6809 5521 0,'0'0'0,"17"0"63,1 0-63,0 0 15,-1 0-15,18 0 16,1 0-16,-19 0 16,19 0-16,-19 0 15,36 0-15,18 0 16,-18 0-16,35 0 15,124 0 1,158 18 15,-264-18-15,-53 0-16,0 0 16,0 0-16,35 0 15,0 0 1,35 0-16,1 0 0,-89 0 15,36 0 1,-18 0 0,35 0-1,18 0 17,-18 0-32,18 0 15,-53 0-15,35 0 16,-35 0-16,17 0 15,54 0-15,17 0 16,-18 0-16,-17 0 16,18 0-16,-1 0 15,-17 0-15,17 0 16,-17 0-16,-53 0 16,88 0-16,-70 0 15,52 0-15,-17 0 16,35 0-1,-35 0-15,-53 0 0,-18 0 16,36 0-16,-18 0 16,0 0-1,158 0-15,-70 0 16,1 0 0,-54 0-16,35 0 15,89 0 1,-106 0-16,-53 0 15,35 17-15,-18-17 16,54 0-16,-1 0 16,-34 0-16,16 0 15,-52 0-15,0 0 16,-35 0-16,-1 0 16,72 0-1,69 18 1,-87 0-16,35-18 15,-18 0-15,-53 17 16,-17-17 0,0 0 31,17 0-32,-18 0 16,19 0-15,17 0 0,-36 0-16,36 18 15,-18-18 1,-17 0 0</inkml:trace>
+</inkml:ink>
+</file>
+
+<file path=ppt/ink/ink15.xml><?xml version="1.0" encoding="utf-8"?>
+<inkml:ink xmlns:inkml="http://www.w3.org/2003/InkML">
+  <inkml:definitions>
+    <inkml:context xml:id="ctx0">
+      <inkml:inkSource xml:id="inkSrc0">
+        <inkml:traceFormat>
+          <inkml:channel name="X" type="integer" min="-3840" max="1920" units="cm"/>
+          <inkml:channel name="Y" type="integer" max="1080" units="cm"/>
+          <inkml:channel name="T" type="integer" max="2.14748E9" units="dev"/>
+        </inkml:traceFormat>
+        <inkml:channelProperties>
+          <inkml:channelProperty channel="X" name="resolution" value="109.29791" units="1/cm"/>
+          <inkml:channelProperty channel="Y" name="resolution" value="36.48649" units="1/cm"/>
+          <inkml:channelProperty channel="T" name="resolution" value="1" units="1/dev"/>
+        </inkml:channelProperties>
+      </inkml:inkSource>
+      <inkml:timestamp xml:id="ts0" timeString="2021-08-25T07:22:27.174"/>
+    </inkml:context>
+    <inkml:brush xml:id="br0">
+      <inkml:brushProperty name="width" value="0.05292" units="cm"/>
+      <inkml:brushProperty name="height" value="0.05292" units="cm"/>
+      <inkml:brushProperty name="color" value="#FF0000"/>
+    </inkml:brush>
+  </inkml:definitions>
+  <inkml:trace contextRef="#ctx0" brushRef="#br0">388 8290 0,'18'0'31,"-18"-17"-31,17 17 16,1 0-16,0 0 15,-1 0 1,1 0-16,0 0 16,34 0-16,-16 0 15,-1 0-15,0 0 16,18 0-16,0 0 15,0 0-15,35 0 16,36 0-16,-54 0 16,-34 0-16,-19 0 15,-34 0 95,-1 0-110,-53 0 15,-35 0-15,1 0 16</inkml:trace>
+  <inkml:trace contextRef="#ctx0" brushRef="#br0" timeOffset="607.51">318 8255 0</inkml:trace>
+  <inkml:trace contextRef="#ctx0" brushRef="#br0" timeOffset="942.92">441 8255 0</inkml:trace>
+  <inkml:trace contextRef="#ctx0" brushRef="#br0" timeOffset="2312.16">441 8255 0,'0'35'31,"-18"1"-31,18-19 16,0 18 0,-17 1-16,17 17 15,-18-36-15,0 54 16,18-18-16,0 35 15,0-35-15,0 35 16,0 18-16,0-18 16,0 18-16,0-18 15,0 36-15,0-36 16,0 88-16,0-35 16,0 36-1,0-89 1,0-18-16,36 36 0,-19-53 15,-17 0-15,0-35 16,18 35-16,-18-36 16,0 19-1,0-1-15,0 0 16,0 0-16,0 54 16,0-54-1,0 0-15,0 0 16,0 1-16,0-1 15,0-17-15,18 35 16,-18-1 0,17-34-16,-17 0 15,0-1 95,18 1-95,-18 17 1,0-17 93,18 0-109,-18-1 16,0 1-16,0-1 16,0 1-1,0 0-15,0-1 31,0 19-15,0-19-16,0 19 16,0-19-16,0 19 15,0 16 1,0-34-16,0 0 0,17-18 16,-17 17-1,35-17 157,1 0-156,17 0-16,17 0 15,1 0-15,35 0 16,-54-17-16,-34-1 16,17 0-16,-17 18 46,-18-17-46,18 17 16,-1 0 0,-34 0 156,-1-18-157,0 18-15,-17-17 16,-18-1-16</inkml:trace>
+  <inkml:trace contextRef="#ctx0" brushRef="#br0" timeOffset="89212">20496 3881 0,'18'-18'62,"17"18"-62,-17 0 16,17 0-16,1 0 16,16 0-16,19 0 15,-53 0-15,35 0 16,-18-18-16,-18 1 31,1 17-31</inkml:trace>
+  <inkml:trace contextRef="#ctx0" brushRef="#br0" timeOffset="90388.96">20514 3863 0,'0'18'62,"0"17"-46,18-18-16,-18 1 16,0 0-16,0-1 15,0 36 1,0-17-16,0 17 16,0-36-16,0 18 15,0-17-15,17-18 94,1 0-78,0 0-1,-1 0 1,19 0-16,-19 0 15,1 0 1,-1 0-16,1 0 16,17 0-1,-17 0 1,0 0 15,17 0-15,0 35-1,-17-17 1,-18 0 0,17-18-16,-17 17 15,18-17-15,-18 18 16,0 0-16,0-1 16,0 1-1,0 17-15,0-17 31,0 17-31,-18-17 16,-17-1 0,35 1-1,-17-18-15,-19 18 16,19-18-16,17 35 16,-36-35-16,19 0 15,-1 0-15,0 0 16,-17 17-1,18-17 1,-1 0 15,0 0 63,18-17-47</inkml:trace>
+  <inkml:trace contextRef="#ctx0" brushRef="#br0" timeOffset="91787.2">21325 3898 0,'0'0'0,"-17"0"62,-1 0-30,18 18-17,-18-1-15,18 1 16,-17 0 0,17-1-16,0 1 15,0 0-15,0 17 16,0-17-16,0-1 15,0 1-15,0 0 16,0-1-16,0 1 16,0-1-1,0 1 1,0 0 0,0-1 15,0 19 0,17-19-15,1 1-1,0 0 1,-1-18 0,-17 17-1,36 1-15,-1-18 16,0 17-16,1 1 15,-1-18-15,18 0 16,-18 0 0,-17-18-1,-1 18-15,19-17 16,-1-36-16,-18 35 16,19 1-16,-19-19 15,-17 19-15,18-19 16,-18 1-16,0 0 15,0 17-15,0 1 16,0-19-16,0-17 16,0 0-1,-18 18-15,-70-53 94,35 88-63,18 0-31,0 0 16,-1 0-16,1 0 31,0 0-31,35 18 16,-18-1 15,1-17 16,17 18-31,-18-18 15,0 70 0,1-70 0</inkml:trace>
+  <inkml:trace contextRef="#ctx0" brushRef="#br0" timeOffset="94130.96">22013 3651 0,'0'18'31,"0"0"16,0-1-47,0 1 94,0-1-63,0 19 0,0-19-31,0 1 16,0 17-16,0 36 31,0-54-31,0 19 0,0-1 16,0 0-16,0 1 16,0-19-16,0 19 15,0-19-15,0 1 16,0-1-16,0 19 15,0-19 1,0 1-16,0 17 16,0-17-1,0 17 17,0-17-17,18-18 1,-18 17-1,35-17 1,-17 18-16,0 0 16,34-18-16,-16 0 15,-1 0-15,0 0 16,-17-18-16,17 0 16,0-17-16,1 0 15,-1-18 1,-17 35-16,17-17 15,-17 17-15,-1-17 16,-17 18 0,0-1-1,0 0-15,0-17 16,0 17-16,0 1 16,0-19-16,0 1 15,0 0-15,0 17 16,0-35-16,-17 18 15,-1 17 1,18-17-16,-18 0 31,1 17-15,-1 1 0,0-1-16,1 0 15,-19 1-15,19-1 16,-18 0-16,17 18 15,-17-17-15,17-1 16,-17 18-16,17 0 16,-17 0 15,17 0-31,-17 0 16,17 0-1,1 0 1,-19 0-1,1 18-15,35-1 16</inkml:trace>
+  <inkml:trace contextRef="#ctx0" brushRef="#br0" timeOffset="101569.6">14446 15558 0,'18'0'62,"-18"-18"-46,35 18 0,-17 0-1,17 0 1,-17 0-16,35 0 16,17 0-16,1 0 15,52 0-15,1 0 16,34 0-16,-34 0 15,-36 0-15,36 0 16,-107 0-16,1 0 63</inkml:trace>
+  <inkml:trace contextRef="#ctx0" brushRef="#br0" timeOffset="111678.19">11765 14905 0,'0'-18'16,"0"36"93,0 17-93,0 124-1,0-141-15,0 70 16,0-71-16,0 124 16,0-88-16,0-17 15,0 17-15,0-36 16,0 19-1,0-19-15</inkml:trace>
+  <inkml:trace contextRef="#ctx0" brushRef="#br0" timeOffset="112782.4">11430 15575 0,'18'0'47,"-1"0"-32,1 0 1,0 0-16,-1 0 16,1 0-16,35 0 15,0 0-15,0 0 16,52-17-16,195 17 31,-212 0-31,-52 0 16,-19-18-16</inkml:trace>
+  <inkml:trace contextRef="#ctx0" brushRef="#br0" timeOffset="79214.23">16175 14975 0</inkml:trace>
+  <inkml:trace contextRef="#ctx0" brushRef="#br0" timeOffset="80782.84">16175 14993 0,'17'0'156,"-17"-18"-140,18 18-16,0 0 16,-18-17-1,17 17 1,1 0 15,0 0-15,-1 0-16,1 0 15,0 0 1,-1 0-16,19 0 0,-19 0 16,18 0-1,1 0-15,-19 0 16,1 17-1,0-17-15,-18 18 16,35 0 0,-35-1-1,0 19-15,0-19 16,35 54 0,-35-54-1,0 1-15,0 0 16,0-1-16,0 1 15,0 0 1,0-1-16,-35-17 16,35 18-1,-18-18 1,1 0-16,-1 0 16,18 18-16,-18-18 15,1 0 1,-1 0-1,0 0 64,1 0-48,17-18 0,17 0-31,19 18 16,-1 0-16,0 0 15,-17 0-15,0 0 16,-1 0 0,1 0-16,-1 0 15,1 0-15,0 0 16,17 18-16,-17-18 15,17 35-15,-17-17 16,-1-18-16,-17 17 16,0 1-1,0 0-15,18-1 16,-18 1 0,0 0-1,0 17 1,0-17-16,0-1 15,0 1 1,-18 17 0,1 0-1,-19-17-15,1 0 16,17 17-16,-35-17 16,18-1-16,0 1 15,0 0-15,-1-1 16,1 1-16,0-18 15,17 17-15,-17-17 16,17 18-16,1-18 16,-1 0 31</inkml:trace>
+  <inkml:trace contextRef="#ctx0" brushRef="#br0" timeOffset="81311.44">16739 15011 0,'18'0'31,"0"0"-15</inkml:trace>
+  <inkml:trace contextRef="#ctx0" brushRef="#br0" timeOffset="81360.25">16792 15011 0,'0'0'16,"18"0"-16,0 17 0,-18 1 16,35-18-16</inkml:trace>
+  <inkml:trace contextRef="#ctx0" brushRef="#br0" timeOffset="81423.77">16916 15152 0,'0'0'15,"35"70"1</inkml:trace>
+  <inkml:trace contextRef="#ctx0" brushRef="#br0" timeOffset="81463.28">17004 15311 0,'-18'-36'0,"71"89"0,-88-70 0,70 69 16,0-34-16</inkml:trace>
+  <inkml:trace contextRef="#ctx0" brushRef="#br0" timeOffset="81517.32">17092 15399 0,'-18'0'15,"36"0"-15,-18 17 0,35 1 0,-17 0 16</inkml:trace>
+  <inkml:trace contextRef="#ctx0" brushRef="#br0" timeOffset="81621.96">17198 15452 0,'18'0'16,"-71"0"-16,88 0 0,0 0 15,-17 0 1,-1-36-16,1 19 16,0-19-16,-18 19 15,17-1-15</inkml:trace>
+  <inkml:trace contextRef="#ctx0" brushRef="#br0" timeOffset="81720.01">17357 15011 0,'0'0'16,"0"-18"-16</inkml:trace>
+  <inkml:trace contextRef="#ctx0" brushRef="#br0" timeOffset="81870.59">17145 14905 0,'0'0'0,"-35"0"15,17 0-15</inkml:trace>
+  <inkml:trace contextRef="#ctx0" brushRef="#br0" timeOffset="81942.64">16986 14905 0,'0'0'0,"-17"0"0,-1 17 16,0-17-1</inkml:trace>
+  <inkml:trace contextRef="#ctx0" brushRef="#br0" timeOffset="81999.9">16916 14940 0,'-18'18'15</inkml:trace>
+  <inkml:trace contextRef="#ctx0" brushRef="#br0" timeOffset="82039.55">16898 14958 0</inkml:trace>
+  <inkml:trace contextRef="#ctx0" brushRef="#br0" timeOffset="82078.54">16898 14958 0,'-18'0'15,"1"0"-15</inkml:trace>
+  <inkml:trace contextRef="#ctx0" brushRef="#br0" timeOffset="83111.21">16845 14922 0,'18'0'31,"-1"0"-15,1 0-16,0 18 16,-1-18-1,1 0 1,17 0 15,-17 0-31,0 0 16,-1 0-16,18 0 0,-17 0 31,17 0-31,-17 0 16,0 0-16,17-18 15,-17 18 1,-1 0 0,1 0-1,-1 0 1,1 0-1,0 0 1,-1 0-16,1 18 31,17 0-15,-17-1 0,0 1-1,-1 0-15,1-1 16,-18 1-1,17-18 1,-17 18-16,0-1 16,0 1-1,0 0-15,0-1 32,0 1-32,0-1 15,0 1-15,-35-18 16,35 18-1,-17-1 1,-1-17 0,0 18-1,1-18 1,-1 18 0,-17-18-16,17 17 15,0-17 1,18 18-16,-35-18 15,35 18-15,-17-18 16,17 17 0,-18-17 46,0 0 1</inkml:trace>
+  <inkml:trace contextRef="#ctx0" brushRef="#br0" timeOffset="84327.92">17657 14605 0,'-18'0'31,"18"18"32,0-1-48,0 1-15,0 17 16,0-17-16,0-1 16,0 1-16,0 0 15,0-1-15,0 19 16,0-19-16,18 1 15,-1 0-15,-17 17 16,35-18 0,-35 1-16,0 0 15,18-18 1,-18 17-16,0 1 16,18-18-16,-1 35 15,1-35 1,0 18-16,17 17 15,-17-17-15,-1 0 16,18-1-16,-17-17 16,0 0-1,-1 0 1,1 0 0,0-35-1,-18 17-15,17 1 16,1-19-16,-18 19 15,18-19-15,-18 19 16,0-1-16,0-35 16,0 36-16,0-19 15,0 19-15,0-1 16,0 0-16,-18 1 16,18-1-16,-18 0 15,1 18 1,17-17-16,-18-1 15,0 1-15,1-1 16,17 0 0,-36 18-16,36-17 15,-17 17 1,17-18-16,-18 0 16,1 18-16,-1 0 15,0 0-15,1 0 16,-1 0-16,-17 0 15,17 0 1,0 0 62,1 0-62,-1-17-1</inkml:trace>
+</inkml:ink>
+</file>
+
+<file path=ppt/ink/ink16.xml><?xml version="1.0" encoding="utf-8"?>
 <inkml:ink xmlns:inkml="http://www.w3.org/2003/InkML">
   <inkml:definitions>
     <inkml:context xml:id="ctx0">
@@ -478,6 +599,368 @@
   <inkml:trace contextRef="#ctx0" brushRef="#br0" timeOffset="85290.33">11271 8978 0,'36'0'109,"16"0"-109,1 0 16,0 0 0,177-17-16,-213 17 31,107 0-31,-71 0 15,-36 0-15,1 0 172,0 0-156,-1 0 0,1 0-1,-1 0-15,19 0 16,17 17-16,-36-17 15,19 0 1,-19 0-16,1 18 16,35-1-1,0-17-15,0 0 16,-36 18-16,1-18 16,-1 0 30,1 0-46,-18 18 16,18-18 0,-18 17-16,17 36 15,-17-17-15,0-19 16,18 36-16,-18-18 16,0 18-1,0 88 1,0-88-1,0 0-15,0 0 0,0-35 16,0-1 0</inkml:trace>
   <inkml:trace contextRef="#ctx0" brushRef="#br0" timeOffset="124868.57">5821 8572 0,'0'-17'62,"17"17"-46,19-18 0,-19 18-16,36 0 15,18 0-15,-18 0 16,53 0-1,-1 0-15,1 0 16,0 0-16,0 0 16,0 0-16,17 0 15,18 0-15,-52 0 16,-37 0-16,54 0 16,-53 0-1,-35 0-15,35 0 16,-18 0-16,0 0 15,-17 0 1,0 0-16</inkml:trace>
   <inkml:trace contextRef="#ctx0" brushRef="#br0" timeOffset="127407">7285 8343 0,'17'0'203,"1"0"-188,17 0-15,18 0 16,-17 0-16,17 0 16,-1 0-16,-34 18 15,35-18-15,18 0 16,-54 17-16,18-17 15,-17 0-15,17 18 16,-17-18 0,-36 35 140,1-35-140,-19 36-1,1-19-15,0 1 16,-18 52-16,18-52 15,-18 17-15,18 1 16,-18 17-16,-18 17 16,53-52-16,-17 17 15,17-35-15,1 0 16,17-18 171,0-17-171,35 0-16,-35 0 16,0-36-16,18 18 15,-1 0-15,1 0 16,-18 18 0,0 17-1,0 1-15,18 17 0,-18-18 31,0 36 94</inkml:trace>
+</inkml:ink>
+</file>
+
+<file path=ppt/ink/ink17.xml><?xml version="1.0" encoding="utf-8"?>
+<inkml:ink xmlns:inkml="http://www.w3.org/2003/InkML">
+  <inkml:definitions>
+    <inkml:context xml:id="ctx0">
+      <inkml:inkSource xml:id="inkSrc0">
+        <inkml:traceFormat>
+          <inkml:channel name="X" type="integer" min="-3840" max="1920" units="cm"/>
+          <inkml:channel name="Y" type="integer" max="1080" units="cm"/>
+          <inkml:channel name="T" type="integer" max="2.14748E9" units="dev"/>
+        </inkml:traceFormat>
+        <inkml:channelProperties>
+          <inkml:channelProperty channel="X" name="resolution" value="109.29791" units="1/cm"/>
+          <inkml:channelProperty channel="Y" name="resolution" value="36.48649" units="1/cm"/>
+          <inkml:channelProperty channel="T" name="resolution" value="1" units="1/dev"/>
+        </inkml:channelProperties>
+      </inkml:inkSource>
+      <inkml:timestamp xml:id="ts0" timeString="2021-08-25T07:09:40.124"/>
+    </inkml:context>
+    <inkml:brush xml:id="br0">
+      <inkml:brushProperty name="width" value="0.05292" units="cm"/>
+      <inkml:brushProperty name="height" value="0.05292" units="cm"/>
+      <inkml:brushProperty name="color" value="#FF0000"/>
+    </inkml:brush>
+  </inkml:definitions>
+  <inkml:trace contextRef="#ctx0" brushRef="#br0">23178 1076 0,'0'0'0,"17"0"31,1-18-31,-1 18 16,1 0-1,17 0 1,-17 0 0,0 0-16,17 0 15,35 0-15,36 0 16,0 0-16,35 0 15,-70-35-15,-36 35 16,-17 0-16,-1 0 16,389 0-1,-212 0 1,18 35-16,-36-35 0,-17 0 16,123 0-1,-141 0 1,-17 0-16,87 0 15,-122 0 1,-37 0-16,1 0 16,-17 0-16,-19 0 15,1 0 63</inkml:trace>
+  <inkml:trace contextRef="#ctx0" brushRef="#br0" timeOffset="1816.92">19209 9013 0,'17'0'32,"1"0"-32,0 0 15,-1 0-15,19 0 16,-19 0-1,1 0 1,0 0-16,17 0 16,18 0-1,53 0-15,-54 0 0,37 0 16,-1 0 0,194-17-16,-176 17 15,-88 0-15,-1 0 16,1 0-1,-1 0 32,-17-18 110</inkml:trace>
+  <inkml:trace contextRef="#ctx0" brushRef="#br0" timeOffset="2913.01">12506 8978 0,'18'0'31,"-1"0"0,1 0-15</inkml:trace>
+  <inkml:trace contextRef="#ctx0" brushRef="#br0" timeOffset="3440.83">12612 8978 0,'0'0'0,"35"0"31,-17 0-31,-1 18 16,1-18-1,17 0 1,18 0 0,-35 17-16,17-17 15,0 0-15,1 36 16,17-36-16,35 0 15,35 0-15,1 0 16,-18 0-16,88 53 16,0-18-16,0-17 15,0-1-15,-106 1 16,-18-18-16,-17 0 16,0 0-16,-35 0 31</inkml:trace>
+  <inkml:trace contextRef="#ctx0" brushRef="#br0" timeOffset="5144.38">12312 6438 0,'0'-17'31,"-18"17"16,1 0-47,-19 0 15,-17 0-15,-141-18 32,89 18-32,-19 0 15,18 0-15,0 0 16,-35 0-16,88 0 15,1 0-15,-1 0 16,0 0 0,53 18-1,-18-1-15,18 1 0,0 17 32,0-17-32,-18-1 0,18 1 15,0 0 1,0 17-16,0-17 15,0 17-15,0 18 16,18 0-16,0 0 16,-1-18-16,-17 0 15,36 18-15,-19-18 16,1-17-16,-18 0 16,35 35-1,-17-18-15,17-18 16,0 1-1,18 35-15,-35-18 16,0-35-16,-1 18 16,18 0-16,1 17 15,52 0 1,-53-35-16,1 18 16,16-18-16,1 17 15,53-17-15,0 0 16,0 0-16,-18 0 15,-35 0 1,0-17-16,0 17 0,-36-36 16,36 1-1,0-35 1,-35 34 0,35 1-16,-36 0 15,1 35-15,17-71 16,-35 18 46,0 0-46,-123-141 78,-89 142-47,177 34-47,17 18 15,1 0 16,-1 0-31,0 0 63</inkml:trace>
+  <inkml:trace contextRef="#ctx0" brushRef="#br0" timeOffset="7472.14">18468 4480 0,'0'-17'15,"-18"17"17,1 0-17,-19 0 1,19 17-1,-19 1 1,-16 88 0,16-89-16,19 36 15,-19 18 1,1-18-16,35-18 16,-18 0-16,18 18 15,-17 35 1,17-70-16,0 0 15,0-1-15,0 19 16,0-19 0,0 19-1,0-19-15,17 36 16,1-35-16,-18 17 16,18 0-16,-1-17 15,-17 17-15,18-17 16,17 17-16,-35-17 15,18 17-15,17-17 16,-35-1 0,18 1-1,-1 0 1,1-18-16,17 35 16,-17-17-16,0-18 15,35 17-15,17 1 16,1-1-16,34 1 15,-16-18-15,34 0 16,-52 0 0,87 0-1,1 0 1,-141-18-16,0 1 16,17-1-1,-18 1-15,19-36 0,-19 35 16,19-70-1,-19-36 1,-17 54-16,0-18 16,-35-1-16,35 36 15,-18 1-15,-17-1 16,0-18-16,17 53 16,-17-35-16,17 18 15,-17 0 1,17 17-16,1-17 0,-19 35 15,1-35 1,-35-1-16,-1 19 16,-17-1-16,-36-17 15,107 35 1,-36-35 0,-18 35-1,54 0 1,-1 0 15</inkml:trace>
+  <inkml:trace contextRef="#ctx0" brushRef="#br0" timeOffset="10296.26">23336 10848 0,'0'-18'31,"18"18"32,0 0-48,-1 0-15,18 0 16,1 0 0,17 0-16,-18 0 15,-17 0-15,34 0 16,1 0-16,18 0 16,-18 0-16,106 0 31,-54 0-31,-34 0 31,-53 0 63</inkml:trace>
+</inkml:ink>
+</file>
+
+<file path=ppt/ink/ink18.xml><?xml version="1.0" encoding="utf-8"?>
+<inkml:ink xmlns:inkml="http://www.w3.org/2003/InkML">
+  <inkml:definitions>
+    <inkml:context xml:id="ctx0">
+      <inkml:inkSource xml:id="inkSrc0">
+        <inkml:traceFormat>
+          <inkml:channel name="X" type="integer" min="-3840" max="1920" units="cm"/>
+          <inkml:channel name="Y" type="integer" max="1080" units="cm"/>
+          <inkml:channel name="T" type="integer" max="2.14748E9" units="dev"/>
+        </inkml:traceFormat>
+        <inkml:channelProperties>
+          <inkml:channelProperty channel="X" name="resolution" value="109.29791" units="1/cm"/>
+          <inkml:channelProperty channel="Y" name="resolution" value="36.48649" units="1/cm"/>
+          <inkml:channelProperty channel="T" name="resolution" value="1" units="1/dev"/>
+        </inkml:channelProperties>
+      </inkml:inkSource>
+      <inkml:timestamp xml:id="ts0" timeString="2021-08-25T07:10:11.832"/>
+    </inkml:context>
+    <inkml:brush xml:id="br0">
+      <inkml:brushProperty name="width" value="0.05292" units="cm"/>
+      <inkml:brushProperty name="height" value="0.05292" units="cm"/>
+      <inkml:brushProperty name="color" value="#FF0000"/>
+    </inkml:brush>
+  </inkml:definitions>
+  <inkml:trace contextRef="#ctx0" brushRef="#br0">9437 18256 0,'17'0'31,"1"0"-31,17 0 16,18 0-16,-17 0 16,34 0-16,-52 0 15,52 0 1,89 0-16,-35 0 16,-1 0-16,-88 0 15,71 0-15,-53 0 16,-35 0-16</inkml:trace>
+  <inkml:trace contextRef="#ctx0" brushRef="#br0" timeOffset="1793.57">13582 10195 0,'0'0'0,"18"0"78,-1 0-63,1 0 1,52 0-16,-17 0 16,0 0-16,-17 0 15,87 0-15,36 0 16,-106 0-16,105-17 16,-69 17-16,-36 0 15,70 0-15,53 0 16,-87 0-16,-19 17 15,54-17-15,17 0 16,-35 0-16,-1 0 16,1 0-16,-35 0 15,-1 0 1,36 0-16,-71 0 16,-17 0-16,0 0 62,-1 0-15,1 0-31</inkml:trace>
+  <inkml:trace contextRef="#ctx0" brushRef="#br0" timeOffset="4801.3">1711 15558 0,'18'0'63,"-1"0"-48,36 0-15,-18 0 16,-17 0-16,0 0 16,17 0-1,0 0-15,18 0 0,0 0 16,0 0 0,0 0-16,17 0 15,-17 0-15,0 0 16,0 0-16,71 0 15,-89 0 1,18 0-16,-18 0 16,0 0-1,-17 0-15,17 0 16,-17 0-16,0 0 0,-1 0 31,1 0-15,0 0-16</inkml:trace>
+  <inkml:trace contextRef="#ctx0" brushRef="#br0" timeOffset="6328.25">8414 15434 0,'0'-18'47,"35"18"-31,0 0-1,1 0-15,-19 0 16,18 0-16,1 0 16,-1 0-16,18 0 15,18 0-15,-1 0 16,18 0-16,-17 0 15,-18 0-15,53 0 16,-71 0-16,0 0 16,-17 0 46,-1 0-31</inkml:trace>
+  <inkml:trace contextRef="#ctx0" brushRef="#br0" timeOffset="15338.09">18838 18239 0,'0'-18'16,"18"18"15,0 0-31,-1 0 15,1 0 1,0 0-16,-1 0 16,18 0-16,1 0 15,17 0-15,35-18 16,35 1-16,36 17 16,-124 0-16,1 0 15,105 0-15,53 0 16,-53 0-16,-71 0 15,1 0-15</inkml:trace>
+  <inkml:trace contextRef="#ctx0" brushRef="#br0" timeOffset="16659.16">18380 15716 0,'17'0'94,"19"0"-78,-1 0-16,18 0 0,-36 0 15,72 0-15,-54 0 16,53 0-1,-35 0-15,0 18 0,141 0 32,-159-18-17,-17 0-15,0 0 16,-18 17 156</inkml:trace>
+  <inkml:trace contextRef="#ctx0" brushRef="#br0" timeOffset="18347.65">28275 7161 0,'18'0'78,"-1"0"-62,19 0 0,-19 0-16,19 0 15,-1 0-15,0 0 16,36 0-16,17-17 16,53 17-16,-18 0 15,-87 0 1,-19 0-1</inkml:trace>
+  <inkml:trace contextRef="#ctx0" brushRef="#br0" timeOffset="21794.55">21396 11307 0,'-18'0'94,"1"0"-79,-1-18 1,0 18 0,1 0-16,-1 0 15,0 0 1,1 0 0,-1 0-1,-17 0 1,17 0-1,1 0-15,-1-18 16,-17 18 0,-1 0-1,19 0 1,-1 0 15,1 0-15,-19 0-16,1 0 15,0 0 1,-1 0-16,19 0 16,-18 0-16,17 0 15,0 0-15,-17 0 16,17 18 0,1-18 30,-1 0-46,0 0 16,1 0-16,-18 18 16,17-18-1,0 0 1,1 17-16,-1 1 16,18-1-1,-35 1 1,35 0-16,-18-18 15,18 17 1,0 1-16,-18-18 16,18 18 15,0-1-15,-17 1-1,17 0 1,0-1-1,0 1 1,0-1 0,0 1-1,0 0 1,0-1 0,0 1-1,0 0-15,0-1 16,0 1-1,17 0 1,-17 17 0,18-35-16,-18 18 15,35-1 1,-17 1 0,0-18-16,17 35 15,-17-17-15,-1-18 16,-17 17-1,18-17-15,-1 36 16,1-36-16,0 17 16,-1-17-1,1 18 1,17-18-16,-35 18 16,18-18-16,0 0 15,-1 0-15,-17 17 16,53-17-1,-35 0-15,17 0 32,18 0-32,0 0 15,17 0 1,-34 0-16,-1-17 16,88-54 15,-87 36-16,17-1 1,-18-34 0,-35 17-1,35 18 1,-17-18-16,17 35 16,-35-35-1,18 53-15,-18-35 16,0 17-16,0 1 15,0-72 1,0 54 0,0 0-1,0 17 1,0 1 0,0-1-1,-18 18 48,0 0-48,1 0-15,-1 0 16,-17 0 0,0 0-1,17 0 1,0 0 15,1 0-31,-19 0 16,-34 0-1,52 18 1</inkml:trace>
+  <inkml:trace contextRef="#ctx0" brushRef="#br0" timeOffset="28419.74">31009 6315 0,'-35'-18'31,"17"18"-31,-17 0 16,0-18-16,-18 18 15,0 0-15,0 0 16,-35 0 0,-106 0-1,106 0-15,52 0 0,-52 0 16,53 0 0,17 18-1,0-18 1,1 0-16,17 18 15,-35-18 1,17 17-16,0 19 0,18-19 16,-17 19-1,17 16 1,0-16 0,0-1-16,0 0 15,-18 18-15,18-17 16,-18-1-16,18-18 15,0 1-15,0 17 16,18-17 0,-18 0-1,35-1 1,-17 1 0,0 0-1,-1-1-15,1 1 0,17-1 16,-17-17-1,-1 18-15,36 0 0,-17-18 16,17 17-16,-1 1 16,142 53-1,-17-54 1,-18 1 0,-18-18-1,-18 0 1,-70 0-1,0 0 1,-35-18-16,-1 18 16,36-35-16,0 17 15,0-70 1,-18 18 0,-17-19-1,-18 36-15,0 1 16,-18-19-16,-35 0 15,18-34 1,-35-19 0,17 36 15,35 88-31,0-18 0,-35 1 16,-17 17-1,17 0 1,-35 0-16,-18 0 15,-17 17-15,-19-17 16,1 0 0,106 0-16,0 0 15,17 0-15</inkml:trace>
+</inkml:ink>
+</file>
+
+<file path=ppt/ink/ink19.xml><?xml version="1.0" encoding="utf-8"?>
+<inkml:ink xmlns:inkml="http://www.w3.org/2003/InkML">
+  <inkml:definitions>
+    <inkml:context xml:id="ctx0">
+      <inkml:inkSource xml:id="inkSrc0">
+        <inkml:traceFormat>
+          <inkml:channel name="X" type="integer" min="-3840" max="1920" units="cm"/>
+          <inkml:channel name="Y" type="integer" max="1080" units="cm"/>
+          <inkml:channel name="T" type="integer" max="2.14748E9" units="dev"/>
+        </inkml:traceFormat>
+        <inkml:channelProperties>
+          <inkml:channelProperty channel="X" name="resolution" value="109.29791" units="1/cm"/>
+          <inkml:channelProperty channel="Y" name="resolution" value="36.48649" units="1/cm"/>
+          <inkml:channelProperty channel="T" name="resolution" value="1" units="1/dev"/>
+        </inkml:channelProperties>
+      </inkml:inkSource>
+      <inkml:timestamp xml:id="ts0" timeString="2021-08-25T07:27:47.094"/>
+    </inkml:context>
+    <inkml:brush xml:id="br0">
+      <inkml:brushProperty name="width" value="0.05292" units="cm"/>
+      <inkml:brushProperty name="height" value="0.05292" units="cm"/>
+      <inkml:brushProperty name="color" value="#FF0000"/>
+    </inkml:brush>
+  </inkml:definitions>
+  <inkml:trace contextRef="#ctx0" brushRef="#br0">2999 5856 0,'17'0'78,"1"0"-46,0 0-17,-1 0 1,1 0-16,-1 0 16,54 0 15,-53 0-31,35 0 0,-18 0 15,0 0-15,53 0 16,0 0-16,54 0 16,246-18 15,-212 18-31,-17 0 16,-18-17-16,0 17 15,18 0-15,-18 0 16,0 0-16,-18 0 15,-34 17-15,-19-17 16,107 18 0,-107-18-16,36 0 15,0 0-15,17 0 16,-52-18-16,88 18 16,-54-17-16,-16 17 15,-1 0-15,-53 0 16,71 0-16,-53 0 15,0 0-15,0 0 16,35-18 0</inkml:trace>
+  <inkml:trace contextRef="#ctx0" brushRef="#br0" timeOffset="81005.41">7355 4445 0,'0'0'0,"18"0"31,0 0-15,-1 0-1,1 0-15,-18-35 16,35 35 0,1-18-16,-1-17 15,71 0-15,17-71 16,36 35-16,-53-17 16,35 0-16,-53 17 15,-53 36-15,-17 17 16,0 18 31</inkml:trace>
+  <inkml:trace contextRef="#ctx0" brushRef="#br0" timeOffset="82556.25">19173 6509 0,'0'0'0,"18"0"31,0 0 0,-1-18-31,1 18 16,17-35-16,1 0 16,-19 17-16,19-35 15,16 0-15,-34 35 16,88-52-1,-18-36-15,-70 88 16,17-17-16,-17 17 16,-18 1-16,17 17 15,-17-18-15,18 18 16,0 0 0</inkml:trace>
+  <inkml:trace contextRef="#ctx0" brushRef="#br0" timeOffset="105450.15">3739 7938 0,'36'0'78,"-19"0"-78,19 0 16,-1 0-16,35 0 16,72 0-16,-19-53 15,-105 53-15,158-18 16,230 18 0,299 0-16,71 0 15,230 53-15,-124 17 16,-18-17-16,0-17 15,512 52 1,71-18 0,-424-17-1,-812-35-15,36 17 16,-158-17 0,157 193-16,-210-175 15,-19-36 1</inkml:trace>
+</inkml:ink>
+</file>
+
+<file path=ppt/ink/ink2.xml><?xml version="1.0" encoding="utf-8"?>
+<inkml:ink xmlns:inkml="http://www.w3.org/2003/InkML">
+  <inkml:definitions>
+    <inkml:context xml:id="ctx0">
+      <inkml:inkSource xml:id="inkSrc0">
+        <inkml:traceFormat>
+          <inkml:channel name="X" type="integer" min="-3840" max="1920" units="cm"/>
+          <inkml:channel name="Y" type="integer" max="1080" units="cm"/>
+          <inkml:channel name="T" type="integer" max="2.14748E9" units="dev"/>
+        </inkml:traceFormat>
+        <inkml:channelProperties>
+          <inkml:channelProperty channel="X" name="resolution" value="109.29791" units="1/cm"/>
+          <inkml:channelProperty channel="Y" name="resolution" value="36.48649" units="1/cm"/>
+          <inkml:channelProperty channel="T" name="resolution" value="1" units="1/dev"/>
+        </inkml:channelProperties>
+      </inkml:inkSource>
+      <inkml:timestamp xml:id="ts0" timeString="2021-08-25T06:54:07.637"/>
+    </inkml:context>
+    <inkml:brush xml:id="br0">
+      <inkml:brushProperty name="width" value="0.05292" units="cm"/>
+      <inkml:brushProperty name="height" value="0.05292" units="cm"/>
+      <inkml:brushProperty name="color" value="#FF0000"/>
+    </inkml:brush>
+  </inkml:definitions>
+  <inkml:trace contextRef="#ctx0" brushRef="#br0">29404 4568 0,'0'0'0,"35"0"15,54 0-15,-1 0 16,-35 0-16,-36 0 16,19 0-1,-54 0 63,-35 0-62,-18 18-16</inkml:trace>
+  <inkml:trace contextRef="#ctx0" brushRef="#br0" timeOffset="1488.11">29404 4621 0,'18'0'32,"-1"0"-17,1 0 32,0 0-31,-1 0-1,19 0-15,-19 53 16,18 18-16,-35-18 16,18 17-16,-18 54 15,0 158 1,0-176 0,-35 53-16,35-89 15,0-17-15,0 18 16,0-54-1,0 19-15,0-19 32,0 36-17,0-35-15,0 35 16,17-18-16,-17 0 16,0-17-16,0 70 15,0-35-15,0-18 16,0 1-16,0-19 15,-35 1-15,35-1 16,0 1 0,0 0-1,0 17-15,-17-17 16,17 17 0,0 0-1,0 0-15,0-17 31,17-18 94,18 0-109,1 0-16,-19-18 16,54 18-1,-36 0 1,-17 0 31,-1 0 109</inkml:trace>
+  <inkml:trace contextRef="#ctx0" brushRef="#br0" timeOffset="23955.17">29192 5680 0,'18'0'16,"0"0"46,-1 0-46,1 0-1,17 0 1,0 0-16,-17 0 16,35 0-16,18 0 15,52 0 1,18 0-16,88-18 0,1 18 16,17-18-1,35 1 1,18 17-16,-247-35 15,-36 35-15</inkml:trace>
+</inkml:ink>
+</file>
+
+<file path=ppt/ink/ink3.xml><?xml version="1.0" encoding="utf-8"?>
+<inkml:ink xmlns:inkml="http://www.w3.org/2003/InkML">
+  <inkml:definitions>
+    <inkml:context xml:id="ctx0">
+      <inkml:inkSource xml:id="inkSrc0">
+        <inkml:traceFormat>
+          <inkml:channel name="X" type="integer" min="-3840" max="1920" units="cm"/>
+          <inkml:channel name="Y" type="integer" max="1080" units="cm"/>
+          <inkml:channel name="T" type="integer" max="2.14748E9" units="dev"/>
+        </inkml:traceFormat>
+        <inkml:channelProperties>
+          <inkml:channelProperty channel="X" name="resolution" value="109.29791" units="1/cm"/>
+          <inkml:channelProperty channel="Y" name="resolution" value="36.48649" units="1/cm"/>
+          <inkml:channelProperty channel="T" name="resolution" value="1" units="1/dev"/>
+        </inkml:channelProperties>
+      </inkml:inkSource>
+      <inkml:timestamp xml:id="ts0" timeString="2021-08-25T06:54:45.219"/>
+    </inkml:context>
+    <inkml:brush xml:id="br0">
+      <inkml:brushProperty name="width" value="0.05292" units="cm"/>
+      <inkml:brushProperty name="height" value="0.05292" units="cm"/>
+      <inkml:brushProperty name="color" value="#FF0000"/>
+    </inkml:brush>
+  </inkml:definitions>
+  <inkml:trace contextRef="#ctx0" brushRef="#br0">5045 11501 0,'0'-18'78,"-18"18"-62,0 0-16,-17 0 16,18 0-1,-54-18 1,36 18-16,-18-17 16,-18 17-16,18 0 15,0 0-15</inkml:trace>
+  <inkml:trace contextRef="#ctx0" brushRef="#br0" timeOffset="200.69">4427 11448 0,'0'0'0,"-105"0"16,87 0-1,-35 0-15,18 0 16,-18 0-16,-18 0 16,18 0-16,0 0 15,18 17-15,-18-17 16,0 0-16,0 0 15,0 18-15,1-18 16,-37 0-16,19 0 16,-1 18-16,-35-1 15,-17-17-15</inkml:trace>
+  <inkml:trace contextRef="#ctx0" brushRef="#br0" timeOffset="887.49">2417 11553 0,'0'0'0,"-89"0"0,1 0 15,-18 18-15,0-18 16,18 0-16,-35 0 16,17 0-16,0 18 15,18-18-15,-18 0 16,36 0 0,-19 0-16,-34 0 0,-1 0 15,36 0 1,-18 0-16,36 0 15,17 0-15,18 0 16,-1 0-16,1 0 16,0 0-16,0 0 15,-18 0-15,35 0 16,0 0-16,-17 0 16,-18 17-16,71-17 187,-1 0-46,1 0-63</inkml:trace>
+  <inkml:trace contextRef="#ctx0" brushRef="#br0" timeOffset="2151.08">900 11624 0,'141'0'0,"35"0"16,-493 0-16,828 0 0,-282 0 15,54 0-15,175 18 16,-281-18 0,-36 0-16,0 0 15,-35 0-15,0 0 16,-18 0 0,0 0-16,194 0 15,0 0 1,-123 0-1,-35 0 1,-54 0-16,-17 0 16,0 0-16,-18 0 15,18 0 1,18 0-16,-54 0 16,1 0 546,35 0-546,0 0-16,17 0 15,19 0-15,-19 0 16,-17 0-16,0 0 16,-35 0-16,-1 0 62,1 0-31,0 0-31,-1 0 16,1 0 0,-1 0-1,-17 17 63</inkml:trace>
+  <inkml:trace contextRef="#ctx0" brushRef="#br0" timeOffset="2918.87">5733 10654 0,'0'0'0,"-18"0"47</inkml:trace>
+  <inkml:trace contextRef="#ctx0" brushRef="#br0" timeOffset="2967.96">5662 10636 0,'0'0'15,"-53"0"1,0 0-16</inkml:trace>
+  <inkml:trace contextRef="#ctx0" brushRef="#br0" timeOffset="3035.96">5433 10636 0,'0'0'0,"-18"0"16,-35 0-16,18 0 15,17 0-15,-35 0 16</inkml:trace>
+  <inkml:trace contextRef="#ctx0" brushRef="#br0" timeOffset="3086.37">5151 10636 0,'0'0'0</inkml:trace>
+  <inkml:trace contextRef="#ctx0" brushRef="#br0" timeOffset="3153.37">5115 10654 0,'0'0'0,"-17"18"0,17 17 15</inkml:trace>
+  <inkml:trace contextRef="#ctx0" brushRef="#br0" timeOffset="3191.39">5080 10742 0,'-18'35'16,"36"-70"-16,-36 106 15</inkml:trace>
+  <inkml:trace contextRef="#ctx0" brushRef="#br0" timeOffset="4816.33">5062 10830 0,'0'36'16,"0"-72"-16,0 107 0,0-54 15,0 1 1,0 17-16,0 18 15,0 0-15,0 0 0,0-18 16,0-17-16,0 0 16,0 17-1,0 0 1,0-17-16,0 0 16,0 17-1,0-18 1,0 1-16,36 0 15,-36-1-15,17 1 16,-17 17-16,18 1 31,0-19-31,17 18 32,-18-35-17,-17 18-15,18 0 16,0-18-16,-18 17 15,17-17-15,1 18 16,0-18 0,-1 18-1,19-1 1,-1-17-16,-17 18 16,17 0-16,0-18 15,-17 0-15,-1 17 16,19-17-16,-19 0 15,19 0 1,-1 0 0,18 0-16,0 18 15,17-18-15,-17 18 0,53-18 16,-36 0 0,1 17-16,0-17 15,-36 0 1,0 0-16,-17 0 0,-1 0 15,1 0-15,17 0 16,-17 0-16,53 0 16,34 0-16,-34 0 15,-18 0-15,17-35 16,-52 35 0,17 0 15,1-18-31,-36 1 15,17 17-15,1 0 16,0 0-16,-18-18 31,17 0-15,-17 1 0,0-1-16,0-17 15,18-1 1,-18 19-16,0-18 15,0-1-15,0-17 16,0 36-16,0-19 16,0 1-16,-18 0 15,1 0 1,17-1-16,-18-17 16,0 36-16,-17-54 15,0 54 1,-1-36-16,19 35 15,17 0 1,-35 1-16,35-1 0,-18 0 16,18 1-1,-35-1-15,17-17 16,-17 17 0,17 1-1,-35-19-15,35 19 16,-123-71 15,88 70-31,18 18 16,18-18-16,-19 1 15,1 17-15,-18-18 16,18 0 0,-1 18 15,1 0-31,-18 0 15,-53-17-15,-17-1 16,70 18-16,-53-18 16,-17 18-16,-1-35 15,18 35 1,71 0-16,18 0 16,-1 0 15,-17 0 0,-18 0-31,17 0 16,-16 0-16,34 0 15,0 0-15</inkml:trace>
+  <inkml:trace contextRef="#ctx0" brushRef="#br0" timeOffset="51949.8">2222 9402 0,'0'0'0,"18"0"47,17 0-31,-17 0-1,17 0-15</inkml:trace>
+  <inkml:trace contextRef="#ctx0" brushRef="#br0" timeOffset="53469.53">2452 9402 0,'0'0'16,"70"-53"-16,-17 53 15,71-36-15,-1 19 16,301 17-1,228-18 1,-352 0 0,-106 18-16,141-35 15,-211 0 1,-107 35 0,19 0-1,-19 0-15,1-18 16,0 18 46,-36 0 907</inkml:trace>
+  <inkml:trace contextRef="#ctx0" brushRef="#br0" timeOffset="54622.16">1764 8714 0,'18'0'0,"-1"0"31,1 0-15,-1 0 0,1 0-1,17 0-15,1 0 16,17 0-16,-1 0 15,19 0-15,52 0 16,-17 17-16,71-17 16,34 36-16,54-36 15,405 35 1,-405-35-16,-18 17 16,123-17-1,-176 0 1,-141 0-1,-35 0-15</inkml:trace>
+</inkml:ink>
+</file>
+
+<file path=ppt/ink/ink4.xml><?xml version="1.0" encoding="utf-8"?>
+<inkml:ink xmlns:inkml="http://www.w3.org/2003/InkML">
+  <inkml:definitions>
+    <inkml:context xml:id="ctx0">
+      <inkml:inkSource xml:id="inkSrc0">
+        <inkml:traceFormat>
+          <inkml:channel name="X" type="integer" min="-3840" max="1920" units="cm"/>
+          <inkml:channel name="Y" type="integer" max="1080" units="cm"/>
+          <inkml:channel name="T" type="integer" max="2.14748E9" units="dev"/>
+        </inkml:traceFormat>
+        <inkml:channelProperties>
+          <inkml:channelProperty channel="X" name="resolution" value="109.29791" units="1/cm"/>
+          <inkml:channelProperty channel="Y" name="resolution" value="36.48649" units="1/cm"/>
+          <inkml:channelProperty channel="T" name="resolution" value="1" units="1/dev"/>
+        </inkml:channelProperties>
+      </inkml:inkSource>
+      <inkml:timestamp xml:id="ts0" timeString="2021-08-25T07:04:04.911"/>
+    </inkml:context>
+    <inkml:brush xml:id="br0">
+      <inkml:brushProperty name="width" value="0.05292" units="cm"/>
+      <inkml:brushProperty name="height" value="0.05292" units="cm"/>
+      <inkml:brushProperty name="color" value="#FF0000"/>
+    </inkml:brush>
+  </inkml:definitions>
+  <inkml:trace contextRef="#ctx0" brushRef="#br0">6526 8114 0,'18'0'78,"35"0"-63,-35 0-15,-1 0 16,1 0-16,17 0 16,-17 0-1,17 0-15,-17 0 16,35 18-16,-18-18 15,18 0-15,0 0 16,0 0 0,17 0-16,1 17 15,-18-17-15,88 0 16,-35 35 0,-36-35-16,54 18 15,-19 0-15,-16-1 16,17 1-16,-54-18 15,19 18 1,-53-18-16,35 0 16,-1 0-16,1 17 15,-35-17 1,35 18-16,-18-18 16,0 18-16,71-18 31,-35 0-31,-18 17 0,176 1 31,-176-18-31,53 35 31,-36-35-15,89 0 0,-106 0-1,35 0 1,-35 0-1,-18 0 1,18 0-16,-35 0 16,17 0-16,36 0 15,17 0 1,-53 0 15,1 0-31,-1 0 16,-18 0-16,19-18 15,-19 18 1,1 0-16,0 0 16,-18-17-1,35 17-15,-17 0 16,17-35 0,0 17-1,-17 0-15,-1 1 16,19-19-16,-1 19 15,-17-36 1,-1 35-16,-17-35 16,0 36-1,36-36 1,-36 35 0,0-17-1,17 17-15,-17-17 78,0 17-62,-35 1 0,35-1-16,-35 0 15,35 1-15,-36-1 16,1 0-16,-35-17 15,-160-71 1,177 89 0,-88-36-16,71 35 15,-1 18-15,-52-35 16,-1 0 0,-35 17-1,71 0 1,-18 18-16,71 0 15,0 0-15,-53-17 32,-1 17-17,54 0-15,-35 0 16,34 0 0,-175-36-1,175 36 1,-69 0-1,52 0-15,-18 0 16,1 0-16,-54 0 16,89 0-1,-1 0-15,1 0 16,-18 0-16,-35 0 16,35 0-1,18 0-15,-53 0 16,70 0-1,0 0-15,-17 0 16,17 0 0,1 0-1,-1 0 48,1 18-48,-36-18-15,17 0 32,1 18-32,0-1 15,0-17-15,17 0 16,0 0-16,-17 18 16,0-18-1,-18 18 1,-18-1-1,18-17-15,0 18 16,1-18 0,-1 35-16,17-35 15,19 18 95,-1-18-95,18 35 1,-18-35-16,1 18 16,-1-18-16,0 35 15,1-17-15,-18 17 16,17-18-1,0-17 1,18 18-16,0 0 16,-17-1-1,17 1 1,0 0 31,0-1-32,0 1 17,17 17-17,-17-17 1,0 0-16,18-1 16,-18 1-16,0-1 15,0 1-15,35 0 16,-35-1-1,18 1-15,-1-18 47,-17 18-31,18-18 0,0 0 30</inkml:trace>
+</inkml:ink>
+</file>
+
+<file path=ppt/ink/ink5.xml><?xml version="1.0" encoding="utf-8"?>
+<inkml:ink xmlns:inkml="http://www.w3.org/2003/InkML">
+  <inkml:definitions>
+    <inkml:context xml:id="ctx0">
+      <inkml:inkSource xml:id="inkSrc0">
+        <inkml:traceFormat>
+          <inkml:channel name="X" type="integer" min="-3840" max="1920" units="cm"/>
+          <inkml:channel name="Y" type="integer" max="1080" units="cm"/>
+          <inkml:channel name="T" type="integer" max="2.14748E9" units="dev"/>
+        </inkml:traceFormat>
+        <inkml:channelProperties>
+          <inkml:channelProperty channel="X" name="resolution" value="109.29791" units="1/cm"/>
+          <inkml:channelProperty channel="Y" name="resolution" value="36.48649" units="1/cm"/>
+          <inkml:channelProperty channel="T" name="resolution" value="1" units="1/dev"/>
+        </inkml:channelProperties>
+      </inkml:inkSource>
+      <inkml:timestamp xml:id="ts0" timeString="2021-08-25T06:56:29.664"/>
+    </inkml:context>
+    <inkml:brush xml:id="br0">
+      <inkml:brushProperty name="width" value="0.05292" units="cm"/>
+      <inkml:brushProperty name="height" value="0.05292" units="cm"/>
+      <inkml:brushProperty name="color" value="#FF0000"/>
+    </inkml:brush>
+  </inkml:definitions>
+  <inkml:trace contextRef="#ctx0" brushRef="#br0">10530 3969 0,'-17'0'31,"70"17"0,-18 1-15,18-18-16,70 0 16,-17 35-1,-35-35-15,-18 0 16,17 36-16,-17-19 15,0 1-15,0 0 16,-53-1-16,18-17 16,17 35-16,-17 18 15,-1-17-15,1 17 16,-1 52-16,-17-34 16,0 35-16,0 0 15,0-18-15,-35 18 16,0-1-16,0 89 15,17-105 1,18-1-16,0-35 16,0 0-16,0-36 15,0 19 1,18-36 15,17 0-31,18 0 16,-36 17-16,1-17 15,35 0-15,18 0 16,-1 0 0,-35 0-16,18 0 15,-35-17-15,0 17 16,-36-18 62,-17 18-62,-124 53-1,141-18 1,-70-17-16,18-1 16,-1 1-16,-17 0 15,70-1-15,0-17 16,18 18-1,0 0 1,0 17 0,0-17-1,0-1-15,0 1 16,53 105 0,0-35-16,18 36 15,35 105 1,17 71-1,-52-159-15,-71-88 16,35 71 0,-17-54-1,-18-52 1,17-1-16,-17 19 16,0-19-1,-35 19 1,-53-19-1,-124 19 1,89-19 0,17-17-16,53 0 15,-53 0-15,-53 0 16,124 0 0,35-17 62,-18-1-63</inkml:trace>
+  <inkml:trace contextRef="#ctx0" brushRef="#br0" timeOffset="25818.01">17480 11218 0,'18'0'15,"-1"0"1,1 0 0,0 0-16,-1 0 15,1 0-15,17 0 16,1 0-16,-19 0 31,1 0-15,-1 0-16,19 18 15,17-18 1,335 53 0,-247-35-1,35-1-15,-35 18 16,53 18-16,0-17 16,18-1-16,17 0 15,36 36-15,-36-36 16,-17-17-16,0-1 15,-71-17-15,0 0 16,0 18-16,-18-18 16,248 18-1,-248-18-15,-17 0 16,-71 0-16,-70 0 203,-18 0-187,0 0-1,-17 0-15,70 35 16,-71-35-16,-35 0 16,-52 0-16,16-35 15,72 35-15,-18-36 16,52 36-16,19-17 15</inkml:trace>
+  <inkml:trace contextRef="#ctx0" brushRef="#br0" timeOffset="28618.57">17410 13000 0,'0'-18'47,"17"18"-47,18 0 15,18 0-15,18 0 16,0 0-16,17 0 15,53 0-15,18 0 16,35 0-16,0 0 16,-18 0-1,71 0-15,-88 18 0,52 0 16,-69 17-16,-72-35 16,-52 0-16</inkml:trace>
+  <inkml:trace contextRef="#ctx0" brushRef="#br0" timeOffset="34786.58">19509 13935 0,'17'0'32,"1"0"-17,0 0 1,-1 0 0,18 0-16,1 0 15,17 0-15,35 0 16,18-18-16,35 18 15,-35-88-15,-36 53 16,406 35 0,-334 0-1,-1 0 1,-36 0-16,-87 0 0,0 0 16,-1 0 62</inkml:trace>
+  <inkml:trace contextRef="#ctx0" brushRef="#br0" timeOffset="42964.17">17709 14834 0,'36'0'78,"-1"0"-78,18 0 15,0 0-15,0 0 16,0 0-16,53 0 16,-1-17-16,1-36 15,-35 53-15,-18 0 16,88 0-16,247 0 31,-371 0 250,1 0-281,0 0 16,52 17-16,-17-17 16,0 0-16,0 0 15,0 18-15,18-18 16,-54 0-16,1 0 15,-1 0 32,1 0-31,0 0 0,-1 0-16,1 0 15,0 0 1</inkml:trace>
+  <inkml:trace contextRef="#ctx0" brushRef="#br0" timeOffset="45228.15">22331 13952 0,'0'-17'31,"17"17"-15,19 0-1,-1 0-15,18 0 16,106 0-1,-142 0-15,19 0 16,17 0 0,229 17-16,35 36 15,-87-17-15,34 16 16,-87-34-16,-89 0 16,-18-18-16,-34 0 15,-19 0-15,1 0 16,-1 0 15,1 0-31,0 0 63,-1 0-48,1 0 16,35 0-31,0 0 16,0 0-16,53 0 16,17 0-1,-35 0-15,36 0 16,-36 0-16,35 0 16,-17 0-1,-88 0-15,0-18 16,-1 18-1,71 0 1,1 0 0,34 0-16,71 0 15,-123 0 1,-36 0-16,0 0 16,18 0-16,0 0 15,35 0-15,53 0 16,-17 0-16,87 18 15,-17-18-15,-17 0 16,-36 0-16,-35 17 16,-53-17-16,-18 0 15,0 0-15,-17 0 16,35 0-16,0 0 16,17 0-16,1 0 15,35 0 1,70 0-1,-88 0 1,53-17 0,-88-1-1,0 0 1,-17 18 0,-36-17 15,17 17-31,1 0 15,-1 0 1,1 0-16,0 0 16,35-18-1,-18 18-15,0-17 16,0 17 0,36 0-16,70-36 15,-106 1 1,1 17-16,34 1 15,-52 17-15,52-36 16,19 1-16,-54 18 16,18-1-16,-18-17 15,0 17-15,36-35 32,-36 18-32,0 17 0,1 0 15,-19-17 1,1 18-16,17 17 15,-17-36 1,0 36 62</inkml:trace>
+</inkml:ink>
+</file>
+
+<file path=ppt/ink/ink6.xml><?xml version="1.0" encoding="utf-8"?>
+<inkml:ink xmlns:inkml="http://www.w3.org/2003/InkML">
+  <inkml:definitions>
+    <inkml:context xml:id="ctx0">
+      <inkml:inkSource xml:id="inkSrc0">
+        <inkml:traceFormat>
+          <inkml:channel name="X" type="integer" min="-1920" max="1920" units="cm"/>
+          <inkml:channel name="Y" type="integer" max="1080" units="cm"/>
+          <inkml:channel name="T" type="integer" max="2.14748E9" units="dev"/>
+        </inkml:traceFormat>
+        <inkml:channelProperties>
+          <inkml:channelProperty channel="X" name="resolution" value="72.86527" units="1/cm"/>
+          <inkml:channelProperty channel="Y" name="resolution" value="36.48649" units="1/cm"/>
+          <inkml:channelProperty channel="T" name="resolution" value="1" units="1/dev"/>
+        </inkml:channelProperties>
+      </inkml:inkSource>
+      <inkml:timestamp xml:id="ts0" timeString="2021-08-19T07:14:08.429"/>
+    </inkml:context>
+    <inkml:brush xml:id="br0">
+      <inkml:brushProperty name="width" value="0.05292" units="cm"/>
+      <inkml:brushProperty name="height" value="0.05292" units="cm"/>
+      <inkml:brushProperty name="color" value="#FF0000"/>
+    </inkml:brush>
+  </inkml:definitions>
+  <inkml:trace contextRef="#ctx0" brushRef="#br0">9737 8625 0,'-18'-17'78,"0"17"-62,1-53-16,-1 18 16,0-54-1,1 36 1,-1-52-16,1 34 16,-1 18-16,0-35 15,1 0-15,-1 0 16,0-1-16,1-34 15,-1 17-15,0 18 16,-17-18-16,18-70 16,-1 17-16,-17-53 15,-1 36-15,-52-159 16,71 88 15,-1-18-31,18 89 16,0 88-1,0-1-15,0 19 16,0-1 0,0 1-16,0 17 15,0 35 1,0 1 0,0-1-1,0-17-15,0 17 16,0 36 124,0-1-124,0 1-16,0 0 16,0-1-1</inkml:trace>
+  <inkml:trace contextRef="#ctx0" brushRef="#br0" timeOffset="1200.13">9102 4904 0,'0'17'110,"0"19"-95,0-19-15,-18 18 16,0 1-16,1 17 15,17 0-15,-36-1 16,19 1 0,-1 0-1,1-35 1,17 17-16,-18 1 31,0-19-15,18-70 46,0 18-46,0-18-16,18 18 16,0-53-1,-1 35-15,18 17 16,-17-17-1,0 36 1,-1 17 140</inkml:trace>
+  <inkml:trace contextRef="#ctx0" brushRef="#br0" timeOffset="1695.25">9102 4974 0,'0'0'0,"17"-17"31,1 17 48,0 0-48,-1 0-16,1 0 1,17 35 0,-17 18-16,17-18 15,36 71 1,-71-71-16,35-17 16,-35-1-16,18-17 15,-18 18-15,0 0 16,17-18 15,1 17-15,-18 19-1,17-36 1,-17 17-16,18-17 31,-18 18-31,18-18 78,-1 0-78</inkml:trace>
+  <inkml:trace contextRef="#ctx0" brushRef="#br0" timeOffset="3126.41">9225 8467 0,'35'0'94,"1"0"-94,-1 17 15,-17 1-15,35 35 16,-18-36 0,53 72-16,0-19 0,-53-52 15,36 35-15,-36-36 16,1 19-16,-19-36 15,18 17-15,-17-17 16,0 0 15,-1 0-31,1 18 16,0-18 0,-1 0-1,-17 18-15,36-18 0,-19 35 16,1-35-1,0-18 95,-18 1-95,0-1-15,0 0 16,0 1 0,0-1-16,0-17 15,0 0 1,35-18 0,-18-18-16,-17 53 15,36 1 1,-36-1-1,0 0-15,17 18 16,1-35 15,0 35-15,-18-17-16,0-1 172</inkml:trace>
+  <inkml:trace contextRef="#ctx0" brushRef="#br0" timeOffset="5932.45">10142 9684 0,'18'0'62,"-18"17"-46,18 72 0,-1-19-16,-17-35 15,0 18-15,18 18 16,0-1-16,-18 1 15,0 17-15,17 53 16,1-70 0,-18-53 31,17-18-32,-17 35-15,0-18 16,18 1-16,-18 17 15,0-17 1,0-36 125</inkml:trace>
+  <inkml:trace contextRef="#ctx0" brushRef="#br0" timeOffset="7229.09">10142 9596 0,'-17'0'78,"17"17"-63,-36 1 1,36 35-16,-35-36 0,18 36 16,-19-17-16,36-1 15,-17-18 1,17 1-16,-18 0 15,18-1-15,0-34 63,0-1-47,18 0-16,17-52 15,-17 17-15,17 0 16,18-35-16,-36 70 15,-17-17-15,18 17 16,0 1-16,-18-1 16,17 18 62,19 0-63,-19 18 1,1-1 0,-18 1 15,0 17-15</inkml:trace>
+  <inkml:trace contextRef="#ctx0" brushRef="#br0" timeOffset="7400.05">10301 9807 0,'71'88'16,"-142"-176"-16,212 282 0,-88-123 15,-18-36-15,1-17 16,-1-1-16,-17-17 31,-18-35-15,0 17-16,-18-52 15</inkml:trace>
+  <inkml:trace contextRef="#ctx0" brushRef="#br0" timeOffset="8460.57">10072 10495 0,'17'0'78,"19"0"-62,-19 0 0,36 18-16,-35 17 15,35-35-15,-18 35 16,0-17-16,-17-18 16,17 0-16,-17 18 15,0-18 1,-1 17-16,19-17 15,-19 0 79,1 0-63,-1-17-31,19-1 16,-1-35 0,-35 35-16,35-17 15,-35 53 48,0-36-1,0 1-46</inkml:trace>
+  <inkml:trace contextRef="#ctx0" brushRef="#br0" timeOffset="20923.07">19756 9119 0,'0'0'0,"17"0"47,1 0-32,-18 18 16,0 0-15,0 17-16,17-17 16,1 17-16,-18 18 15,18-36 1,-1 1-16,-17 0 16,36-1-16,-19 1 15,-17 0 1,36 17-1,-1 0 1,0-35 0,-35 18-16,18-18 15,-1 17 1,1-17-16,0 36 31,-1-36-15,1 0-1,0 17-15,-1-17 16,1 0 0,17 0-1,-17 0 1,-1 0-16,1 0 16,-18-17-16,18 17 15,-1 0 126,1 0-94,0-18-32,-18 0 1,17 18 0,1-17 15,0 17-16,-1 0 1,1 0 47,-1 0-48,-17-18 1,18 18-16,0 0 297,-1 0-266,1 0 31,0 0-30,-1 0-17,1 0 48,0 0-16,-1 0 78,1 0 328,0 0-406,-1 0 15,1 0-46,17 0-16,71 18 31,-88-18-31,17 0 16,-18 0-16,1 0 31,0 0 0,17 0-31,0 0 16,-35 17-1,18-17 1,0 0 0,-1 0 15,36 0-15,0 0-16,18 18 0,-19-18 15,-16 0 1,17 0-1,-36 0 1,1 0-16,0 0 31,17 0-15,-17 0-16,-1 0 16,1 0-16,-1 0 15,1 0 1,0 0-1,-1 0 48,1 0-47,17 0-1,18 0 1,0 0-1,18 0 1,-54 0 0,19 18-1,52-18 1,-35 0-16,211 35 16,-52-35-1,-36 0 1,-35 0 15,-105 0-15,17 0-16,0 0 15,-1 0-15,1 0 32,-35 0-32,17 0 15,-17 0-15,0 0 16,17 0-1,-17 0 1,17 0-16,-18 0 16,1 0-1,0 0-15,-1 0 32,19 0-17,-1 0 1,0 0-16,36 0 15,-18 0-15,-18 0 16,71 0 0,35 0-1,0 0 1,-53 18-16,71-18 31,-89 0-31,1 0 16,-36 0-1,-17 0 1,17 0 0,18 0-1,53 0-15,17 0 16,-87 0 0,70 0-16,-54 0 0,-16 0 15,-19 0 1,1 0 31,0 0-47,-1 0 31,1 0-15,0 0-1,-1 0 1,36 0-16,0 0 15,0 0 1,-35 0-16,87 0 16,-87 0-1,17 0-15,54 0 16,-54 0-16,18 0 16,-18 0-16,18 0 15,-18 0-15,-17 0 16,17 0-1,-17 0 32,-1 0-47,1 0 16,17 0-16,-17 0 16,0 0-1,-1 0-15,1 0 16,0 0-1,-1 0 1,1 0-16,-1 0 16,1 0-1,0 0 1,-1 0 0,19 0-1,-19 0-15,1 0 16,17 0-1,0 0-15,36 0 32,-53 0-32,-1 0 31,1 0-15,17 0-16,-17 0 15,52 0 1,-34 0-16,-19 0 15,1 0 1,0 0 0,17 0-1,-17 0-15,70 0 16,53 0 0,-88 0-1,-36 0-15,1 0 16,0 0-1,17 0 1,-17 0 0,35 0-16,17 0 15,-35 0 1,-17 0 0,0 0-1,17 0 1,71 0-1,-18 0 1,-35 0-16,-18 0 16,-17 0-1,-1 0-15,36 0 16,71 0-16,264 0 16,-159 0-1,124 17 1,-265-17-16,-35 0 15,-35 0 1,17 0 15,18 0-31,0 18 16,-36-18-16,54 0 31,-18 0-31,-18 0 16,18 0-1,0 0 1,123 0 0,-34 0-1,-90 0-15,-34 0 16,35 0-16,-35 0 16,-1-18-1,1 1 1,0-1-1,-1 0-15,-17 1 16,18 17-16,17-36 31,-35 1-31,35 17 16,-35 1 0,18-18-1,-18 17 48,0 0-48,0 1 1,-18-1 0,-17 18-16,0-18 15,-18 1-15,-53-19 16,-35 19-1,-18-18 1,53 17 0,-17 0-16,-124-52 15,18 34 1,176 19 0,17 17-1,-87 0 1,17-36-1,0 36 1,18-17-16,-88-18 16,70 17-16,-18 0 15,19 1 1,16 17-16,-34 0 16,35 0-16,-18-18 0,18 18 15,-18 0-15,0-18 16,-264-17-1,-1 0 1,177 35 0,106-18-16,-53 18 15,0 0-15,-36 0 16,54-17-16,17 17 16,-106 0-1,107 0-15,16 0 16,-228 0-1,140 0 1,1 0-16,-106 0 16,158 17-16,19-17 15,-72 0 1,1 35 0,70-17-16,18-18 15,17 0-15,-35 18 16,18-1-16,-53 1 15,18 17-15,-1-17 16,-17 0-16,-18-1 16,36 1-16,-54-18 15,89 0 1,0 17-16,35-17 16,-17 18-1,-1-18 1,-35 18-16,53-18 15,-53 0 1,36 0-16,17 0 16,-35 0-16,0 0 15,-54 35 1,72-17-16,52-18 16,-17 0-16,17 0 15,1 0 1,-1 17-1,-70-17-15,-18 18 16,18-18 0,-18 18-16,35-18 0,-87 17 31,140-17-15,0 0 30,-35 0-30,18 0 0,0 0-16,17 0 0,1 0 15,-1 0-15,0 0 16,-140 0 0,105 0-1</inkml:trace>
+  <inkml:trace contextRef="#ctx0" brushRef="#br0" timeOffset="47630.1">23160 6121 0,'18'0'31,"17"0"-15,-18 0-16,36 0 16,-35 0-16,0 0 15,87 0 1,19 0-16,88 0 15,140 0 1,-211 0-16,54 0 16,404 0-1,1271 35 1,-141-17 0,-1341-18-1,-36 0 1</inkml:trace>
+  <inkml:trace contextRef="#ctx0" brushRef="#br0" timeOffset="51509.94">23142 6050 0,'0'18'109,"-35"35"-109,0 17 16,-18 18-16,17-35 16,19 0-1,-1-35-15,1 17 16,-19 18-16,36-18 15,-35 18-15,17-17 16,18-19-16,0 1 31,0 0 1,-17-1-32,-1 18 15,18-17-15,-18 17 16,1-35-1,17 36 32,0-19-31,0 19 0,0-19-16,-18 1 15,18-1-15,0 19 16,0-1-16,0 0 15,0-17 1,0 0-16,18-1 172,17-17-156,-17 18-1,-1-18-15,36 0 16,-35 0-16,-18 17 15,35-17-15,0 18 16,1-18 0,17 35-16,-18-35 0,88 36 15,19 17 1,122 17-16,-105-52 0,123 17 16,-17 0-1,-124-17 1,194 0-1,53-1 1,-53 1 0,-158-18-16,-72 0 15,36 0-15,36 0 16,-89 0-16,53 0 16,-35 0-1,35-18 1,-35 18-16,-53 0 15,-36 0-15,1 0 16,123 0 0,-35 0-16,106-17 15,-54 17-15,-34 0 16,246 0 0,-299 0-1,-1 0-15,19 0 16,34 0-1,-35 0-15,18 0 16,35 0-16,71 0 16,-71-18 15,106-35-15,18-35-1,-142 53 1,1-1-16,-19 1 15,-69 0 1,17 17 0,-36-17-1,1 17 1,-1-35 0,-17 0-16,0-17 15,0 17-15,0-53 16,0 36-1,0 52 1,0-17-16,0-1 16,0 1-1,0 17 1,-52-17 0,-19 0-16,36 17 15,-1 1 1,-140-19-16,106 19 15,-36-1 1,70 18-16,-34 0 16,-265-71-16</inkml:trace>
+  <inkml:trace contextRef="#ctx0" brushRef="#br0" timeOffset="64954.58">29386 13159 0,'18'0'62,"-18"17"-15,18 54-47,-18-36 0,0-17 16,0 105-1,-53 36 1,-18 0-16,18 17 16,-53-17-16,36-18 15,-1-18-15,1-17 16,-18 71 0,88-160-16,0 1 15,-18-18 204,-35 0-203,18 0-16,-106 0 15,35-35 1,-18-54-1,71 1-15,-17 0 16,35-106 0,35 106-16,0-89 15,-18-17 1,18 106 0,-18 0-16,-17-18 31,17 53-16,18 36-15,0-1 16,0-17 0,0 17-16,18-17 15,35 0 1,0-36 0,17 18-16,-52 35 15,17-17-15,1 18 16,-1-1-16,0 18 15,18 0 1,35 0 0,71 18-1,70 70 1,-105-18 0,-71-70-16,-18 18 15,-17-18 1,-1 0 31,-17 18-47,18-18 15</inkml:trace>
+</inkml:ink>
+</file>
+
+<file path=ppt/ink/ink7.xml><?xml version="1.0" encoding="utf-8"?>
+<inkml:ink xmlns:inkml="http://www.w3.org/2003/InkML">
+  <inkml:definitions>
+    <inkml:context xml:id="ctx0">
+      <inkml:inkSource xml:id="inkSrc0">
+        <inkml:traceFormat>
+          <inkml:channel name="X" type="integer" min="-3840" max="1920" units="cm"/>
+          <inkml:channel name="Y" type="integer" max="1080" units="cm"/>
+          <inkml:channel name="T" type="integer" max="2.14748E9" units="dev"/>
+        </inkml:traceFormat>
+        <inkml:channelProperties>
+          <inkml:channelProperty channel="X" name="resolution" value="109.29791" units="1/cm"/>
+          <inkml:channelProperty channel="Y" name="resolution" value="36.48649" units="1/cm"/>
+          <inkml:channelProperty channel="T" name="resolution" value="1" units="1/dev"/>
+        </inkml:channelProperties>
+      </inkml:inkSource>
+      <inkml:timestamp xml:id="ts0" timeString="2021-08-25T06:57:59.260"/>
+    </inkml:context>
+    <inkml:brush xml:id="br0">
+      <inkml:brushProperty name="width" value="0.05292" units="cm"/>
+      <inkml:brushProperty name="height" value="0.05292" units="cm"/>
+      <inkml:brushProperty name="color" value="#FF0000"/>
+    </inkml:brush>
+  </inkml:definitions>
+  <inkml:trace contextRef="#ctx0" brushRef="#br0">6032 4251 0,'36'0'32,"-19"0"-17,1 0 1,0 0-1,17 0 1,0 0-16</inkml:trace>
+  <inkml:trace contextRef="#ctx0" brushRef="#br0" timeOffset="294.89">6385 4286 0,'0'0'0,"36"0"0,122 0 16,1 0-16,-71-17 16,-52 17-1,87 0-15,230 0 16,0 0-16,-212 0 15,-18 0-15,-52 17 16</inkml:trace>
+  <inkml:trace contextRef="#ctx0" brushRef="#br0" timeOffset="8003.99">30304 3916 0,'-18'0'63,"0"-18"-48,1 18-15,17-17 16</inkml:trace>
+  <inkml:trace contextRef="#ctx0" brushRef="#br0" timeOffset="8177.99">30215 3881 0</inkml:trace>
+  <inkml:trace contextRef="#ctx0" brushRef="#br0" timeOffset="9624.31">30427 4533 0,'247'-123'31,"-176"52"-31,-389 265 0,653-388 16,-88 194 15,-229 0-15,35 0 62</inkml:trace>
+  <inkml:trace contextRef="#ctx0" brushRef="#br0" timeOffset="10407.11">30339 4516 0,'18'0'47,"-1"0"-31,1 0-1,-1 0-15,19 0 16,17 0-16,0 0 16,52 0-16,-87 0 15,88 0 1,194 0 0,-18 0-16,18 17 15,-53 18-15,53-17 16,-177-18 15,-105 0 16,-1 0-31,1 0-1</inkml:trace>
+  <inkml:trace contextRef="#ctx0" brushRef="#br0" timeOffset="10448.12">32385 4586 0</inkml:trace>
+</inkml:ink>
+</file>
+
+<file path=ppt/ink/ink8.xml><?xml version="1.0" encoding="utf-8"?>
+<inkml:ink xmlns:inkml="http://www.w3.org/2003/InkML">
+  <inkml:definitions>
+    <inkml:context xml:id="ctx0">
+      <inkml:inkSource xml:id="inkSrc0">
+        <inkml:traceFormat>
+          <inkml:channel name="X" type="integer" min="-1920" max="1920" units="cm"/>
+          <inkml:channel name="Y" type="integer" max="1080" units="cm"/>
+          <inkml:channel name="T" type="integer" max="2.14748E9" units="dev"/>
+        </inkml:traceFormat>
+        <inkml:channelProperties>
+          <inkml:channelProperty channel="X" name="resolution" value="72.86527" units="1/cm"/>
+          <inkml:channelProperty channel="Y" name="resolution" value="36.48649" units="1/cm"/>
+          <inkml:channelProperty channel="T" name="resolution" value="1" units="1/dev"/>
+        </inkml:channelProperties>
+      </inkml:inkSource>
+      <inkml:timestamp xml:id="ts0" timeString="2021-08-19T07:25:50.164"/>
+    </inkml:context>
+    <inkml:brush xml:id="br0">
+      <inkml:brushProperty name="width" value="0.05292" units="cm"/>
+      <inkml:brushProperty name="height" value="0.05292" units="cm"/>
+      <inkml:brushProperty name="color" value="#FF0000"/>
+    </inkml:brush>
+  </inkml:definitions>
+  <inkml:trace contextRef="#ctx0" brushRef="#br0">2522 11271 0,'0'0'0,"36"0"63,-36-17-48,17-1 1,-17 0-16,18 18 16,0-17-16,17-19 15,18-17-15,-36 36 16,1-1-16,17-17 16,-17 0-16,17-1 15,1 19-15,-19-1 16,1 0-1,-1 18-15,1-17 16,17-1 0,1-17-16,-19 17 15,19-17-15,16 17 16,-16-17-16,-1 0 16,-17 17-1,-1 18-15,1 0 16,-18-17-1,18 17 1,17-18-16,0 0 16,53-17-1,-35 17 1,18-17 0,-54 35-16,1 0 15,0-18-15,35 1 16,-18-1-16,0 18 15,53-17-15,-35-1 16,18 0-16,70-17 16,-53 35-1,-35 0-15,0-35 16,0 17 0,-18 18-1,-17 0 1,-1-18-16,19 1 15,52-1 1,106 0 0,-106 1-16,-35-1 15,71 1-15,-89 17 16,-18-18-16,1 18 16,35 0-1,0-18-15,141 1 16,-71-1-1,19 18-15,104-35 16,-140 17 0,-70 0-1,-19 18-15,36 0 16,0 0-16,18-17 16,17-1-16,-18 1 15,36-1-15,141 18 16,-141-18-1,0 1-15,0-19 16,-1 1 0,-34 17-16,52-52 15,36 35 1,-18-18 0,-88 53-16,-17-18 15,-19 0-15,18 18 16,1 0-16,17-17 15,35-19-15,-35 1 16,106-18 0,-71 18-1,-18 0-15,-17 35 16,18-36-16,87-16 16,1-19 15,-88 36-31,70-18 15,-18 0 1,19 0 0,-1 0-1,0 0 1,-88 35-16,0 1 16,-1-1-16,-16 1 15,70-36 1,-18 17-16,-18 19 15,19-1-15,16-35 16,-52 36 0,53-19-16,18 1 15,70-36 17,-71 54-32,-17-1 31,-53 0-16,-36 18-15,36 0 16,141 0 0,36 18-1,-124-18-15,17 0 16,36 0 0,-53-35-16,-1-36 15,-34 1 1,-53 52-1,17-35-15,35-35 16,54 17 0,-71 19-1,-36 34 1,19-17 0,17-36-16,70-52 31,-35 34-16,-17 36 1,-1 1-16,-17 16 16,18-52-1,-18 70-15,-18-17 16,0 18-16,-17 17 16,17-18-16,1 18 15,52 0 1,35 0-1,-70 0 1,0 0-16,0 0 16,-35 0-16,-1-18 15,19-17 1,-19 17 0,-17 1-1,18 17 1,-1-18-16,1 0 15,0 1 1,-1-1 0,1 0-1</inkml:trace>
+</inkml:ink>
+</file>
+
+<file path=ppt/ink/ink9.xml><?xml version="1.0" encoding="utf-8"?>
+<inkml:ink xmlns:inkml="http://www.w3.org/2003/InkML">
+  <inkml:definitions>
+    <inkml:context xml:id="ctx0">
+      <inkml:inkSource xml:id="inkSrc0">
+        <inkml:traceFormat>
+          <inkml:channel name="X" type="integer" min="-3840" max="1920" units="cm"/>
+          <inkml:channel name="Y" type="integer" max="1080" units="cm"/>
+          <inkml:channel name="T" type="integer" max="2.14748E9" units="dev"/>
+        </inkml:traceFormat>
+        <inkml:channelProperties>
+          <inkml:channelProperty channel="X" name="resolution" value="109.29791" units="1/cm"/>
+          <inkml:channelProperty channel="Y" name="resolution" value="36.48649" units="1/cm"/>
+          <inkml:channelProperty channel="T" name="resolution" value="1" units="1/dev"/>
+        </inkml:channelProperties>
+      </inkml:inkSource>
+      <inkml:timestamp xml:id="ts0" timeString="2021-08-25T07:01:49.524"/>
+    </inkml:context>
+    <inkml:brush xml:id="br0">
+      <inkml:brushProperty name="width" value="0.05292" units="cm"/>
+      <inkml:brushProperty name="height" value="0.05292" units="cm"/>
+      <inkml:brushProperty name="color" value="#FF0000"/>
+    </inkml:brush>
+  </inkml:definitions>
+  <inkml:trace contextRef="#ctx0" brushRef="#br0">5768 10813 0,'18'0'78,"-1"0"-62,18 0-16,-17 0 16,35 17-16,-18-17 15,1 18-15,16-18 16,-16 0-16,-1 0 16,-17 0-1,17 0 1,-17 0-1,-18 18 126,-18-18-125</inkml:trace>
 </inkml:ink>
 </file>
 
@@ -920,7 +1403,7 @@
     </p:spTree>
     <p:extLst>
       <p:ext uri="{BB962C8B-B14F-4D97-AF65-F5344CB8AC3E}">
-        <p14:creationId xmlns:p14="http://schemas.microsoft.com/office/powerpoint/2010/main" val="42939911"/>
+        <p14:creationId xmlns:p14="http://schemas.microsoft.com/office/powerpoint/2010/main" val="3397022956"/>
       </p:ext>
     </p:extLst>
   </p:cSld>
@@ -1020,7 +1503,7 @@
     </p:spTree>
     <p:extLst>
       <p:ext uri="{BB962C8B-B14F-4D97-AF65-F5344CB8AC3E}">
-        <p14:creationId xmlns:p14="http://schemas.microsoft.com/office/powerpoint/2010/main" val="57179595"/>
+        <p14:creationId xmlns:p14="http://schemas.microsoft.com/office/powerpoint/2010/main" val="3073218670"/>
       </p:ext>
     </p:extLst>
   </p:cSld>
@@ -1120,7 +1603,7 @@
     </p:spTree>
     <p:extLst>
       <p:ext uri="{BB962C8B-B14F-4D97-AF65-F5344CB8AC3E}">
-        <p14:creationId xmlns:p14="http://schemas.microsoft.com/office/powerpoint/2010/main" val="407349799"/>
+        <p14:creationId xmlns:p14="http://schemas.microsoft.com/office/powerpoint/2010/main" val="3981566998"/>
       </p:ext>
     </p:extLst>
   </p:cSld>
@@ -1220,7 +1703,7 @@
     </p:spTree>
     <p:extLst>
       <p:ext uri="{BB962C8B-B14F-4D97-AF65-F5344CB8AC3E}">
-        <p14:creationId xmlns:p14="http://schemas.microsoft.com/office/powerpoint/2010/main" val="2809696066"/>
+        <p14:creationId xmlns:p14="http://schemas.microsoft.com/office/powerpoint/2010/main" val="57179595"/>
       </p:ext>
     </p:extLst>
   </p:cSld>
@@ -1320,7 +1803,7 @@
     </p:spTree>
     <p:extLst>
       <p:ext uri="{BB962C8B-B14F-4D97-AF65-F5344CB8AC3E}">
-        <p14:creationId xmlns:p14="http://schemas.microsoft.com/office/powerpoint/2010/main" val="4209334441"/>
+        <p14:creationId xmlns:p14="http://schemas.microsoft.com/office/powerpoint/2010/main" val="407349799"/>
       </p:ext>
     </p:extLst>
   </p:cSld>
@@ -1420,7 +1903,7 @@
     </p:spTree>
     <p:extLst>
       <p:ext uri="{BB962C8B-B14F-4D97-AF65-F5344CB8AC3E}">
-        <p14:creationId xmlns:p14="http://schemas.microsoft.com/office/powerpoint/2010/main" val="697572611"/>
+        <p14:creationId xmlns:p14="http://schemas.microsoft.com/office/powerpoint/2010/main" val="2809696066"/>
       </p:ext>
     </p:extLst>
   </p:cSld>
@@ -1520,7 +2003,7 @@
     </p:spTree>
     <p:extLst>
       <p:ext uri="{BB962C8B-B14F-4D97-AF65-F5344CB8AC3E}">
-        <p14:creationId xmlns:p14="http://schemas.microsoft.com/office/powerpoint/2010/main" val="1441672061"/>
+        <p14:creationId xmlns:p14="http://schemas.microsoft.com/office/powerpoint/2010/main" val="4209334441"/>
       </p:ext>
     </p:extLst>
   </p:cSld>
@@ -1620,7 +2103,7 @@
     </p:spTree>
     <p:extLst>
       <p:ext uri="{BB962C8B-B14F-4D97-AF65-F5344CB8AC3E}">
-        <p14:creationId xmlns:p14="http://schemas.microsoft.com/office/powerpoint/2010/main" val="3316133197"/>
+        <p14:creationId xmlns:p14="http://schemas.microsoft.com/office/powerpoint/2010/main" val="697572611"/>
       </p:ext>
     </p:extLst>
   </p:cSld>
@@ -1720,7 +2203,7 @@
     </p:spTree>
     <p:extLst>
       <p:ext uri="{BB962C8B-B14F-4D97-AF65-F5344CB8AC3E}">
-        <p14:creationId xmlns:p14="http://schemas.microsoft.com/office/powerpoint/2010/main" val="818494808"/>
+        <p14:creationId xmlns:p14="http://schemas.microsoft.com/office/powerpoint/2010/main" val="1441672061"/>
       </p:ext>
     </p:extLst>
   </p:cSld>
@@ -1820,7 +2303,7 @@
     </p:spTree>
     <p:extLst>
       <p:ext uri="{BB962C8B-B14F-4D97-AF65-F5344CB8AC3E}">
-        <p14:creationId xmlns:p14="http://schemas.microsoft.com/office/powerpoint/2010/main" val="4126299009"/>
+        <p14:creationId xmlns:p14="http://schemas.microsoft.com/office/powerpoint/2010/main" val="3316133197"/>
       </p:ext>
     </p:extLst>
   </p:cSld>
@@ -1920,7 +2403,7 @@
     </p:spTree>
     <p:extLst>
       <p:ext uri="{BB962C8B-B14F-4D97-AF65-F5344CB8AC3E}">
-        <p14:creationId xmlns:p14="http://schemas.microsoft.com/office/powerpoint/2010/main" val="865105626"/>
+        <p14:creationId xmlns:p14="http://schemas.microsoft.com/office/powerpoint/2010/main" val="818494808"/>
       </p:ext>
     </p:extLst>
   </p:cSld>
@@ -2020,7 +2503,7 @@
     </p:spTree>
     <p:extLst>
       <p:ext uri="{BB962C8B-B14F-4D97-AF65-F5344CB8AC3E}">
-        <p14:creationId xmlns:p14="http://schemas.microsoft.com/office/powerpoint/2010/main" val="4117003202"/>
+        <p14:creationId xmlns:p14="http://schemas.microsoft.com/office/powerpoint/2010/main" val="42939911"/>
       </p:ext>
     </p:extLst>
   </p:cSld>
@@ -2120,7 +2603,7 @@
     </p:spTree>
     <p:extLst>
       <p:ext uri="{BB962C8B-B14F-4D97-AF65-F5344CB8AC3E}">
-        <p14:creationId xmlns:p14="http://schemas.microsoft.com/office/powerpoint/2010/main" val="2819053680"/>
+        <p14:creationId xmlns:p14="http://schemas.microsoft.com/office/powerpoint/2010/main" val="4126299009"/>
       </p:ext>
     </p:extLst>
   </p:cSld>
@@ -2220,7 +2703,7 @@
     </p:spTree>
     <p:extLst>
       <p:ext uri="{BB962C8B-B14F-4D97-AF65-F5344CB8AC3E}">
-        <p14:creationId xmlns:p14="http://schemas.microsoft.com/office/powerpoint/2010/main" val="2593502962"/>
+        <p14:creationId xmlns:p14="http://schemas.microsoft.com/office/powerpoint/2010/main" val="865105626"/>
       </p:ext>
     </p:extLst>
   </p:cSld>
@@ -2312,6 +2795,206 @@
             <a:fld id="{B2BE2823-3393-479C-B299-87C7B63AEB2B}" type="slidenum">
               <a:rPr lang="en-US" smtClean="0"/>
               <a:t>22</a:t>
+            </a:fld>
+            <a:endParaRPr lang="en-US"/>
+          </a:p>
+        </p:txBody>
+      </p:sp>
+    </p:spTree>
+    <p:extLst>
+      <p:ext uri="{BB962C8B-B14F-4D97-AF65-F5344CB8AC3E}">
+        <p14:creationId xmlns:p14="http://schemas.microsoft.com/office/powerpoint/2010/main" val="2819053680"/>
+      </p:ext>
+    </p:extLst>
+  </p:cSld>
+  <p:clrMapOvr>
+    <a:masterClrMapping/>
+  </p:clrMapOvr>
+</p:notes>
+</file>
+
+<file path=ppt/notesSlides/notesSlide23.xml><?xml version="1.0" encoding="utf-8"?>
+<p:notes xmlns:a="http://schemas.openxmlformats.org/drawingml/2006/main" xmlns:r="http://schemas.openxmlformats.org/officeDocument/2006/relationships" xmlns:p="http://schemas.openxmlformats.org/presentationml/2006/main">
+  <p:cSld>
+    <p:spTree>
+      <p:nvGrpSpPr>
+        <p:cNvPr id="1" name=""/>
+        <p:cNvGrpSpPr/>
+        <p:nvPr/>
+      </p:nvGrpSpPr>
+      <p:grpSpPr>
+        <a:xfrm>
+          <a:off x="0" y="0"/>
+          <a:ext cx="0" cy="0"/>
+          <a:chOff x="0" y="0"/>
+          <a:chExt cx="0" cy="0"/>
+        </a:xfrm>
+      </p:grpSpPr>
+      <p:sp>
+        <p:nvSpPr>
+          <p:cNvPr id="2" name="Espace réservé de l'image des diapositives 1"/>
+          <p:cNvSpPr>
+            <a:spLocks noGrp="1" noRot="1" noChangeAspect="1"/>
+          </p:cNvSpPr>
+          <p:nvPr>
+            <p:ph type="sldImg"/>
+          </p:nvPr>
+        </p:nvSpPr>
+        <p:spPr/>
+      </p:sp>
+      <p:sp>
+        <p:nvSpPr>
+          <p:cNvPr id="3" name="Espace réservé des notes 2"/>
+          <p:cNvSpPr>
+            <a:spLocks noGrp="1"/>
+          </p:cNvSpPr>
+          <p:nvPr>
+            <p:ph type="body" idx="1"/>
+          </p:nvPr>
+        </p:nvSpPr>
+        <p:spPr/>
+        <p:txBody>
+          <a:bodyPr/>
+          <a:lstStyle/>
+          <a:p>
+            <a:pPr marL="228600" indent="-228600">
+              <a:buAutoNum type="arabicPeriod"/>
+            </a:pPr>
+            <a:endParaRPr lang="fr-FR" sz="1200" dirty="0">
+              <a:ln>
+                <a:solidFill>
+                  <a:schemeClr val="tx1"/>
+                </a:solidFill>
+              </a:ln>
+              <a:latin typeface="Google Sans"/>
+            </a:endParaRPr>
+          </a:p>
+          <a:p>
+            <a:pPr marL="228600" indent="-228600">
+              <a:buAutoNum type="arabicPeriod"/>
+            </a:pPr>
+            <a:endParaRPr lang="fr-FR" dirty="0"/>
+          </a:p>
+        </p:txBody>
+      </p:sp>
+      <p:sp>
+        <p:nvSpPr>
+          <p:cNvPr id="4" name="Espace réservé du numéro de diapositive 3"/>
+          <p:cNvSpPr>
+            <a:spLocks noGrp="1"/>
+          </p:cNvSpPr>
+          <p:nvPr>
+            <p:ph type="sldNum" sz="quarter" idx="5"/>
+          </p:nvPr>
+        </p:nvSpPr>
+        <p:spPr/>
+        <p:txBody>
+          <a:bodyPr/>
+          <a:lstStyle/>
+          <a:p>
+            <a:fld id="{B2BE2823-3393-479C-B299-87C7B63AEB2B}" type="slidenum">
+              <a:rPr lang="en-US" smtClean="0"/>
+              <a:t>23</a:t>
+            </a:fld>
+            <a:endParaRPr lang="en-US"/>
+          </a:p>
+        </p:txBody>
+      </p:sp>
+    </p:spTree>
+    <p:extLst>
+      <p:ext uri="{BB962C8B-B14F-4D97-AF65-F5344CB8AC3E}">
+        <p14:creationId xmlns:p14="http://schemas.microsoft.com/office/powerpoint/2010/main" val="2593502962"/>
+      </p:ext>
+    </p:extLst>
+  </p:cSld>
+  <p:clrMapOvr>
+    <a:masterClrMapping/>
+  </p:clrMapOvr>
+</p:notes>
+</file>
+
+<file path=ppt/notesSlides/notesSlide24.xml><?xml version="1.0" encoding="utf-8"?>
+<p:notes xmlns:a="http://schemas.openxmlformats.org/drawingml/2006/main" xmlns:r="http://schemas.openxmlformats.org/officeDocument/2006/relationships" xmlns:p="http://schemas.openxmlformats.org/presentationml/2006/main">
+  <p:cSld>
+    <p:spTree>
+      <p:nvGrpSpPr>
+        <p:cNvPr id="1" name=""/>
+        <p:cNvGrpSpPr/>
+        <p:nvPr/>
+      </p:nvGrpSpPr>
+      <p:grpSpPr>
+        <a:xfrm>
+          <a:off x="0" y="0"/>
+          <a:ext cx="0" cy="0"/>
+          <a:chOff x="0" y="0"/>
+          <a:chExt cx="0" cy="0"/>
+        </a:xfrm>
+      </p:grpSpPr>
+      <p:sp>
+        <p:nvSpPr>
+          <p:cNvPr id="2" name="Espace réservé de l'image des diapositives 1"/>
+          <p:cNvSpPr>
+            <a:spLocks noGrp="1" noRot="1" noChangeAspect="1"/>
+          </p:cNvSpPr>
+          <p:nvPr>
+            <p:ph type="sldImg"/>
+          </p:nvPr>
+        </p:nvSpPr>
+        <p:spPr/>
+      </p:sp>
+      <p:sp>
+        <p:nvSpPr>
+          <p:cNvPr id="3" name="Espace réservé des notes 2"/>
+          <p:cNvSpPr>
+            <a:spLocks noGrp="1"/>
+          </p:cNvSpPr>
+          <p:nvPr>
+            <p:ph type="body" idx="1"/>
+          </p:nvPr>
+        </p:nvSpPr>
+        <p:spPr/>
+        <p:txBody>
+          <a:bodyPr/>
+          <a:lstStyle/>
+          <a:p>
+            <a:pPr marL="228600" indent="-228600">
+              <a:buAutoNum type="arabicPeriod"/>
+            </a:pPr>
+            <a:endParaRPr lang="fr-FR" sz="1200" dirty="0">
+              <a:ln>
+                <a:solidFill>
+                  <a:schemeClr val="tx1"/>
+                </a:solidFill>
+              </a:ln>
+              <a:latin typeface="Google Sans"/>
+            </a:endParaRPr>
+          </a:p>
+          <a:p>
+            <a:pPr marL="228600" indent="-228600">
+              <a:buAutoNum type="arabicPeriod"/>
+            </a:pPr>
+            <a:endParaRPr lang="fr-FR" dirty="0"/>
+          </a:p>
+        </p:txBody>
+      </p:sp>
+      <p:sp>
+        <p:nvSpPr>
+          <p:cNvPr id="4" name="Espace réservé du numéro de diapositive 3"/>
+          <p:cNvSpPr>
+            <a:spLocks noGrp="1"/>
+          </p:cNvSpPr>
+          <p:nvPr>
+            <p:ph type="sldNum" sz="quarter" idx="5"/>
+          </p:nvPr>
+        </p:nvSpPr>
+        <p:spPr/>
+        <p:txBody>
+          <a:bodyPr/>
+          <a:lstStyle/>
+          <a:p>
+            <a:fld id="{B2BE2823-3393-479C-B299-87C7B63AEB2B}" type="slidenum">
+              <a:rPr lang="en-US" smtClean="0"/>
+              <a:t>24</a:t>
             </a:fld>
             <a:endParaRPr lang="en-US"/>
           </a:p>
@@ -2420,7 +3103,7 @@
     </p:spTree>
     <p:extLst>
       <p:ext uri="{BB962C8B-B14F-4D97-AF65-F5344CB8AC3E}">
-        <p14:creationId xmlns:p14="http://schemas.microsoft.com/office/powerpoint/2010/main" val="2157938043"/>
+        <p14:creationId xmlns:p14="http://schemas.microsoft.com/office/powerpoint/2010/main" val="4117003202"/>
       </p:ext>
     </p:extLst>
   </p:cSld>
@@ -2520,7 +3203,7 @@
     </p:spTree>
     <p:extLst>
       <p:ext uri="{BB962C8B-B14F-4D97-AF65-F5344CB8AC3E}">
-        <p14:creationId xmlns:p14="http://schemas.microsoft.com/office/powerpoint/2010/main" val="1975902442"/>
+        <p14:creationId xmlns:p14="http://schemas.microsoft.com/office/powerpoint/2010/main" val="2157938043"/>
       </p:ext>
     </p:extLst>
   </p:cSld>
@@ -2620,7 +3303,7 @@
     </p:spTree>
     <p:extLst>
       <p:ext uri="{BB962C8B-B14F-4D97-AF65-F5344CB8AC3E}">
-        <p14:creationId xmlns:p14="http://schemas.microsoft.com/office/powerpoint/2010/main" val="3755616935"/>
+        <p14:creationId xmlns:p14="http://schemas.microsoft.com/office/powerpoint/2010/main" val="1975902442"/>
       </p:ext>
     </p:extLst>
   </p:cSld>
@@ -2720,7 +3403,7 @@
     </p:spTree>
     <p:extLst>
       <p:ext uri="{BB962C8B-B14F-4D97-AF65-F5344CB8AC3E}">
-        <p14:creationId xmlns:p14="http://schemas.microsoft.com/office/powerpoint/2010/main" val="4034476721"/>
+        <p14:creationId xmlns:p14="http://schemas.microsoft.com/office/powerpoint/2010/main" val="3755616935"/>
       </p:ext>
     </p:extLst>
   </p:cSld>
@@ -2820,7 +3503,7 @@
     </p:spTree>
     <p:extLst>
       <p:ext uri="{BB962C8B-B14F-4D97-AF65-F5344CB8AC3E}">
-        <p14:creationId xmlns:p14="http://schemas.microsoft.com/office/powerpoint/2010/main" val="1304244126"/>
+        <p14:creationId xmlns:p14="http://schemas.microsoft.com/office/powerpoint/2010/main" val="3090545347"/>
       </p:ext>
     </p:extLst>
   </p:cSld>
@@ -2920,7 +3603,7 @@
     </p:spTree>
     <p:extLst>
       <p:ext uri="{BB962C8B-B14F-4D97-AF65-F5344CB8AC3E}">
-        <p14:creationId xmlns:p14="http://schemas.microsoft.com/office/powerpoint/2010/main" val="3073218670"/>
+        <p14:creationId xmlns:p14="http://schemas.microsoft.com/office/powerpoint/2010/main" val="4034476721"/>
       </p:ext>
     </p:extLst>
   </p:cSld>
@@ -3020,7 +3703,7 @@
     </p:spTree>
     <p:extLst>
       <p:ext uri="{BB962C8B-B14F-4D97-AF65-F5344CB8AC3E}">
-        <p14:creationId xmlns:p14="http://schemas.microsoft.com/office/powerpoint/2010/main" val="3981566998"/>
+        <p14:creationId xmlns:p14="http://schemas.microsoft.com/office/powerpoint/2010/main" val="1304244126"/>
       </p:ext>
     </p:extLst>
   </p:cSld>
@@ -6423,7 +7106,63 @@
                 </a:solidFill>
                 <a:latin typeface="Google Sans"/>
               </a:rPr>
-              <a:t>Ce que nous avons vu la semaine dernière</a:t>
+              <a:t>Contacter votre </a:t>
+            </a:r>
+            <a:r>
+              <a:rPr lang="fr-FR" sz="4000" b="1" dirty="0" err="1">
+                <a:ln>
+                  <a:solidFill>
+                    <a:srgbClr val="7451EB"/>
+                  </a:solidFill>
+                </a:ln>
+                <a:solidFill>
+                  <a:srgbClr val="7451EB"/>
+                </a:solidFill>
+                <a:latin typeface="Google Sans"/>
+              </a:rPr>
+              <a:t>Student</a:t>
+            </a:r>
+            <a:r>
+              <a:rPr lang="fr-FR" sz="4000" b="1" dirty="0">
+                <a:ln>
+                  <a:solidFill>
+                    <a:srgbClr val="7451EB"/>
+                  </a:solidFill>
+                </a:ln>
+                <a:solidFill>
+                  <a:srgbClr val="7451EB"/>
+                </a:solidFill>
+                <a:latin typeface="Google Sans"/>
+              </a:rPr>
+              <a:t> </a:t>
+            </a:r>
+            <a:r>
+              <a:rPr lang="fr-FR" sz="4000" b="1" dirty="0" err="1">
+                <a:ln>
+                  <a:solidFill>
+                    <a:srgbClr val="7451EB"/>
+                  </a:solidFill>
+                </a:ln>
+                <a:solidFill>
+                  <a:srgbClr val="7451EB"/>
+                </a:solidFill>
+                <a:latin typeface="Google Sans"/>
+              </a:rPr>
+              <a:t>Success</a:t>
+            </a:r>
+            <a:r>
+              <a:rPr lang="fr-FR" sz="4000" b="1" dirty="0">
+                <a:ln>
+                  <a:solidFill>
+                    <a:srgbClr val="7451EB"/>
+                  </a:solidFill>
+                </a:ln>
+                <a:solidFill>
+                  <a:srgbClr val="7451EB"/>
+                </a:solidFill>
+                <a:latin typeface="Google Sans"/>
+              </a:rPr>
+              <a:t> Manager </a:t>
             </a:r>
             <a:endParaRPr lang="es-419" sz="4000" b="1" u="sng" dirty="0">
               <a:ln>
@@ -6501,327 +7240,167 @@
           </a:p>
         </p:txBody>
       </p:sp>
-      <p:sp>
-        <p:nvSpPr>
-          <p:cNvPr id="7" name="ZoneTexte 6">
-            <a:extLst>
-              <a:ext uri="{FF2B5EF4-FFF2-40B4-BE49-F238E27FC236}">
-                <a16:creationId xmlns:a16="http://schemas.microsoft.com/office/drawing/2014/main" id="{3356E29F-6F33-481C-AEDB-0283277BDE50}"/>
-              </a:ext>
-            </a:extLst>
-          </p:cNvPr>
-          <p:cNvSpPr txBox="1"/>
+      <p:pic>
+        <p:nvPicPr>
+          <p:cNvPr id="8" name="Image 7">
+            <a:extLst>
+              <a:ext uri="{FF2B5EF4-FFF2-40B4-BE49-F238E27FC236}">
+                <a16:creationId xmlns:a16="http://schemas.microsoft.com/office/drawing/2014/main" id="{3411F64D-ACA5-49C6-9CFD-71C5C1AEE01D}"/>
+              </a:ext>
+            </a:extLst>
+          </p:cNvPr>
+          <p:cNvPicPr>
+            <a:picLocks noChangeAspect="1"/>
+          </p:cNvPicPr>
           <p:nvPr/>
-        </p:nvSpPr>
+        </p:nvPicPr>
+        <p:blipFill>
+          <a:blip r:embed="rId3"/>
+          <a:stretch>
+            <a:fillRect/>
+          </a:stretch>
+        </p:blipFill>
         <p:spPr>
           <a:xfrm>
-            <a:off x="635296" y="1327816"/>
-            <a:ext cx="9097425" cy="4154984"/>
+            <a:off x="73975" y="1172002"/>
+            <a:ext cx="5596701" cy="3615231"/>
+          </a:xfrm>
+          <a:prstGeom prst="rect">
+            <a:avLst/>
+          </a:prstGeom>
+        </p:spPr>
+      </p:pic>
+      <p:pic>
+        <p:nvPicPr>
+          <p:cNvPr id="3" name="Image 2">
+            <a:extLst>
+              <a:ext uri="{FF2B5EF4-FFF2-40B4-BE49-F238E27FC236}">
+                <a16:creationId xmlns:a16="http://schemas.microsoft.com/office/drawing/2014/main" id="{B7E4507A-CEE3-4C19-A053-F857F385B3DB}"/>
+              </a:ext>
+            </a:extLst>
+          </p:cNvPr>
+          <p:cNvPicPr>
+            <a:picLocks noChangeAspect="1"/>
+          </p:cNvPicPr>
+          <p:nvPr/>
+        </p:nvPicPr>
+        <p:blipFill>
+          <a:blip r:embed="rId4"/>
+          <a:stretch>
+            <a:fillRect/>
+          </a:stretch>
+        </p:blipFill>
+        <p:spPr>
+          <a:xfrm>
+            <a:off x="5458610" y="2407299"/>
+            <a:ext cx="6527448" cy="4375726"/>
+          </a:xfrm>
+          <a:prstGeom prst="rect">
+            <a:avLst/>
+          </a:prstGeom>
+        </p:spPr>
+      </p:pic>
+      <p:sp>
+        <p:nvSpPr>
+          <p:cNvPr id="4" name="Rectangle 3">
+            <a:extLst>
+              <a:ext uri="{FF2B5EF4-FFF2-40B4-BE49-F238E27FC236}">
+                <a16:creationId xmlns:a16="http://schemas.microsoft.com/office/drawing/2014/main" id="{5FC9D275-9AB7-4AEF-A188-6E56B2A637C3}"/>
+              </a:ext>
+            </a:extLst>
+          </p:cNvPr>
+          <p:cNvSpPr/>
+          <p:nvPr/>
+        </p:nvSpPr>
+        <p:spPr>
+          <a:xfrm>
+            <a:off x="205942" y="1791478"/>
+            <a:ext cx="2164034" cy="820048"/>
           </a:xfrm>
           <a:prstGeom prst="rect">
             <a:avLst/>
           </a:prstGeom>
           <a:noFill/>
+          <a:ln w="57150">
+            <a:solidFill>
+              <a:srgbClr val="FF0000"/>
+            </a:solidFill>
+          </a:ln>
         </p:spPr>
-        <p:txBody>
-          <a:bodyPr wrap="square">
-            <a:spAutoFit/>
-          </a:bodyPr>
+        <p:style>
+          <a:lnRef idx="2">
+            <a:schemeClr val="accent1">
+              <a:shade val="50000"/>
+            </a:schemeClr>
+          </a:lnRef>
+          <a:fillRef idx="1">
+            <a:schemeClr val="accent1"/>
+          </a:fillRef>
+          <a:effectRef idx="0">
+            <a:schemeClr val="accent1"/>
+          </a:effectRef>
+          <a:fontRef idx="minor">
+            <a:schemeClr val="lt1"/>
+          </a:fontRef>
+        </p:style>
+        <p:txBody>
+          <a:bodyPr rtlCol="0" anchor="ctr"/>
           <a:lstStyle/>
           <a:p>
-            <a:pPr marL="285750" indent="-285750">
-              <a:buFont typeface="Wingdings" panose="05000000000000000000" pitchFamily="2" charset="2"/>
-              <a:buChar char="§"/>
-            </a:pPr>
-            <a:r>
-              <a:rPr lang="fr-FR" sz="2400" dirty="0">
-                <a:solidFill>
-                  <a:srgbClr val="202124"/>
-                </a:solidFill>
-                <a:latin typeface="Google Sans"/>
-              </a:rPr>
-              <a:t>EDA</a:t>
-            </a:r>
-          </a:p>
-          <a:p>
-            <a:pPr marL="742950" lvl="1" indent="-285750">
-              <a:buFont typeface="Wingdings" panose="05000000000000000000" pitchFamily="2" charset="2"/>
-              <a:buChar char="§"/>
-            </a:pPr>
-            <a:r>
-              <a:rPr lang="fr-FR" sz="2400" dirty="0" err="1">
-                <a:solidFill>
-                  <a:srgbClr val="202124"/>
-                </a:solidFill>
-                <a:latin typeface="Google Sans"/>
-              </a:rPr>
-              <a:t>Outliers</a:t>
-            </a:r>
-            <a:endParaRPr lang="fr-FR" sz="2400" dirty="0">
-              <a:solidFill>
-                <a:srgbClr val="202124"/>
-              </a:solidFill>
-              <a:latin typeface="Google Sans"/>
-            </a:endParaRPr>
-          </a:p>
-          <a:p>
-            <a:pPr marL="742950" lvl="1" indent="-285750">
-              <a:buFont typeface="Wingdings" panose="05000000000000000000" pitchFamily="2" charset="2"/>
-              <a:buChar char="§"/>
-            </a:pPr>
-            <a:r>
-              <a:rPr lang="fr-FR" sz="2400" dirty="0" err="1">
-                <a:solidFill>
-                  <a:srgbClr val="202124"/>
-                </a:solidFill>
-                <a:latin typeface="Google Sans"/>
-              </a:rPr>
-              <a:t>Multicollinearity</a:t>
-            </a:r>
-            <a:r>
-              <a:rPr lang="fr-FR" sz="2400" dirty="0">
-                <a:solidFill>
-                  <a:srgbClr val="202124"/>
-                </a:solidFill>
-                <a:latin typeface="Google Sans"/>
-              </a:rPr>
-              <a:t> </a:t>
-            </a:r>
-          </a:p>
-          <a:p>
-            <a:pPr marL="742950" lvl="1" indent="-285750">
-              <a:buFont typeface="Wingdings" panose="05000000000000000000" pitchFamily="2" charset="2"/>
-              <a:buChar char="§"/>
-            </a:pPr>
-            <a:r>
-              <a:rPr lang="fr-FR" sz="2400" dirty="0">
-                <a:solidFill>
-                  <a:srgbClr val="202124"/>
-                </a:solidFill>
-                <a:latin typeface="Google Sans"/>
-              </a:rPr>
-              <a:t>Non-</a:t>
-            </a:r>
-            <a:r>
-              <a:rPr lang="fr-FR" sz="2400" dirty="0" err="1">
-                <a:solidFill>
-                  <a:srgbClr val="202124"/>
-                </a:solidFill>
-                <a:latin typeface="Google Sans"/>
-              </a:rPr>
-              <a:t>linear</a:t>
-            </a:r>
-            <a:r>
-              <a:rPr lang="fr-FR" sz="2400" dirty="0">
-                <a:solidFill>
-                  <a:srgbClr val="202124"/>
-                </a:solidFill>
-                <a:latin typeface="Google Sans"/>
-              </a:rPr>
-              <a:t> </a:t>
-            </a:r>
-            <a:r>
-              <a:rPr lang="fr-FR" sz="2400" dirty="0" err="1">
-                <a:solidFill>
-                  <a:srgbClr val="202124"/>
-                </a:solidFill>
-                <a:latin typeface="Google Sans"/>
-              </a:rPr>
-              <a:t>dataset</a:t>
-            </a:r>
-            <a:endParaRPr lang="fr-FR" sz="2400" dirty="0">
-              <a:solidFill>
-                <a:srgbClr val="202124"/>
-              </a:solidFill>
-              <a:latin typeface="Google Sans"/>
-            </a:endParaRPr>
-          </a:p>
-          <a:p>
-            <a:pPr marL="285750" indent="-285750">
-              <a:buFont typeface="Wingdings" panose="05000000000000000000" pitchFamily="2" charset="2"/>
-              <a:buChar char="§"/>
-            </a:pPr>
-            <a:r>
-              <a:rPr lang="fr-FR" sz="2400" dirty="0" err="1">
-                <a:solidFill>
-                  <a:srgbClr val="202124"/>
-                </a:solidFill>
-                <a:latin typeface="Google Sans"/>
-              </a:rPr>
-              <a:t>Tunning</a:t>
-            </a:r>
-            <a:r>
-              <a:rPr lang="fr-FR" sz="2400" dirty="0">
-                <a:solidFill>
-                  <a:srgbClr val="202124"/>
-                </a:solidFill>
-                <a:latin typeface="Google Sans"/>
-              </a:rPr>
-              <a:t> </a:t>
-            </a:r>
-            <a:r>
-              <a:rPr lang="fr-FR" sz="2400" dirty="0" err="1">
-                <a:solidFill>
-                  <a:srgbClr val="202124"/>
-                </a:solidFill>
-                <a:latin typeface="Google Sans"/>
-              </a:rPr>
-              <a:t>hyperparameters</a:t>
-            </a:r>
-            <a:endParaRPr lang="fr-FR" sz="2400" dirty="0">
-              <a:solidFill>
-                <a:srgbClr val="202124"/>
-              </a:solidFill>
-              <a:latin typeface="Google Sans"/>
-            </a:endParaRPr>
-          </a:p>
-          <a:p>
-            <a:pPr marL="742950" lvl="1" indent="-285750">
-              <a:buFont typeface="Wingdings" panose="05000000000000000000" pitchFamily="2" charset="2"/>
-              <a:buChar char="§"/>
-            </a:pPr>
-            <a:r>
-              <a:rPr lang="fr-FR" sz="2400" dirty="0" err="1">
-                <a:solidFill>
-                  <a:srgbClr val="202124"/>
-                </a:solidFill>
-                <a:latin typeface="Google Sans"/>
-              </a:rPr>
-              <a:t>LinearRegression</a:t>
-            </a:r>
-            <a:r>
-              <a:rPr lang="fr-FR" sz="2400" dirty="0">
-                <a:solidFill>
-                  <a:srgbClr val="202124"/>
-                </a:solidFill>
-                <a:latin typeface="Google Sans"/>
-              </a:rPr>
-              <a:t> / </a:t>
-            </a:r>
-            <a:r>
-              <a:rPr lang="fr-FR" sz="2400" dirty="0" err="1">
-                <a:solidFill>
-                  <a:srgbClr val="202124"/>
-                </a:solidFill>
-                <a:latin typeface="Google Sans"/>
-              </a:rPr>
-              <a:t>PolynomialFeatures</a:t>
-            </a:r>
-            <a:endParaRPr lang="fr-FR" sz="2400" dirty="0">
-              <a:solidFill>
-                <a:srgbClr val="202124"/>
-              </a:solidFill>
-              <a:latin typeface="Google Sans"/>
-            </a:endParaRPr>
-          </a:p>
-          <a:p>
-            <a:pPr marL="742950" lvl="1" indent="-285750">
-              <a:buFont typeface="Wingdings" panose="05000000000000000000" pitchFamily="2" charset="2"/>
-              <a:buChar char="§"/>
-            </a:pPr>
-            <a:r>
-              <a:rPr lang="fr-FR" sz="2400" dirty="0" err="1">
-                <a:solidFill>
-                  <a:srgbClr val="202124"/>
-                </a:solidFill>
-                <a:latin typeface="Google Sans"/>
-              </a:rPr>
-              <a:t>KNeighbors</a:t>
-            </a:r>
-            <a:r>
-              <a:rPr lang="en-US" sz="2400" b="1" dirty="0">
-                <a:solidFill>
-                  <a:srgbClr val="FFFFFF"/>
-                </a:solidFill>
-                <a:effectLst/>
-              </a:rPr>
-              <a:t>e k Nearest Neighbors</a:t>
-            </a:r>
-          </a:p>
-          <a:p>
-            <a:pPr marL="742950" lvl="1" indent="-285750">
-              <a:buFont typeface="Wingdings" panose="05000000000000000000" pitchFamily="2" charset="2"/>
-              <a:buChar char="§"/>
-            </a:pPr>
-            <a:r>
-              <a:rPr lang="en-US" sz="2400" dirty="0">
-                <a:solidFill>
-                  <a:srgbClr val="202124"/>
-                </a:solidFill>
-                <a:latin typeface="Google Sans"/>
-              </a:rPr>
-              <a:t>Lasso</a:t>
-            </a:r>
-          </a:p>
-          <a:p>
-            <a:pPr marL="742950" lvl="1" indent="-285750">
-              <a:buFont typeface="Wingdings" panose="05000000000000000000" pitchFamily="2" charset="2"/>
-              <a:buChar char="§"/>
-            </a:pPr>
-            <a:r>
-              <a:rPr lang="en-US" sz="2400" dirty="0">
-                <a:solidFill>
-                  <a:srgbClr val="202124"/>
-                </a:solidFill>
-                <a:latin typeface="Google Sans"/>
-              </a:rPr>
-              <a:t>SVR</a:t>
-            </a:r>
-            <a:endParaRPr lang="fr-FR" sz="2400" dirty="0">
-              <a:solidFill>
-                <a:srgbClr val="202124"/>
-              </a:solidFill>
-              <a:latin typeface="Google Sans"/>
-            </a:endParaRPr>
-          </a:p>
-          <a:p>
-            <a:pPr marL="742950" lvl="1" indent="-285750">
-              <a:buFont typeface="Wingdings" panose="05000000000000000000" pitchFamily="2" charset="2"/>
-              <a:buChar char="§"/>
-            </a:pPr>
-            <a:r>
-              <a:rPr lang="fr-FR" sz="2400" dirty="0" err="1">
-                <a:solidFill>
-                  <a:srgbClr val="202124"/>
-                </a:solidFill>
-                <a:latin typeface="Google Sans"/>
-              </a:rPr>
-              <a:t>RandomForestRegressor</a:t>
-            </a:r>
-            <a:endParaRPr lang="fr-FR" sz="2400" dirty="0">
-              <a:solidFill>
-                <a:srgbClr val="202124"/>
-              </a:solidFill>
-              <a:latin typeface="Google Sans"/>
-            </a:endParaRPr>
-          </a:p>
-          <a:p>
-            <a:pPr marL="742950" lvl="1" indent="-285750">
-              <a:buFont typeface="Wingdings" panose="05000000000000000000" pitchFamily="2" charset="2"/>
-              <a:buChar char="§"/>
-            </a:pPr>
-            <a:r>
-              <a:rPr lang="fr-FR" sz="2400" dirty="0" err="1">
-                <a:solidFill>
-                  <a:srgbClr val="202124"/>
-                </a:solidFill>
-                <a:latin typeface="Google Sans"/>
-              </a:rPr>
-              <a:t>GradientBoostingRegressorc</a:t>
-            </a:r>
-            <a:endParaRPr lang="fr-FR" sz="2400" dirty="0">
-              <a:solidFill>
-                <a:srgbClr val="202124"/>
-              </a:solidFill>
-              <a:latin typeface="Google Sans"/>
-            </a:endParaRPr>
-          </a:p>
-        </p:txBody>
-      </p:sp>
+            <a:pPr algn="ctr"/>
+            <a:endParaRPr lang="fr-FR"/>
+          </a:p>
+        </p:txBody>
+      </p:sp>
+      <p:cxnSp>
+        <p:nvCxnSpPr>
+          <p:cNvPr id="12" name="Connecteur droit avec flèche 11">
+            <a:extLst>
+              <a:ext uri="{FF2B5EF4-FFF2-40B4-BE49-F238E27FC236}">
+                <a16:creationId xmlns:a16="http://schemas.microsoft.com/office/drawing/2014/main" id="{6FE41A54-B2B2-45D1-BE71-C3E13F5E8812}"/>
+              </a:ext>
+            </a:extLst>
+          </p:cNvPr>
+          <p:cNvCxnSpPr>
+            <a:cxnSpLocks/>
+            <a:endCxn id="4" idx="3"/>
+          </p:cNvCxnSpPr>
+          <p:nvPr/>
+        </p:nvCxnSpPr>
+        <p:spPr>
+          <a:xfrm flipH="1">
+            <a:off x="2369976" y="1172002"/>
+            <a:ext cx="1735493" cy="1029500"/>
+          </a:xfrm>
+          <a:prstGeom prst="straightConnector1">
+            <a:avLst/>
+          </a:prstGeom>
+          <a:ln w="57150">
+            <a:solidFill>
+              <a:srgbClr val="FF0000"/>
+            </a:solidFill>
+            <a:tailEnd type="triangle"/>
+          </a:ln>
+        </p:spPr>
+        <p:style>
+          <a:lnRef idx="1">
+            <a:schemeClr val="accent1"/>
+          </a:lnRef>
+          <a:fillRef idx="0">
+            <a:schemeClr val="accent1"/>
+          </a:fillRef>
+          <a:effectRef idx="0">
+            <a:schemeClr val="accent1"/>
+          </a:effectRef>
+          <a:fontRef idx="minor">
+            <a:schemeClr val="tx1"/>
+          </a:fontRef>
+        </p:style>
+      </p:cxnSp>
     </p:spTree>
     <p:extLst>
       <p:ext uri="{BB962C8B-B14F-4D97-AF65-F5344CB8AC3E}">
-        <p14:creationId xmlns:p14="http://schemas.microsoft.com/office/powerpoint/2010/main" val="1456432192"/>
+        <p14:creationId xmlns:p14="http://schemas.microsoft.com/office/powerpoint/2010/main" val="2047921669"/>
       </p:ext>
     </p:extLst>
   </p:cSld>
@@ -6832,6 +7411,936 @@
 </file>
 
 <file path=ppt/slides/slide10.xml><?xml version="1.0" encoding="utf-8"?>
+<p:sld xmlns:a="http://schemas.openxmlformats.org/drawingml/2006/main" xmlns:r="http://schemas.openxmlformats.org/officeDocument/2006/relationships" xmlns:p="http://schemas.openxmlformats.org/presentationml/2006/main">
+  <p:cSld>
+    <p:spTree>
+      <p:nvGrpSpPr>
+        <p:cNvPr id="1" name=""/>
+        <p:cNvGrpSpPr/>
+        <p:nvPr/>
+      </p:nvGrpSpPr>
+      <p:grpSpPr>
+        <a:xfrm>
+          <a:off x="0" y="0"/>
+          <a:ext cx="0" cy="0"/>
+          <a:chOff x="0" y="0"/>
+          <a:chExt cx="0" cy="0"/>
+        </a:xfrm>
+      </p:grpSpPr>
+      <p:sp>
+        <p:nvSpPr>
+          <p:cNvPr id="5" name="Rectangle 4">
+            <a:extLst>
+              <a:ext uri="{FF2B5EF4-FFF2-40B4-BE49-F238E27FC236}">
+                <a16:creationId xmlns:a16="http://schemas.microsoft.com/office/drawing/2014/main" id="{A00233D2-38CE-441F-90C9-32F91999758A}"/>
+              </a:ext>
+            </a:extLst>
+          </p:cNvPr>
+          <p:cNvSpPr/>
+          <p:nvPr/>
+        </p:nvSpPr>
+        <p:spPr>
+          <a:xfrm>
+            <a:off x="0" y="6400273"/>
+            <a:ext cx="12192000" cy="457727"/>
+          </a:xfrm>
+          <a:prstGeom prst="rect">
+            <a:avLst/>
+          </a:prstGeom>
+          <a:solidFill>
+            <a:srgbClr val="7451EB"/>
+          </a:solidFill>
+          <a:ln>
+            <a:solidFill>
+              <a:srgbClr val="7451EB"/>
+            </a:solidFill>
+          </a:ln>
+        </p:spPr>
+        <p:style>
+          <a:lnRef idx="2">
+            <a:schemeClr val="accent1">
+              <a:shade val="50000"/>
+            </a:schemeClr>
+          </a:lnRef>
+          <a:fillRef idx="1">
+            <a:schemeClr val="accent1"/>
+          </a:fillRef>
+          <a:effectRef idx="0">
+            <a:schemeClr val="accent1"/>
+          </a:effectRef>
+          <a:fontRef idx="minor">
+            <a:schemeClr val="lt1"/>
+          </a:fontRef>
+        </p:style>
+        <p:txBody>
+          <a:bodyPr rtlCol="0" anchor="ctr"/>
+          <a:lstStyle/>
+          <a:p>
+            <a:pPr algn="ctr"/>
+            <a:endParaRPr lang="en-US" dirty="0"/>
+          </a:p>
+        </p:txBody>
+      </p:sp>
+      <p:sp>
+        <p:nvSpPr>
+          <p:cNvPr id="15" name="TextBox 3">
+            <a:extLst>
+              <a:ext uri="{FF2B5EF4-FFF2-40B4-BE49-F238E27FC236}">
+                <a16:creationId xmlns:a16="http://schemas.microsoft.com/office/drawing/2014/main" id="{47FC2DCC-BDE9-485D-AF79-4177B5479110}"/>
+              </a:ext>
+            </a:extLst>
+          </p:cNvPr>
+          <p:cNvSpPr txBox="1"/>
+          <p:nvPr/>
+        </p:nvSpPr>
+        <p:spPr>
+          <a:xfrm>
+            <a:off x="10543592" y="6475247"/>
+            <a:ext cx="1648408" cy="307777"/>
+          </a:xfrm>
+          <a:prstGeom prst="rect">
+            <a:avLst/>
+          </a:prstGeom>
+          <a:noFill/>
+        </p:spPr>
+        <p:txBody>
+          <a:bodyPr wrap="square" rtlCol="0">
+            <a:spAutoFit/>
+          </a:bodyPr>
+          <a:lstStyle/>
+          <a:p>
+            <a:pPr algn="r"/>
+            <a:r>
+              <a:rPr lang="es-CO" sz="1400" b="1" i="1" dirty="0" err="1">
+                <a:ln>
+                  <a:solidFill>
+                    <a:schemeClr val="bg1"/>
+                  </a:solidFill>
+                </a:ln>
+                <a:solidFill>
+                  <a:schemeClr val="bg1"/>
+                </a:solidFill>
+                <a:latin typeface="+mj-lt"/>
+              </a:rPr>
+              <a:t>OpenClassrooms</a:t>
+            </a:r>
+            <a:endParaRPr lang="en-US" sz="1400" b="1" i="1" dirty="0">
+              <a:ln>
+                <a:solidFill>
+                  <a:schemeClr val="bg1"/>
+                </a:solidFill>
+              </a:ln>
+              <a:solidFill>
+                <a:schemeClr val="bg1"/>
+              </a:solidFill>
+              <a:latin typeface="+mj-lt"/>
+            </a:endParaRPr>
+          </a:p>
+        </p:txBody>
+      </p:sp>
+      <p:sp>
+        <p:nvSpPr>
+          <p:cNvPr id="10" name="Titre 1">
+            <a:extLst>
+              <a:ext uri="{FF2B5EF4-FFF2-40B4-BE49-F238E27FC236}">
+                <a16:creationId xmlns:a16="http://schemas.microsoft.com/office/drawing/2014/main" id="{224E5C7D-3656-459F-9C01-61200508167F}"/>
+              </a:ext>
+            </a:extLst>
+          </p:cNvPr>
+          <p:cNvSpPr txBox="1">
+            <a:spLocks/>
+          </p:cNvSpPr>
+          <p:nvPr/>
+        </p:nvSpPr>
+        <p:spPr>
+          <a:xfrm>
+            <a:off x="279917" y="432794"/>
+            <a:ext cx="9452805" cy="820048"/>
+          </a:xfrm>
+          <a:prstGeom prst="rect">
+            <a:avLst/>
+          </a:prstGeom>
+        </p:spPr>
+        <p:txBody>
+          <a:bodyPr vert="horz" lIns="91440" tIns="45720" rIns="91440" bIns="45720" rtlCol="0" anchor="ctr">
+            <a:normAutofit/>
+          </a:bodyPr>
+          <a:lstStyle>
+            <a:lvl1pPr algn="l" defTabSz="914400" rtl="0" eaLnBrk="1" latinLnBrk="0" hangingPunct="1">
+              <a:lnSpc>
+                <a:spcPct val="90000"/>
+              </a:lnSpc>
+              <a:spcBef>
+                <a:spcPct val="0"/>
+              </a:spcBef>
+              <a:buNone/>
+              <a:defRPr sz="4400" kern="1200">
+                <a:solidFill>
+                  <a:schemeClr val="tx1"/>
+                </a:solidFill>
+                <a:latin typeface="+mj-lt"/>
+                <a:ea typeface="+mj-ea"/>
+                <a:cs typeface="+mj-cs"/>
+              </a:defRPr>
+            </a:lvl1pPr>
+          </a:lstStyle>
+          <a:p>
+            <a:r>
+              <a:rPr lang="fr-FR" sz="4000" b="1" dirty="0" err="1">
+                <a:ln>
+                  <a:solidFill>
+                    <a:srgbClr val="7451EB"/>
+                  </a:solidFill>
+                </a:ln>
+                <a:solidFill>
+                  <a:srgbClr val="7451EB"/>
+                </a:solidFill>
+                <a:latin typeface="Google Sans"/>
+              </a:rPr>
+              <a:t>LinearRegression</a:t>
+            </a:r>
+            <a:r>
+              <a:rPr lang="fr-FR" sz="4000" b="1" dirty="0">
+                <a:ln>
+                  <a:solidFill>
+                    <a:srgbClr val="7451EB"/>
+                  </a:solidFill>
+                </a:ln>
+                <a:solidFill>
+                  <a:srgbClr val="7451EB"/>
+                </a:solidFill>
+                <a:latin typeface="Google Sans"/>
+              </a:rPr>
+              <a:t> / </a:t>
+            </a:r>
+            <a:r>
+              <a:rPr lang="fr-FR" sz="4000" b="1" dirty="0" err="1">
+                <a:ln>
+                  <a:solidFill>
+                    <a:srgbClr val="7451EB"/>
+                  </a:solidFill>
+                </a:ln>
+                <a:solidFill>
+                  <a:srgbClr val="7451EB"/>
+                </a:solidFill>
+                <a:latin typeface="Google Sans"/>
+              </a:rPr>
+              <a:t>PolynomialFeatures</a:t>
+            </a:r>
+            <a:endParaRPr lang="fr-FR" sz="4000" b="1" dirty="0">
+              <a:ln>
+                <a:solidFill>
+                  <a:srgbClr val="7451EB"/>
+                </a:solidFill>
+              </a:ln>
+              <a:solidFill>
+                <a:srgbClr val="7451EB"/>
+              </a:solidFill>
+              <a:latin typeface="Google Sans"/>
+            </a:endParaRPr>
+          </a:p>
+        </p:txBody>
+      </p:sp>
+      <p:sp>
+        <p:nvSpPr>
+          <p:cNvPr id="11" name="Rectángulo 4">
+            <a:extLst>
+              <a:ext uri="{FF2B5EF4-FFF2-40B4-BE49-F238E27FC236}">
+                <a16:creationId xmlns:a16="http://schemas.microsoft.com/office/drawing/2014/main" id="{B84F0FDC-2C73-4C87-9CC7-F9F129B3A699}"/>
+              </a:ext>
+            </a:extLst>
+          </p:cNvPr>
+          <p:cNvSpPr/>
+          <p:nvPr/>
+        </p:nvSpPr>
+        <p:spPr>
+          <a:xfrm>
+            <a:off x="377906" y="378794"/>
+            <a:ext cx="366721" cy="54000"/>
+          </a:xfrm>
+          <a:prstGeom prst="rect">
+            <a:avLst/>
+          </a:prstGeom>
+          <a:solidFill>
+            <a:srgbClr val="7451EB"/>
+          </a:solidFill>
+          <a:ln>
+            <a:solidFill>
+              <a:srgbClr val="7451EB"/>
+            </a:solidFill>
+          </a:ln>
+        </p:spPr>
+        <p:style>
+          <a:lnRef idx="2">
+            <a:schemeClr val="accent1">
+              <a:shade val="50000"/>
+            </a:schemeClr>
+          </a:lnRef>
+          <a:fillRef idx="1">
+            <a:schemeClr val="accent1"/>
+          </a:fillRef>
+          <a:effectRef idx="0">
+            <a:schemeClr val="accent1"/>
+          </a:effectRef>
+          <a:fontRef idx="minor">
+            <a:schemeClr val="lt1"/>
+          </a:fontRef>
+        </p:style>
+        <p:txBody>
+          <a:bodyPr rtlCol="0" anchor="ctr"/>
+          <a:lstStyle/>
+          <a:p>
+            <a:pPr algn="ctr"/>
+            <a:endParaRPr lang="es-AR">
+              <a:ln>
+                <a:solidFill>
+                  <a:srgbClr val="7451EB"/>
+                </a:solidFill>
+              </a:ln>
+              <a:solidFill>
+                <a:srgbClr val="7451EB"/>
+              </a:solidFill>
+            </a:endParaRPr>
+          </a:p>
+        </p:txBody>
+      </p:sp>
+      <p:pic>
+        <p:nvPicPr>
+          <p:cNvPr id="3" name="Image 2">
+            <a:extLst>
+              <a:ext uri="{FF2B5EF4-FFF2-40B4-BE49-F238E27FC236}">
+                <a16:creationId xmlns:a16="http://schemas.microsoft.com/office/drawing/2014/main" id="{6D14CE29-DAAB-4312-BC09-CA4DB43C468C}"/>
+              </a:ext>
+            </a:extLst>
+          </p:cNvPr>
+          <p:cNvPicPr>
+            <a:picLocks noChangeAspect="1"/>
+          </p:cNvPicPr>
+          <p:nvPr/>
+        </p:nvPicPr>
+        <p:blipFill rotWithShape="1">
+          <a:blip r:embed="rId3"/>
+          <a:srcRect r="66896"/>
+          <a:stretch/>
+        </p:blipFill>
+        <p:spPr>
+          <a:xfrm>
+            <a:off x="744627" y="1455840"/>
+            <a:ext cx="4638675" cy="3946320"/>
+          </a:xfrm>
+          <a:prstGeom prst="rect">
+            <a:avLst/>
+          </a:prstGeom>
+        </p:spPr>
+      </p:pic>
+      <p:pic>
+        <p:nvPicPr>
+          <p:cNvPr id="4" name="Image 3">
+            <a:extLst>
+              <a:ext uri="{FF2B5EF4-FFF2-40B4-BE49-F238E27FC236}">
+                <a16:creationId xmlns:a16="http://schemas.microsoft.com/office/drawing/2014/main" id="{AF08DCE6-CAF7-4055-885E-333C27C04E5B}"/>
+              </a:ext>
+            </a:extLst>
+          </p:cNvPr>
+          <p:cNvPicPr>
+            <a:picLocks noChangeAspect="1"/>
+          </p:cNvPicPr>
+          <p:nvPr/>
+        </p:nvPicPr>
+        <p:blipFill rotWithShape="1">
+          <a:blip r:embed="rId4"/>
+          <a:srcRect t="1963" b="1776"/>
+          <a:stretch/>
+        </p:blipFill>
+        <p:spPr>
+          <a:xfrm>
+            <a:off x="6493565" y="2325757"/>
+            <a:ext cx="4638675" cy="3667539"/>
+          </a:xfrm>
+          <a:prstGeom prst="rect">
+            <a:avLst/>
+          </a:prstGeom>
+        </p:spPr>
+      </p:pic>
+      <mc:AlternateContent xmlns:mc="http://schemas.openxmlformats.org/markup-compatibility/2006" xmlns:p14="http://schemas.microsoft.com/office/powerpoint/2010/main">
+        <mc:Choice Requires="p14">
+          <p:contentPart p14:bwMode="auto" r:id="rId5">
+            <p14:nvContentPartPr>
+              <p14:cNvPr id="2" name="Encre 1">
+                <a:extLst>
+                  <a:ext uri="{FF2B5EF4-FFF2-40B4-BE49-F238E27FC236}">
+                    <a16:creationId xmlns:a16="http://schemas.microsoft.com/office/drawing/2014/main" id="{785244D6-1591-419D-994B-A26F3AFCA763}"/>
+                  </a:ext>
+                </a:extLst>
+              </p14:cNvPr>
+              <p14:cNvContentPartPr/>
+              <p14:nvPr/>
+            </p14:nvContentPartPr>
+            <p14:xfrm>
+              <a:off x="3213000" y="1765440"/>
+              <a:ext cx="7575840" cy="3511800"/>
+            </p14:xfrm>
+          </p:contentPart>
+        </mc:Choice>
+        <mc:Fallback xmlns="">
+          <p:pic>
+            <p:nvPicPr>
+              <p:cNvPr id="2" name="Encre 1">
+                <a:extLst>
+                  <a:ext uri="{FF2B5EF4-FFF2-40B4-BE49-F238E27FC236}">
+                    <a16:creationId xmlns:a16="http://schemas.microsoft.com/office/drawing/2014/main" id="{785244D6-1591-419D-994B-A26F3AFCA763}"/>
+                  </a:ext>
+                </a:extLst>
+              </p:cNvPr>
+              <p:cNvPicPr/>
+              <p:nvPr/>
+            </p:nvPicPr>
+            <p:blipFill>
+              <a:blip r:embed="rId6"/>
+              <a:stretch>
+                <a:fillRect/>
+              </a:stretch>
+            </p:blipFill>
+            <p:spPr>
+              <a:xfrm>
+                <a:off x="3203640" y="1756080"/>
+                <a:ext cx="7594560" cy="3530520"/>
+              </a:xfrm>
+              <a:prstGeom prst="rect">
+                <a:avLst/>
+              </a:prstGeom>
+            </p:spPr>
+          </p:pic>
+        </mc:Fallback>
+      </mc:AlternateContent>
+      <p:sp>
+        <p:nvSpPr>
+          <p:cNvPr id="6" name="ZoneTexte 5">
+            <a:extLst>
+              <a:ext uri="{FF2B5EF4-FFF2-40B4-BE49-F238E27FC236}">
+                <a16:creationId xmlns:a16="http://schemas.microsoft.com/office/drawing/2014/main" id="{BE6AA1FB-6D18-4C5E-BD2E-6D2D4028DFA6}"/>
+              </a:ext>
+            </a:extLst>
+          </p:cNvPr>
+          <p:cNvSpPr txBox="1"/>
+          <p:nvPr/>
+        </p:nvSpPr>
+        <p:spPr>
+          <a:xfrm rot="2145575">
+            <a:off x="11307337" y="254493"/>
+            <a:ext cx="739303" cy="461665"/>
+          </a:xfrm>
+          <a:prstGeom prst="rect">
+            <a:avLst/>
+          </a:prstGeom>
+          <a:noFill/>
+          <a:ln w="38100">
+            <a:solidFill>
+              <a:srgbClr val="FF0000"/>
+            </a:solidFill>
+            <a:prstDash val="dash"/>
+          </a:ln>
+        </p:spPr>
+        <p:txBody>
+          <a:bodyPr wrap="square" rtlCol="0">
+            <a:spAutoFit/>
+          </a:bodyPr>
+          <a:lstStyle/>
+          <a:p>
+            <a:pPr algn="ctr"/>
+            <a:r>
+              <a:rPr lang="es-ES" sz="2400" b="1" dirty="0">
+                <a:solidFill>
+                  <a:srgbClr val="FF0000"/>
+                </a:solidFill>
+              </a:rPr>
+              <a:t>OLD</a:t>
+            </a:r>
+            <a:endParaRPr lang="fr-FR" sz="2400" b="1" dirty="0">
+              <a:solidFill>
+                <a:srgbClr val="FF0000"/>
+              </a:solidFill>
+            </a:endParaRPr>
+          </a:p>
+        </p:txBody>
+      </p:sp>
+    </p:spTree>
+    <p:extLst>
+      <p:ext uri="{BB962C8B-B14F-4D97-AF65-F5344CB8AC3E}">
+        <p14:creationId xmlns:p14="http://schemas.microsoft.com/office/powerpoint/2010/main" val="3556277589"/>
+      </p:ext>
+    </p:extLst>
+  </p:cSld>
+  <p:clrMapOvr>
+    <a:masterClrMapping/>
+  </p:clrMapOvr>
+</p:sld>
+</file>
+
+<file path=ppt/slides/slide11.xml><?xml version="1.0" encoding="utf-8"?>
+<p:sld xmlns:a="http://schemas.openxmlformats.org/drawingml/2006/main" xmlns:r="http://schemas.openxmlformats.org/officeDocument/2006/relationships" xmlns:p="http://schemas.openxmlformats.org/presentationml/2006/main">
+  <p:cSld>
+    <p:spTree>
+      <p:nvGrpSpPr>
+        <p:cNvPr id="1" name=""/>
+        <p:cNvGrpSpPr/>
+        <p:nvPr/>
+      </p:nvGrpSpPr>
+      <p:grpSpPr>
+        <a:xfrm>
+          <a:off x="0" y="0"/>
+          <a:ext cx="0" cy="0"/>
+          <a:chOff x="0" y="0"/>
+          <a:chExt cx="0" cy="0"/>
+        </a:xfrm>
+      </p:grpSpPr>
+      <p:sp>
+        <p:nvSpPr>
+          <p:cNvPr id="5" name="Rectangle 4">
+            <a:extLst>
+              <a:ext uri="{FF2B5EF4-FFF2-40B4-BE49-F238E27FC236}">
+                <a16:creationId xmlns:a16="http://schemas.microsoft.com/office/drawing/2014/main" id="{A00233D2-38CE-441F-90C9-32F91999758A}"/>
+              </a:ext>
+            </a:extLst>
+          </p:cNvPr>
+          <p:cNvSpPr/>
+          <p:nvPr/>
+        </p:nvSpPr>
+        <p:spPr>
+          <a:xfrm>
+            <a:off x="0" y="6400273"/>
+            <a:ext cx="12192000" cy="457727"/>
+          </a:xfrm>
+          <a:prstGeom prst="rect">
+            <a:avLst/>
+          </a:prstGeom>
+          <a:solidFill>
+            <a:srgbClr val="7451EB"/>
+          </a:solidFill>
+          <a:ln>
+            <a:solidFill>
+              <a:srgbClr val="7451EB"/>
+            </a:solidFill>
+          </a:ln>
+        </p:spPr>
+        <p:style>
+          <a:lnRef idx="2">
+            <a:schemeClr val="accent1">
+              <a:shade val="50000"/>
+            </a:schemeClr>
+          </a:lnRef>
+          <a:fillRef idx="1">
+            <a:schemeClr val="accent1"/>
+          </a:fillRef>
+          <a:effectRef idx="0">
+            <a:schemeClr val="accent1"/>
+          </a:effectRef>
+          <a:fontRef idx="minor">
+            <a:schemeClr val="lt1"/>
+          </a:fontRef>
+        </p:style>
+        <p:txBody>
+          <a:bodyPr rtlCol="0" anchor="ctr"/>
+          <a:lstStyle/>
+          <a:p>
+            <a:pPr algn="ctr"/>
+            <a:endParaRPr lang="en-US" dirty="0"/>
+          </a:p>
+        </p:txBody>
+      </p:sp>
+      <p:sp>
+        <p:nvSpPr>
+          <p:cNvPr id="15" name="TextBox 3">
+            <a:extLst>
+              <a:ext uri="{FF2B5EF4-FFF2-40B4-BE49-F238E27FC236}">
+                <a16:creationId xmlns:a16="http://schemas.microsoft.com/office/drawing/2014/main" id="{47FC2DCC-BDE9-485D-AF79-4177B5479110}"/>
+              </a:ext>
+            </a:extLst>
+          </p:cNvPr>
+          <p:cNvSpPr txBox="1"/>
+          <p:nvPr/>
+        </p:nvSpPr>
+        <p:spPr>
+          <a:xfrm>
+            <a:off x="10543592" y="6475247"/>
+            <a:ext cx="1648408" cy="307777"/>
+          </a:xfrm>
+          <a:prstGeom prst="rect">
+            <a:avLst/>
+          </a:prstGeom>
+          <a:noFill/>
+        </p:spPr>
+        <p:txBody>
+          <a:bodyPr wrap="square" rtlCol="0">
+            <a:spAutoFit/>
+          </a:bodyPr>
+          <a:lstStyle/>
+          <a:p>
+            <a:pPr algn="r"/>
+            <a:r>
+              <a:rPr lang="es-CO" sz="1400" b="1" i="1" dirty="0" err="1">
+                <a:ln>
+                  <a:solidFill>
+                    <a:schemeClr val="bg1"/>
+                  </a:solidFill>
+                </a:ln>
+                <a:solidFill>
+                  <a:schemeClr val="bg1"/>
+                </a:solidFill>
+                <a:latin typeface="+mj-lt"/>
+              </a:rPr>
+              <a:t>OpenClassrooms</a:t>
+            </a:r>
+            <a:endParaRPr lang="en-US" sz="1400" b="1" i="1" dirty="0">
+              <a:ln>
+                <a:solidFill>
+                  <a:schemeClr val="bg1"/>
+                </a:solidFill>
+              </a:ln>
+              <a:solidFill>
+                <a:schemeClr val="bg1"/>
+              </a:solidFill>
+              <a:latin typeface="+mj-lt"/>
+            </a:endParaRPr>
+          </a:p>
+        </p:txBody>
+      </p:sp>
+      <p:sp>
+        <p:nvSpPr>
+          <p:cNvPr id="10" name="Titre 1">
+            <a:extLst>
+              <a:ext uri="{FF2B5EF4-FFF2-40B4-BE49-F238E27FC236}">
+                <a16:creationId xmlns:a16="http://schemas.microsoft.com/office/drawing/2014/main" id="{224E5C7D-3656-459F-9C01-61200508167F}"/>
+              </a:ext>
+            </a:extLst>
+          </p:cNvPr>
+          <p:cNvSpPr txBox="1">
+            <a:spLocks/>
+          </p:cNvSpPr>
+          <p:nvPr/>
+        </p:nvSpPr>
+        <p:spPr>
+          <a:xfrm>
+            <a:off x="279917" y="432794"/>
+            <a:ext cx="9452805" cy="820048"/>
+          </a:xfrm>
+          <a:prstGeom prst="rect">
+            <a:avLst/>
+          </a:prstGeom>
+        </p:spPr>
+        <p:txBody>
+          <a:bodyPr vert="horz" lIns="91440" tIns="45720" rIns="91440" bIns="45720" rtlCol="0" anchor="ctr">
+            <a:normAutofit/>
+          </a:bodyPr>
+          <a:lstStyle>
+            <a:lvl1pPr algn="l" defTabSz="914400" rtl="0" eaLnBrk="1" latinLnBrk="0" hangingPunct="1">
+              <a:lnSpc>
+                <a:spcPct val="90000"/>
+              </a:lnSpc>
+              <a:spcBef>
+                <a:spcPct val="0"/>
+              </a:spcBef>
+              <a:buNone/>
+              <a:defRPr sz="4400" kern="1200">
+                <a:solidFill>
+                  <a:schemeClr val="tx1"/>
+                </a:solidFill>
+                <a:latin typeface="+mj-lt"/>
+                <a:ea typeface="+mj-ea"/>
+                <a:cs typeface="+mj-cs"/>
+              </a:defRPr>
+            </a:lvl1pPr>
+          </a:lstStyle>
+          <a:p>
+            <a:r>
+              <a:rPr lang="fr-FR" sz="4000" b="1" dirty="0" err="1">
+                <a:ln>
+                  <a:solidFill>
+                    <a:srgbClr val="7451EB"/>
+                  </a:solidFill>
+                </a:ln>
+                <a:solidFill>
+                  <a:srgbClr val="7451EB"/>
+                </a:solidFill>
+                <a:latin typeface="Google Sans"/>
+              </a:rPr>
+              <a:t>LinearRegression</a:t>
+            </a:r>
+            <a:r>
+              <a:rPr lang="fr-FR" sz="4000" b="1" dirty="0">
+                <a:ln>
+                  <a:solidFill>
+                    <a:srgbClr val="7451EB"/>
+                  </a:solidFill>
+                </a:ln>
+                <a:solidFill>
+                  <a:srgbClr val="7451EB"/>
+                </a:solidFill>
+                <a:latin typeface="Google Sans"/>
+              </a:rPr>
+              <a:t> / </a:t>
+            </a:r>
+            <a:r>
+              <a:rPr lang="fr-FR" sz="4000" b="1" dirty="0" err="1">
+                <a:ln>
+                  <a:solidFill>
+                    <a:srgbClr val="7451EB"/>
+                  </a:solidFill>
+                </a:ln>
+                <a:solidFill>
+                  <a:srgbClr val="7451EB"/>
+                </a:solidFill>
+                <a:latin typeface="Google Sans"/>
+              </a:rPr>
+              <a:t>PolynomialFeatures</a:t>
+            </a:r>
+            <a:endParaRPr lang="fr-FR" sz="4000" b="1" dirty="0">
+              <a:ln>
+                <a:solidFill>
+                  <a:srgbClr val="7451EB"/>
+                </a:solidFill>
+              </a:ln>
+              <a:solidFill>
+                <a:srgbClr val="7451EB"/>
+              </a:solidFill>
+              <a:latin typeface="Google Sans"/>
+            </a:endParaRPr>
+          </a:p>
+        </p:txBody>
+      </p:sp>
+      <p:sp>
+        <p:nvSpPr>
+          <p:cNvPr id="11" name="Rectángulo 4">
+            <a:extLst>
+              <a:ext uri="{FF2B5EF4-FFF2-40B4-BE49-F238E27FC236}">
+                <a16:creationId xmlns:a16="http://schemas.microsoft.com/office/drawing/2014/main" id="{B84F0FDC-2C73-4C87-9CC7-F9F129B3A699}"/>
+              </a:ext>
+            </a:extLst>
+          </p:cNvPr>
+          <p:cNvSpPr/>
+          <p:nvPr/>
+        </p:nvSpPr>
+        <p:spPr>
+          <a:xfrm>
+            <a:off x="377906" y="378794"/>
+            <a:ext cx="366721" cy="54000"/>
+          </a:xfrm>
+          <a:prstGeom prst="rect">
+            <a:avLst/>
+          </a:prstGeom>
+          <a:solidFill>
+            <a:srgbClr val="7451EB"/>
+          </a:solidFill>
+          <a:ln>
+            <a:solidFill>
+              <a:srgbClr val="7451EB"/>
+            </a:solidFill>
+          </a:ln>
+        </p:spPr>
+        <p:style>
+          <a:lnRef idx="2">
+            <a:schemeClr val="accent1">
+              <a:shade val="50000"/>
+            </a:schemeClr>
+          </a:lnRef>
+          <a:fillRef idx="1">
+            <a:schemeClr val="accent1"/>
+          </a:fillRef>
+          <a:effectRef idx="0">
+            <a:schemeClr val="accent1"/>
+          </a:effectRef>
+          <a:fontRef idx="minor">
+            <a:schemeClr val="lt1"/>
+          </a:fontRef>
+        </p:style>
+        <p:txBody>
+          <a:bodyPr rtlCol="0" anchor="ctr"/>
+          <a:lstStyle/>
+          <a:p>
+            <a:pPr algn="ctr"/>
+            <a:endParaRPr lang="es-AR">
+              <a:ln>
+                <a:solidFill>
+                  <a:srgbClr val="7451EB"/>
+                </a:solidFill>
+              </a:ln>
+              <a:solidFill>
+                <a:srgbClr val="7451EB"/>
+              </a:solidFill>
+            </a:endParaRPr>
+          </a:p>
+        </p:txBody>
+      </p:sp>
+      <p:pic>
+        <p:nvPicPr>
+          <p:cNvPr id="7" name="Image 6">
+            <a:extLst>
+              <a:ext uri="{FF2B5EF4-FFF2-40B4-BE49-F238E27FC236}">
+                <a16:creationId xmlns:a16="http://schemas.microsoft.com/office/drawing/2014/main" id="{29F893CF-0ED1-4349-B128-41E39EE550A4}"/>
+              </a:ext>
+            </a:extLst>
+          </p:cNvPr>
+          <p:cNvPicPr>
+            <a:picLocks noChangeAspect="1"/>
+          </p:cNvPicPr>
+          <p:nvPr/>
+        </p:nvPicPr>
+        <p:blipFill rotWithShape="1">
+          <a:blip r:embed="rId3">
+            <a:extLst>
+              <a:ext uri="{28A0092B-C50C-407E-A947-70E740481C1C}">
+                <a14:useLocalDpi xmlns:a14="http://schemas.microsoft.com/office/drawing/2010/main" val="0"/>
+              </a:ext>
+            </a:extLst>
+          </a:blip>
+          <a:srcRect l="4534" r="8799"/>
+          <a:stretch/>
+        </p:blipFill>
+        <p:spPr>
+          <a:xfrm>
+            <a:off x="3667328" y="3081993"/>
+            <a:ext cx="4276769" cy="3701031"/>
+          </a:xfrm>
+          <a:prstGeom prst="rect">
+            <a:avLst/>
+          </a:prstGeom>
+        </p:spPr>
+      </p:pic>
+      <p:pic>
+        <p:nvPicPr>
+          <p:cNvPr id="9" name="Image 8">
+            <a:extLst>
+              <a:ext uri="{FF2B5EF4-FFF2-40B4-BE49-F238E27FC236}">
+                <a16:creationId xmlns:a16="http://schemas.microsoft.com/office/drawing/2014/main" id="{44B2EDB3-2A9F-4557-B7AA-5FBE0B3E8B7C}"/>
+              </a:ext>
+            </a:extLst>
+          </p:cNvPr>
+          <p:cNvPicPr>
+            <a:picLocks noChangeAspect="1"/>
+          </p:cNvPicPr>
+          <p:nvPr/>
+        </p:nvPicPr>
+        <p:blipFill rotWithShape="1">
+          <a:blip r:embed="rId4">
+            <a:extLst>
+              <a:ext uri="{28A0092B-C50C-407E-A947-70E740481C1C}">
+                <a14:useLocalDpi xmlns:a14="http://schemas.microsoft.com/office/drawing/2010/main" val="0"/>
+              </a:ext>
+            </a:extLst>
+          </a:blip>
+          <a:srcRect l="8697" r="63936"/>
+          <a:stretch/>
+        </p:blipFill>
+        <p:spPr>
+          <a:xfrm>
+            <a:off x="0" y="1128607"/>
+            <a:ext cx="3881772" cy="3546031"/>
+          </a:xfrm>
+          <a:prstGeom prst="rect">
+            <a:avLst/>
+          </a:prstGeom>
+        </p:spPr>
+      </p:pic>
+      <p:pic>
+        <p:nvPicPr>
+          <p:cNvPr id="13" name="Image 12">
+            <a:extLst>
+              <a:ext uri="{FF2B5EF4-FFF2-40B4-BE49-F238E27FC236}">
+                <a16:creationId xmlns:a16="http://schemas.microsoft.com/office/drawing/2014/main" id="{615E7077-EEF0-4DFB-AB45-0652587F1417}"/>
+              </a:ext>
+            </a:extLst>
+          </p:cNvPr>
+          <p:cNvPicPr>
+            <a:picLocks noChangeAspect="1"/>
+          </p:cNvPicPr>
+          <p:nvPr/>
+        </p:nvPicPr>
+        <p:blipFill rotWithShape="1">
+          <a:blip r:embed="rId5">
+            <a:extLst>
+              <a:ext uri="{28A0092B-C50C-407E-A947-70E740481C1C}">
+                <a14:useLocalDpi xmlns:a14="http://schemas.microsoft.com/office/drawing/2010/main" val="0"/>
+              </a:ext>
+            </a:extLst>
+          </a:blip>
+          <a:srcRect l="8936" r="64175"/>
+          <a:stretch/>
+        </p:blipFill>
+        <p:spPr>
+          <a:xfrm>
+            <a:off x="7549100" y="1128607"/>
+            <a:ext cx="4500481" cy="4184424"/>
+          </a:xfrm>
+          <a:prstGeom prst="rect">
+            <a:avLst/>
+          </a:prstGeom>
+        </p:spPr>
+      </p:pic>
+      <mc:AlternateContent xmlns:mc="http://schemas.openxmlformats.org/markup-compatibility/2006">
+        <mc:Choice xmlns:p14="http://schemas.microsoft.com/office/powerpoint/2010/main" Requires="p14">
+          <p:contentPart p14:bwMode="auto" r:id="rId6">
+            <p14:nvContentPartPr>
+              <p14:cNvPr id="2" name="Encre 1">
+                <a:extLst>
+                  <a:ext uri="{FF2B5EF4-FFF2-40B4-BE49-F238E27FC236}">
+                    <a16:creationId xmlns:a16="http://schemas.microsoft.com/office/drawing/2014/main" id="{5E56B42E-4ABF-4D84-B8E4-E1E98BC43B9E}"/>
+                  </a:ext>
+                </a:extLst>
+              </p14:cNvPr>
+              <p14:cNvContentPartPr/>
+              <p14:nvPr/>
+            </p14:nvContentPartPr>
+            <p14:xfrm>
+              <a:off x="2171520" y="1397160"/>
+              <a:ext cx="9487440" cy="254160"/>
+            </p14:xfrm>
+          </p:contentPart>
+        </mc:Choice>
+        <mc:Fallback>
+          <p:pic>
+            <p:nvPicPr>
+              <p:cNvPr id="2" name="Encre 1">
+                <a:extLst>
+                  <a:ext uri="{FF2B5EF4-FFF2-40B4-BE49-F238E27FC236}">
+                    <a16:creationId xmlns:a16="http://schemas.microsoft.com/office/drawing/2014/main" id="{5E56B42E-4ABF-4D84-B8E4-E1E98BC43B9E}"/>
+                  </a:ext>
+                </a:extLst>
+              </p:cNvPr>
+              <p:cNvPicPr/>
+              <p:nvPr/>
+            </p:nvPicPr>
+            <p:blipFill>
+              <a:blip r:embed="rId7"/>
+              <a:stretch>
+                <a:fillRect/>
+              </a:stretch>
+            </p:blipFill>
+            <p:spPr>
+              <a:xfrm>
+                <a:off x="2162160" y="1387800"/>
+                <a:ext cx="9506160" cy="272880"/>
+              </a:xfrm>
+              <a:prstGeom prst="rect">
+                <a:avLst/>
+              </a:prstGeom>
+            </p:spPr>
+          </p:pic>
+        </mc:Fallback>
+      </mc:AlternateContent>
+    </p:spTree>
+    <p:extLst>
+      <p:ext uri="{BB962C8B-B14F-4D97-AF65-F5344CB8AC3E}">
+        <p14:creationId xmlns:p14="http://schemas.microsoft.com/office/powerpoint/2010/main" val="3523909857"/>
+      </p:ext>
+    </p:extLst>
+  </p:cSld>
+  <p:clrMapOvr>
+    <a:masterClrMapping/>
+  </p:clrMapOvr>
+</p:sld>
+</file>
+
+<file path=ppt/slides/slide12.xml><?xml version="1.0" encoding="utf-8"?>
 <p:sld xmlns:a="http://schemas.openxmlformats.org/drawingml/2006/main" xmlns:r="http://schemas.openxmlformats.org/officeDocument/2006/relationships" xmlns:p="http://schemas.openxmlformats.org/presentationml/2006/main">
   <p:cSld>
     <p:spTree>
@@ -7272,7 +8781,7 @@
 </p:sld>
 </file>
 
-<file path=ppt/slides/slide11.xml><?xml version="1.0" encoding="utf-8"?>
+<file path=ppt/slides/slide13.xml><?xml version="1.0" encoding="utf-8"?>
 <p:sld xmlns:a="http://schemas.openxmlformats.org/drawingml/2006/main" xmlns:r="http://schemas.openxmlformats.org/officeDocument/2006/relationships" xmlns:p="http://schemas.openxmlformats.org/presentationml/2006/main">
   <p:cSld>
     <p:spTree>
@@ -7609,6 +9118,57 @@
           </a:prstGeom>
         </p:spPr>
       </p:pic>
+      <mc:AlternateContent xmlns:mc="http://schemas.openxmlformats.org/markup-compatibility/2006">
+        <mc:Choice xmlns:p14="http://schemas.microsoft.com/office/powerpoint/2010/main" Requires="p14">
+          <p:contentPart p14:bwMode="auto" r:id="rId5">
+            <p14:nvContentPartPr>
+              <p14:cNvPr id="2" name="Encre 1">
+                <a:extLst>
+                  <a:ext uri="{FF2B5EF4-FFF2-40B4-BE49-F238E27FC236}">
+                    <a16:creationId xmlns:a16="http://schemas.microsoft.com/office/drawing/2014/main" id="{40060E47-BDE9-432D-9D61-599BE86C4F48}"/>
+                  </a:ext>
+                </a:extLst>
+              </p14:cNvPr>
+              <p14:cNvContentPartPr/>
+              <p14:nvPr/>
+            </p14:nvContentPartPr>
+            <p14:xfrm>
+              <a:off x="2076480" y="3892680"/>
+              <a:ext cx="146520" cy="19440"/>
+            </p14:xfrm>
+          </p:contentPart>
+        </mc:Choice>
+        <mc:Fallback>
+          <p:pic>
+            <p:nvPicPr>
+              <p:cNvPr id="2" name="Encre 1">
+                <a:extLst>
+                  <a:ext uri="{FF2B5EF4-FFF2-40B4-BE49-F238E27FC236}">
+                    <a16:creationId xmlns:a16="http://schemas.microsoft.com/office/drawing/2014/main" id="{40060E47-BDE9-432D-9D61-599BE86C4F48}"/>
+                  </a:ext>
+                </a:extLst>
+              </p:cNvPr>
+              <p:cNvPicPr/>
+              <p:nvPr/>
+            </p:nvPicPr>
+            <p:blipFill>
+              <a:blip r:embed="rId6"/>
+              <a:stretch>
+                <a:fillRect/>
+              </a:stretch>
+            </p:blipFill>
+            <p:spPr>
+              <a:xfrm>
+                <a:off x="2067120" y="3883320"/>
+                <a:ext cx="165240" cy="38160"/>
+              </a:xfrm>
+              <a:prstGeom prst="rect">
+                <a:avLst/>
+              </a:prstGeom>
+            </p:spPr>
+          </p:pic>
+        </mc:Fallback>
+      </mc:AlternateContent>
     </p:spTree>
     <p:extLst>
       <p:ext uri="{BB962C8B-B14F-4D97-AF65-F5344CB8AC3E}">
@@ -7622,7 +9182,7 @@
 </p:sld>
 </file>
 
-<file path=ppt/slides/slide12.xml><?xml version="1.0" encoding="utf-8"?>
+<file path=ppt/slides/slide14.xml><?xml version="1.0" encoding="utf-8"?>
 <p:sld xmlns:a="http://schemas.openxmlformats.org/drawingml/2006/main" xmlns:r="http://schemas.openxmlformats.org/officeDocument/2006/relationships" xmlns:p="http://schemas.openxmlformats.org/presentationml/2006/main">
   <p:cSld>
     <p:spTree>
@@ -8052,7 +9612,7 @@
 </p:sld>
 </file>
 
-<file path=ppt/slides/slide13.xml><?xml version="1.0" encoding="utf-8"?>
+<file path=ppt/slides/slide15.xml><?xml version="1.0" encoding="utf-8"?>
 <p:sld xmlns:a="http://schemas.openxmlformats.org/drawingml/2006/main" xmlns:r="http://schemas.openxmlformats.org/officeDocument/2006/relationships" xmlns:p="http://schemas.openxmlformats.org/presentationml/2006/main">
   <p:cSld>
     <p:spTree>
@@ -8391,7 +9951,7 @@
 </p:sld>
 </file>
 
-<file path=ppt/slides/slide14.xml><?xml version="1.0" encoding="utf-8"?>
+<file path=ppt/slides/slide16.xml><?xml version="1.0" encoding="utf-8"?>
 <p:sld xmlns:a="http://schemas.openxmlformats.org/drawingml/2006/main" xmlns:r="http://schemas.openxmlformats.org/officeDocument/2006/relationships" xmlns:p="http://schemas.openxmlformats.org/presentationml/2006/main">
   <p:cSld>
     <p:spTree>
@@ -8864,6 +10424,57 @@
           </a:p>
         </p:txBody>
       </p:sp>
+      <mc:AlternateContent xmlns:mc="http://schemas.openxmlformats.org/markup-compatibility/2006">
+        <mc:Choice xmlns:p14="http://schemas.microsoft.com/office/powerpoint/2010/main" Requires="p14">
+          <p:contentPart p14:bwMode="auto" r:id="rId7">
+            <p14:nvContentPartPr>
+              <p14:cNvPr id="4" name="Encre 3">
+                <a:extLst>
+                  <a:ext uri="{FF2B5EF4-FFF2-40B4-BE49-F238E27FC236}">
+                    <a16:creationId xmlns:a16="http://schemas.microsoft.com/office/drawing/2014/main" id="{232BB1A1-341B-4338-829F-68582D07AADC}"/>
+                  </a:ext>
+                </a:extLst>
+              </p14:cNvPr>
+              <p14:cNvContentPartPr/>
+              <p14:nvPr/>
+            </p14:nvContentPartPr>
+            <p14:xfrm>
+              <a:off x="1041480" y="5371920"/>
+              <a:ext cx="286200" cy="191160"/>
+            </p14:xfrm>
+          </p:contentPart>
+        </mc:Choice>
+        <mc:Fallback>
+          <p:pic>
+            <p:nvPicPr>
+              <p:cNvPr id="4" name="Encre 3">
+                <a:extLst>
+                  <a:ext uri="{FF2B5EF4-FFF2-40B4-BE49-F238E27FC236}">
+                    <a16:creationId xmlns:a16="http://schemas.microsoft.com/office/drawing/2014/main" id="{232BB1A1-341B-4338-829F-68582D07AADC}"/>
+                  </a:ext>
+                </a:extLst>
+              </p:cNvPr>
+              <p:cNvPicPr/>
+              <p:nvPr/>
+            </p:nvPicPr>
+            <p:blipFill>
+              <a:blip r:embed="rId8"/>
+              <a:stretch>
+                <a:fillRect/>
+              </a:stretch>
+            </p:blipFill>
+            <p:spPr>
+              <a:xfrm>
+                <a:off x="1032120" y="5362560"/>
+                <a:ext cx="304920" cy="209880"/>
+              </a:xfrm>
+              <a:prstGeom prst="rect">
+                <a:avLst/>
+              </a:prstGeom>
+            </p:spPr>
+          </p:pic>
+        </mc:Fallback>
+      </mc:AlternateContent>
     </p:spTree>
     <p:extLst>
       <p:ext uri="{BB962C8B-B14F-4D97-AF65-F5344CB8AC3E}">
@@ -8877,7 +10488,7 @@
 </p:sld>
 </file>
 
-<file path=ppt/slides/slide15.xml><?xml version="1.0" encoding="utf-8"?>
+<file path=ppt/slides/slide17.xml><?xml version="1.0" encoding="utf-8"?>
 <p:sld xmlns:a="http://schemas.openxmlformats.org/drawingml/2006/main" xmlns:r="http://schemas.openxmlformats.org/officeDocument/2006/relationships" xmlns:p="http://schemas.openxmlformats.org/presentationml/2006/main">
   <p:cSld>
     <p:spTree>
@@ -9259,6 +10870,57 @@
           </a:prstGeom>
         </p:spPr>
       </p:pic>
+      <mc:AlternateContent xmlns:mc="http://schemas.openxmlformats.org/markup-compatibility/2006">
+        <mc:Choice xmlns:p14="http://schemas.microsoft.com/office/powerpoint/2010/main" Requires="p14">
+          <p:contentPart p14:bwMode="auto" r:id="rId5">
+            <p14:nvContentPartPr>
+              <p14:cNvPr id="2" name="Encre 1">
+                <a:extLst>
+                  <a:ext uri="{FF2B5EF4-FFF2-40B4-BE49-F238E27FC236}">
+                    <a16:creationId xmlns:a16="http://schemas.microsoft.com/office/drawing/2014/main" id="{D958F3F4-C70D-4410-B679-AC9706DEE8F2}"/>
+                  </a:ext>
+                </a:extLst>
+              </p14:cNvPr>
+              <p14:cNvContentPartPr/>
+              <p14:nvPr/>
+            </p14:nvContentPartPr>
+            <p14:xfrm>
+              <a:off x="990720" y="5359320"/>
+              <a:ext cx="241560" cy="360"/>
+            </p14:xfrm>
+          </p:contentPart>
+        </mc:Choice>
+        <mc:Fallback>
+          <p:pic>
+            <p:nvPicPr>
+              <p:cNvPr id="2" name="Encre 1">
+                <a:extLst>
+                  <a:ext uri="{FF2B5EF4-FFF2-40B4-BE49-F238E27FC236}">
+                    <a16:creationId xmlns:a16="http://schemas.microsoft.com/office/drawing/2014/main" id="{D958F3F4-C70D-4410-B679-AC9706DEE8F2}"/>
+                  </a:ext>
+                </a:extLst>
+              </p:cNvPr>
+              <p:cNvPicPr/>
+              <p:nvPr/>
+            </p:nvPicPr>
+            <p:blipFill>
+              <a:blip r:embed="rId6"/>
+              <a:stretch>
+                <a:fillRect/>
+              </a:stretch>
+            </p:blipFill>
+            <p:spPr>
+              <a:xfrm>
+                <a:off x="981360" y="5349960"/>
+                <a:ext cx="260280" cy="19080"/>
+              </a:xfrm>
+              <a:prstGeom prst="rect">
+                <a:avLst/>
+              </a:prstGeom>
+            </p:spPr>
+          </p:pic>
+        </mc:Fallback>
+      </mc:AlternateContent>
     </p:spTree>
     <p:extLst>
       <p:ext uri="{BB962C8B-B14F-4D97-AF65-F5344CB8AC3E}">
@@ -9272,7 +10934,7 @@
 </p:sld>
 </file>
 
-<file path=ppt/slides/slide16.xml><?xml version="1.0" encoding="utf-8"?>
+<file path=ppt/slides/slide18.xml><?xml version="1.0" encoding="utf-8"?>
 <p:sld xmlns:a="http://schemas.openxmlformats.org/drawingml/2006/main" xmlns:r="http://schemas.openxmlformats.org/officeDocument/2006/relationships" xmlns:p="http://schemas.openxmlformats.org/presentationml/2006/main">
   <p:cSld>
     <p:spTree>
@@ -9612,6 +11274,57 @@
           </a:prstGeom>
         </p:spPr>
       </p:pic>
+      <mc:AlternateContent xmlns:mc="http://schemas.openxmlformats.org/markup-compatibility/2006">
+        <mc:Choice xmlns:p14="http://schemas.microsoft.com/office/powerpoint/2010/main" Requires="p14">
+          <p:contentPart p14:bwMode="auto" r:id="rId5">
+            <p14:nvContentPartPr>
+              <p14:cNvPr id="2" name="Encre 1">
+                <a:extLst>
+                  <a:ext uri="{FF2B5EF4-FFF2-40B4-BE49-F238E27FC236}">
+                    <a16:creationId xmlns:a16="http://schemas.microsoft.com/office/drawing/2014/main" id="{510638BE-3D31-4BFD-B0AD-49F553B1ACA5}"/>
+                  </a:ext>
+                </a:extLst>
+              </p14:cNvPr>
+              <p14:cNvContentPartPr/>
+              <p14:nvPr/>
+            </p14:nvContentPartPr>
+            <p14:xfrm>
+              <a:off x="2451240" y="1460520"/>
+              <a:ext cx="5696280" cy="4121640"/>
+            </p14:xfrm>
+          </p:contentPart>
+        </mc:Choice>
+        <mc:Fallback>
+          <p:pic>
+            <p:nvPicPr>
+              <p:cNvPr id="2" name="Encre 1">
+                <a:extLst>
+                  <a:ext uri="{FF2B5EF4-FFF2-40B4-BE49-F238E27FC236}">
+                    <a16:creationId xmlns:a16="http://schemas.microsoft.com/office/drawing/2014/main" id="{510638BE-3D31-4BFD-B0AD-49F553B1ACA5}"/>
+                  </a:ext>
+                </a:extLst>
+              </p:cNvPr>
+              <p:cNvPicPr/>
+              <p:nvPr/>
+            </p:nvPicPr>
+            <p:blipFill>
+              <a:blip r:embed="rId6"/>
+              <a:stretch>
+                <a:fillRect/>
+              </a:stretch>
+            </p:blipFill>
+            <p:spPr>
+              <a:xfrm>
+                <a:off x="2441880" y="1451160"/>
+                <a:ext cx="5715000" cy="4140360"/>
+              </a:xfrm>
+              <a:prstGeom prst="rect">
+                <a:avLst/>
+              </a:prstGeom>
+            </p:spPr>
+          </p:pic>
+        </mc:Fallback>
+      </mc:AlternateContent>
     </p:spTree>
     <p:extLst>
       <p:ext uri="{BB962C8B-B14F-4D97-AF65-F5344CB8AC3E}">
@@ -9625,7 +11338,7 @@
 </p:sld>
 </file>
 
-<file path=ppt/slides/slide17.xml><?xml version="1.0" encoding="utf-8"?>
+<file path=ppt/slides/slide19.xml><?xml version="1.0" encoding="utf-8"?>
 <p:sld xmlns:a="http://schemas.openxmlformats.org/drawingml/2006/main" xmlns:r="http://schemas.openxmlformats.org/officeDocument/2006/relationships" xmlns:p="http://schemas.openxmlformats.org/presentationml/2006/main">
   <p:cSld>
     <p:spTree>
@@ -9976,6 +11689,57 @@
           </a:prstGeom>
         </p:spPr>
       </p:pic>
+      <mc:AlternateContent xmlns:mc="http://schemas.openxmlformats.org/markup-compatibility/2006">
+        <mc:Choice xmlns:p14="http://schemas.microsoft.com/office/powerpoint/2010/main" Requires="p14">
+          <p:contentPart p14:bwMode="auto" r:id="rId5">
+            <p14:nvContentPartPr>
+              <p14:cNvPr id="2" name="Encre 1">
+                <a:extLst>
+                  <a:ext uri="{FF2B5EF4-FFF2-40B4-BE49-F238E27FC236}">
+                    <a16:creationId xmlns:a16="http://schemas.microsoft.com/office/drawing/2014/main" id="{8B90965E-00DC-49A7-B31C-1A549FF9E5E1}"/>
+                  </a:ext>
+                </a:extLst>
+              </p14:cNvPr>
+              <p14:cNvContentPartPr/>
+              <p14:nvPr/>
+            </p14:nvContentPartPr>
+            <p14:xfrm>
+              <a:off x="114480" y="1282680"/>
+              <a:ext cx="7988400" cy="4413600"/>
+            </p14:xfrm>
+          </p:contentPart>
+        </mc:Choice>
+        <mc:Fallback>
+          <p:pic>
+            <p:nvPicPr>
+              <p:cNvPr id="2" name="Encre 1">
+                <a:extLst>
+                  <a:ext uri="{FF2B5EF4-FFF2-40B4-BE49-F238E27FC236}">
+                    <a16:creationId xmlns:a16="http://schemas.microsoft.com/office/drawing/2014/main" id="{8B90965E-00DC-49A7-B31C-1A549FF9E5E1}"/>
+                  </a:ext>
+                </a:extLst>
+              </p:cNvPr>
+              <p:cNvPicPr/>
+              <p:nvPr/>
+            </p:nvPicPr>
+            <p:blipFill>
+              <a:blip r:embed="rId6"/>
+              <a:stretch>
+                <a:fillRect/>
+              </a:stretch>
+            </p:blipFill>
+            <p:spPr>
+              <a:xfrm>
+                <a:off x="105120" y="1273320"/>
+                <a:ext cx="8007120" cy="4432320"/>
+              </a:xfrm>
+              <a:prstGeom prst="rect">
+                <a:avLst/>
+              </a:prstGeom>
+            </p:spPr>
+          </p:pic>
+        </mc:Fallback>
+      </mc:AlternateContent>
     </p:spTree>
     <p:extLst>
       <p:ext uri="{BB962C8B-B14F-4D97-AF65-F5344CB8AC3E}">
@@ -9989,7 +11753,602 @@
 </p:sld>
 </file>
 
-<file path=ppt/slides/slide18.xml><?xml version="1.0" encoding="utf-8"?>
+<file path=ppt/slides/slide2.xml><?xml version="1.0" encoding="utf-8"?>
+<p:sld xmlns:a="http://schemas.openxmlformats.org/drawingml/2006/main" xmlns:r="http://schemas.openxmlformats.org/officeDocument/2006/relationships" xmlns:p="http://schemas.openxmlformats.org/presentationml/2006/main">
+  <p:cSld>
+    <p:spTree>
+      <p:nvGrpSpPr>
+        <p:cNvPr id="1" name=""/>
+        <p:cNvGrpSpPr/>
+        <p:nvPr/>
+      </p:nvGrpSpPr>
+      <p:grpSpPr>
+        <a:xfrm>
+          <a:off x="0" y="0"/>
+          <a:ext cx="0" cy="0"/>
+          <a:chOff x="0" y="0"/>
+          <a:chExt cx="0" cy="0"/>
+        </a:xfrm>
+      </p:grpSpPr>
+      <p:sp>
+        <p:nvSpPr>
+          <p:cNvPr id="5" name="Rectangle 4">
+            <a:extLst>
+              <a:ext uri="{FF2B5EF4-FFF2-40B4-BE49-F238E27FC236}">
+                <a16:creationId xmlns:a16="http://schemas.microsoft.com/office/drawing/2014/main" id="{A00233D2-38CE-441F-90C9-32F91999758A}"/>
+              </a:ext>
+            </a:extLst>
+          </p:cNvPr>
+          <p:cNvSpPr/>
+          <p:nvPr/>
+        </p:nvSpPr>
+        <p:spPr>
+          <a:xfrm>
+            <a:off x="0" y="6400273"/>
+            <a:ext cx="12192000" cy="457727"/>
+          </a:xfrm>
+          <a:prstGeom prst="rect">
+            <a:avLst/>
+          </a:prstGeom>
+          <a:solidFill>
+            <a:srgbClr val="7451EB"/>
+          </a:solidFill>
+          <a:ln>
+            <a:solidFill>
+              <a:srgbClr val="7451EB"/>
+            </a:solidFill>
+          </a:ln>
+        </p:spPr>
+        <p:style>
+          <a:lnRef idx="2">
+            <a:schemeClr val="accent1">
+              <a:shade val="50000"/>
+            </a:schemeClr>
+          </a:lnRef>
+          <a:fillRef idx="1">
+            <a:schemeClr val="accent1"/>
+          </a:fillRef>
+          <a:effectRef idx="0">
+            <a:schemeClr val="accent1"/>
+          </a:effectRef>
+          <a:fontRef idx="minor">
+            <a:schemeClr val="lt1"/>
+          </a:fontRef>
+        </p:style>
+        <p:txBody>
+          <a:bodyPr rtlCol="0" anchor="ctr"/>
+          <a:lstStyle/>
+          <a:p>
+            <a:pPr algn="ctr"/>
+            <a:endParaRPr lang="en-US" dirty="0"/>
+          </a:p>
+        </p:txBody>
+      </p:sp>
+      <p:sp>
+        <p:nvSpPr>
+          <p:cNvPr id="15" name="TextBox 3">
+            <a:extLst>
+              <a:ext uri="{FF2B5EF4-FFF2-40B4-BE49-F238E27FC236}">
+                <a16:creationId xmlns:a16="http://schemas.microsoft.com/office/drawing/2014/main" id="{47FC2DCC-BDE9-485D-AF79-4177B5479110}"/>
+              </a:ext>
+            </a:extLst>
+          </p:cNvPr>
+          <p:cNvSpPr txBox="1"/>
+          <p:nvPr/>
+        </p:nvSpPr>
+        <p:spPr>
+          <a:xfrm>
+            <a:off x="10543592" y="6475247"/>
+            <a:ext cx="1648408" cy="307777"/>
+          </a:xfrm>
+          <a:prstGeom prst="rect">
+            <a:avLst/>
+          </a:prstGeom>
+          <a:noFill/>
+        </p:spPr>
+        <p:txBody>
+          <a:bodyPr wrap="square" rtlCol="0">
+            <a:spAutoFit/>
+          </a:bodyPr>
+          <a:lstStyle/>
+          <a:p>
+            <a:pPr algn="r"/>
+            <a:r>
+              <a:rPr lang="es-CO" sz="1400" b="1" i="1" dirty="0" err="1">
+                <a:ln>
+                  <a:solidFill>
+                    <a:schemeClr val="bg1"/>
+                  </a:solidFill>
+                </a:ln>
+                <a:solidFill>
+                  <a:schemeClr val="bg1"/>
+                </a:solidFill>
+                <a:latin typeface="+mj-lt"/>
+              </a:rPr>
+              <a:t>OpenClassrooms</a:t>
+            </a:r>
+            <a:endParaRPr lang="en-US" sz="1400" b="1" i="1" dirty="0">
+              <a:ln>
+                <a:solidFill>
+                  <a:schemeClr val="bg1"/>
+                </a:solidFill>
+              </a:ln>
+              <a:solidFill>
+                <a:schemeClr val="bg1"/>
+              </a:solidFill>
+              <a:latin typeface="+mj-lt"/>
+            </a:endParaRPr>
+          </a:p>
+        </p:txBody>
+      </p:sp>
+      <p:sp>
+        <p:nvSpPr>
+          <p:cNvPr id="10" name="Titre 1">
+            <a:extLst>
+              <a:ext uri="{FF2B5EF4-FFF2-40B4-BE49-F238E27FC236}">
+                <a16:creationId xmlns:a16="http://schemas.microsoft.com/office/drawing/2014/main" id="{224E5C7D-3656-459F-9C01-61200508167F}"/>
+              </a:ext>
+            </a:extLst>
+          </p:cNvPr>
+          <p:cNvSpPr txBox="1">
+            <a:spLocks/>
+          </p:cNvSpPr>
+          <p:nvPr/>
+        </p:nvSpPr>
+        <p:spPr>
+          <a:xfrm>
+            <a:off x="279917" y="432794"/>
+            <a:ext cx="9452805" cy="820048"/>
+          </a:xfrm>
+          <a:prstGeom prst="rect">
+            <a:avLst/>
+          </a:prstGeom>
+        </p:spPr>
+        <p:txBody>
+          <a:bodyPr vert="horz" lIns="91440" tIns="45720" rIns="91440" bIns="45720" rtlCol="0" anchor="ctr">
+            <a:normAutofit/>
+          </a:bodyPr>
+          <a:lstStyle>
+            <a:lvl1pPr algn="l" defTabSz="914400" rtl="0" eaLnBrk="1" latinLnBrk="0" hangingPunct="1">
+              <a:lnSpc>
+                <a:spcPct val="90000"/>
+              </a:lnSpc>
+              <a:spcBef>
+                <a:spcPct val="0"/>
+              </a:spcBef>
+              <a:buNone/>
+              <a:defRPr sz="4400" kern="1200">
+                <a:solidFill>
+                  <a:schemeClr val="tx1"/>
+                </a:solidFill>
+                <a:latin typeface="+mj-lt"/>
+                <a:ea typeface="+mj-ea"/>
+                <a:cs typeface="+mj-cs"/>
+              </a:defRPr>
+            </a:lvl1pPr>
+          </a:lstStyle>
+          <a:p>
+            <a:r>
+              <a:rPr lang="fr-FR" sz="4000" b="1" dirty="0">
+                <a:ln>
+                  <a:solidFill>
+                    <a:srgbClr val="7451EB"/>
+                  </a:solidFill>
+                </a:ln>
+                <a:solidFill>
+                  <a:srgbClr val="7451EB"/>
+                </a:solidFill>
+                <a:latin typeface="Google Sans"/>
+              </a:rPr>
+              <a:t>Ce que nous avons vu la semaine dernière</a:t>
+            </a:r>
+            <a:endParaRPr lang="es-419" sz="4000" b="1" u="sng" dirty="0">
+              <a:ln>
+                <a:solidFill>
+                  <a:srgbClr val="7451EB"/>
+                </a:solidFill>
+              </a:ln>
+              <a:solidFill>
+                <a:srgbClr val="7451EB"/>
+              </a:solidFill>
+            </a:endParaRPr>
+          </a:p>
+        </p:txBody>
+      </p:sp>
+      <p:sp>
+        <p:nvSpPr>
+          <p:cNvPr id="11" name="Rectángulo 4">
+            <a:extLst>
+              <a:ext uri="{FF2B5EF4-FFF2-40B4-BE49-F238E27FC236}">
+                <a16:creationId xmlns:a16="http://schemas.microsoft.com/office/drawing/2014/main" id="{B84F0FDC-2C73-4C87-9CC7-F9F129B3A699}"/>
+              </a:ext>
+            </a:extLst>
+          </p:cNvPr>
+          <p:cNvSpPr/>
+          <p:nvPr/>
+        </p:nvSpPr>
+        <p:spPr>
+          <a:xfrm>
+            <a:off x="377906" y="378794"/>
+            <a:ext cx="366721" cy="54000"/>
+          </a:xfrm>
+          <a:prstGeom prst="rect">
+            <a:avLst/>
+          </a:prstGeom>
+          <a:solidFill>
+            <a:srgbClr val="7451EB"/>
+          </a:solidFill>
+          <a:ln>
+            <a:solidFill>
+              <a:srgbClr val="7451EB"/>
+            </a:solidFill>
+          </a:ln>
+        </p:spPr>
+        <p:style>
+          <a:lnRef idx="2">
+            <a:schemeClr val="accent1">
+              <a:shade val="50000"/>
+            </a:schemeClr>
+          </a:lnRef>
+          <a:fillRef idx="1">
+            <a:schemeClr val="accent1"/>
+          </a:fillRef>
+          <a:effectRef idx="0">
+            <a:schemeClr val="accent1"/>
+          </a:effectRef>
+          <a:fontRef idx="minor">
+            <a:schemeClr val="lt1"/>
+          </a:fontRef>
+        </p:style>
+        <p:txBody>
+          <a:bodyPr rtlCol="0" anchor="ctr"/>
+          <a:lstStyle/>
+          <a:p>
+            <a:pPr algn="ctr"/>
+            <a:endParaRPr lang="es-AR">
+              <a:ln>
+                <a:solidFill>
+                  <a:srgbClr val="7451EB"/>
+                </a:solidFill>
+              </a:ln>
+              <a:solidFill>
+                <a:srgbClr val="7451EB"/>
+              </a:solidFill>
+            </a:endParaRPr>
+          </a:p>
+        </p:txBody>
+      </p:sp>
+      <p:sp>
+        <p:nvSpPr>
+          <p:cNvPr id="7" name="ZoneTexte 6">
+            <a:extLst>
+              <a:ext uri="{FF2B5EF4-FFF2-40B4-BE49-F238E27FC236}">
+                <a16:creationId xmlns:a16="http://schemas.microsoft.com/office/drawing/2014/main" id="{3356E29F-6F33-481C-AEDB-0283277BDE50}"/>
+              </a:ext>
+            </a:extLst>
+          </p:cNvPr>
+          <p:cNvSpPr txBox="1"/>
+          <p:nvPr/>
+        </p:nvSpPr>
+        <p:spPr>
+          <a:xfrm>
+            <a:off x="635296" y="1327816"/>
+            <a:ext cx="9097425" cy="4154984"/>
+          </a:xfrm>
+          <a:prstGeom prst="rect">
+            <a:avLst/>
+          </a:prstGeom>
+          <a:noFill/>
+        </p:spPr>
+        <p:txBody>
+          <a:bodyPr wrap="square">
+            <a:spAutoFit/>
+          </a:bodyPr>
+          <a:lstStyle/>
+          <a:p>
+            <a:pPr marL="285750" indent="-285750">
+              <a:buFont typeface="Wingdings" panose="05000000000000000000" pitchFamily="2" charset="2"/>
+              <a:buChar char="§"/>
+            </a:pPr>
+            <a:r>
+              <a:rPr lang="fr-FR" sz="2400" dirty="0">
+                <a:solidFill>
+                  <a:srgbClr val="202124"/>
+                </a:solidFill>
+                <a:latin typeface="Google Sans"/>
+              </a:rPr>
+              <a:t>EDA</a:t>
+            </a:r>
+          </a:p>
+          <a:p>
+            <a:pPr marL="742950" lvl="1" indent="-285750">
+              <a:buFont typeface="Wingdings" panose="05000000000000000000" pitchFamily="2" charset="2"/>
+              <a:buChar char="§"/>
+            </a:pPr>
+            <a:r>
+              <a:rPr lang="fr-FR" sz="2400" dirty="0" err="1">
+                <a:solidFill>
+                  <a:srgbClr val="202124"/>
+                </a:solidFill>
+                <a:latin typeface="Google Sans"/>
+              </a:rPr>
+              <a:t>Outliers</a:t>
+            </a:r>
+            <a:endParaRPr lang="fr-FR" sz="2400" dirty="0">
+              <a:solidFill>
+                <a:srgbClr val="202124"/>
+              </a:solidFill>
+              <a:latin typeface="Google Sans"/>
+            </a:endParaRPr>
+          </a:p>
+          <a:p>
+            <a:pPr marL="742950" lvl="1" indent="-285750">
+              <a:buFont typeface="Wingdings" panose="05000000000000000000" pitchFamily="2" charset="2"/>
+              <a:buChar char="§"/>
+            </a:pPr>
+            <a:r>
+              <a:rPr lang="fr-FR" sz="2400" dirty="0" err="1">
+                <a:solidFill>
+                  <a:srgbClr val="202124"/>
+                </a:solidFill>
+                <a:latin typeface="Google Sans"/>
+              </a:rPr>
+              <a:t>Multicollinearity</a:t>
+            </a:r>
+            <a:r>
+              <a:rPr lang="fr-FR" sz="2400" dirty="0">
+                <a:solidFill>
+                  <a:srgbClr val="202124"/>
+                </a:solidFill>
+                <a:latin typeface="Google Sans"/>
+              </a:rPr>
+              <a:t> </a:t>
+            </a:r>
+          </a:p>
+          <a:p>
+            <a:pPr marL="742950" lvl="1" indent="-285750">
+              <a:buFont typeface="Wingdings" panose="05000000000000000000" pitchFamily="2" charset="2"/>
+              <a:buChar char="§"/>
+            </a:pPr>
+            <a:r>
+              <a:rPr lang="fr-FR" sz="2400" dirty="0">
+                <a:solidFill>
+                  <a:srgbClr val="202124"/>
+                </a:solidFill>
+                <a:latin typeface="Google Sans"/>
+              </a:rPr>
+              <a:t>Non-</a:t>
+            </a:r>
+            <a:r>
+              <a:rPr lang="fr-FR" sz="2400" dirty="0" err="1">
+                <a:solidFill>
+                  <a:srgbClr val="202124"/>
+                </a:solidFill>
+                <a:latin typeface="Google Sans"/>
+              </a:rPr>
+              <a:t>linear</a:t>
+            </a:r>
+            <a:r>
+              <a:rPr lang="fr-FR" sz="2400" dirty="0">
+                <a:solidFill>
+                  <a:srgbClr val="202124"/>
+                </a:solidFill>
+                <a:latin typeface="Google Sans"/>
+              </a:rPr>
+              <a:t> </a:t>
+            </a:r>
+            <a:r>
+              <a:rPr lang="fr-FR" sz="2400" dirty="0" err="1">
+                <a:solidFill>
+                  <a:srgbClr val="202124"/>
+                </a:solidFill>
+                <a:latin typeface="Google Sans"/>
+              </a:rPr>
+              <a:t>dataset</a:t>
+            </a:r>
+            <a:endParaRPr lang="fr-FR" sz="2400" dirty="0">
+              <a:solidFill>
+                <a:srgbClr val="202124"/>
+              </a:solidFill>
+              <a:latin typeface="Google Sans"/>
+            </a:endParaRPr>
+          </a:p>
+          <a:p>
+            <a:pPr marL="285750" indent="-285750">
+              <a:buFont typeface="Wingdings" panose="05000000000000000000" pitchFamily="2" charset="2"/>
+              <a:buChar char="§"/>
+            </a:pPr>
+            <a:r>
+              <a:rPr lang="fr-FR" sz="2400" dirty="0" err="1">
+                <a:solidFill>
+                  <a:srgbClr val="202124"/>
+                </a:solidFill>
+                <a:latin typeface="Google Sans"/>
+              </a:rPr>
+              <a:t>Tunning</a:t>
+            </a:r>
+            <a:r>
+              <a:rPr lang="fr-FR" sz="2400" dirty="0">
+                <a:solidFill>
+                  <a:srgbClr val="202124"/>
+                </a:solidFill>
+                <a:latin typeface="Google Sans"/>
+              </a:rPr>
+              <a:t> </a:t>
+            </a:r>
+            <a:r>
+              <a:rPr lang="fr-FR" sz="2400" dirty="0" err="1">
+                <a:solidFill>
+                  <a:srgbClr val="202124"/>
+                </a:solidFill>
+                <a:latin typeface="Google Sans"/>
+              </a:rPr>
+              <a:t>hyperparameters</a:t>
+            </a:r>
+            <a:endParaRPr lang="fr-FR" sz="2400" dirty="0">
+              <a:solidFill>
+                <a:srgbClr val="202124"/>
+              </a:solidFill>
+              <a:latin typeface="Google Sans"/>
+            </a:endParaRPr>
+          </a:p>
+          <a:p>
+            <a:pPr marL="742950" lvl="1" indent="-285750">
+              <a:buFont typeface="Wingdings" panose="05000000000000000000" pitchFamily="2" charset="2"/>
+              <a:buChar char="§"/>
+            </a:pPr>
+            <a:r>
+              <a:rPr lang="fr-FR" sz="2400" dirty="0" err="1">
+                <a:solidFill>
+                  <a:srgbClr val="202124"/>
+                </a:solidFill>
+                <a:latin typeface="Google Sans"/>
+              </a:rPr>
+              <a:t>LinearRegression</a:t>
+            </a:r>
+            <a:r>
+              <a:rPr lang="fr-FR" sz="2400" dirty="0">
+                <a:solidFill>
+                  <a:srgbClr val="202124"/>
+                </a:solidFill>
+                <a:latin typeface="Google Sans"/>
+              </a:rPr>
+              <a:t> / </a:t>
+            </a:r>
+            <a:r>
+              <a:rPr lang="fr-FR" sz="2400" dirty="0" err="1">
+                <a:solidFill>
+                  <a:srgbClr val="202124"/>
+                </a:solidFill>
+                <a:latin typeface="Google Sans"/>
+              </a:rPr>
+              <a:t>PolynomialFeatures</a:t>
+            </a:r>
+            <a:endParaRPr lang="fr-FR" sz="2400" dirty="0">
+              <a:solidFill>
+                <a:srgbClr val="202124"/>
+              </a:solidFill>
+              <a:latin typeface="Google Sans"/>
+            </a:endParaRPr>
+          </a:p>
+          <a:p>
+            <a:pPr marL="742950" lvl="1" indent="-285750">
+              <a:buFont typeface="Wingdings" panose="05000000000000000000" pitchFamily="2" charset="2"/>
+              <a:buChar char="§"/>
+            </a:pPr>
+            <a:r>
+              <a:rPr lang="fr-FR" sz="2400" dirty="0" err="1">
+                <a:solidFill>
+                  <a:srgbClr val="202124"/>
+                </a:solidFill>
+                <a:latin typeface="Google Sans"/>
+              </a:rPr>
+              <a:t>KNeighbors</a:t>
+            </a:r>
+            <a:r>
+              <a:rPr lang="en-US" sz="2400" b="1" dirty="0">
+                <a:solidFill>
+                  <a:srgbClr val="FFFFFF"/>
+                </a:solidFill>
+                <a:effectLst/>
+              </a:rPr>
+              <a:t>e k Nearest Neighbors</a:t>
+            </a:r>
+          </a:p>
+          <a:p>
+            <a:pPr marL="742950" lvl="1" indent="-285750">
+              <a:buFont typeface="Wingdings" panose="05000000000000000000" pitchFamily="2" charset="2"/>
+              <a:buChar char="§"/>
+            </a:pPr>
+            <a:r>
+              <a:rPr lang="en-US" sz="2400" dirty="0">
+                <a:solidFill>
+                  <a:srgbClr val="202124"/>
+                </a:solidFill>
+                <a:latin typeface="Google Sans"/>
+              </a:rPr>
+              <a:t>Lasso</a:t>
+            </a:r>
+          </a:p>
+          <a:p>
+            <a:pPr marL="742950" lvl="1" indent="-285750">
+              <a:buFont typeface="Wingdings" panose="05000000000000000000" pitchFamily="2" charset="2"/>
+              <a:buChar char="§"/>
+            </a:pPr>
+            <a:r>
+              <a:rPr lang="en-US" sz="2400" dirty="0">
+                <a:solidFill>
+                  <a:srgbClr val="202124"/>
+                </a:solidFill>
+                <a:latin typeface="Google Sans"/>
+              </a:rPr>
+              <a:t>SVR</a:t>
+            </a:r>
+            <a:endParaRPr lang="fr-FR" sz="2400" dirty="0">
+              <a:solidFill>
+                <a:srgbClr val="202124"/>
+              </a:solidFill>
+              <a:latin typeface="Google Sans"/>
+            </a:endParaRPr>
+          </a:p>
+          <a:p>
+            <a:pPr marL="742950" lvl="1" indent="-285750">
+              <a:buFont typeface="Wingdings" panose="05000000000000000000" pitchFamily="2" charset="2"/>
+              <a:buChar char="§"/>
+            </a:pPr>
+            <a:r>
+              <a:rPr lang="fr-FR" sz="2400" dirty="0" err="1">
+                <a:solidFill>
+                  <a:srgbClr val="202124"/>
+                </a:solidFill>
+                <a:latin typeface="Google Sans"/>
+              </a:rPr>
+              <a:t>RandomForestRegressor</a:t>
+            </a:r>
+            <a:endParaRPr lang="fr-FR" sz="2400" dirty="0">
+              <a:solidFill>
+                <a:srgbClr val="202124"/>
+              </a:solidFill>
+              <a:latin typeface="Google Sans"/>
+            </a:endParaRPr>
+          </a:p>
+          <a:p>
+            <a:pPr marL="742950" lvl="1" indent="-285750">
+              <a:buFont typeface="Wingdings" panose="05000000000000000000" pitchFamily="2" charset="2"/>
+              <a:buChar char="§"/>
+            </a:pPr>
+            <a:r>
+              <a:rPr lang="fr-FR" sz="2400" dirty="0" err="1">
+                <a:solidFill>
+                  <a:srgbClr val="202124"/>
+                </a:solidFill>
+                <a:latin typeface="Google Sans"/>
+              </a:rPr>
+              <a:t>GradientBoostingRegressorc</a:t>
+            </a:r>
+            <a:endParaRPr lang="fr-FR" sz="2400" dirty="0">
+              <a:solidFill>
+                <a:srgbClr val="202124"/>
+              </a:solidFill>
+              <a:latin typeface="Google Sans"/>
+            </a:endParaRPr>
+          </a:p>
+        </p:txBody>
+      </p:sp>
+    </p:spTree>
+    <p:extLst>
+      <p:ext uri="{BB962C8B-B14F-4D97-AF65-F5344CB8AC3E}">
+        <p14:creationId xmlns:p14="http://schemas.microsoft.com/office/powerpoint/2010/main" val="1456432192"/>
+      </p:ext>
+    </p:extLst>
+  </p:cSld>
+  <p:clrMapOvr>
+    <a:masterClrMapping/>
+  </p:clrMapOvr>
+</p:sld>
+</file>
+
+<file path=ppt/slides/slide20.xml><?xml version="1.0" encoding="utf-8"?>
 <p:sld xmlns:a="http://schemas.openxmlformats.org/drawingml/2006/main" xmlns:r="http://schemas.openxmlformats.org/officeDocument/2006/relationships" xmlns:p="http://schemas.openxmlformats.org/presentationml/2006/main">
   <p:cSld>
     <p:spTree>
@@ -10395,7 +12754,7 @@
 </p:sld>
 </file>
 
-<file path=ppt/slides/slide19.xml><?xml version="1.0" encoding="utf-8"?>
+<file path=ppt/slides/slide21.xml><?xml version="1.0" encoding="utf-8"?>
 <p:sld xmlns:a="http://schemas.openxmlformats.org/drawingml/2006/main" xmlns:r="http://schemas.openxmlformats.org/officeDocument/2006/relationships" xmlns:p="http://schemas.openxmlformats.org/presentationml/2006/main">
   <p:cSld>
     <p:spTree>
@@ -10722,6 +13081,57 @@
           </a:prstGeom>
         </p:spPr>
       </p:pic>
+      <mc:AlternateContent xmlns:mc="http://schemas.openxmlformats.org/markup-compatibility/2006">
+        <mc:Choice xmlns:p14="http://schemas.microsoft.com/office/powerpoint/2010/main" Requires="p14">
+          <p:contentPart p14:bwMode="auto" r:id="rId5">
+            <p14:nvContentPartPr>
+              <p14:cNvPr id="2" name="Encre 1">
+                <a:extLst>
+                  <a:ext uri="{FF2B5EF4-FFF2-40B4-BE49-F238E27FC236}">
+                    <a16:creationId xmlns:a16="http://schemas.microsoft.com/office/drawing/2014/main" id="{C16178C1-0A1E-4F7E-B41F-646B906BF070}"/>
+                  </a:ext>
+                </a:extLst>
+              </p14:cNvPr>
+              <p14:cNvContentPartPr/>
+              <p14:nvPr/>
+            </p14:nvContentPartPr>
+            <p14:xfrm>
+              <a:off x="4019400" y="368280"/>
+              <a:ext cx="5372640" cy="3537360"/>
+            </p14:xfrm>
+          </p:contentPart>
+        </mc:Choice>
+        <mc:Fallback>
+          <p:pic>
+            <p:nvPicPr>
+              <p:cNvPr id="2" name="Encre 1">
+                <a:extLst>
+                  <a:ext uri="{FF2B5EF4-FFF2-40B4-BE49-F238E27FC236}">
+                    <a16:creationId xmlns:a16="http://schemas.microsoft.com/office/drawing/2014/main" id="{C16178C1-0A1E-4F7E-B41F-646B906BF070}"/>
+                  </a:ext>
+                </a:extLst>
+              </p:cNvPr>
+              <p:cNvPicPr/>
+              <p:nvPr/>
+            </p:nvPicPr>
+            <p:blipFill>
+              <a:blip r:embed="rId6"/>
+              <a:stretch>
+                <a:fillRect/>
+              </a:stretch>
+            </p:blipFill>
+            <p:spPr>
+              <a:xfrm>
+                <a:off x="4010040" y="358920"/>
+                <a:ext cx="5391360" cy="3556080"/>
+              </a:xfrm>
+              <a:prstGeom prst="rect">
+                <a:avLst/>
+              </a:prstGeom>
+            </p:spPr>
+          </p:pic>
+        </mc:Fallback>
+      </mc:AlternateContent>
     </p:spTree>
     <p:extLst>
       <p:ext uri="{BB962C8B-B14F-4D97-AF65-F5344CB8AC3E}">
@@ -10735,7 +13145,7 @@
 </p:sld>
 </file>
 
-<file path=ppt/slides/slide2.xml><?xml version="1.0" encoding="utf-8"?>
+<file path=ppt/slides/slide22.xml><?xml version="1.0" encoding="utf-8"?>
 <p:sld xmlns:a="http://schemas.openxmlformats.org/drawingml/2006/main" xmlns:r="http://schemas.openxmlformats.org/officeDocument/2006/relationships" xmlns:p="http://schemas.openxmlformats.org/presentationml/2006/main">
   <p:cSld>
     <p:spTree>
@@ -10879,8 +13289,8 @@
         </p:nvSpPr>
         <p:spPr>
           <a:xfrm>
-            <a:off x="279917" y="432794"/>
-            <a:ext cx="9452805" cy="820048"/>
+            <a:off x="279918" y="432794"/>
+            <a:ext cx="2599470" cy="820048"/>
           </a:xfrm>
           <a:prstGeom prst="rect">
             <a:avLst/>
@@ -10911,7 +13321,7 @@
           </a:lstStyle>
           <a:p>
             <a:r>
-              <a:rPr lang="fr-FR" sz="4000" b="1" dirty="0">
+              <a:rPr lang="fr-FR" sz="3200" b="1" dirty="0">
                 <a:ln>
                   <a:solidFill>
                     <a:srgbClr val="7451EB"/>
@@ -10922,18 +13332,8 @@
                 </a:solidFill>
                 <a:latin typeface="Google Sans"/>
               </a:rPr>
-              <a:t>Ce que j'ai fait cette semaine</a:t>
-            </a:r>
-            <a:endParaRPr lang="es-419" sz="4000" b="1" u="sng" dirty="0">
-              <a:ln>
-                <a:solidFill>
-                  <a:srgbClr val="7451EB"/>
-                </a:solidFill>
-              </a:ln>
-              <a:solidFill>
-                <a:srgbClr val="7451EB"/>
-              </a:solidFill>
-            </a:endParaRPr>
+              <a:t>Comparaison</a:t>
+            </a:r>
           </a:p>
         </p:txBody>
       </p:sp>
@@ -11000,845 +13400,6 @@
           </a:p>
         </p:txBody>
       </p:sp>
-      <p:sp>
-        <p:nvSpPr>
-          <p:cNvPr id="16" name="ZoneTexte 15">
-            <a:extLst>
-              <a:ext uri="{FF2B5EF4-FFF2-40B4-BE49-F238E27FC236}">
-                <a16:creationId xmlns:a16="http://schemas.microsoft.com/office/drawing/2014/main" id="{9521B012-0CE2-4F18-8F22-D61B1D14C7E7}"/>
-              </a:ext>
-            </a:extLst>
-          </p:cNvPr>
-          <p:cNvSpPr txBox="1"/>
-          <p:nvPr/>
-        </p:nvSpPr>
-        <p:spPr>
-          <a:xfrm>
-            <a:off x="635297" y="1327816"/>
-            <a:ext cx="5775232" cy="4524315"/>
-          </a:xfrm>
-          <a:prstGeom prst="rect">
-            <a:avLst/>
-          </a:prstGeom>
-          <a:noFill/>
-        </p:spPr>
-        <p:txBody>
-          <a:bodyPr wrap="square">
-            <a:spAutoFit/>
-          </a:bodyPr>
-          <a:lstStyle/>
-          <a:p>
-            <a:pPr marL="285750" indent="-285750">
-              <a:buFont typeface="Wingdings" panose="05000000000000000000" pitchFamily="2" charset="2"/>
-              <a:buChar char="§"/>
-            </a:pPr>
-            <a:r>
-              <a:rPr lang="es-ES" sz="2400" dirty="0" err="1">
-                <a:solidFill>
-                  <a:srgbClr val="202124"/>
-                </a:solidFill>
-                <a:latin typeface="Google Sans"/>
-              </a:rPr>
-              <a:t>Sélection</a:t>
-            </a:r>
-            <a:r>
-              <a:rPr lang="es-ES" sz="2400" dirty="0">
-                <a:solidFill>
-                  <a:srgbClr val="202124"/>
-                </a:solidFill>
-                <a:latin typeface="Google Sans"/>
-              </a:rPr>
-              <a:t> des </a:t>
-            </a:r>
-            <a:r>
-              <a:rPr lang="es-ES" sz="2400" dirty="0" err="1">
-                <a:solidFill>
-                  <a:srgbClr val="202124"/>
-                </a:solidFill>
-                <a:latin typeface="Google Sans"/>
-              </a:rPr>
-              <a:t>features</a:t>
-            </a:r>
-            <a:endParaRPr lang="es-ES" sz="2400" dirty="0">
-              <a:solidFill>
-                <a:srgbClr val="202124"/>
-              </a:solidFill>
-              <a:latin typeface="Google Sans"/>
-            </a:endParaRPr>
-          </a:p>
-          <a:p>
-            <a:pPr marL="285750" indent="-285750">
-              <a:buFont typeface="Wingdings" panose="05000000000000000000" pitchFamily="2" charset="2"/>
-              <a:buChar char="§"/>
-            </a:pPr>
-            <a:r>
-              <a:rPr lang="es-ES" sz="2400" dirty="0" err="1">
-                <a:solidFill>
-                  <a:srgbClr val="202124"/>
-                </a:solidFill>
-                <a:latin typeface="Google Sans"/>
-              </a:rPr>
-              <a:t>Feature</a:t>
-            </a:r>
-            <a:r>
-              <a:rPr lang="es-ES" sz="2400" dirty="0">
-                <a:solidFill>
-                  <a:srgbClr val="202124"/>
-                </a:solidFill>
-                <a:latin typeface="Google Sans"/>
-              </a:rPr>
-              <a:t> </a:t>
-            </a:r>
-            <a:r>
-              <a:rPr lang="es-ES" sz="2400" dirty="0" err="1">
-                <a:solidFill>
-                  <a:srgbClr val="202124"/>
-                </a:solidFill>
-                <a:latin typeface="Google Sans"/>
-              </a:rPr>
-              <a:t>engineering</a:t>
-            </a:r>
-            <a:endParaRPr lang="es-ES" sz="2400" dirty="0">
-              <a:solidFill>
-                <a:srgbClr val="202124"/>
-              </a:solidFill>
-              <a:latin typeface="Google Sans"/>
-            </a:endParaRPr>
-          </a:p>
-          <a:p>
-            <a:pPr marL="285750" indent="-285750">
-              <a:buFont typeface="Wingdings" panose="05000000000000000000" pitchFamily="2" charset="2"/>
-              <a:buChar char="§"/>
-            </a:pPr>
-            <a:r>
-              <a:rPr lang="es-ES" sz="2400" dirty="0" err="1">
-                <a:solidFill>
-                  <a:srgbClr val="202124"/>
-                </a:solidFill>
-                <a:latin typeface="Google Sans"/>
-              </a:rPr>
-              <a:t>Traitement</a:t>
-            </a:r>
-            <a:r>
-              <a:rPr lang="es-ES" sz="2400" dirty="0">
-                <a:solidFill>
-                  <a:srgbClr val="202124"/>
-                </a:solidFill>
-                <a:latin typeface="Google Sans"/>
-              </a:rPr>
-              <a:t> des </a:t>
-            </a:r>
-            <a:r>
-              <a:rPr lang="es-ES" sz="2400" dirty="0" err="1">
-                <a:solidFill>
-                  <a:srgbClr val="202124"/>
-                </a:solidFill>
-                <a:latin typeface="Google Sans"/>
-              </a:rPr>
-              <a:t>valeurs</a:t>
-            </a:r>
-            <a:r>
-              <a:rPr lang="es-ES" sz="2400" dirty="0">
-                <a:solidFill>
-                  <a:srgbClr val="202124"/>
-                </a:solidFill>
-                <a:latin typeface="Google Sans"/>
-              </a:rPr>
-              <a:t> </a:t>
-            </a:r>
-            <a:r>
-              <a:rPr lang="es-ES" sz="2400" dirty="0" err="1">
-                <a:solidFill>
-                  <a:srgbClr val="202124"/>
-                </a:solidFill>
-                <a:latin typeface="Google Sans"/>
-              </a:rPr>
-              <a:t>manquantes</a:t>
-            </a:r>
-            <a:endParaRPr lang="es-ES" sz="2400" dirty="0">
-              <a:solidFill>
-                <a:srgbClr val="202124"/>
-              </a:solidFill>
-              <a:latin typeface="Google Sans"/>
-            </a:endParaRPr>
-          </a:p>
-          <a:p>
-            <a:pPr marL="285750" indent="-285750">
-              <a:buFont typeface="Wingdings" panose="05000000000000000000" pitchFamily="2" charset="2"/>
-              <a:buChar char="§"/>
-            </a:pPr>
-            <a:r>
-              <a:rPr lang="es-ES" sz="2400" dirty="0">
-                <a:solidFill>
-                  <a:srgbClr val="202124"/>
-                </a:solidFill>
-                <a:latin typeface="Google Sans"/>
-              </a:rPr>
-              <a:t>Mis à </a:t>
-            </a:r>
-            <a:r>
-              <a:rPr lang="es-ES" sz="2400" dirty="0" err="1">
-                <a:solidFill>
-                  <a:srgbClr val="202124"/>
-                </a:solidFill>
-                <a:latin typeface="Google Sans"/>
-              </a:rPr>
-              <a:t>jour</a:t>
-            </a:r>
-            <a:r>
-              <a:rPr lang="es-ES" sz="2400" dirty="0">
-                <a:solidFill>
-                  <a:srgbClr val="202124"/>
-                </a:solidFill>
-                <a:latin typeface="Google Sans"/>
-              </a:rPr>
-              <a:t> Data </a:t>
-            </a:r>
-            <a:r>
-              <a:rPr lang="es-ES" sz="2400" dirty="0" err="1">
-                <a:solidFill>
-                  <a:srgbClr val="202124"/>
-                </a:solidFill>
-                <a:latin typeface="Google Sans"/>
-              </a:rPr>
-              <a:t>preprocessing</a:t>
-            </a:r>
-            <a:endParaRPr lang="es-ES" sz="2400" dirty="0">
-              <a:solidFill>
-                <a:srgbClr val="202124"/>
-              </a:solidFill>
-              <a:latin typeface="Google Sans"/>
-            </a:endParaRPr>
-          </a:p>
-          <a:p>
-            <a:pPr marL="285750" indent="-285750">
-              <a:buFont typeface="Wingdings" panose="05000000000000000000" pitchFamily="2" charset="2"/>
-              <a:buChar char="§"/>
-            </a:pPr>
-            <a:r>
-              <a:rPr lang="fr-FR" sz="2400" dirty="0" err="1">
-                <a:solidFill>
-                  <a:srgbClr val="202124"/>
-                </a:solidFill>
-                <a:latin typeface="Google Sans"/>
-              </a:rPr>
-              <a:t>Tunning</a:t>
-            </a:r>
-            <a:r>
-              <a:rPr lang="fr-FR" sz="2400" dirty="0">
-                <a:solidFill>
-                  <a:srgbClr val="202124"/>
-                </a:solidFill>
-                <a:latin typeface="Google Sans"/>
-              </a:rPr>
-              <a:t> </a:t>
-            </a:r>
-            <a:r>
-              <a:rPr lang="fr-FR" sz="2400" dirty="0" err="1">
-                <a:solidFill>
-                  <a:srgbClr val="202124"/>
-                </a:solidFill>
-                <a:latin typeface="Google Sans"/>
-              </a:rPr>
-              <a:t>hyperparameters</a:t>
-            </a:r>
-            <a:r>
-              <a:rPr lang="fr-FR" sz="2400" dirty="0">
-                <a:solidFill>
-                  <a:srgbClr val="202124"/>
-                </a:solidFill>
-                <a:latin typeface="Google Sans"/>
-              </a:rPr>
-              <a:t> (</a:t>
-            </a:r>
-            <a:r>
-              <a:rPr lang="fr-FR" sz="2400" dirty="0" err="1">
-                <a:solidFill>
-                  <a:srgbClr val="202124"/>
-                </a:solidFill>
-                <a:latin typeface="Google Sans"/>
-              </a:rPr>
-              <a:t>refactoring</a:t>
-            </a:r>
-            <a:r>
-              <a:rPr lang="fr-FR" sz="2400" dirty="0">
-                <a:solidFill>
-                  <a:srgbClr val="202124"/>
-                </a:solidFill>
-                <a:latin typeface="Google Sans"/>
-              </a:rPr>
-              <a:t>)</a:t>
-            </a:r>
-          </a:p>
-          <a:p>
-            <a:pPr marL="742950" lvl="1" indent="-285750">
-              <a:buFont typeface="Wingdings" panose="05000000000000000000" pitchFamily="2" charset="2"/>
-              <a:buChar char="§"/>
-            </a:pPr>
-            <a:r>
-              <a:rPr lang="fr-FR" sz="2400" dirty="0" err="1">
-                <a:solidFill>
-                  <a:srgbClr val="202124"/>
-                </a:solidFill>
-                <a:latin typeface="Google Sans"/>
-              </a:rPr>
-              <a:t>LinearRegression</a:t>
-            </a:r>
-            <a:r>
-              <a:rPr lang="fr-FR" sz="2400" dirty="0">
-                <a:solidFill>
-                  <a:srgbClr val="202124"/>
-                </a:solidFill>
-                <a:latin typeface="Google Sans"/>
-              </a:rPr>
-              <a:t> / </a:t>
-            </a:r>
-            <a:r>
-              <a:rPr lang="fr-FR" sz="2400" dirty="0" err="1">
-                <a:solidFill>
-                  <a:srgbClr val="202124"/>
-                </a:solidFill>
-                <a:latin typeface="Google Sans"/>
-              </a:rPr>
-              <a:t>PolynomialFeatures</a:t>
-            </a:r>
-            <a:endParaRPr lang="fr-FR" sz="2400" dirty="0">
-              <a:solidFill>
-                <a:srgbClr val="202124"/>
-              </a:solidFill>
-              <a:latin typeface="Google Sans"/>
-            </a:endParaRPr>
-          </a:p>
-          <a:p>
-            <a:pPr marL="742950" lvl="1" indent="-285750">
-              <a:buFont typeface="Wingdings" panose="05000000000000000000" pitchFamily="2" charset="2"/>
-              <a:buChar char="§"/>
-            </a:pPr>
-            <a:r>
-              <a:rPr lang="fr-FR" sz="2400" dirty="0" err="1">
-                <a:solidFill>
-                  <a:srgbClr val="202124"/>
-                </a:solidFill>
-                <a:latin typeface="Google Sans"/>
-              </a:rPr>
-              <a:t>KNeighbors</a:t>
-            </a:r>
-            <a:r>
-              <a:rPr lang="en-US" sz="2400" b="1" dirty="0">
-                <a:solidFill>
-                  <a:srgbClr val="FFFFFF"/>
-                </a:solidFill>
-                <a:effectLst/>
-              </a:rPr>
-              <a:t>e k Nearest Neighbors</a:t>
-            </a:r>
-          </a:p>
-          <a:p>
-            <a:pPr marL="742950" lvl="1" indent="-285750">
-              <a:buFont typeface="Wingdings" panose="05000000000000000000" pitchFamily="2" charset="2"/>
-              <a:buChar char="§"/>
-            </a:pPr>
-            <a:r>
-              <a:rPr lang="en-US" sz="2400" dirty="0">
-                <a:solidFill>
-                  <a:srgbClr val="202124"/>
-                </a:solidFill>
-                <a:latin typeface="Google Sans"/>
-              </a:rPr>
-              <a:t>Lasso</a:t>
-            </a:r>
-          </a:p>
-          <a:p>
-            <a:pPr marL="742950" lvl="1" indent="-285750">
-              <a:buFont typeface="Wingdings" panose="05000000000000000000" pitchFamily="2" charset="2"/>
-              <a:buChar char="§"/>
-            </a:pPr>
-            <a:r>
-              <a:rPr lang="en-US" sz="2400" dirty="0">
-                <a:solidFill>
-                  <a:srgbClr val="202124"/>
-                </a:solidFill>
-                <a:latin typeface="Google Sans"/>
-              </a:rPr>
-              <a:t>SVR</a:t>
-            </a:r>
-            <a:endParaRPr lang="fr-FR" sz="2400" dirty="0">
-              <a:solidFill>
-                <a:srgbClr val="202124"/>
-              </a:solidFill>
-              <a:latin typeface="Google Sans"/>
-            </a:endParaRPr>
-          </a:p>
-          <a:p>
-            <a:pPr marL="742950" lvl="1" indent="-285750">
-              <a:buFont typeface="Wingdings" panose="05000000000000000000" pitchFamily="2" charset="2"/>
-              <a:buChar char="§"/>
-            </a:pPr>
-            <a:r>
-              <a:rPr lang="fr-FR" sz="2400" dirty="0" err="1">
-                <a:solidFill>
-                  <a:srgbClr val="202124"/>
-                </a:solidFill>
-                <a:latin typeface="Google Sans"/>
-              </a:rPr>
-              <a:t>Random</a:t>
-            </a:r>
-            <a:r>
-              <a:rPr lang="fr-FR" sz="2400" dirty="0">
-                <a:solidFill>
-                  <a:srgbClr val="202124"/>
-                </a:solidFill>
-                <a:latin typeface="Google Sans"/>
-              </a:rPr>
-              <a:t> Forest</a:t>
-            </a:r>
-          </a:p>
-          <a:p>
-            <a:pPr marL="742950" lvl="1" indent="-285750">
-              <a:buFont typeface="Wingdings" panose="05000000000000000000" pitchFamily="2" charset="2"/>
-              <a:buChar char="§"/>
-            </a:pPr>
-            <a:r>
-              <a:rPr lang="fr-FR" sz="2400" dirty="0">
-                <a:solidFill>
-                  <a:srgbClr val="202124"/>
-                </a:solidFill>
-                <a:latin typeface="Google Sans"/>
-              </a:rPr>
-              <a:t>Gradient </a:t>
-            </a:r>
-            <a:r>
-              <a:rPr lang="fr-FR" sz="2400" dirty="0" err="1">
-                <a:solidFill>
-                  <a:srgbClr val="202124"/>
-                </a:solidFill>
-                <a:latin typeface="Google Sans"/>
-              </a:rPr>
-              <a:t>Boosting</a:t>
-            </a:r>
-            <a:endParaRPr lang="fr-FR" sz="2400" dirty="0">
-              <a:solidFill>
-                <a:srgbClr val="202124"/>
-              </a:solidFill>
-              <a:latin typeface="Google Sans"/>
-            </a:endParaRPr>
-          </a:p>
-          <a:p>
-            <a:pPr marL="285750" indent="-285750">
-              <a:buFont typeface="Wingdings" panose="05000000000000000000" pitchFamily="2" charset="2"/>
-              <a:buChar char="§"/>
-            </a:pPr>
-            <a:r>
-              <a:rPr lang="fr-FR" sz="2400" dirty="0">
-                <a:solidFill>
-                  <a:srgbClr val="202124"/>
-                </a:solidFill>
-                <a:latin typeface="Google Sans"/>
-              </a:rPr>
-              <a:t>Baseline </a:t>
-            </a:r>
-            <a:r>
-              <a:rPr lang="fr-FR" sz="2400" dirty="0" err="1">
-                <a:solidFill>
-                  <a:srgbClr val="202124"/>
-                </a:solidFill>
-                <a:latin typeface="Google Sans"/>
-              </a:rPr>
-              <a:t>Dummy</a:t>
-            </a:r>
-            <a:r>
-              <a:rPr lang="fr-FR" sz="2400" dirty="0">
-                <a:solidFill>
-                  <a:srgbClr val="202124"/>
-                </a:solidFill>
-                <a:latin typeface="Google Sans"/>
-              </a:rPr>
-              <a:t> </a:t>
-            </a:r>
-            <a:r>
-              <a:rPr lang="fr-FR" sz="2400" dirty="0" err="1">
-                <a:solidFill>
-                  <a:srgbClr val="202124"/>
-                </a:solidFill>
-                <a:latin typeface="Google Sans"/>
-              </a:rPr>
-              <a:t>Regressor</a:t>
-            </a:r>
-            <a:endParaRPr lang="fr-FR" sz="2400" dirty="0">
-              <a:solidFill>
-                <a:srgbClr val="202124"/>
-              </a:solidFill>
-              <a:latin typeface="Google Sans"/>
-            </a:endParaRPr>
-          </a:p>
-        </p:txBody>
-      </p:sp>
-      <p:sp>
-        <p:nvSpPr>
-          <p:cNvPr id="4" name="Accolade fermante 3">
-            <a:extLst>
-              <a:ext uri="{FF2B5EF4-FFF2-40B4-BE49-F238E27FC236}">
-                <a16:creationId xmlns:a16="http://schemas.microsoft.com/office/drawing/2014/main" id="{7509B66A-9F65-4942-9270-F94895F575B8}"/>
-              </a:ext>
-            </a:extLst>
-          </p:cNvPr>
-          <p:cNvSpPr/>
-          <p:nvPr/>
-        </p:nvSpPr>
-        <p:spPr>
-          <a:xfrm>
-            <a:off x="6096000" y="1327816"/>
-            <a:ext cx="800910" cy="4032124"/>
-          </a:xfrm>
-          <a:prstGeom prst="rightBrace">
-            <a:avLst/>
-          </a:prstGeom>
-          <a:ln w="57150">
-            <a:solidFill>
-              <a:srgbClr val="7451EB"/>
-            </a:solidFill>
-          </a:ln>
-        </p:spPr>
-        <p:style>
-          <a:lnRef idx="1">
-            <a:schemeClr val="accent1"/>
-          </a:lnRef>
-          <a:fillRef idx="0">
-            <a:schemeClr val="accent1"/>
-          </a:fillRef>
-          <a:effectRef idx="0">
-            <a:schemeClr val="accent1"/>
-          </a:effectRef>
-          <a:fontRef idx="minor">
-            <a:schemeClr val="tx1"/>
-          </a:fontRef>
-        </p:style>
-        <p:txBody>
-          <a:bodyPr rtlCol="0" anchor="ctr"/>
-          <a:lstStyle/>
-          <a:p>
-            <a:pPr algn="ctr"/>
-            <a:endParaRPr lang="fr-FR"/>
-          </a:p>
-        </p:txBody>
-      </p:sp>
-      <p:sp>
-        <p:nvSpPr>
-          <p:cNvPr id="12" name="ZoneTexte 11">
-            <a:extLst>
-              <a:ext uri="{FF2B5EF4-FFF2-40B4-BE49-F238E27FC236}">
-                <a16:creationId xmlns:a16="http://schemas.microsoft.com/office/drawing/2014/main" id="{9143322F-6A67-4425-8E73-3C9D2535453E}"/>
-              </a:ext>
-            </a:extLst>
-          </p:cNvPr>
-          <p:cNvSpPr txBox="1"/>
-          <p:nvPr/>
-        </p:nvSpPr>
-        <p:spPr>
-          <a:xfrm>
-            <a:off x="7178770" y="3113045"/>
-            <a:ext cx="3020880" cy="461665"/>
-          </a:xfrm>
-          <a:prstGeom prst="rect">
-            <a:avLst/>
-          </a:prstGeom>
-          <a:noFill/>
-        </p:spPr>
-        <p:txBody>
-          <a:bodyPr wrap="square">
-            <a:spAutoFit/>
-          </a:bodyPr>
-          <a:lstStyle/>
-          <a:p>
-            <a:r>
-              <a:rPr lang="es-ES" sz="2400" dirty="0" err="1">
-                <a:solidFill>
-                  <a:srgbClr val="202124"/>
-                </a:solidFill>
-                <a:latin typeface="Google Sans"/>
-              </a:rPr>
-              <a:t>Refactoring</a:t>
-            </a:r>
-            <a:r>
-              <a:rPr lang="es-ES" sz="2400" dirty="0">
-                <a:solidFill>
-                  <a:srgbClr val="202124"/>
-                </a:solidFill>
-                <a:latin typeface="Google Sans"/>
-              </a:rPr>
-              <a:t> notebook</a:t>
-            </a:r>
-          </a:p>
-        </p:txBody>
-      </p:sp>
-    </p:spTree>
-    <p:extLst>
-      <p:ext uri="{BB962C8B-B14F-4D97-AF65-F5344CB8AC3E}">
-        <p14:creationId xmlns:p14="http://schemas.microsoft.com/office/powerpoint/2010/main" val="1857169017"/>
-      </p:ext>
-    </p:extLst>
-  </p:cSld>
-  <p:clrMapOvr>
-    <a:masterClrMapping/>
-  </p:clrMapOvr>
-</p:sld>
-</file>
-
-<file path=ppt/slides/slide20.xml><?xml version="1.0" encoding="utf-8"?>
-<p:sld xmlns:a="http://schemas.openxmlformats.org/drawingml/2006/main" xmlns:r="http://schemas.openxmlformats.org/officeDocument/2006/relationships" xmlns:p="http://schemas.openxmlformats.org/presentationml/2006/main">
-  <p:cSld>
-    <p:spTree>
-      <p:nvGrpSpPr>
-        <p:cNvPr id="1" name=""/>
-        <p:cNvGrpSpPr/>
-        <p:nvPr/>
-      </p:nvGrpSpPr>
-      <p:grpSpPr>
-        <a:xfrm>
-          <a:off x="0" y="0"/>
-          <a:ext cx="0" cy="0"/>
-          <a:chOff x="0" y="0"/>
-          <a:chExt cx="0" cy="0"/>
-        </a:xfrm>
-      </p:grpSpPr>
-      <p:sp>
-        <p:nvSpPr>
-          <p:cNvPr id="5" name="Rectangle 4">
-            <a:extLst>
-              <a:ext uri="{FF2B5EF4-FFF2-40B4-BE49-F238E27FC236}">
-                <a16:creationId xmlns:a16="http://schemas.microsoft.com/office/drawing/2014/main" id="{A00233D2-38CE-441F-90C9-32F91999758A}"/>
-              </a:ext>
-            </a:extLst>
-          </p:cNvPr>
-          <p:cNvSpPr/>
-          <p:nvPr/>
-        </p:nvSpPr>
-        <p:spPr>
-          <a:xfrm>
-            <a:off x="0" y="6400273"/>
-            <a:ext cx="12192000" cy="457727"/>
-          </a:xfrm>
-          <a:prstGeom prst="rect">
-            <a:avLst/>
-          </a:prstGeom>
-          <a:solidFill>
-            <a:srgbClr val="7451EB"/>
-          </a:solidFill>
-          <a:ln>
-            <a:solidFill>
-              <a:srgbClr val="7451EB"/>
-            </a:solidFill>
-          </a:ln>
-        </p:spPr>
-        <p:style>
-          <a:lnRef idx="2">
-            <a:schemeClr val="accent1">
-              <a:shade val="50000"/>
-            </a:schemeClr>
-          </a:lnRef>
-          <a:fillRef idx="1">
-            <a:schemeClr val="accent1"/>
-          </a:fillRef>
-          <a:effectRef idx="0">
-            <a:schemeClr val="accent1"/>
-          </a:effectRef>
-          <a:fontRef idx="minor">
-            <a:schemeClr val="lt1"/>
-          </a:fontRef>
-        </p:style>
-        <p:txBody>
-          <a:bodyPr rtlCol="0" anchor="ctr"/>
-          <a:lstStyle/>
-          <a:p>
-            <a:pPr algn="ctr"/>
-            <a:endParaRPr lang="en-US" dirty="0"/>
-          </a:p>
-        </p:txBody>
-      </p:sp>
-      <p:sp>
-        <p:nvSpPr>
-          <p:cNvPr id="15" name="TextBox 3">
-            <a:extLst>
-              <a:ext uri="{FF2B5EF4-FFF2-40B4-BE49-F238E27FC236}">
-                <a16:creationId xmlns:a16="http://schemas.microsoft.com/office/drawing/2014/main" id="{47FC2DCC-BDE9-485D-AF79-4177B5479110}"/>
-              </a:ext>
-            </a:extLst>
-          </p:cNvPr>
-          <p:cNvSpPr txBox="1"/>
-          <p:nvPr/>
-        </p:nvSpPr>
-        <p:spPr>
-          <a:xfrm>
-            <a:off x="10543592" y="6475247"/>
-            <a:ext cx="1648408" cy="307777"/>
-          </a:xfrm>
-          <a:prstGeom prst="rect">
-            <a:avLst/>
-          </a:prstGeom>
-          <a:noFill/>
-        </p:spPr>
-        <p:txBody>
-          <a:bodyPr wrap="square" rtlCol="0">
-            <a:spAutoFit/>
-          </a:bodyPr>
-          <a:lstStyle/>
-          <a:p>
-            <a:pPr algn="r"/>
-            <a:r>
-              <a:rPr lang="es-CO" sz="1400" b="1" i="1" dirty="0" err="1">
-                <a:ln>
-                  <a:solidFill>
-                    <a:schemeClr val="bg1"/>
-                  </a:solidFill>
-                </a:ln>
-                <a:solidFill>
-                  <a:schemeClr val="bg1"/>
-                </a:solidFill>
-                <a:latin typeface="+mj-lt"/>
-              </a:rPr>
-              <a:t>OpenClassrooms</a:t>
-            </a:r>
-            <a:endParaRPr lang="en-US" sz="1400" b="1" i="1" dirty="0">
-              <a:ln>
-                <a:solidFill>
-                  <a:schemeClr val="bg1"/>
-                </a:solidFill>
-              </a:ln>
-              <a:solidFill>
-                <a:schemeClr val="bg1"/>
-              </a:solidFill>
-              <a:latin typeface="+mj-lt"/>
-            </a:endParaRPr>
-          </a:p>
-        </p:txBody>
-      </p:sp>
-      <p:sp>
-        <p:nvSpPr>
-          <p:cNvPr id="10" name="Titre 1">
-            <a:extLst>
-              <a:ext uri="{FF2B5EF4-FFF2-40B4-BE49-F238E27FC236}">
-                <a16:creationId xmlns:a16="http://schemas.microsoft.com/office/drawing/2014/main" id="{224E5C7D-3656-459F-9C01-61200508167F}"/>
-              </a:ext>
-            </a:extLst>
-          </p:cNvPr>
-          <p:cNvSpPr txBox="1">
-            <a:spLocks/>
-          </p:cNvSpPr>
-          <p:nvPr/>
-        </p:nvSpPr>
-        <p:spPr>
-          <a:xfrm>
-            <a:off x="279918" y="432794"/>
-            <a:ext cx="2599470" cy="820048"/>
-          </a:xfrm>
-          <a:prstGeom prst="rect">
-            <a:avLst/>
-          </a:prstGeom>
-        </p:spPr>
-        <p:txBody>
-          <a:bodyPr vert="horz" lIns="91440" tIns="45720" rIns="91440" bIns="45720" rtlCol="0" anchor="ctr">
-            <a:normAutofit/>
-          </a:bodyPr>
-          <a:lstStyle>
-            <a:lvl1pPr algn="l" defTabSz="914400" rtl="0" eaLnBrk="1" latinLnBrk="0" hangingPunct="1">
-              <a:lnSpc>
-                <a:spcPct val="90000"/>
-              </a:lnSpc>
-              <a:spcBef>
-                <a:spcPct val="0"/>
-              </a:spcBef>
-              <a:buNone/>
-              <a:defRPr sz="4400" kern="1200">
-                <a:solidFill>
-                  <a:schemeClr val="tx1"/>
-                </a:solidFill>
-                <a:latin typeface="+mj-lt"/>
-                <a:ea typeface="+mj-ea"/>
-                <a:cs typeface="+mj-cs"/>
-              </a:defRPr>
-            </a:lvl1pPr>
-          </a:lstStyle>
-          <a:p>
-            <a:r>
-              <a:rPr lang="fr-FR" sz="3200" b="1" dirty="0">
-                <a:ln>
-                  <a:solidFill>
-                    <a:srgbClr val="7451EB"/>
-                  </a:solidFill>
-                </a:ln>
-                <a:solidFill>
-                  <a:srgbClr val="7451EB"/>
-                </a:solidFill>
-                <a:latin typeface="Google Sans"/>
-              </a:rPr>
-              <a:t>Comparaison</a:t>
-            </a:r>
-          </a:p>
-        </p:txBody>
-      </p:sp>
-      <p:sp>
-        <p:nvSpPr>
-          <p:cNvPr id="11" name="Rectángulo 4">
-            <a:extLst>
-              <a:ext uri="{FF2B5EF4-FFF2-40B4-BE49-F238E27FC236}">
-                <a16:creationId xmlns:a16="http://schemas.microsoft.com/office/drawing/2014/main" id="{B84F0FDC-2C73-4C87-9CC7-F9F129B3A699}"/>
-              </a:ext>
-            </a:extLst>
-          </p:cNvPr>
-          <p:cNvSpPr/>
-          <p:nvPr/>
-        </p:nvSpPr>
-        <p:spPr>
-          <a:xfrm>
-            <a:off x="377906" y="378794"/>
-            <a:ext cx="366721" cy="54000"/>
-          </a:xfrm>
-          <a:prstGeom prst="rect">
-            <a:avLst/>
-          </a:prstGeom>
-          <a:solidFill>
-            <a:srgbClr val="7451EB"/>
-          </a:solidFill>
-          <a:ln>
-            <a:solidFill>
-              <a:srgbClr val="7451EB"/>
-            </a:solidFill>
-          </a:ln>
-        </p:spPr>
-        <p:style>
-          <a:lnRef idx="2">
-            <a:schemeClr val="accent1">
-              <a:shade val="50000"/>
-            </a:schemeClr>
-          </a:lnRef>
-          <a:fillRef idx="1">
-            <a:schemeClr val="accent1"/>
-          </a:fillRef>
-          <a:effectRef idx="0">
-            <a:schemeClr val="accent1"/>
-          </a:effectRef>
-          <a:fontRef idx="minor">
-            <a:schemeClr val="lt1"/>
-          </a:fontRef>
-        </p:style>
-        <p:txBody>
-          <a:bodyPr rtlCol="0" anchor="ctr"/>
-          <a:lstStyle/>
-          <a:p>
-            <a:pPr algn="ctr"/>
-            <a:endParaRPr lang="es-AR">
-              <a:ln>
-                <a:solidFill>
-                  <a:srgbClr val="7451EB"/>
-                </a:solidFill>
-              </a:ln>
-              <a:solidFill>
-                <a:srgbClr val="7451EB"/>
-              </a:solidFill>
-            </a:endParaRPr>
-          </a:p>
-        </p:txBody>
-      </p:sp>
       <p:pic>
         <p:nvPicPr>
           <p:cNvPr id="12" name="Image 11">
@@ -11911,6 +13472,57 @@
           </a:prstGeom>
         </p:spPr>
       </p:pic>
+      <mc:AlternateContent xmlns:mc="http://schemas.openxmlformats.org/markup-compatibility/2006">
+        <mc:Choice xmlns:p14="http://schemas.microsoft.com/office/powerpoint/2010/main" Requires="p14">
+          <p:contentPart p14:bwMode="auto" r:id="rId5">
+            <p14:nvContentPartPr>
+              <p14:cNvPr id="2" name="Encre 1">
+                <a:extLst>
+                  <a:ext uri="{FF2B5EF4-FFF2-40B4-BE49-F238E27FC236}">
+                    <a16:creationId xmlns:a16="http://schemas.microsoft.com/office/drawing/2014/main" id="{259EF327-F758-4451-A5A5-663DE28B5A73}"/>
+                  </a:ext>
+                </a:extLst>
+              </p14:cNvPr>
+              <p14:cNvContentPartPr/>
+              <p14:nvPr/>
+            </p14:nvContentPartPr>
+            <p14:xfrm>
+              <a:off x="615960" y="2222640"/>
+              <a:ext cx="10744560" cy="4349880"/>
+            </p14:xfrm>
+          </p:contentPart>
+        </mc:Choice>
+        <mc:Fallback>
+          <p:pic>
+            <p:nvPicPr>
+              <p:cNvPr id="2" name="Encre 1">
+                <a:extLst>
+                  <a:ext uri="{FF2B5EF4-FFF2-40B4-BE49-F238E27FC236}">
+                    <a16:creationId xmlns:a16="http://schemas.microsoft.com/office/drawing/2014/main" id="{259EF327-F758-4451-A5A5-663DE28B5A73}"/>
+                  </a:ext>
+                </a:extLst>
+              </p:cNvPr>
+              <p:cNvPicPr/>
+              <p:nvPr/>
+            </p:nvPicPr>
+            <p:blipFill>
+              <a:blip r:embed="rId6"/>
+              <a:stretch>
+                <a:fillRect/>
+              </a:stretch>
+            </p:blipFill>
+            <p:spPr>
+              <a:xfrm>
+                <a:off x="606600" y="2213280"/>
+                <a:ext cx="10763280" cy="4368600"/>
+              </a:xfrm>
+              <a:prstGeom prst="rect">
+                <a:avLst/>
+              </a:prstGeom>
+            </p:spPr>
+          </p:pic>
+        </mc:Fallback>
+      </mc:AlternateContent>
     </p:spTree>
     <p:extLst>
       <p:ext uri="{BB962C8B-B14F-4D97-AF65-F5344CB8AC3E}">
@@ -11924,7 +13536,7 @@
 </p:sld>
 </file>
 
-<file path=ppt/slides/slide21.xml><?xml version="1.0" encoding="utf-8"?>
+<file path=ppt/slides/slide23.xml><?xml version="1.0" encoding="utf-8"?>
 <p:sld xmlns:a="http://schemas.openxmlformats.org/drawingml/2006/main" xmlns:r="http://schemas.openxmlformats.org/officeDocument/2006/relationships" xmlns:p="http://schemas.openxmlformats.org/presentationml/2006/main">
   <p:cSld>
     <p:spTree>
@@ -12275,7 +13887,7 @@
 </p:sld>
 </file>
 
-<file path=ppt/slides/slide22.xml><?xml version="1.0" encoding="utf-8"?>
+<file path=ppt/slides/slide24.xml><?xml version="1.0" encoding="utf-8"?>
 <p:sld xmlns:a="http://schemas.openxmlformats.org/drawingml/2006/main" xmlns:r="http://schemas.openxmlformats.org/officeDocument/2006/relationships" xmlns:p="http://schemas.openxmlformats.org/presentationml/2006/main">
   <p:cSld>
     <p:spTree>
@@ -12555,7 +14167,7 @@
         <p:spPr>
           <a:xfrm>
             <a:off x="635296" y="1327816"/>
-            <a:ext cx="9452805" cy="1200329"/>
+            <a:ext cx="9452805" cy="1569660"/>
           </a:xfrm>
           <a:prstGeom prst="rect">
             <a:avLst/>
@@ -12594,6 +14206,30 @@
               <a:buChar char="§"/>
             </a:pPr>
             <a:r>
+              <a:rPr lang="fr-FR" sz="2400" dirty="0" err="1">
+                <a:solidFill>
+                  <a:srgbClr val="202124"/>
+                </a:solidFill>
+                <a:latin typeface="Google Sans"/>
+              </a:rPr>
+              <a:t>GHGEmissions</a:t>
+            </a:r>
+            <a:r>
+              <a:rPr lang="fr-FR" sz="2400" dirty="0">
+                <a:solidFill>
+                  <a:srgbClr val="202124"/>
+                </a:solidFill>
+                <a:latin typeface="Google Sans"/>
+              </a:rPr>
+              <a:t>(MetricTonsCO2e)</a:t>
+            </a:r>
+          </a:p>
+          <a:p>
+            <a:pPr marL="285750" indent="-285750">
+              <a:buFont typeface="Wingdings" panose="05000000000000000000" pitchFamily="2" charset="2"/>
+              <a:buChar char="§"/>
+            </a:pPr>
+            <a:r>
               <a:rPr lang="fr-FR" sz="2400" dirty="0">
                 <a:solidFill>
                   <a:srgbClr val="202124"/>
@@ -12630,26 +14266,62 @@
                 </a:solidFill>
                 <a:latin typeface="Google Sans"/>
               </a:rPr>
-              <a:t>Démarrer le </a:t>
-            </a:r>
-            <a:r>
-              <a:rPr lang="fr-FR" sz="2400">
-                <a:solidFill>
-                  <a:srgbClr val="202124"/>
-                </a:solidFill>
-                <a:latin typeface="Google Sans"/>
-              </a:rPr>
-              <a:t>prochaine projet??</a:t>
-            </a:r>
-            <a:endParaRPr lang="fr-FR" sz="2400" dirty="0">
-              <a:solidFill>
-                <a:srgbClr val="202124"/>
-              </a:solidFill>
-              <a:latin typeface="Google Sans"/>
-            </a:endParaRPr>
-          </a:p>
-        </p:txBody>
-      </p:sp>
+              <a:t>Démarrer le prochaine projet??</a:t>
+            </a:r>
+          </a:p>
+        </p:txBody>
+      </p:sp>
+      <mc:AlternateContent xmlns:mc="http://schemas.openxmlformats.org/markup-compatibility/2006">
+        <mc:Choice xmlns:p14="http://schemas.microsoft.com/office/powerpoint/2010/main" Requires="p14">
+          <p:contentPart p14:bwMode="auto" r:id="rId3">
+            <p14:nvContentPartPr>
+              <p14:cNvPr id="2" name="Encre 1">
+                <a:extLst>
+                  <a:ext uri="{FF2B5EF4-FFF2-40B4-BE49-F238E27FC236}">
+                    <a16:creationId xmlns:a16="http://schemas.microsoft.com/office/drawing/2014/main" id="{DE35F09C-B72D-460F-8494-6908E5B84D1F}"/>
+                  </a:ext>
+                </a:extLst>
+              </p14:cNvPr>
+              <p14:cNvContentPartPr/>
+              <p14:nvPr/>
+            </p14:nvContentPartPr>
+            <p14:xfrm>
+              <a:off x="1079640" y="1384200"/>
+              <a:ext cx="6032880" cy="1715040"/>
+            </p14:xfrm>
+          </p:contentPart>
+        </mc:Choice>
+        <mc:Fallback>
+          <p:pic>
+            <p:nvPicPr>
+              <p:cNvPr id="2" name="Encre 1">
+                <a:extLst>
+                  <a:ext uri="{FF2B5EF4-FFF2-40B4-BE49-F238E27FC236}">
+                    <a16:creationId xmlns:a16="http://schemas.microsoft.com/office/drawing/2014/main" id="{DE35F09C-B72D-460F-8494-6908E5B84D1F}"/>
+                  </a:ext>
+                </a:extLst>
+              </p:cNvPr>
+              <p:cNvPicPr/>
+              <p:nvPr/>
+            </p:nvPicPr>
+            <p:blipFill>
+              <a:blip r:embed="rId4"/>
+              <a:stretch>
+                <a:fillRect/>
+              </a:stretch>
+            </p:blipFill>
+            <p:spPr>
+              <a:xfrm>
+                <a:off x="1070280" y="1374840"/>
+                <a:ext cx="6051600" cy="1733760"/>
+              </a:xfrm>
+              <a:prstGeom prst="rect">
+                <a:avLst/>
+              </a:prstGeom>
+            </p:spPr>
+          </p:pic>
+        </mc:Fallback>
+      </mc:AlternateContent>
     </p:spTree>
     <p:extLst>
       <p:ext uri="{BB962C8B-B14F-4D97-AF65-F5344CB8AC3E}">
@@ -12850,23 +14522,9 @@
                 </a:solidFill>
                 <a:latin typeface="Google Sans"/>
               </a:rPr>
-              <a:t>Sélection des </a:t>
-            </a:r>
-            <a:r>
-              <a:rPr lang="fr-FR" sz="4000" b="1" dirty="0" err="1">
-                <a:ln>
-                  <a:solidFill>
-                    <a:srgbClr val="7451EB"/>
-                  </a:solidFill>
-                </a:ln>
-                <a:solidFill>
-                  <a:srgbClr val="7451EB"/>
-                </a:solidFill>
-                <a:latin typeface="Google Sans"/>
-              </a:rPr>
-              <a:t>features</a:t>
-            </a:r>
-            <a:endParaRPr lang="fr-FR" sz="4000" b="1" dirty="0">
+              <a:t>Ce que j'ai fait cette semaine</a:t>
+            </a:r>
+            <a:endParaRPr lang="es-419" sz="4000" b="1" u="sng" dirty="0">
               <a:ln>
                 <a:solidFill>
                   <a:srgbClr val="7451EB"/>
@@ -12875,7 +14533,6 @@
               <a:solidFill>
                 <a:srgbClr val="7451EB"/>
               </a:solidFill>
-              <a:latin typeface="Google Sans"/>
             </a:endParaRPr>
           </a:p>
         </p:txBody>
@@ -12943,40 +14600,581 @@
           </a:p>
         </p:txBody>
       </p:sp>
-      <p:pic>
-        <p:nvPicPr>
-          <p:cNvPr id="9" name="Image 8">
-            <a:extLst>
-              <a:ext uri="{FF2B5EF4-FFF2-40B4-BE49-F238E27FC236}">
-                <a16:creationId xmlns:a16="http://schemas.microsoft.com/office/drawing/2014/main" id="{D2717879-68F8-4CA1-AB5D-CBEC59EF8F58}"/>
-              </a:ext>
-            </a:extLst>
-          </p:cNvPr>
-          <p:cNvPicPr>
-            <a:picLocks noChangeAspect="1"/>
-          </p:cNvPicPr>
+      <p:sp>
+        <p:nvSpPr>
+          <p:cNvPr id="16" name="ZoneTexte 15">
+            <a:extLst>
+              <a:ext uri="{FF2B5EF4-FFF2-40B4-BE49-F238E27FC236}">
+                <a16:creationId xmlns:a16="http://schemas.microsoft.com/office/drawing/2014/main" id="{9521B012-0CE2-4F18-8F22-D61B1D14C7E7}"/>
+              </a:ext>
+            </a:extLst>
+          </p:cNvPr>
+          <p:cNvSpPr txBox="1"/>
           <p:nvPr/>
-        </p:nvPicPr>
-        <p:blipFill>
-          <a:blip r:embed="rId3"/>
-          <a:stretch>
-            <a:fillRect/>
-          </a:stretch>
-        </p:blipFill>
+        </p:nvSpPr>
         <p:spPr>
           <a:xfrm>
-            <a:off x="377906" y="2139734"/>
-            <a:ext cx="11029950" cy="1733550"/>
+            <a:off x="635297" y="1327816"/>
+            <a:ext cx="5775232" cy="4524315"/>
           </a:xfrm>
           <a:prstGeom prst="rect">
             <a:avLst/>
           </a:prstGeom>
+          <a:noFill/>
         </p:spPr>
-      </p:pic>
+        <p:txBody>
+          <a:bodyPr wrap="square">
+            <a:spAutoFit/>
+          </a:bodyPr>
+          <a:lstStyle/>
+          <a:p>
+            <a:pPr marL="285750" indent="-285750">
+              <a:buFont typeface="Wingdings" panose="05000000000000000000" pitchFamily="2" charset="2"/>
+              <a:buChar char="§"/>
+            </a:pPr>
+            <a:r>
+              <a:rPr lang="es-ES" sz="2400" dirty="0" err="1">
+                <a:solidFill>
+                  <a:srgbClr val="202124"/>
+                </a:solidFill>
+                <a:latin typeface="Google Sans"/>
+              </a:rPr>
+              <a:t>Sélection</a:t>
+            </a:r>
+            <a:r>
+              <a:rPr lang="es-ES" sz="2400" dirty="0">
+                <a:solidFill>
+                  <a:srgbClr val="202124"/>
+                </a:solidFill>
+                <a:latin typeface="Google Sans"/>
+              </a:rPr>
+              <a:t> des </a:t>
+            </a:r>
+            <a:r>
+              <a:rPr lang="es-ES" sz="2400" dirty="0" err="1">
+                <a:solidFill>
+                  <a:srgbClr val="202124"/>
+                </a:solidFill>
+                <a:latin typeface="Google Sans"/>
+              </a:rPr>
+              <a:t>features</a:t>
+            </a:r>
+            <a:endParaRPr lang="es-ES" sz="2400" dirty="0">
+              <a:solidFill>
+                <a:srgbClr val="202124"/>
+              </a:solidFill>
+              <a:latin typeface="Google Sans"/>
+            </a:endParaRPr>
+          </a:p>
+          <a:p>
+            <a:pPr marL="285750" indent="-285750">
+              <a:buFont typeface="Wingdings" panose="05000000000000000000" pitchFamily="2" charset="2"/>
+              <a:buChar char="§"/>
+            </a:pPr>
+            <a:r>
+              <a:rPr lang="es-ES" sz="2400" dirty="0" err="1">
+                <a:solidFill>
+                  <a:srgbClr val="202124"/>
+                </a:solidFill>
+                <a:latin typeface="Google Sans"/>
+              </a:rPr>
+              <a:t>Feature</a:t>
+            </a:r>
+            <a:r>
+              <a:rPr lang="es-ES" sz="2400" dirty="0">
+                <a:solidFill>
+                  <a:srgbClr val="202124"/>
+                </a:solidFill>
+                <a:latin typeface="Google Sans"/>
+              </a:rPr>
+              <a:t> </a:t>
+            </a:r>
+            <a:r>
+              <a:rPr lang="es-ES" sz="2400" dirty="0" err="1">
+                <a:solidFill>
+                  <a:srgbClr val="202124"/>
+                </a:solidFill>
+                <a:latin typeface="Google Sans"/>
+              </a:rPr>
+              <a:t>engineering</a:t>
+            </a:r>
+            <a:endParaRPr lang="es-ES" sz="2400" dirty="0">
+              <a:solidFill>
+                <a:srgbClr val="202124"/>
+              </a:solidFill>
+              <a:latin typeface="Google Sans"/>
+            </a:endParaRPr>
+          </a:p>
+          <a:p>
+            <a:pPr marL="285750" indent="-285750">
+              <a:buFont typeface="Wingdings" panose="05000000000000000000" pitchFamily="2" charset="2"/>
+              <a:buChar char="§"/>
+            </a:pPr>
+            <a:r>
+              <a:rPr lang="es-ES" sz="2400" dirty="0" err="1">
+                <a:solidFill>
+                  <a:srgbClr val="202124"/>
+                </a:solidFill>
+                <a:latin typeface="Google Sans"/>
+              </a:rPr>
+              <a:t>Traitement</a:t>
+            </a:r>
+            <a:r>
+              <a:rPr lang="es-ES" sz="2400" dirty="0">
+                <a:solidFill>
+                  <a:srgbClr val="202124"/>
+                </a:solidFill>
+                <a:latin typeface="Google Sans"/>
+              </a:rPr>
+              <a:t> des </a:t>
+            </a:r>
+            <a:r>
+              <a:rPr lang="es-ES" sz="2400" dirty="0" err="1">
+                <a:solidFill>
+                  <a:srgbClr val="202124"/>
+                </a:solidFill>
+                <a:latin typeface="Google Sans"/>
+              </a:rPr>
+              <a:t>valeurs</a:t>
+            </a:r>
+            <a:r>
+              <a:rPr lang="es-ES" sz="2400" dirty="0">
+                <a:solidFill>
+                  <a:srgbClr val="202124"/>
+                </a:solidFill>
+                <a:latin typeface="Google Sans"/>
+              </a:rPr>
+              <a:t> </a:t>
+            </a:r>
+            <a:r>
+              <a:rPr lang="es-ES" sz="2400" dirty="0" err="1">
+                <a:solidFill>
+                  <a:srgbClr val="202124"/>
+                </a:solidFill>
+                <a:latin typeface="Google Sans"/>
+              </a:rPr>
+              <a:t>manquantes</a:t>
+            </a:r>
+            <a:endParaRPr lang="es-ES" sz="2400" dirty="0">
+              <a:solidFill>
+                <a:srgbClr val="202124"/>
+              </a:solidFill>
+              <a:latin typeface="Google Sans"/>
+            </a:endParaRPr>
+          </a:p>
+          <a:p>
+            <a:pPr marL="285750" indent="-285750">
+              <a:buFont typeface="Wingdings" panose="05000000000000000000" pitchFamily="2" charset="2"/>
+              <a:buChar char="§"/>
+            </a:pPr>
+            <a:r>
+              <a:rPr lang="es-ES" sz="2400" dirty="0">
+                <a:solidFill>
+                  <a:srgbClr val="202124"/>
+                </a:solidFill>
+                <a:latin typeface="Google Sans"/>
+              </a:rPr>
+              <a:t>Mis à </a:t>
+            </a:r>
+            <a:r>
+              <a:rPr lang="es-ES" sz="2400" dirty="0" err="1">
+                <a:solidFill>
+                  <a:srgbClr val="202124"/>
+                </a:solidFill>
+                <a:latin typeface="Google Sans"/>
+              </a:rPr>
+              <a:t>jour</a:t>
+            </a:r>
+            <a:r>
+              <a:rPr lang="es-ES" sz="2400" dirty="0">
+                <a:solidFill>
+                  <a:srgbClr val="202124"/>
+                </a:solidFill>
+                <a:latin typeface="Google Sans"/>
+              </a:rPr>
+              <a:t> Data </a:t>
+            </a:r>
+            <a:r>
+              <a:rPr lang="es-ES" sz="2400" dirty="0" err="1">
+                <a:solidFill>
+                  <a:srgbClr val="202124"/>
+                </a:solidFill>
+                <a:latin typeface="Google Sans"/>
+              </a:rPr>
+              <a:t>preprocessing</a:t>
+            </a:r>
+            <a:endParaRPr lang="es-ES" sz="2400" dirty="0">
+              <a:solidFill>
+                <a:srgbClr val="202124"/>
+              </a:solidFill>
+              <a:latin typeface="Google Sans"/>
+            </a:endParaRPr>
+          </a:p>
+          <a:p>
+            <a:pPr marL="285750" indent="-285750">
+              <a:buFont typeface="Wingdings" panose="05000000000000000000" pitchFamily="2" charset="2"/>
+              <a:buChar char="§"/>
+            </a:pPr>
+            <a:r>
+              <a:rPr lang="fr-FR" sz="2400" dirty="0" err="1">
+                <a:solidFill>
+                  <a:srgbClr val="202124"/>
+                </a:solidFill>
+                <a:latin typeface="Google Sans"/>
+              </a:rPr>
+              <a:t>Tunning</a:t>
+            </a:r>
+            <a:r>
+              <a:rPr lang="fr-FR" sz="2400" dirty="0">
+                <a:solidFill>
+                  <a:srgbClr val="202124"/>
+                </a:solidFill>
+                <a:latin typeface="Google Sans"/>
+              </a:rPr>
+              <a:t> </a:t>
+            </a:r>
+            <a:r>
+              <a:rPr lang="fr-FR" sz="2400" dirty="0" err="1">
+                <a:solidFill>
+                  <a:srgbClr val="202124"/>
+                </a:solidFill>
+                <a:latin typeface="Google Sans"/>
+              </a:rPr>
+              <a:t>hyperparameters</a:t>
+            </a:r>
+            <a:r>
+              <a:rPr lang="fr-FR" sz="2400" dirty="0">
+                <a:solidFill>
+                  <a:srgbClr val="202124"/>
+                </a:solidFill>
+                <a:latin typeface="Google Sans"/>
+              </a:rPr>
+              <a:t> (</a:t>
+            </a:r>
+            <a:r>
+              <a:rPr lang="fr-FR" sz="2400" dirty="0" err="1">
+                <a:solidFill>
+                  <a:srgbClr val="202124"/>
+                </a:solidFill>
+                <a:latin typeface="Google Sans"/>
+              </a:rPr>
+              <a:t>refactoring</a:t>
+            </a:r>
+            <a:r>
+              <a:rPr lang="fr-FR" sz="2400" dirty="0">
+                <a:solidFill>
+                  <a:srgbClr val="202124"/>
+                </a:solidFill>
+                <a:latin typeface="Google Sans"/>
+              </a:rPr>
+              <a:t>)</a:t>
+            </a:r>
+          </a:p>
+          <a:p>
+            <a:pPr marL="742950" lvl="1" indent="-285750">
+              <a:buFont typeface="Wingdings" panose="05000000000000000000" pitchFamily="2" charset="2"/>
+              <a:buChar char="§"/>
+            </a:pPr>
+            <a:r>
+              <a:rPr lang="fr-FR" sz="2400" dirty="0" err="1">
+                <a:solidFill>
+                  <a:srgbClr val="202124"/>
+                </a:solidFill>
+                <a:latin typeface="Google Sans"/>
+              </a:rPr>
+              <a:t>LinearRegression</a:t>
+            </a:r>
+            <a:r>
+              <a:rPr lang="fr-FR" sz="2400" dirty="0">
+                <a:solidFill>
+                  <a:srgbClr val="202124"/>
+                </a:solidFill>
+                <a:latin typeface="Google Sans"/>
+              </a:rPr>
+              <a:t> / </a:t>
+            </a:r>
+            <a:r>
+              <a:rPr lang="fr-FR" sz="2400" dirty="0" err="1">
+                <a:solidFill>
+                  <a:srgbClr val="202124"/>
+                </a:solidFill>
+                <a:latin typeface="Google Sans"/>
+              </a:rPr>
+              <a:t>PolynomialFeatures</a:t>
+            </a:r>
+            <a:endParaRPr lang="fr-FR" sz="2400" dirty="0">
+              <a:solidFill>
+                <a:srgbClr val="202124"/>
+              </a:solidFill>
+              <a:latin typeface="Google Sans"/>
+            </a:endParaRPr>
+          </a:p>
+          <a:p>
+            <a:pPr marL="742950" lvl="1" indent="-285750">
+              <a:buFont typeface="Wingdings" panose="05000000000000000000" pitchFamily="2" charset="2"/>
+              <a:buChar char="§"/>
+            </a:pPr>
+            <a:r>
+              <a:rPr lang="fr-FR" sz="2400" dirty="0" err="1">
+                <a:solidFill>
+                  <a:srgbClr val="202124"/>
+                </a:solidFill>
+                <a:latin typeface="Google Sans"/>
+              </a:rPr>
+              <a:t>KNeighbors</a:t>
+            </a:r>
+            <a:r>
+              <a:rPr lang="en-US" sz="2400" b="1" dirty="0">
+                <a:solidFill>
+                  <a:srgbClr val="FFFFFF"/>
+                </a:solidFill>
+                <a:effectLst/>
+              </a:rPr>
+              <a:t>e k Nearest Neighbors</a:t>
+            </a:r>
+          </a:p>
+          <a:p>
+            <a:pPr marL="742950" lvl="1" indent="-285750">
+              <a:buFont typeface="Wingdings" panose="05000000000000000000" pitchFamily="2" charset="2"/>
+              <a:buChar char="§"/>
+            </a:pPr>
+            <a:r>
+              <a:rPr lang="en-US" sz="2400" dirty="0">
+                <a:solidFill>
+                  <a:srgbClr val="202124"/>
+                </a:solidFill>
+                <a:latin typeface="Google Sans"/>
+              </a:rPr>
+              <a:t>Lasso</a:t>
+            </a:r>
+          </a:p>
+          <a:p>
+            <a:pPr marL="742950" lvl="1" indent="-285750">
+              <a:buFont typeface="Wingdings" panose="05000000000000000000" pitchFamily="2" charset="2"/>
+              <a:buChar char="§"/>
+            </a:pPr>
+            <a:r>
+              <a:rPr lang="en-US" sz="2400" dirty="0">
+                <a:solidFill>
+                  <a:srgbClr val="202124"/>
+                </a:solidFill>
+                <a:latin typeface="Google Sans"/>
+              </a:rPr>
+              <a:t>SVR</a:t>
+            </a:r>
+            <a:endParaRPr lang="fr-FR" sz="2400" dirty="0">
+              <a:solidFill>
+                <a:srgbClr val="202124"/>
+              </a:solidFill>
+              <a:latin typeface="Google Sans"/>
+            </a:endParaRPr>
+          </a:p>
+          <a:p>
+            <a:pPr marL="742950" lvl="1" indent="-285750">
+              <a:buFont typeface="Wingdings" panose="05000000000000000000" pitchFamily="2" charset="2"/>
+              <a:buChar char="§"/>
+            </a:pPr>
+            <a:r>
+              <a:rPr lang="fr-FR" sz="2400" dirty="0" err="1">
+                <a:solidFill>
+                  <a:srgbClr val="202124"/>
+                </a:solidFill>
+                <a:latin typeface="Google Sans"/>
+              </a:rPr>
+              <a:t>Random</a:t>
+            </a:r>
+            <a:r>
+              <a:rPr lang="fr-FR" sz="2400" dirty="0">
+                <a:solidFill>
+                  <a:srgbClr val="202124"/>
+                </a:solidFill>
+                <a:latin typeface="Google Sans"/>
+              </a:rPr>
+              <a:t> Forest</a:t>
+            </a:r>
+          </a:p>
+          <a:p>
+            <a:pPr marL="742950" lvl="1" indent="-285750">
+              <a:buFont typeface="Wingdings" panose="05000000000000000000" pitchFamily="2" charset="2"/>
+              <a:buChar char="§"/>
+            </a:pPr>
+            <a:r>
+              <a:rPr lang="fr-FR" sz="2400" dirty="0">
+                <a:solidFill>
+                  <a:srgbClr val="202124"/>
+                </a:solidFill>
+                <a:latin typeface="Google Sans"/>
+              </a:rPr>
+              <a:t>Gradient </a:t>
+            </a:r>
+            <a:r>
+              <a:rPr lang="fr-FR" sz="2400" dirty="0" err="1">
+                <a:solidFill>
+                  <a:srgbClr val="202124"/>
+                </a:solidFill>
+                <a:latin typeface="Google Sans"/>
+              </a:rPr>
+              <a:t>Boosting</a:t>
+            </a:r>
+            <a:endParaRPr lang="fr-FR" sz="2400" dirty="0">
+              <a:solidFill>
+                <a:srgbClr val="202124"/>
+              </a:solidFill>
+              <a:latin typeface="Google Sans"/>
+            </a:endParaRPr>
+          </a:p>
+          <a:p>
+            <a:pPr marL="285750" indent="-285750">
+              <a:buFont typeface="Wingdings" panose="05000000000000000000" pitchFamily="2" charset="2"/>
+              <a:buChar char="§"/>
+            </a:pPr>
+            <a:r>
+              <a:rPr lang="fr-FR" sz="2400" dirty="0">
+                <a:solidFill>
+                  <a:srgbClr val="202124"/>
+                </a:solidFill>
+                <a:latin typeface="Google Sans"/>
+              </a:rPr>
+              <a:t>Baseline </a:t>
+            </a:r>
+            <a:r>
+              <a:rPr lang="fr-FR" sz="2400" dirty="0" err="1">
+                <a:solidFill>
+                  <a:srgbClr val="202124"/>
+                </a:solidFill>
+                <a:latin typeface="Google Sans"/>
+              </a:rPr>
+              <a:t>Dummy</a:t>
+            </a:r>
+            <a:r>
+              <a:rPr lang="fr-FR" sz="2400" dirty="0">
+                <a:solidFill>
+                  <a:srgbClr val="202124"/>
+                </a:solidFill>
+                <a:latin typeface="Google Sans"/>
+              </a:rPr>
+              <a:t> </a:t>
+            </a:r>
+            <a:r>
+              <a:rPr lang="fr-FR" sz="2400" dirty="0" err="1">
+                <a:solidFill>
+                  <a:srgbClr val="202124"/>
+                </a:solidFill>
+                <a:latin typeface="Google Sans"/>
+              </a:rPr>
+              <a:t>Regressor</a:t>
+            </a:r>
+            <a:endParaRPr lang="fr-FR" sz="2400" dirty="0">
+              <a:solidFill>
+                <a:srgbClr val="202124"/>
+              </a:solidFill>
+              <a:latin typeface="Google Sans"/>
+            </a:endParaRPr>
+          </a:p>
+        </p:txBody>
+      </p:sp>
+      <p:sp>
+        <p:nvSpPr>
+          <p:cNvPr id="4" name="Accolade fermante 3">
+            <a:extLst>
+              <a:ext uri="{FF2B5EF4-FFF2-40B4-BE49-F238E27FC236}">
+                <a16:creationId xmlns:a16="http://schemas.microsoft.com/office/drawing/2014/main" id="{7509B66A-9F65-4942-9270-F94895F575B8}"/>
+              </a:ext>
+            </a:extLst>
+          </p:cNvPr>
+          <p:cNvSpPr/>
+          <p:nvPr/>
+        </p:nvSpPr>
+        <p:spPr>
+          <a:xfrm>
+            <a:off x="6096000" y="1327816"/>
+            <a:ext cx="800910" cy="4032124"/>
+          </a:xfrm>
+          <a:prstGeom prst="rightBrace">
+            <a:avLst/>
+          </a:prstGeom>
+          <a:ln w="57150">
+            <a:solidFill>
+              <a:srgbClr val="7451EB"/>
+            </a:solidFill>
+          </a:ln>
+        </p:spPr>
+        <p:style>
+          <a:lnRef idx="1">
+            <a:schemeClr val="accent1"/>
+          </a:lnRef>
+          <a:fillRef idx="0">
+            <a:schemeClr val="accent1"/>
+          </a:fillRef>
+          <a:effectRef idx="0">
+            <a:schemeClr val="accent1"/>
+          </a:effectRef>
+          <a:fontRef idx="minor">
+            <a:schemeClr val="tx1"/>
+          </a:fontRef>
+        </p:style>
+        <p:txBody>
+          <a:bodyPr rtlCol="0" anchor="ctr"/>
+          <a:lstStyle/>
+          <a:p>
+            <a:pPr algn="ctr"/>
+            <a:endParaRPr lang="fr-FR"/>
+          </a:p>
+        </p:txBody>
+      </p:sp>
+      <p:sp>
+        <p:nvSpPr>
+          <p:cNvPr id="12" name="ZoneTexte 11">
+            <a:extLst>
+              <a:ext uri="{FF2B5EF4-FFF2-40B4-BE49-F238E27FC236}">
+                <a16:creationId xmlns:a16="http://schemas.microsoft.com/office/drawing/2014/main" id="{9143322F-6A67-4425-8E73-3C9D2535453E}"/>
+              </a:ext>
+            </a:extLst>
+          </p:cNvPr>
+          <p:cNvSpPr txBox="1"/>
+          <p:nvPr/>
+        </p:nvSpPr>
+        <p:spPr>
+          <a:xfrm>
+            <a:off x="7178770" y="3113045"/>
+            <a:ext cx="3020880" cy="461665"/>
+          </a:xfrm>
+          <a:prstGeom prst="rect">
+            <a:avLst/>
+          </a:prstGeom>
+          <a:noFill/>
+        </p:spPr>
+        <p:txBody>
+          <a:bodyPr wrap="square">
+            <a:spAutoFit/>
+          </a:bodyPr>
+          <a:lstStyle/>
+          <a:p>
+            <a:r>
+              <a:rPr lang="es-ES" sz="2400" dirty="0" err="1">
+                <a:solidFill>
+                  <a:srgbClr val="202124"/>
+                </a:solidFill>
+                <a:latin typeface="Google Sans"/>
+              </a:rPr>
+              <a:t>Refactoring</a:t>
+            </a:r>
+            <a:r>
+              <a:rPr lang="es-ES" sz="2400" dirty="0">
+                <a:solidFill>
+                  <a:srgbClr val="202124"/>
+                </a:solidFill>
+                <a:latin typeface="Google Sans"/>
+              </a:rPr>
+              <a:t> notebook</a:t>
+            </a:r>
+          </a:p>
+        </p:txBody>
+      </p:sp>
     </p:spTree>
     <p:extLst>
       <p:ext uri="{BB962C8B-B14F-4D97-AF65-F5344CB8AC3E}">
-        <p14:creationId xmlns:p14="http://schemas.microsoft.com/office/powerpoint/2010/main" val="4072870117"/>
+        <p14:creationId xmlns:p14="http://schemas.microsoft.com/office/powerpoint/2010/main" val="1857169017"/>
       </p:ext>
     </p:extLst>
   </p:cSld>
@@ -13162,6 +15360,20 @@
           </a:lstStyle>
           <a:p>
             <a:r>
+              <a:rPr lang="fr-FR" sz="4000" b="1" dirty="0">
+                <a:ln>
+                  <a:solidFill>
+                    <a:srgbClr val="7451EB"/>
+                  </a:solidFill>
+                </a:ln>
+                <a:solidFill>
+                  <a:srgbClr val="7451EB"/>
+                </a:solidFill>
+                <a:latin typeface="Google Sans"/>
+              </a:rPr>
+              <a:t>Sélection des </a:t>
+            </a:r>
+            <a:r>
               <a:rPr lang="fr-FR" sz="4000" b="1" dirty="0" err="1">
                 <a:ln>
                   <a:solidFill>
@@ -13173,22 +15385,19 @@
                 </a:solidFill>
                 <a:latin typeface="Google Sans"/>
               </a:rPr>
-              <a:t>Feature</a:t>
-            </a:r>
-            <a:r>
-              <a:rPr lang="fr-FR" sz="4000" b="1" dirty="0">
-                <a:ln>
-                  <a:solidFill>
-                    <a:srgbClr val="7451EB"/>
-                  </a:solidFill>
-                </a:ln>
+              <a:t>features</a:t>
+            </a:r>
+            <a:endParaRPr lang="fr-FR" sz="4000" b="1" dirty="0">
+              <a:ln>
                 <a:solidFill>
                   <a:srgbClr val="7451EB"/>
                 </a:solidFill>
-                <a:latin typeface="Google Sans"/>
-              </a:rPr>
-              <a:t> engineering</a:t>
-            </a:r>
+              </a:ln>
+              <a:solidFill>
+                <a:srgbClr val="7451EB"/>
+              </a:solidFill>
+              <a:latin typeface="Google Sans"/>
+            </a:endParaRPr>
           </a:p>
         </p:txBody>
       </p:sp>
@@ -13277,7 +15486,7 @@
         </p:blipFill>
         <p:spPr>
           <a:xfrm>
-            <a:off x="377906" y="2139734"/>
+            <a:off x="337846" y="1523913"/>
             <a:ext cx="11029950" cy="1733550"/>
           </a:xfrm>
           <a:prstGeom prst="rect">
@@ -13287,148 +15496,613 @@
       </p:pic>
       <p:sp>
         <p:nvSpPr>
-          <p:cNvPr id="13" name="Rectangle 12">
-            <a:extLst>
-              <a:ext uri="{FF2B5EF4-FFF2-40B4-BE49-F238E27FC236}">
-                <a16:creationId xmlns:a16="http://schemas.microsoft.com/office/drawing/2014/main" id="{05416A80-01A9-4926-BC36-B81FE55D5F0B}"/>
-              </a:ext>
-            </a:extLst>
-          </p:cNvPr>
-          <p:cNvSpPr/>
+          <p:cNvPr id="7" name="Rectangle 4">
+            <a:extLst>
+              <a:ext uri="{FF2B5EF4-FFF2-40B4-BE49-F238E27FC236}">
+                <a16:creationId xmlns:a16="http://schemas.microsoft.com/office/drawing/2014/main" id="{AF04644C-9126-4480-B542-3EF064113F1F}"/>
+              </a:ext>
+            </a:extLst>
+          </p:cNvPr>
+          <p:cNvSpPr>
+            <a:spLocks noChangeArrowheads="1"/>
+          </p:cNvSpPr>
           <p:nvPr/>
         </p:nvSpPr>
-        <p:spPr>
+        <p:spPr bwMode="auto">
           <a:xfrm>
-            <a:off x="3450381" y="2052537"/>
-            <a:ext cx="2512674" cy="1916348"/>
+            <a:off x="5239156" y="4150220"/>
+            <a:ext cx="7105246" cy="1357295"/>
           </a:xfrm>
           <a:prstGeom prst="rect">
             <a:avLst/>
           </a:prstGeom>
           <a:noFill/>
-          <a:ln w="38100">
-            <a:solidFill>
-              <a:srgbClr val="FFFF00"/>
-            </a:solidFill>
+          <a:ln>
+            <a:noFill/>
           </a:ln>
+          <a:effectLst/>
+          <a:extLst>
+            <a:ext uri="{909E8E84-426E-40DD-AFC4-6F175D3DCCD1}">
+              <a14:hiddenFill xmlns:a14="http://schemas.microsoft.com/office/drawing/2010/main">
+                <a:solidFill>
+                  <a:schemeClr val="accent1"/>
+                </a:solidFill>
+              </a14:hiddenFill>
+            </a:ext>
+            <a:ext uri="{91240B29-F687-4F45-9708-019B960494DF}">
+              <a14:hiddenLine xmlns:a14="http://schemas.microsoft.com/office/drawing/2010/main" w="9525">
+                <a:solidFill>
+                  <a:schemeClr val="tx1"/>
+                </a:solidFill>
+                <a:miter lim="800000"/>
+                <a:headEnd/>
+                <a:tailEnd/>
+              </a14:hiddenLine>
+            </a:ext>
+            <a:ext uri="{AF507438-7753-43E0-B8FC-AC1667EBCBE1}">
+              <a14:hiddenEffects xmlns:a14="http://schemas.microsoft.com/office/drawing/2010/main">
+                <a:effectLst>
+                  <a:outerShdw dist="35921" dir="2700000" algn="ctr" rotWithShape="0">
+                    <a:schemeClr val="bg2"/>
+                  </a:outerShdw>
+                </a:effectLst>
+              </a14:hiddenEffects>
+            </a:ext>
+          </a:extLst>
         </p:spPr>
-        <p:style>
-          <a:lnRef idx="2">
-            <a:schemeClr val="accent1">
-              <a:shade val="50000"/>
-            </a:schemeClr>
-          </a:lnRef>
-          <a:fillRef idx="1">
-            <a:schemeClr val="accent1"/>
-          </a:fillRef>
-          <a:effectRef idx="0">
-            <a:schemeClr val="accent1"/>
-          </a:effectRef>
-          <a:fontRef idx="minor">
-            <a:schemeClr val="lt1"/>
-          </a:fontRef>
-        </p:style>
-        <p:txBody>
-          <a:bodyPr rtlCol="0" anchor="ctr"/>
+        <p:txBody>
+          <a:bodyPr vert="horz" wrap="square" lIns="91440" tIns="0" rIns="91440" bIns="0" numCol="1" anchor="ctr" anchorCtr="0" compatLnSpc="1">
+            <a:prstTxWarp prst="textNoShape">
+              <a:avLst/>
+            </a:prstTxWarp>
+            <a:spAutoFit/>
+          </a:bodyPr>
           <a:lstStyle/>
           <a:p>
-            <a:pPr algn="ctr"/>
-            <a:endParaRPr lang="fr-FR" dirty="0"/>
-          </a:p>
-        </p:txBody>
-      </p:sp>
-      <p:sp>
-        <p:nvSpPr>
-          <p:cNvPr id="17" name="Rectangle 16">
-            <a:extLst>
-              <a:ext uri="{FF2B5EF4-FFF2-40B4-BE49-F238E27FC236}">
-                <a16:creationId xmlns:a16="http://schemas.microsoft.com/office/drawing/2014/main" id="{CB09BF6A-B69E-4BCA-9BB9-1CBAD3BB77AF}"/>
-              </a:ext>
-            </a:extLst>
-          </p:cNvPr>
-          <p:cNvSpPr/>
-          <p:nvPr/>
-        </p:nvSpPr>
-        <p:spPr>
-          <a:xfrm>
-            <a:off x="8161506" y="2052537"/>
-            <a:ext cx="3246349" cy="1916348"/>
-          </a:xfrm>
-          <a:prstGeom prst="rect">
-            <a:avLst/>
-          </a:prstGeom>
-          <a:noFill/>
-          <a:ln w="38100">
-            <a:solidFill>
-              <a:srgbClr val="FFFF00"/>
-            </a:solidFill>
-          </a:ln>
-        </p:spPr>
-        <p:style>
-          <a:lnRef idx="2">
-            <a:schemeClr val="accent1">
-              <a:shade val="50000"/>
-            </a:schemeClr>
-          </a:lnRef>
-          <a:fillRef idx="1">
-            <a:schemeClr val="accent1"/>
-          </a:fillRef>
-          <a:effectRef idx="0">
-            <a:schemeClr val="accent1"/>
-          </a:effectRef>
-          <a:fontRef idx="minor">
-            <a:schemeClr val="lt1"/>
-          </a:fontRef>
-        </p:style>
-        <p:txBody>
-          <a:bodyPr rtlCol="0" anchor="ctr"/>
-          <a:lstStyle/>
-          <a:p>
-            <a:pPr algn="ctr"/>
-            <a:endParaRPr lang="fr-FR" dirty="0"/>
-          </a:p>
-        </p:txBody>
-      </p:sp>
-      <p:pic>
-        <p:nvPicPr>
-          <p:cNvPr id="18" name="Image 17">
-            <a:extLst>
-              <a:ext uri="{FF2B5EF4-FFF2-40B4-BE49-F238E27FC236}">
-                <a16:creationId xmlns:a16="http://schemas.microsoft.com/office/drawing/2014/main" id="{DA44289C-DEC5-404F-81F5-5B87A28EC7A8}"/>
-              </a:ext>
-            </a:extLst>
-          </p:cNvPr>
-          <p:cNvPicPr>
-            <a:picLocks noChangeAspect="1"/>
-          </p:cNvPicPr>
-          <p:nvPr/>
-        </p:nvPicPr>
-        <p:blipFill>
-          <a:blip r:embed="rId4">
-            <a:extLst>
-              <a:ext uri="{28A0092B-C50C-407E-A947-70E740481C1C}">
-                <a14:useLocalDpi xmlns:a14="http://schemas.microsoft.com/office/drawing/2010/main" val="0"/>
-              </a:ext>
-            </a:extLst>
-          </a:blip>
-          <a:stretch>
-            <a:fillRect/>
-          </a:stretch>
-        </p:blipFill>
-        <p:spPr>
-          <a:xfrm>
-            <a:off x="4258201" y="4210106"/>
-            <a:ext cx="3675597" cy="2572918"/>
-          </a:xfrm>
-          <a:prstGeom prst="rect">
-            <a:avLst/>
-          </a:prstGeom>
-        </p:spPr>
-      </p:pic>
+            <a:pPr marL="0" marR="0" lvl="0" indent="0" algn="l" defTabSz="914400" rtl="0" eaLnBrk="0" fontAlgn="base" latinLnBrk="0" hangingPunct="0">
+              <a:lnSpc>
+                <a:spcPct val="100000"/>
+              </a:lnSpc>
+              <a:spcBef>
+                <a:spcPct val="30000"/>
+              </a:spcBef>
+              <a:spcAft>
+                <a:spcPct val="0"/>
+              </a:spcAft>
+              <a:buClrTx/>
+              <a:buSzTx/>
+              <a:buFontTx/>
+              <a:buNone/>
+              <a:tabLst/>
+            </a:pPr>
+            <a:r>
+              <a:rPr kumimoji="0" lang="fr-FR" altLang="fr-FR" b="1" i="0" u="none" strike="noStrike" cap="none" normalizeH="0" baseline="0" dirty="0">
+                <a:ln>
+                  <a:noFill/>
+                </a:ln>
+                <a:solidFill>
+                  <a:srgbClr val="C65D09"/>
+                </a:solidFill>
+                <a:effectLst/>
+                <a:latin typeface="Arial" panose="020B0604020202020204" pitchFamily="34" charset="0"/>
+                <a:cs typeface="Arial" panose="020B0604020202020204" pitchFamily="34" charset="0"/>
+              </a:rPr>
+              <a:t>&gt;&gt;&gt; </a:t>
+            </a:r>
+            <a:r>
+              <a:rPr kumimoji="0" lang="fr-FR" altLang="fr-FR" b="1" i="0" u="none" strike="noStrike" cap="none" normalizeH="0" baseline="0" dirty="0" err="1">
+                <a:ln>
+                  <a:noFill/>
+                </a:ln>
+                <a:solidFill>
+                  <a:srgbClr val="007020"/>
+                </a:solidFill>
+                <a:effectLst/>
+                <a:latin typeface="Arial" panose="020B0604020202020204" pitchFamily="34" charset="0"/>
+                <a:cs typeface="Arial" panose="020B0604020202020204" pitchFamily="34" charset="0"/>
+              </a:rPr>
+              <a:t>from</a:t>
+            </a:r>
+            <a:r>
+              <a:rPr kumimoji="0" lang="fr-FR" altLang="fr-FR" b="0" i="0" u="none" strike="noStrike" cap="none" normalizeH="0" baseline="0" dirty="0">
+                <a:ln>
+                  <a:noFill/>
+                </a:ln>
+                <a:solidFill>
+                  <a:srgbClr val="212529"/>
+                </a:solidFill>
+                <a:effectLst/>
+                <a:latin typeface="Arial" panose="020B0604020202020204" pitchFamily="34" charset="0"/>
+                <a:cs typeface="Arial" panose="020B0604020202020204" pitchFamily="34" charset="0"/>
+              </a:rPr>
+              <a:t> </a:t>
+            </a:r>
+            <a:r>
+              <a:rPr kumimoji="0" lang="fr-FR" altLang="fr-FR" b="1" i="0" u="none" strike="noStrike" cap="none" normalizeH="0" baseline="0" dirty="0" err="1">
+                <a:ln>
+                  <a:noFill/>
+                </a:ln>
+                <a:solidFill>
+                  <a:srgbClr val="0E84B5"/>
+                </a:solidFill>
+                <a:effectLst/>
+                <a:latin typeface="Arial" panose="020B0604020202020204" pitchFamily="34" charset="0"/>
+                <a:cs typeface="Arial" panose="020B0604020202020204" pitchFamily="34" charset="0"/>
+              </a:rPr>
+              <a:t>sklearn.feature_selection</a:t>
+            </a:r>
+            <a:r>
+              <a:rPr kumimoji="0" lang="fr-FR" altLang="fr-FR" b="0" i="0" u="none" strike="noStrike" cap="none" normalizeH="0" baseline="0" dirty="0">
+                <a:ln>
+                  <a:noFill/>
+                </a:ln>
+                <a:solidFill>
+                  <a:srgbClr val="212529"/>
+                </a:solidFill>
+                <a:effectLst/>
+                <a:latin typeface="Arial" panose="020B0604020202020204" pitchFamily="34" charset="0"/>
+                <a:cs typeface="Arial" panose="020B0604020202020204" pitchFamily="34" charset="0"/>
+              </a:rPr>
+              <a:t> </a:t>
+            </a:r>
+            <a:r>
+              <a:rPr kumimoji="0" lang="fr-FR" altLang="fr-FR" b="1" i="0" u="none" strike="noStrike" cap="none" normalizeH="0" baseline="0" dirty="0">
+                <a:ln>
+                  <a:noFill/>
+                </a:ln>
+                <a:solidFill>
+                  <a:srgbClr val="007020"/>
+                </a:solidFill>
+                <a:effectLst/>
+                <a:latin typeface="Arial" panose="020B0604020202020204" pitchFamily="34" charset="0"/>
+                <a:cs typeface="Arial" panose="020B0604020202020204" pitchFamily="34" charset="0"/>
+              </a:rPr>
+              <a:t>import</a:t>
+            </a:r>
+            <a:r>
+              <a:rPr kumimoji="0" lang="fr-FR" altLang="fr-FR" b="0" i="0" u="none" strike="noStrike" cap="none" normalizeH="0" baseline="0" dirty="0">
+                <a:ln>
+                  <a:noFill/>
+                </a:ln>
+                <a:solidFill>
+                  <a:srgbClr val="212529"/>
+                </a:solidFill>
+                <a:effectLst/>
+                <a:latin typeface="Arial" panose="020B0604020202020204" pitchFamily="34" charset="0"/>
+                <a:cs typeface="Arial" panose="020B0604020202020204" pitchFamily="34" charset="0"/>
+              </a:rPr>
+              <a:t> </a:t>
+            </a:r>
+            <a:r>
+              <a:rPr kumimoji="0" lang="fr-FR" altLang="fr-FR" b="0" i="0" u="none" strike="noStrike" cap="none" normalizeH="0" baseline="0" dirty="0" err="1">
+                <a:ln>
+                  <a:noFill/>
+                </a:ln>
+                <a:solidFill>
+                  <a:schemeClr val="tx1"/>
+                </a:solidFill>
+                <a:effectLst/>
+                <a:latin typeface="Arial" panose="020B0604020202020204" pitchFamily="34" charset="0"/>
+                <a:cs typeface="Arial" panose="020B0604020202020204" pitchFamily="34" charset="0"/>
+              </a:rPr>
+              <a:t>SelectKBest</a:t>
+            </a:r>
+            <a:r>
+              <a:rPr kumimoji="0" lang="fr-FR" altLang="fr-FR" b="0" i="0" u="none" strike="noStrike" cap="none" normalizeH="0" baseline="0" dirty="0">
+                <a:ln>
+                  <a:noFill/>
+                </a:ln>
+                <a:solidFill>
+                  <a:srgbClr val="212529"/>
+                </a:solidFill>
+                <a:effectLst/>
+                <a:latin typeface="Arial" panose="020B0604020202020204" pitchFamily="34" charset="0"/>
+                <a:cs typeface="Arial" panose="020B0604020202020204" pitchFamily="34" charset="0"/>
+              </a:rPr>
+              <a:t> </a:t>
+            </a:r>
+          </a:p>
+          <a:p>
+            <a:pPr marL="0" marR="0" lvl="0" indent="0" algn="l" defTabSz="914400" rtl="0" eaLnBrk="0" fontAlgn="base" latinLnBrk="0" hangingPunct="0">
+              <a:lnSpc>
+                <a:spcPct val="100000"/>
+              </a:lnSpc>
+              <a:spcBef>
+                <a:spcPct val="30000"/>
+              </a:spcBef>
+              <a:spcAft>
+                <a:spcPct val="0"/>
+              </a:spcAft>
+              <a:buClrTx/>
+              <a:buSzTx/>
+              <a:buFontTx/>
+              <a:buNone/>
+              <a:tabLst/>
+            </a:pPr>
+            <a:r>
+              <a:rPr kumimoji="0" lang="fr-FR" altLang="fr-FR" b="1" i="0" u="none" strike="noStrike" cap="none" normalizeH="0" baseline="0" dirty="0">
+                <a:ln>
+                  <a:noFill/>
+                </a:ln>
+                <a:solidFill>
+                  <a:srgbClr val="C65D09"/>
+                </a:solidFill>
+                <a:effectLst/>
+                <a:latin typeface="Arial" panose="020B0604020202020204" pitchFamily="34" charset="0"/>
+                <a:cs typeface="Arial" panose="020B0604020202020204" pitchFamily="34" charset="0"/>
+              </a:rPr>
+              <a:t>&gt;&gt;&gt; </a:t>
+            </a:r>
+            <a:r>
+              <a:rPr kumimoji="0" lang="fr-FR" altLang="fr-FR" b="1" i="0" u="none" strike="noStrike" cap="none" normalizeH="0" baseline="0" dirty="0" err="1">
+                <a:ln>
+                  <a:noFill/>
+                </a:ln>
+                <a:solidFill>
+                  <a:srgbClr val="007020"/>
+                </a:solidFill>
+                <a:effectLst/>
+                <a:latin typeface="Arial" panose="020B0604020202020204" pitchFamily="34" charset="0"/>
+                <a:cs typeface="Arial" panose="020B0604020202020204" pitchFamily="34" charset="0"/>
+              </a:rPr>
+              <a:t>from</a:t>
+            </a:r>
+            <a:r>
+              <a:rPr kumimoji="0" lang="fr-FR" altLang="fr-FR" b="0" i="0" u="none" strike="noStrike" cap="none" normalizeH="0" baseline="0" dirty="0">
+                <a:ln>
+                  <a:noFill/>
+                </a:ln>
+                <a:solidFill>
+                  <a:srgbClr val="212529"/>
+                </a:solidFill>
+                <a:effectLst/>
+                <a:latin typeface="Arial" panose="020B0604020202020204" pitchFamily="34" charset="0"/>
+                <a:cs typeface="Arial" panose="020B0604020202020204" pitchFamily="34" charset="0"/>
+              </a:rPr>
+              <a:t> </a:t>
+            </a:r>
+            <a:r>
+              <a:rPr kumimoji="0" lang="fr-FR" altLang="fr-FR" b="1" i="0" u="none" strike="noStrike" cap="none" normalizeH="0" baseline="0" dirty="0" err="1">
+                <a:ln>
+                  <a:noFill/>
+                </a:ln>
+                <a:solidFill>
+                  <a:srgbClr val="0E84B5"/>
+                </a:solidFill>
+                <a:effectLst/>
+                <a:latin typeface="Arial" panose="020B0604020202020204" pitchFamily="34" charset="0"/>
+                <a:cs typeface="Arial" panose="020B0604020202020204" pitchFamily="34" charset="0"/>
+              </a:rPr>
+              <a:t>sklearn.feature_selection</a:t>
+            </a:r>
+            <a:r>
+              <a:rPr kumimoji="0" lang="fr-FR" altLang="fr-FR" b="0" i="0" u="none" strike="noStrike" cap="none" normalizeH="0" baseline="0" dirty="0">
+                <a:ln>
+                  <a:noFill/>
+                </a:ln>
+                <a:solidFill>
+                  <a:srgbClr val="212529"/>
+                </a:solidFill>
+                <a:effectLst/>
+                <a:latin typeface="Arial" panose="020B0604020202020204" pitchFamily="34" charset="0"/>
+                <a:cs typeface="Arial" panose="020B0604020202020204" pitchFamily="34" charset="0"/>
+              </a:rPr>
+              <a:t> </a:t>
+            </a:r>
+            <a:r>
+              <a:rPr kumimoji="0" lang="fr-FR" altLang="fr-FR" b="1" i="0" u="none" strike="noStrike" cap="none" normalizeH="0" baseline="0" dirty="0">
+                <a:ln>
+                  <a:noFill/>
+                </a:ln>
+                <a:solidFill>
+                  <a:srgbClr val="007020"/>
+                </a:solidFill>
+                <a:effectLst/>
+                <a:latin typeface="Arial" panose="020B0604020202020204" pitchFamily="34" charset="0"/>
+                <a:cs typeface="Arial" panose="020B0604020202020204" pitchFamily="34" charset="0"/>
+              </a:rPr>
+              <a:t>import</a:t>
+            </a:r>
+            <a:r>
+              <a:rPr kumimoji="0" lang="fr-FR" altLang="fr-FR" b="0" i="0" u="none" strike="noStrike" cap="none" normalizeH="0" baseline="0" dirty="0">
+                <a:ln>
+                  <a:noFill/>
+                </a:ln>
+                <a:solidFill>
+                  <a:srgbClr val="212529"/>
+                </a:solidFill>
+                <a:effectLst/>
+                <a:latin typeface="Arial" panose="020B0604020202020204" pitchFamily="34" charset="0"/>
+                <a:cs typeface="Arial" panose="020B0604020202020204" pitchFamily="34" charset="0"/>
+              </a:rPr>
+              <a:t> </a:t>
+            </a:r>
+            <a:r>
+              <a:rPr kumimoji="0" lang="fr-FR" altLang="fr-FR" b="0" i="0" u="none" strike="noStrike" cap="none" normalizeH="0" baseline="0" dirty="0">
+                <a:ln>
+                  <a:noFill/>
+                </a:ln>
+                <a:solidFill>
+                  <a:schemeClr val="tx1"/>
+                </a:solidFill>
+                <a:effectLst/>
+                <a:latin typeface="Arial" panose="020B0604020202020204" pitchFamily="34" charset="0"/>
+                <a:cs typeface="Arial" panose="020B0604020202020204" pitchFamily="34" charset="0"/>
+              </a:rPr>
+              <a:t>chi2</a:t>
+            </a:r>
+          </a:p>
+          <a:p>
+            <a:pPr eaLnBrk="0" fontAlgn="base" hangingPunct="0">
+              <a:spcBef>
+                <a:spcPct val="30000"/>
+              </a:spcBef>
+              <a:spcAft>
+                <a:spcPct val="0"/>
+              </a:spcAft>
+            </a:pPr>
+            <a:r>
+              <a:rPr kumimoji="0" lang="fr-FR" altLang="fr-FR" b="1" i="0" u="none" strike="noStrike" cap="none" normalizeH="0" baseline="0" dirty="0">
+                <a:ln>
+                  <a:noFill/>
+                </a:ln>
+                <a:solidFill>
+                  <a:srgbClr val="C65D09"/>
+                </a:solidFill>
+                <a:effectLst/>
+                <a:latin typeface="Arial" panose="020B0604020202020204" pitchFamily="34" charset="0"/>
+                <a:cs typeface="Arial" panose="020B0604020202020204" pitchFamily="34" charset="0"/>
+              </a:rPr>
+              <a:t>&gt;&gt;&gt; </a:t>
+            </a:r>
+            <a:r>
+              <a:rPr kumimoji="0" lang="fr-FR" altLang="fr-FR" b="1" i="0" u="none" strike="noStrike" cap="none" normalizeH="0" baseline="0" dirty="0" err="1">
+                <a:ln>
+                  <a:noFill/>
+                </a:ln>
+                <a:solidFill>
+                  <a:srgbClr val="007020"/>
+                </a:solidFill>
+                <a:effectLst/>
+                <a:latin typeface="Arial" panose="020B0604020202020204" pitchFamily="34" charset="0"/>
+                <a:cs typeface="Arial" panose="020B0604020202020204" pitchFamily="34" charset="0"/>
+              </a:rPr>
+              <a:t>from</a:t>
+            </a:r>
+            <a:r>
+              <a:rPr kumimoji="0" lang="fr-FR" altLang="fr-FR" b="0" i="0" u="none" strike="noStrike" cap="none" normalizeH="0" baseline="0" dirty="0">
+                <a:ln>
+                  <a:noFill/>
+                </a:ln>
+                <a:solidFill>
+                  <a:srgbClr val="212529"/>
+                </a:solidFill>
+                <a:effectLst/>
+                <a:latin typeface="Arial" panose="020B0604020202020204" pitchFamily="34" charset="0"/>
+                <a:cs typeface="Arial" panose="020B0604020202020204" pitchFamily="34" charset="0"/>
+              </a:rPr>
+              <a:t> </a:t>
+            </a:r>
+            <a:r>
+              <a:rPr kumimoji="0" lang="fr-FR" altLang="fr-FR" b="1" i="0" u="none" strike="noStrike" cap="none" normalizeH="0" baseline="0" dirty="0" err="1">
+                <a:ln>
+                  <a:noFill/>
+                </a:ln>
+                <a:solidFill>
+                  <a:srgbClr val="0E84B5"/>
+                </a:solidFill>
+                <a:effectLst/>
+                <a:latin typeface="Arial" panose="020B0604020202020204" pitchFamily="34" charset="0"/>
+                <a:cs typeface="Arial" panose="020B0604020202020204" pitchFamily="34" charset="0"/>
+              </a:rPr>
+              <a:t>sklearn.feature_selection</a:t>
+            </a:r>
+            <a:r>
+              <a:rPr kumimoji="0" lang="fr-FR" altLang="fr-FR" b="0" i="0" u="none" strike="noStrike" cap="none" normalizeH="0" baseline="0" dirty="0">
+                <a:ln>
+                  <a:noFill/>
+                </a:ln>
+                <a:solidFill>
+                  <a:srgbClr val="212529"/>
+                </a:solidFill>
+                <a:effectLst/>
+                <a:latin typeface="Arial" panose="020B0604020202020204" pitchFamily="34" charset="0"/>
+                <a:cs typeface="Arial" panose="020B0604020202020204" pitchFamily="34" charset="0"/>
+              </a:rPr>
+              <a:t> </a:t>
+            </a:r>
+            <a:r>
+              <a:rPr kumimoji="0" lang="fr-FR" altLang="fr-FR" b="1" i="0" u="none" strike="noStrike" cap="none" normalizeH="0" baseline="0" dirty="0">
+                <a:ln>
+                  <a:noFill/>
+                </a:ln>
+                <a:solidFill>
+                  <a:srgbClr val="007020"/>
+                </a:solidFill>
+                <a:effectLst/>
+                <a:latin typeface="Arial" panose="020B0604020202020204" pitchFamily="34" charset="0"/>
+                <a:cs typeface="Arial" panose="020B0604020202020204" pitchFamily="34" charset="0"/>
+              </a:rPr>
+              <a:t>import</a:t>
+            </a:r>
+            <a:r>
+              <a:rPr kumimoji="0" lang="fr-FR" altLang="fr-FR" b="0" i="0" u="none" strike="noStrike" cap="none" normalizeH="0" baseline="0" dirty="0">
+                <a:ln>
+                  <a:noFill/>
+                </a:ln>
+                <a:solidFill>
+                  <a:srgbClr val="212529"/>
+                </a:solidFill>
+                <a:effectLst/>
+                <a:latin typeface="Arial" panose="020B0604020202020204" pitchFamily="34" charset="0"/>
+                <a:cs typeface="Arial" panose="020B0604020202020204" pitchFamily="34" charset="0"/>
+              </a:rPr>
+              <a:t> </a:t>
+            </a:r>
+            <a:r>
+              <a:rPr kumimoji="0" lang="fr-FR" altLang="fr-FR" b="0" i="0" u="none" strike="noStrike" cap="none" normalizeH="0" baseline="0" dirty="0" err="1">
+                <a:ln>
+                  <a:noFill/>
+                </a:ln>
+                <a:solidFill>
+                  <a:schemeClr val="tx1"/>
+                </a:solidFill>
+                <a:effectLst/>
+                <a:latin typeface="Arial" panose="020B0604020202020204" pitchFamily="34" charset="0"/>
+                <a:cs typeface="Arial" panose="020B0604020202020204" pitchFamily="34" charset="0"/>
+              </a:rPr>
+              <a:t>VarianceThreshold</a:t>
+            </a:r>
+            <a:endParaRPr kumimoji="0" lang="fr-FR" altLang="fr-FR" b="0" i="0" u="none" strike="noStrike" cap="none" normalizeH="0" baseline="0" dirty="0">
+              <a:ln>
+                <a:noFill/>
+              </a:ln>
+              <a:solidFill>
+                <a:schemeClr val="tx1"/>
+              </a:solidFill>
+              <a:effectLst/>
+              <a:latin typeface="Arial" panose="020B0604020202020204" pitchFamily="34" charset="0"/>
+              <a:cs typeface="Arial" panose="020B0604020202020204" pitchFamily="34" charset="0"/>
+            </a:endParaRPr>
+          </a:p>
+          <a:p>
+            <a:pPr eaLnBrk="0" fontAlgn="base" hangingPunct="0">
+              <a:spcBef>
+                <a:spcPct val="30000"/>
+              </a:spcBef>
+              <a:spcAft>
+                <a:spcPct val="0"/>
+              </a:spcAft>
+            </a:pPr>
+            <a:r>
+              <a:rPr kumimoji="0" lang="fr-FR" altLang="fr-FR" b="1" i="0" u="none" strike="noStrike" cap="none" normalizeH="0" baseline="0" dirty="0">
+                <a:ln>
+                  <a:noFill/>
+                </a:ln>
+                <a:solidFill>
+                  <a:srgbClr val="C65D09"/>
+                </a:solidFill>
+                <a:effectLst/>
+                <a:latin typeface="Arial" panose="020B0604020202020204" pitchFamily="34" charset="0"/>
+                <a:cs typeface="Arial" panose="020B0604020202020204" pitchFamily="34" charset="0"/>
+              </a:rPr>
+              <a:t>&gt;&gt;&gt; </a:t>
+            </a:r>
+            <a:r>
+              <a:rPr kumimoji="0" lang="fr-FR" altLang="fr-FR" b="1" i="0" u="none" strike="noStrike" cap="none" normalizeH="0" baseline="0" dirty="0" err="1">
+                <a:ln>
+                  <a:noFill/>
+                </a:ln>
+                <a:solidFill>
+                  <a:srgbClr val="007020"/>
+                </a:solidFill>
+                <a:effectLst/>
+                <a:latin typeface="Arial" panose="020B0604020202020204" pitchFamily="34" charset="0"/>
+                <a:cs typeface="Arial" panose="020B0604020202020204" pitchFamily="34" charset="0"/>
+              </a:rPr>
+              <a:t>from</a:t>
+            </a:r>
+            <a:r>
+              <a:rPr kumimoji="0" lang="fr-FR" altLang="fr-FR" b="0" i="0" u="none" strike="noStrike" cap="none" normalizeH="0" baseline="0" dirty="0">
+                <a:ln>
+                  <a:noFill/>
+                </a:ln>
+                <a:solidFill>
+                  <a:srgbClr val="212529"/>
+                </a:solidFill>
+                <a:effectLst/>
+                <a:latin typeface="Arial" panose="020B0604020202020204" pitchFamily="34" charset="0"/>
+                <a:cs typeface="Arial" panose="020B0604020202020204" pitchFamily="34" charset="0"/>
+              </a:rPr>
+              <a:t> </a:t>
+            </a:r>
+            <a:r>
+              <a:rPr kumimoji="0" lang="fr-FR" altLang="fr-FR" b="1" i="0" u="none" strike="noStrike" cap="none" normalizeH="0" baseline="0" dirty="0" err="1">
+                <a:ln>
+                  <a:noFill/>
+                </a:ln>
+                <a:solidFill>
+                  <a:srgbClr val="0E84B5"/>
+                </a:solidFill>
+                <a:effectLst/>
+                <a:latin typeface="Arial" panose="020B0604020202020204" pitchFamily="34" charset="0"/>
+                <a:cs typeface="Arial" panose="020B0604020202020204" pitchFamily="34" charset="0"/>
+              </a:rPr>
+              <a:t>sklearn.feature_selection</a:t>
+            </a:r>
+            <a:r>
+              <a:rPr kumimoji="0" lang="fr-FR" altLang="fr-FR" b="0" i="0" u="none" strike="noStrike" cap="none" normalizeH="0" baseline="0" dirty="0">
+                <a:ln>
+                  <a:noFill/>
+                </a:ln>
+                <a:solidFill>
+                  <a:srgbClr val="212529"/>
+                </a:solidFill>
+                <a:effectLst/>
+                <a:latin typeface="Arial" panose="020B0604020202020204" pitchFamily="34" charset="0"/>
+                <a:cs typeface="Arial" panose="020B0604020202020204" pitchFamily="34" charset="0"/>
+              </a:rPr>
+              <a:t> </a:t>
+            </a:r>
+            <a:r>
+              <a:rPr kumimoji="0" lang="fr-FR" altLang="fr-FR" b="1" i="0" u="none" strike="noStrike" cap="none" normalizeH="0" baseline="0" dirty="0">
+                <a:ln>
+                  <a:noFill/>
+                </a:ln>
+                <a:solidFill>
+                  <a:srgbClr val="007020"/>
+                </a:solidFill>
+                <a:effectLst/>
+                <a:latin typeface="Arial" panose="020B0604020202020204" pitchFamily="34" charset="0"/>
+                <a:cs typeface="Arial" panose="020B0604020202020204" pitchFamily="34" charset="0"/>
+              </a:rPr>
+              <a:t>import</a:t>
+            </a:r>
+            <a:r>
+              <a:rPr kumimoji="0" lang="fr-FR" altLang="fr-FR" b="0" i="0" u="none" strike="noStrike" cap="none" normalizeH="0" baseline="0" dirty="0">
+                <a:ln>
+                  <a:noFill/>
+                </a:ln>
+                <a:solidFill>
+                  <a:srgbClr val="212529"/>
+                </a:solidFill>
+                <a:effectLst/>
+                <a:latin typeface="Arial" panose="020B0604020202020204" pitchFamily="34" charset="0"/>
+                <a:cs typeface="Arial" panose="020B0604020202020204" pitchFamily="34" charset="0"/>
+              </a:rPr>
+              <a:t> </a:t>
+            </a:r>
+            <a:r>
+              <a:rPr kumimoji="0" lang="fr-FR" altLang="fr-FR" b="0" i="0" u="none" strike="noStrike" cap="none" normalizeH="0" baseline="0" dirty="0" err="1">
+                <a:ln>
+                  <a:noFill/>
+                </a:ln>
+                <a:solidFill>
+                  <a:schemeClr val="tx1"/>
+                </a:solidFill>
+                <a:effectLst/>
+                <a:latin typeface="Arial" panose="020B0604020202020204" pitchFamily="34" charset="0"/>
+                <a:cs typeface="Arial" panose="020B0604020202020204" pitchFamily="34" charset="0"/>
+              </a:rPr>
+              <a:t>SelectFromModel</a:t>
+            </a:r>
+            <a:endParaRPr kumimoji="0" lang="fr-FR" altLang="fr-FR" sz="2400" b="0" i="0" u="none" strike="noStrike" cap="none" normalizeH="0" baseline="0" dirty="0">
+              <a:ln>
+                <a:noFill/>
+              </a:ln>
+              <a:solidFill>
+                <a:schemeClr val="tx1"/>
+              </a:solidFill>
+              <a:effectLst/>
+              <a:latin typeface="Arial" panose="020B0604020202020204" pitchFamily="34" charset="0"/>
+            </a:endParaRPr>
+          </a:p>
+        </p:txBody>
+      </p:sp>
     </p:spTree>
     <p:extLst>
       <p:ext uri="{BB962C8B-B14F-4D97-AF65-F5344CB8AC3E}">
-        <p14:creationId xmlns:p14="http://schemas.microsoft.com/office/powerpoint/2010/main" val="2331159668"/>
+        <p14:creationId xmlns:p14="http://schemas.microsoft.com/office/powerpoint/2010/main" val="4072870117"/>
       </p:ext>
     </p:extLst>
   </p:cSld>
@@ -13614,6 +16288,20 @@
           </a:lstStyle>
           <a:p>
             <a:r>
+              <a:rPr lang="fr-FR" sz="4000" b="1" dirty="0" err="1">
+                <a:ln>
+                  <a:solidFill>
+                    <a:srgbClr val="7451EB"/>
+                  </a:solidFill>
+                </a:ln>
+                <a:solidFill>
+                  <a:srgbClr val="7451EB"/>
+                </a:solidFill>
+                <a:latin typeface="Google Sans"/>
+              </a:rPr>
+              <a:t>Feature</a:t>
+            </a:r>
+            <a:r>
               <a:rPr lang="fr-FR" sz="4000" b="1" dirty="0">
                 <a:ln>
                   <a:solidFill>
@@ -13625,7 +16313,7 @@
                 </a:solidFill>
                 <a:latin typeface="Google Sans"/>
               </a:rPr>
-              <a:t>Traitement des valeurs manquantes</a:t>
+              <a:t> engineering</a:t>
             </a:r>
           </a:p>
         </p:txBody>
@@ -13695,10 +16383,10 @@
       </p:sp>
       <p:pic>
         <p:nvPicPr>
-          <p:cNvPr id="4" name="Image 3">
-            <a:extLst>
-              <a:ext uri="{FF2B5EF4-FFF2-40B4-BE49-F238E27FC236}">
-                <a16:creationId xmlns:a16="http://schemas.microsoft.com/office/drawing/2014/main" id="{6DDF00EB-9018-4DF1-B5A1-24D97B021232}"/>
+          <p:cNvPr id="9" name="Image 8">
+            <a:extLst>
+              <a:ext uri="{FF2B5EF4-FFF2-40B4-BE49-F238E27FC236}">
+                <a16:creationId xmlns:a16="http://schemas.microsoft.com/office/drawing/2014/main" id="{D2717879-68F8-4CA1-AB5D-CBEC59EF8F58}"/>
               </a:ext>
             </a:extLst>
           </p:cNvPr>
@@ -13707,15 +16395,16 @@
           </p:cNvPicPr>
           <p:nvPr/>
         </p:nvPicPr>
-        <p:blipFill rotWithShape="1">
+        <p:blipFill>
           <a:blip r:embed="rId3"/>
-          <a:srcRect r="51080"/>
-          <a:stretch/>
+          <a:stretch>
+            <a:fillRect/>
+          </a:stretch>
         </p:blipFill>
         <p:spPr>
           <a:xfrm>
-            <a:off x="152501" y="2884452"/>
-            <a:ext cx="4701601" cy="3829050"/>
+            <a:off x="377906" y="2139734"/>
+            <a:ext cx="11029950" cy="1733550"/>
           </a:xfrm>
           <a:prstGeom prst="rect">
             <a:avLst/>
@@ -13724,10 +16413,10 @@
       </p:pic>
       <p:sp>
         <p:nvSpPr>
-          <p:cNvPr id="12" name="Rectangle 11">
-            <a:extLst>
-              <a:ext uri="{FF2B5EF4-FFF2-40B4-BE49-F238E27FC236}">
-                <a16:creationId xmlns:a16="http://schemas.microsoft.com/office/drawing/2014/main" id="{5597EA5B-7B1A-44FD-9819-66304E876C76}"/>
+          <p:cNvPr id="13" name="Rectangle 12">
+            <a:extLst>
+              <a:ext uri="{FF2B5EF4-FFF2-40B4-BE49-F238E27FC236}">
+                <a16:creationId xmlns:a16="http://schemas.microsoft.com/office/drawing/2014/main" id="{05416A80-01A9-4926-BC36-B81FE55D5F0B}"/>
               </a:ext>
             </a:extLst>
           </p:cNvPr>
@@ -13736,8 +16425,8 @@
         </p:nvSpPr>
         <p:spPr>
           <a:xfrm>
-            <a:off x="3888126" y="5539532"/>
-            <a:ext cx="965976" cy="1173970"/>
+            <a:off x="3450381" y="2052537"/>
+            <a:ext cx="2512674" cy="1916348"/>
           </a:xfrm>
           <a:prstGeom prst="rect">
             <a:avLst/>
@@ -13774,12 +16463,64 @@
           </a:p>
         </p:txBody>
       </p:sp>
+      <p:sp>
+        <p:nvSpPr>
+          <p:cNvPr id="17" name="Rectangle 16">
+            <a:extLst>
+              <a:ext uri="{FF2B5EF4-FFF2-40B4-BE49-F238E27FC236}">
+                <a16:creationId xmlns:a16="http://schemas.microsoft.com/office/drawing/2014/main" id="{CB09BF6A-B69E-4BCA-9BB9-1CBAD3BB77AF}"/>
+              </a:ext>
+            </a:extLst>
+          </p:cNvPr>
+          <p:cNvSpPr/>
+          <p:nvPr/>
+        </p:nvSpPr>
+        <p:spPr>
+          <a:xfrm>
+            <a:off x="8161506" y="2052537"/>
+            <a:ext cx="3246349" cy="1916348"/>
+          </a:xfrm>
+          <a:prstGeom prst="rect">
+            <a:avLst/>
+          </a:prstGeom>
+          <a:noFill/>
+          <a:ln w="38100">
+            <a:solidFill>
+              <a:srgbClr val="FFFF00"/>
+            </a:solidFill>
+          </a:ln>
+        </p:spPr>
+        <p:style>
+          <a:lnRef idx="2">
+            <a:schemeClr val="accent1">
+              <a:shade val="50000"/>
+            </a:schemeClr>
+          </a:lnRef>
+          <a:fillRef idx="1">
+            <a:schemeClr val="accent1"/>
+          </a:fillRef>
+          <a:effectRef idx="0">
+            <a:schemeClr val="accent1"/>
+          </a:effectRef>
+          <a:fontRef idx="minor">
+            <a:schemeClr val="lt1"/>
+          </a:fontRef>
+        </p:style>
+        <p:txBody>
+          <a:bodyPr rtlCol="0" anchor="ctr"/>
+          <a:lstStyle/>
+          <a:p>
+            <a:pPr algn="ctr"/>
+            <a:endParaRPr lang="fr-FR" dirty="0"/>
+          </a:p>
+        </p:txBody>
+      </p:sp>
       <p:pic>
         <p:nvPicPr>
-          <p:cNvPr id="3" name="Image 2">
-            <a:extLst>
-              <a:ext uri="{FF2B5EF4-FFF2-40B4-BE49-F238E27FC236}">
-                <a16:creationId xmlns:a16="http://schemas.microsoft.com/office/drawing/2014/main" id="{3D44ED10-7D5C-40E1-B766-330986B7F4B6}"/>
+          <p:cNvPr id="18" name="Image 17">
+            <a:extLst>
+              <a:ext uri="{FF2B5EF4-FFF2-40B4-BE49-F238E27FC236}">
+                <a16:creationId xmlns:a16="http://schemas.microsoft.com/office/drawing/2014/main" id="{DA44289C-DEC5-404F-81F5-5B87A28EC7A8}"/>
               </a:ext>
             </a:extLst>
           </p:cNvPr>
@@ -13802,18 +16543,69 @@
         </p:blipFill>
         <p:spPr>
           <a:xfrm>
-            <a:off x="4388131" y="1151780"/>
-            <a:ext cx="7651368" cy="3825683"/>
+            <a:off x="4258201" y="4210106"/>
+            <a:ext cx="3675597" cy="2572918"/>
           </a:xfrm>
           <a:prstGeom prst="rect">
             <a:avLst/>
           </a:prstGeom>
         </p:spPr>
       </p:pic>
+      <mc:AlternateContent xmlns:mc="http://schemas.openxmlformats.org/markup-compatibility/2006">
+        <mc:Choice xmlns:p14="http://schemas.microsoft.com/office/powerpoint/2010/main" Requires="p14">
+          <p:contentPart p14:bwMode="auto" r:id="rId5">
+            <p14:nvContentPartPr>
+              <p14:cNvPr id="4" name="Encre 3">
+                <a:extLst>
+                  <a:ext uri="{FF2B5EF4-FFF2-40B4-BE49-F238E27FC236}">
+                    <a16:creationId xmlns:a16="http://schemas.microsoft.com/office/drawing/2014/main" id="{853ABF99-D6F8-4792-8DBE-479B319CC930}"/>
+                  </a:ext>
+                </a:extLst>
+              </p14:cNvPr>
+              <p14:cNvContentPartPr/>
+              <p14:nvPr/>
+            </p14:nvContentPartPr>
+            <p14:xfrm>
+              <a:off x="3232080" y="1841400"/>
+              <a:ext cx="8229960" cy="4775760"/>
+            </p14:xfrm>
+          </p:contentPart>
+        </mc:Choice>
+        <mc:Fallback>
+          <p:pic>
+            <p:nvPicPr>
+              <p:cNvPr id="4" name="Encre 3">
+                <a:extLst>
+                  <a:ext uri="{FF2B5EF4-FFF2-40B4-BE49-F238E27FC236}">
+                    <a16:creationId xmlns:a16="http://schemas.microsoft.com/office/drawing/2014/main" id="{853ABF99-D6F8-4792-8DBE-479B319CC930}"/>
+                  </a:ext>
+                </a:extLst>
+              </p:cNvPr>
+              <p:cNvPicPr/>
+              <p:nvPr/>
+            </p:nvPicPr>
+            <p:blipFill>
+              <a:blip r:embed="rId6"/>
+              <a:stretch>
+                <a:fillRect/>
+              </a:stretch>
+            </p:blipFill>
+            <p:spPr>
+              <a:xfrm>
+                <a:off x="3222720" y="1832040"/>
+                <a:ext cx="8248680" cy="4794480"/>
+              </a:xfrm>
+              <a:prstGeom prst="rect">
+                <a:avLst/>
+              </a:prstGeom>
+            </p:spPr>
+          </p:pic>
+        </mc:Fallback>
+      </mc:AlternateContent>
     </p:spTree>
     <p:extLst>
       <p:ext uri="{BB962C8B-B14F-4D97-AF65-F5344CB8AC3E}">
-        <p14:creationId xmlns:p14="http://schemas.microsoft.com/office/powerpoint/2010/main" val="1198248828"/>
+        <p14:creationId xmlns:p14="http://schemas.microsoft.com/office/powerpoint/2010/main" val="2331159668"/>
       </p:ext>
     </p:extLst>
   </p:cSld>
@@ -14010,33 +16802,8 @@
                 </a:solidFill>
                 <a:latin typeface="Google Sans"/>
               </a:rPr>
-              <a:t>Mis à jour Data </a:t>
-            </a:r>
-            <a:r>
-              <a:rPr lang="fr-FR" sz="4000" b="1" dirty="0" err="1">
-                <a:ln>
-                  <a:solidFill>
-                    <a:srgbClr val="7451EB"/>
-                  </a:solidFill>
-                </a:ln>
-                <a:solidFill>
-                  <a:srgbClr val="7451EB"/>
-                </a:solidFill>
-                <a:latin typeface="Google Sans"/>
-              </a:rPr>
-              <a:t>preprocessing</a:t>
-            </a:r>
-            <a:endParaRPr lang="fr-FR" sz="4000" b="1" dirty="0">
-              <a:ln>
-                <a:solidFill>
-                  <a:srgbClr val="7451EB"/>
-                </a:solidFill>
-              </a:ln>
-              <a:solidFill>
-                <a:srgbClr val="7451EB"/>
-              </a:solidFill>
-              <a:latin typeface="Google Sans"/>
-            </a:endParaRPr>
+              <a:t>Traitement des valeurs manquantes</a:t>
+            </a:r>
           </a:p>
         </p:txBody>
       </p:sp>
@@ -14105,10 +16872,10 @@
       </p:sp>
       <p:pic>
         <p:nvPicPr>
-          <p:cNvPr id="8" name="Image 7">
-            <a:extLst>
-              <a:ext uri="{FF2B5EF4-FFF2-40B4-BE49-F238E27FC236}">
-                <a16:creationId xmlns:a16="http://schemas.microsoft.com/office/drawing/2014/main" id="{A666EF03-6782-44F4-94C5-82C7867F6496}"/>
+          <p:cNvPr id="4" name="Image 3">
+            <a:extLst>
+              <a:ext uri="{FF2B5EF4-FFF2-40B4-BE49-F238E27FC236}">
+                <a16:creationId xmlns:a16="http://schemas.microsoft.com/office/drawing/2014/main" id="{6DDF00EB-9018-4DF1-B5A1-24D97B021232}"/>
               </a:ext>
             </a:extLst>
           </p:cNvPr>
@@ -14117,16 +16884,15 @@
           </p:cNvPicPr>
           <p:nvPr/>
         </p:nvPicPr>
-        <p:blipFill>
+        <p:blipFill rotWithShape="1">
           <a:blip r:embed="rId3"/>
-          <a:stretch>
-            <a:fillRect/>
-          </a:stretch>
+          <a:srcRect r="51080"/>
+          <a:stretch/>
         </p:blipFill>
         <p:spPr>
           <a:xfrm>
-            <a:off x="1659782" y="1645089"/>
-            <a:ext cx="4533900" cy="3762375"/>
+            <a:off x="152501" y="2884452"/>
+            <a:ext cx="4701601" cy="3829050"/>
           </a:xfrm>
           <a:prstGeom prst="rect">
             <a:avLst/>
@@ -14135,10 +16901,10 @@
       </p:pic>
       <p:sp>
         <p:nvSpPr>
-          <p:cNvPr id="14" name="Rectangle 13">
-            <a:extLst>
-              <a:ext uri="{FF2B5EF4-FFF2-40B4-BE49-F238E27FC236}">
-                <a16:creationId xmlns:a16="http://schemas.microsoft.com/office/drawing/2014/main" id="{9801187B-8317-4EA9-8A7B-EBDC525FD3AD}"/>
+          <p:cNvPr id="12" name="Rectangle 11">
+            <a:extLst>
+              <a:ext uri="{FF2B5EF4-FFF2-40B4-BE49-F238E27FC236}">
+                <a16:creationId xmlns:a16="http://schemas.microsoft.com/office/drawing/2014/main" id="{5597EA5B-7B1A-44FD-9819-66304E876C76}"/>
               </a:ext>
             </a:extLst>
           </p:cNvPr>
@@ -14147,7 +16913,7 @@
         </p:nvSpPr>
         <p:spPr>
           <a:xfrm>
-            <a:off x="5227706" y="4233494"/>
+            <a:off x="3888126" y="5539532"/>
             <a:ext cx="965976" cy="1173970"/>
           </a:xfrm>
           <a:prstGeom prst="rect">
@@ -14185,10 +16951,97 @@
           </a:p>
         </p:txBody>
       </p:sp>
+      <p:pic>
+        <p:nvPicPr>
+          <p:cNvPr id="3" name="Image 2">
+            <a:extLst>
+              <a:ext uri="{FF2B5EF4-FFF2-40B4-BE49-F238E27FC236}">
+                <a16:creationId xmlns:a16="http://schemas.microsoft.com/office/drawing/2014/main" id="{3D44ED10-7D5C-40E1-B766-330986B7F4B6}"/>
+              </a:ext>
+            </a:extLst>
+          </p:cNvPr>
+          <p:cNvPicPr>
+            <a:picLocks noChangeAspect="1"/>
+          </p:cNvPicPr>
+          <p:nvPr/>
+        </p:nvPicPr>
+        <p:blipFill>
+          <a:blip r:embed="rId4">
+            <a:extLst>
+              <a:ext uri="{28A0092B-C50C-407E-A947-70E740481C1C}">
+                <a14:useLocalDpi xmlns:a14="http://schemas.microsoft.com/office/drawing/2010/main" val="0"/>
+              </a:ext>
+            </a:extLst>
+          </a:blip>
+          <a:stretch>
+            <a:fillRect/>
+          </a:stretch>
+        </p:blipFill>
+        <p:spPr>
+          <a:xfrm>
+            <a:off x="4388131" y="1151780"/>
+            <a:ext cx="7651368" cy="3825683"/>
+          </a:xfrm>
+          <a:prstGeom prst="rect">
+            <a:avLst/>
+          </a:prstGeom>
+        </p:spPr>
+      </p:pic>
+      <mc:AlternateContent xmlns:mc="http://schemas.openxmlformats.org/markup-compatibility/2006">
+        <mc:Choice xmlns:p14="http://schemas.microsoft.com/office/powerpoint/2010/main" Requires="p14">
+          <p:contentPart p14:bwMode="auto" r:id="rId5">
+            <p14:nvContentPartPr>
+              <p14:cNvPr id="2" name="Encre 1">
+                <a:extLst>
+                  <a:ext uri="{FF2B5EF4-FFF2-40B4-BE49-F238E27FC236}">
+                    <a16:creationId xmlns:a16="http://schemas.microsoft.com/office/drawing/2014/main" id="{8718513A-786F-4F2E-8B21-57694DBCA477}"/>
+                  </a:ext>
+                </a:extLst>
+              </p14:cNvPr>
+              <p14:cNvContentPartPr/>
+              <p14:nvPr/>
+            </p14:nvContentPartPr>
+            <p14:xfrm>
+              <a:off x="10509120" y="1644480"/>
+              <a:ext cx="686160" cy="692640"/>
+            </p14:xfrm>
+          </p:contentPart>
+        </mc:Choice>
+        <mc:Fallback>
+          <p:pic>
+            <p:nvPicPr>
+              <p:cNvPr id="2" name="Encre 1">
+                <a:extLst>
+                  <a:ext uri="{FF2B5EF4-FFF2-40B4-BE49-F238E27FC236}">
+                    <a16:creationId xmlns:a16="http://schemas.microsoft.com/office/drawing/2014/main" id="{8718513A-786F-4F2E-8B21-57694DBCA477}"/>
+                  </a:ext>
+                </a:extLst>
+              </p:cNvPr>
+              <p:cNvPicPr/>
+              <p:nvPr/>
+            </p:nvPicPr>
+            <p:blipFill>
+              <a:blip r:embed="rId6"/>
+              <a:stretch>
+                <a:fillRect/>
+              </a:stretch>
+            </p:blipFill>
+            <p:spPr>
+              <a:xfrm>
+                <a:off x="10499760" y="1635120"/>
+                <a:ext cx="704880" cy="711360"/>
+              </a:xfrm>
+              <a:prstGeom prst="rect">
+                <a:avLst/>
+              </a:prstGeom>
+            </p:spPr>
+          </p:pic>
+        </mc:Fallback>
+      </mc:AlternateContent>
     </p:spTree>
     <p:extLst>
       <p:ext uri="{BB962C8B-B14F-4D97-AF65-F5344CB8AC3E}">
-        <p14:creationId xmlns:p14="http://schemas.microsoft.com/office/powerpoint/2010/main" val="2946778061"/>
+        <p14:creationId xmlns:p14="http://schemas.microsoft.com/office/powerpoint/2010/main" val="1198248828"/>
       </p:ext>
     </p:extLst>
   </p:cSld>
@@ -14385,33 +17238,8 @@
                 </a:solidFill>
                 <a:latin typeface="Google Sans"/>
               </a:rPr>
-              <a:t>Mis à jour Data </a:t>
-            </a:r>
-            <a:r>
-              <a:rPr lang="fr-FR" sz="4000" b="1" dirty="0" err="1">
-                <a:ln>
-                  <a:solidFill>
-                    <a:srgbClr val="7451EB"/>
-                  </a:solidFill>
-                </a:ln>
-                <a:solidFill>
-                  <a:srgbClr val="7451EB"/>
-                </a:solidFill>
-                <a:latin typeface="Google Sans"/>
-              </a:rPr>
-              <a:t>preprocessing</a:t>
-            </a:r>
-            <a:endParaRPr lang="fr-FR" sz="4000" b="1" dirty="0">
-              <a:ln>
-                <a:solidFill>
-                  <a:srgbClr val="7451EB"/>
-                </a:solidFill>
-              </a:ln>
-              <a:solidFill>
-                <a:srgbClr val="7451EB"/>
-              </a:solidFill>
-              <a:latin typeface="Google Sans"/>
-            </a:endParaRPr>
+              <a:t>PCA</a:t>
+            </a:r>
           </a:p>
         </p:txBody>
       </p:sp>
@@ -14483,7 +17311,7 @@
           <p:cNvPr id="6" name="Image 5">
             <a:extLst>
               <a:ext uri="{FF2B5EF4-FFF2-40B4-BE49-F238E27FC236}">
-                <a16:creationId xmlns:a16="http://schemas.microsoft.com/office/drawing/2014/main" id="{B49E4CFE-FCAE-44E7-946E-A50DAD1978D9}"/>
+                <a16:creationId xmlns:a16="http://schemas.microsoft.com/office/drawing/2014/main" id="{C987D918-097B-451D-8BA9-F620E1A056FA}"/>
               </a:ext>
             </a:extLst>
           </p:cNvPr>
@@ -14492,15 +17320,16 @@
           </p:cNvPicPr>
           <p:nvPr/>
         </p:nvPicPr>
-        <p:blipFill rotWithShape="1">
+        <p:blipFill>
           <a:blip r:embed="rId3"/>
-          <a:srcRect b="56267"/>
-          <a:stretch/>
+          <a:stretch>
+            <a:fillRect/>
+          </a:stretch>
         </p:blipFill>
         <p:spPr>
           <a:xfrm>
-            <a:off x="377906" y="1252842"/>
-            <a:ext cx="7924800" cy="2370213"/>
+            <a:off x="5635691" y="3570077"/>
+            <a:ext cx="6372808" cy="3135010"/>
           </a:xfrm>
           <a:prstGeom prst="rect">
             <a:avLst/>
@@ -14509,10 +17338,10 @@
       </p:pic>
       <p:pic>
         <p:nvPicPr>
-          <p:cNvPr id="13" name="Image 12">
-            <a:extLst>
-              <a:ext uri="{FF2B5EF4-FFF2-40B4-BE49-F238E27FC236}">
-                <a16:creationId xmlns:a16="http://schemas.microsoft.com/office/drawing/2014/main" id="{256EC5B5-5AAE-4E53-A671-AD78F7DFF7C5}"/>
+          <p:cNvPr id="8" name="Image 7">
+            <a:extLst>
+              <a:ext uri="{FF2B5EF4-FFF2-40B4-BE49-F238E27FC236}">
+                <a16:creationId xmlns:a16="http://schemas.microsoft.com/office/drawing/2014/main" id="{D604B6CF-2373-4DBD-8A06-5C9B25F80AF2}"/>
               </a:ext>
             </a:extLst>
           </p:cNvPr>
@@ -14521,25 +17350,77 @@
           </p:cNvPicPr>
           <p:nvPr/>
         </p:nvPicPr>
-        <p:blipFill rotWithShape="1">
-          <a:blip r:embed="rId3"/>
-          <a:srcRect t="43649"/>
-          <a:stretch/>
+        <p:blipFill>
+          <a:blip r:embed="rId4"/>
+          <a:stretch>
+            <a:fillRect/>
+          </a:stretch>
         </p:blipFill>
         <p:spPr>
           <a:xfrm>
-            <a:off x="3858638" y="3728937"/>
-            <a:ext cx="7924800" cy="3054087"/>
+            <a:off x="279917" y="1146888"/>
+            <a:ext cx="6419850" cy="3276600"/>
           </a:xfrm>
           <a:prstGeom prst="rect">
             <a:avLst/>
           </a:prstGeom>
         </p:spPr>
       </p:pic>
+      <mc:AlternateContent xmlns:mc="http://schemas.openxmlformats.org/markup-compatibility/2006">
+        <mc:Choice xmlns:p14="http://schemas.microsoft.com/office/powerpoint/2010/main" Requires="p14">
+          <p:contentPart p14:bwMode="auto" r:id="rId5">
+            <p14:nvContentPartPr>
+              <p14:cNvPr id="13" name="Encre 12">
+                <a:extLst>
+                  <a:ext uri="{FF2B5EF4-FFF2-40B4-BE49-F238E27FC236}">
+                    <a16:creationId xmlns:a16="http://schemas.microsoft.com/office/drawing/2014/main" id="{75E4B9D5-9C5B-4D92-8CA7-7E15B26AD6D8}"/>
+                  </a:ext>
+                </a:extLst>
+              </p14:cNvPr>
+              <p14:cNvContentPartPr/>
+              <p14:nvPr/>
+            </p14:nvContentPartPr>
+            <p14:xfrm>
+              <a:off x="120600" y="3137040"/>
+              <a:ext cx="2362680" cy="1098720"/>
+            </p14:xfrm>
+          </p:contentPart>
+        </mc:Choice>
+        <mc:Fallback>
+          <p:pic>
+            <p:nvPicPr>
+              <p:cNvPr id="13" name="Encre 12">
+                <a:extLst>
+                  <a:ext uri="{FF2B5EF4-FFF2-40B4-BE49-F238E27FC236}">
+                    <a16:creationId xmlns:a16="http://schemas.microsoft.com/office/drawing/2014/main" id="{75E4B9D5-9C5B-4D92-8CA7-7E15B26AD6D8}"/>
+                  </a:ext>
+                </a:extLst>
+              </p:cNvPr>
+              <p:cNvPicPr/>
+              <p:nvPr/>
+            </p:nvPicPr>
+            <p:blipFill>
+              <a:blip r:embed="rId6"/>
+              <a:stretch>
+                <a:fillRect/>
+              </a:stretch>
+            </p:blipFill>
+            <p:spPr>
+              <a:xfrm>
+                <a:off x="111240" y="3127680"/>
+                <a:ext cx="2381400" cy="1117440"/>
+              </a:xfrm>
+              <a:prstGeom prst="rect">
+                <a:avLst/>
+              </a:prstGeom>
+            </p:spPr>
+          </p:pic>
+        </mc:Fallback>
+      </mc:AlternateContent>
     </p:spTree>
     <p:extLst>
       <p:ext uri="{BB962C8B-B14F-4D97-AF65-F5344CB8AC3E}">
-        <p14:creationId xmlns:p14="http://schemas.microsoft.com/office/powerpoint/2010/main" val="486932463"/>
+        <p14:creationId xmlns:p14="http://schemas.microsoft.com/office/powerpoint/2010/main" val="3034588203"/>
       </p:ext>
     </p:extLst>
   </p:cSld>
@@ -14725,6 +17606,20 @@
           </a:lstStyle>
           <a:p>
             <a:r>
+              <a:rPr lang="fr-FR" sz="4000" b="1" dirty="0">
+                <a:ln>
+                  <a:solidFill>
+                    <a:srgbClr val="7451EB"/>
+                  </a:solidFill>
+                </a:ln>
+                <a:solidFill>
+                  <a:srgbClr val="7451EB"/>
+                </a:solidFill>
+                <a:latin typeface="Google Sans"/>
+              </a:rPr>
+              <a:t>Mis à jour Data </a:t>
+            </a:r>
+            <a:r>
               <a:rPr lang="fr-FR" sz="4000" b="1" dirty="0" err="1">
                 <a:ln>
                   <a:solidFill>
@@ -14736,35 +17631,7 @@
                 </a:solidFill>
                 <a:latin typeface="Google Sans"/>
               </a:rPr>
-              <a:t>LinearRegression</a:t>
-            </a:r>
-            <a:r>
-              <a:rPr lang="fr-FR" sz="4000" b="1" dirty="0">
-                <a:ln>
-                  <a:solidFill>
-                    <a:srgbClr val="7451EB"/>
-                  </a:solidFill>
-                </a:ln>
-                <a:solidFill>
-                  <a:srgbClr val="7451EB"/>
-                </a:solidFill>
-                <a:latin typeface="Google Sans"/>
-              </a:rPr>
-              <a:t> / </a:t>
-            </a:r>
-            <a:r>
-              <a:rPr lang="fr-FR" sz="4000" b="1" dirty="0" err="1">
-                <a:ln>
-                  <a:solidFill>
-                    <a:srgbClr val="7451EB"/>
-                  </a:solidFill>
-                </a:ln>
-                <a:solidFill>
-                  <a:srgbClr val="7451EB"/>
-                </a:solidFill>
-                <a:latin typeface="Google Sans"/>
-              </a:rPr>
-              <a:t>PolynomialFeatures</a:t>
+              <a:t>preprocessing</a:t>
             </a:r>
             <a:endParaRPr lang="fr-FR" sz="4000" b="1" dirty="0">
               <a:ln>
@@ -14845,10 +17712,10 @@
       </p:sp>
       <p:pic>
         <p:nvPicPr>
-          <p:cNvPr id="3" name="Image 2">
-            <a:extLst>
-              <a:ext uri="{FF2B5EF4-FFF2-40B4-BE49-F238E27FC236}">
-                <a16:creationId xmlns:a16="http://schemas.microsoft.com/office/drawing/2014/main" id="{6D14CE29-DAAB-4312-BC09-CA4DB43C468C}"/>
+          <p:cNvPr id="8" name="Image 7">
+            <a:extLst>
+              <a:ext uri="{FF2B5EF4-FFF2-40B4-BE49-F238E27FC236}">
+                <a16:creationId xmlns:a16="http://schemas.microsoft.com/office/drawing/2014/main" id="{A666EF03-6782-44F4-94C5-82C7867F6496}"/>
               </a:ext>
             </a:extLst>
           </p:cNvPr>
@@ -14857,58 +17724,82 @@
           </p:cNvPicPr>
           <p:nvPr/>
         </p:nvPicPr>
-        <p:blipFill rotWithShape="1">
+        <p:blipFill>
           <a:blip r:embed="rId3"/>
-          <a:srcRect r="66896"/>
-          <a:stretch/>
+          <a:stretch>
+            <a:fillRect/>
+          </a:stretch>
         </p:blipFill>
         <p:spPr>
           <a:xfrm>
-            <a:off x="744627" y="1455840"/>
-            <a:ext cx="4638675" cy="3946320"/>
+            <a:off x="1659782" y="1645089"/>
+            <a:ext cx="4533900" cy="3762375"/>
           </a:xfrm>
           <a:prstGeom prst="rect">
             <a:avLst/>
           </a:prstGeom>
         </p:spPr>
       </p:pic>
-      <p:pic>
-        <p:nvPicPr>
-          <p:cNvPr id="4" name="Image 3">
-            <a:extLst>
-              <a:ext uri="{FF2B5EF4-FFF2-40B4-BE49-F238E27FC236}">
-                <a16:creationId xmlns:a16="http://schemas.microsoft.com/office/drawing/2014/main" id="{AF08DCE6-CAF7-4055-885E-333C27C04E5B}"/>
-              </a:ext>
-            </a:extLst>
-          </p:cNvPr>
-          <p:cNvPicPr>
-            <a:picLocks noChangeAspect="1"/>
-          </p:cNvPicPr>
+      <p:sp>
+        <p:nvSpPr>
+          <p:cNvPr id="14" name="Rectangle 13">
+            <a:extLst>
+              <a:ext uri="{FF2B5EF4-FFF2-40B4-BE49-F238E27FC236}">
+                <a16:creationId xmlns:a16="http://schemas.microsoft.com/office/drawing/2014/main" id="{9801187B-8317-4EA9-8A7B-EBDC525FD3AD}"/>
+              </a:ext>
+            </a:extLst>
+          </p:cNvPr>
+          <p:cNvSpPr/>
           <p:nvPr/>
-        </p:nvPicPr>
-        <p:blipFill rotWithShape="1">
-          <a:blip r:embed="rId4"/>
-          <a:srcRect t="1963" b="1776"/>
-          <a:stretch/>
-        </p:blipFill>
+        </p:nvSpPr>
         <p:spPr>
           <a:xfrm>
-            <a:off x="6493565" y="2325757"/>
-            <a:ext cx="4638675" cy="3667539"/>
+            <a:off x="5227706" y="4233494"/>
+            <a:ext cx="965976" cy="1173970"/>
           </a:xfrm>
           <a:prstGeom prst="rect">
             <a:avLst/>
           </a:prstGeom>
+          <a:noFill/>
+          <a:ln w="38100">
+            <a:solidFill>
+              <a:srgbClr val="FFFF00"/>
+            </a:solidFill>
+          </a:ln>
         </p:spPr>
-      </p:pic>
-      <mc:AlternateContent xmlns:mc="http://schemas.openxmlformats.org/markup-compatibility/2006" xmlns:p14="http://schemas.microsoft.com/office/powerpoint/2010/main">
-        <mc:Choice Requires="p14">
-          <p:contentPart p14:bwMode="auto" r:id="rId5">
+        <p:style>
+          <a:lnRef idx="2">
+            <a:schemeClr val="accent1">
+              <a:shade val="50000"/>
+            </a:schemeClr>
+          </a:lnRef>
+          <a:fillRef idx="1">
+            <a:schemeClr val="accent1"/>
+          </a:fillRef>
+          <a:effectRef idx="0">
+            <a:schemeClr val="accent1"/>
+          </a:effectRef>
+          <a:fontRef idx="minor">
+            <a:schemeClr val="lt1"/>
+          </a:fontRef>
+        </p:style>
+        <p:txBody>
+          <a:bodyPr rtlCol="0" anchor="ctr"/>
+          <a:lstStyle/>
+          <a:p>
+            <a:pPr algn="ctr"/>
+            <a:endParaRPr lang="fr-FR" dirty="0"/>
+          </a:p>
+        </p:txBody>
+      </p:sp>
+      <mc:AlternateContent xmlns:mc="http://schemas.openxmlformats.org/markup-compatibility/2006">
+        <mc:Choice xmlns:p14="http://schemas.microsoft.com/office/powerpoint/2010/main" Requires="p14">
+          <p:contentPart p14:bwMode="auto" r:id="rId4">
             <p14:nvContentPartPr>
               <p14:cNvPr id="2" name="Encre 1">
                 <a:extLst>
                   <a:ext uri="{FF2B5EF4-FFF2-40B4-BE49-F238E27FC236}">
-                    <a16:creationId xmlns:a16="http://schemas.microsoft.com/office/drawing/2014/main" id="{785244D6-1591-419D-994B-A26F3AFCA763}"/>
+                    <a16:creationId xmlns:a16="http://schemas.microsoft.com/office/drawing/2014/main" id="{854DD2E5-5D99-4616-8C6C-2A7AB37ED2F5}"/>
                   </a:ext>
                 </a:extLst>
               </p14:cNvPr>
@@ -14916,18 +17807,18 @@
               <p14:nvPr/>
             </p14:nvContentPartPr>
             <p14:xfrm>
-              <a:off x="3213000" y="1765440"/>
-              <a:ext cx="7575840" cy="3511800"/>
+              <a:off x="2292480" y="2666880"/>
+              <a:ext cx="1397160" cy="356040"/>
             </p14:xfrm>
           </p:contentPart>
         </mc:Choice>
-        <mc:Fallback xmlns="">
+        <mc:Fallback>
           <p:pic>
             <p:nvPicPr>
               <p:cNvPr id="2" name="Encre 1">
                 <a:extLst>
                   <a:ext uri="{FF2B5EF4-FFF2-40B4-BE49-F238E27FC236}">
-                    <a16:creationId xmlns:a16="http://schemas.microsoft.com/office/drawing/2014/main" id="{785244D6-1591-419D-994B-A26F3AFCA763}"/>
+                    <a16:creationId xmlns:a16="http://schemas.microsoft.com/office/drawing/2014/main" id="{854DD2E5-5D99-4616-8C6C-2A7AB37ED2F5}"/>
                   </a:ext>
                 </a:extLst>
               </p:cNvPr>
@@ -14935,15 +17826,15 @@
               <p:nvPr/>
             </p:nvPicPr>
             <p:blipFill>
-              <a:blip r:embed="rId6"/>
+              <a:blip r:embed="rId5"/>
               <a:stretch>
                 <a:fillRect/>
               </a:stretch>
             </p:blipFill>
             <p:spPr>
               <a:xfrm>
-                <a:off x="3203640" y="1756080"/>
-                <a:ext cx="7594560" cy="3530520"/>
+                <a:off x="2283120" y="2657520"/>
+                <a:ext cx="1415880" cy="374760"/>
               </a:xfrm>
               <a:prstGeom prst="rect">
                 <a:avLst/>
@@ -14952,61 +17843,10 @@
           </p:pic>
         </mc:Fallback>
       </mc:AlternateContent>
-      <p:sp>
-        <p:nvSpPr>
-          <p:cNvPr id="6" name="ZoneTexte 5">
-            <a:extLst>
-              <a:ext uri="{FF2B5EF4-FFF2-40B4-BE49-F238E27FC236}">
-                <a16:creationId xmlns:a16="http://schemas.microsoft.com/office/drawing/2014/main" id="{BE6AA1FB-6D18-4C5E-BD2E-6D2D4028DFA6}"/>
-              </a:ext>
-            </a:extLst>
-          </p:cNvPr>
-          <p:cNvSpPr txBox="1"/>
-          <p:nvPr/>
-        </p:nvSpPr>
-        <p:spPr>
-          <a:xfrm rot="2145575">
-            <a:off x="11307337" y="254493"/>
-            <a:ext cx="739303" cy="461665"/>
-          </a:xfrm>
-          <a:prstGeom prst="rect">
-            <a:avLst/>
-          </a:prstGeom>
-          <a:noFill/>
-          <a:ln w="38100">
-            <a:solidFill>
-              <a:srgbClr val="FF0000"/>
-            </a:solidFill>
-            <a:prstDash val="dash"/>
-          </a:ln>
-        </p:spPr>
-        <p:txBody>
-          <a:bodyPr wrap="square" rtlCol="0">
-            <a:spAutoFit/>
-          </a:bodyPr>
-          <a:lstStyle/>
-          <a:p>
-            <a:pPr algn="ctr"/>
-            <a:r>
-              <a:rPr lang="es-ES" sz="2400" b="1" dirty="0">
-                <a:solidFill>
-                  <a:srgbClr val="FF0000"/>
-                </a:solidFill>
-              </a:rPr>
-              <a:t>OLD</a:t>
-            </a:r>
-            <a:endParaRPr lang="fr-FR" sz="2400" b="1" dirty="0">
-              <a:solidFill>
-                <a:srgbClr val="FF0000"/>
-              </a:solidFill>
-            </a:endParaRPr>
-          </a:p>
-        </p:txBody>
-      </p:sp>
     </p:spTree>
     <p:extLst>
       <p:ext uri="{BB962C8B-B14F-4D97-AF65-F5344CB8AC3E}">
-        <p14:creationId xmlns:p14="http://schemas.microsoft.com/office/powerpoint/2010/main" val="3556277589"/>
+        <p14:creationId xmlns:p14="http://schemas.microsoft.com/office/powerpoint/2010/main" val="2946778061"/>
       </p:ext>
     </p:extLst>
   </p:cSld>
@@ -15192,6 +18032,20 @@
           </a:lstStyle>
           <a:p>
             <a:r>
+              <a:rPr lang="fr-FR" sz="4000" b="1" dirty="0">
+                <a:ln>
+                  <a:solidFill>
+                    <a:srgbClr val="7451EB"/>
+                  </a:solidFill>
+                </a:ln>
+                <a:solidFill>
+                  <a:srgbClr val="7451EB"/>
+                </a:solidFill>
+                <a:latin typeface="Google Sans"/>
+              </a:rPr>
+              <a:t>Mis à jour Data </a:t>
+            </a:r>
+            <a:r>
               <a:rPr lang="fr-FR" sz="4000" b="1" dirty="0" err="1">
                 <a:ln>
                   <a:solidFill>
@@ -15203,35 +18057,7 @@
                 </a:solidFill>
                 <a:latin typeface="Google Sans"/>
               </a:rPr>
-              <a:t>LinearRegression</a:t>
-            </a:r>
-            <a:r>
-              <a:rPr lang="fr-FR" sz="4000" b="1" dirty="0">
-                <a:ln>
-                  <a:solidFill>
-                    <a:srgbClr val="7451EB"/>
-                  </a:solidFill>
-                </a:ln>
-                <a:solidFill>
-                  <a:srgbClr val="7451EB"/>
-                </a:solidFill>
-                <a:latin typeface="Google Sans"/>
-              </a:rPr>
-              <a:t> / </a:t>
-            </a:r>
-            <a:r>
-              <a:rPr lang="fr-FR" sz="4000" b="1" dirty="0" err="1">
-                <a:ln>
-                  <a:solidFill>
-                    <a:srgbClr val="7451EB"/>
-                  </a:solidFill>
-                </a:ln>
-                <a:solidFill>
-                  <a:srgbClr val="7451EB"/>
-                </a:solidFill>
-                <a:latin typeface="Google Sans"/>
-              </a:rPr>
-              <a:t>PolynomialFeatures</a:t>
+              <a:t>preprocessing</a:t>
             </a:r>
             <a:endParaRPr lang="fr-FR" sz="4000" b="1" dirty="0">
               <a:ln>
@@ -15312,10 +18138,10 @@
       </p:sp>
       <p:pic>
         <p:nvPicPr>
-          <p:cNvPr id="7" name="Image 6">
-            <a:extLst>
-              <a:ext uri="{FF2B5EF4-FFF2-40B4-BE49-F238E27FC236}">
-                <a16:creationId xmlns:a16="http://schemas.microsoft.com/office/drawing/2014/main" id="{29F893CF-0ED1-4349-B128-41E39EE550A4}"/>
+          <p:cNvPr id="6" name="Image 5">
+            <a:extLst>
+              <a:ext uri="{FF2B5EF4-FFF2-40B4-BE49-F238E27FC236}">
+                <a16:creationId xmlns:a16="http://schemas.microsoft.com/office/drawing/2014/main" id="{B49E4CFE-FCAE-44E7-946E-A50DAD1978D9}"/>
               </a:ext>
             </a:extLst>
           </p:cNvPr>
@@ -15325,55 +18151,14 @@
           <p:nvPr/>
         </p:nvPicPr>
         <p:blipFill rotWithShape="1">
-          <a:blip r:embed="rId3">
-            <a:extLst>
-              <a:ext uri="{28A0092B-C50C-407E-A947-70E740481C1C}">
-                <a14:useLocalDpi xmlns:a14="http://schemas.microsoft.com/office/drawing/2010/main" val="0"/>
-              </a:ext>
-            </a:extLst>
-          </a:blip>
-          <a:srcRect l="4534" r="8799"/>
+          <a:blip r:embed="rId3"/>
+          <a:srcRect b="56267"/>
           <a:stretch/>
         </p:blipFill>
         <p:spPr>
           <a:xfrm>
-            <a:off x="3667328" y="3081993"/>
-            <a:ext cx="4276769" cy="3701031"/>
-          </a:xfrm>
-          <a:prstGeom prst="rect">
-            <a:avLst/>
-          </a:prstGeom>
-        </p:spPr>
-      </p:pic>
-      <p:pic>
-        <p:nvPicPr>
-          <p:cNvPr id="9" name="Image 8">
-            <a:extLst>
-              <a:ext uri="{FF2B5EF4-FFF2-40B4-BE49-F238E27FC236}">
-                <a16:creationId xmlns:a16="http://schemas.microsoft.com/office/drawing/2014/main" id="{44B2EDB3-2A9F-4557-B7AA-5FBE0B3E8B7C}"/>
-              </a:ext>
-            </a:extLst>
-          </p:cNvPr>
-          <p:cNvPicPr>
-            <a:picLocks noChangeAspect="1"/>
-          </p:cNvPicPr>
-          <p:nvPr/>
-        </p:nvPicPr>
-        <p:blipFill rotWithShape="1">
-          <a:blip r:embed="rId4">
-            <a:extLst>
-              <a:ext uri="{28A0092B-C50C-407E-A947-70E740481C1C}">
-                <a14:useLocalDpi xmlns:a14="http://schemas.microsoft.com/office/drawing/2010/main" val="0"/>
-              </a:ext>
-            </a:extLst>
-          </a:blip>
-          <a:srcRect l="8697" r="63936"/>
-          <a:stretch/>
-        </p:blipFill>
-        <p:spPr>
-          <a:xfrm>
-            <a:off x="0" y="1128607"/>
-            <a:ext cx="3881772" cy="3546031"/>
+            <a:off x="377906" y="1252842"/>
+            <a:ext cx="7924800" cy="2370213"/>
           </a:xfrm>
           <a:prstGeom prst="rect">
             <a:avLst/>
@@ -15385,7 +18170,7 @@
           <p:cNvPr id="13" name="Image 12">
             <a:extLst>
               <a:ext uri="{FF2B5EF4-FFF2-40B4-BE49-F238E27FC236}">
-                <a16:creationId xmlns:a16="http://schemas.microsoft.com/office/drawing/2014/main" id="{615E7077-EEF0-4DFB-AB45-0652587F1417}"/>
+                <a16:creationId xmlns:a16="http://schemas.microsoft.com/office/drawing/2014/main" id="{256EC5B5-5AAE-4E53-A671-AD78F7DFF7C5}"/>
               </a:ext>
             </a:extLst>
           </p:cNvPr>
@@ -15395,30 +18180,201 @@
           <p:nvPr/>
         </p:nvPicPr>
         <p:blipFill rotWithShape="1">
-          <a:blip r:embed="rId5">
-            <a:extLst>
-              <a:ext uri="{28A0092B-C50C-407E-A947-70E740481C1C}">
-                <a14:useLocalDpi xmlns:a14="http://schemas.microsoft.com/office/drawing/2010/main" val="0"/>
-              </a:ext>
-            </a:extLst>
-          </a:blip>
-          <a:srcRect l="8936" r="64175"/>
+          <a:blip r:embed="rId3"/>
+          <a:srcRect t="43649"/>
           <a:stretch/>
         </p:blipFill>
         <p:spPr>
           <a:xfrm>
-            <a:off x="7549100" y="1128607"/>
-            <a:ext cx="4500481" cy="4184424"/>
+            <a:off x="3858638" y="3728937"/>
+            <a:ext cx="7924800" cy="3054087"/>
           </a:xfrm>
           <a:prstGeom prst="rect">
             <a:avLst/>
           </a:prstGeom>
         </p:spPr>
       </p:pic>
+      <p:cxnSp>
+        <p:nvCxnSpPr>
+          <p:cNvPr id="3" name="Connecteur droit avec flèche 2">
+            <a:extLst>
+              <a:ext uri="{FF2B5EF4-FFF2-40B4-BE49-F238E27FC236}">
+                <a16:creationId xmlns:a16="http://schemas.microsoft.com/office/drawing/2014/main" id="{2ACB978F-2BFB-48AE-B4E2-B2163C398142}"/>
+              </a:ext>
+            </a:extLst>
+          </p:cNvPr>
+          <p:cNvCxnSpPr/>
+          <p:nvPr/>
+        </p:nvCxnSpPr>
+        <p:spPr>
+          <a:xfrm>
+            <a:off x="2057830" y="3937518"/>
+            <a:ext cx="1800808" cy="0"/>
+          </a:xfrm>
+          <a:prstGeom prst="straightConnector1">
+            <a:avLst/>
+          </a:prstGeom>
+          <a:ln w="57150">
+            <a:solidFill>
+              <a:srgbClr val="FF0000"/>
+            </a:solidFill>
+            <a:tailEnd type="triangle"/>
+          </a:ln>
+        </p:spPr>
+        <p:style>
+          <a:lnRef idx="1">
+            <a:schemeClr val="accent1"/>
+          </a:lnRef>
+          <a:fillRef idx="0">
+            <a:schemeClr val="accent1"/>
+          </a:fillRef>
+          <a:effectRef idx="0">
+            <a:schemeClr val="accent1"/>
+          </a:effectRef>
+          <a:fontRef idx="minor">
+            <a:schemeClr val="tx1"/>
+          </a:fontRef>
+        </p:style>
+      </p:cxnSp>
+      <p:cxnSp>
+        <p:nvCxnSpPr>
+          <p:cNvPr id="16" name="Connecteur droit avec flèche 15">
+            <a:extLst>
+              <a:ext uri="{FF2B5EF4-FFF2-40B4-BE49-F238E27FC236}">
+                <a16:creationId xmlns:a16="http://schemas.microsoft.com/office/drawing/2014/main" id="{9DFB4994-4373-4F53-B3C5-89B4CB1EF368}"/>
+              </a:ext>
+            </a:extLst>
+          </p:cNvPr>
+          <p:cNvCxnSpPr/>
+          <p:nvPr/>
+        </p:nvCxnSpPr>
+        <p:spPr>
+          <a:xfrm>
+            <a:off x="2057830" y="4584440"/>
+            <a:ext cx="1800808" cy="0"/>
+          </a:xfrm>
+          <a:prstGeom prst="straightConnector1">
+            <a:avLst/>
+          </a:prstGeom>
+          <a:ln w="57150">
+            <a:solidFill>
+              <a:srgbClr val="FF0000"/>
+            </a:solidFill>
+            <a:tailEnd type="triangle"/>
+          </a:ln>
+        </p:spPr>
+        <p:style>
+          <a:lnRef idx="1">
+            <a:schemeClr val="accent1"/>
+          </a:lnRef>
+          <a:fillRef idx="0">
+            <a:schemeClr val="accent1"/>
+          </a:fillRef>
+          <a:effectRef idx="0">
+            <a:schemeClr val="accent1"/>
+          </a:effectRef>
+          <a:fontRef idx="minor">
+            <a:schemeClr val="tx1"/>
+          </a:fontRef>
+        </p:style>
+      </p:cxnSp>
+      <p:cxnSp>
+        <p:nvCxnSpPr>
+          <p:cNvPr id="17" name="Connecteur droit avec flèche 16">
+            <a:extLst>
+              <a:ext uri="{FF2B5EF4-FFF2-40B4-BE49-F238E27FC236}">
+                <a16:creationId xmlns:a16="http://schemas.microsoft.com/office/drawing/2014/main" id="{CBE2E30F-0F4B-4A46-AD5E-AB17EB5598D4}"/>
+              </a:ext>
+            </a:extLst>
+          </p:cNvPr>
+          <p:cNvCxnSpPr/>
+          <p:nvPr/>
+        </p:nvCxnSpPr>
+        <p:spPr>
+          <a:xfrm>
+            <a:off x="2057830" y="5249759"/>
+            <a:ext cx="1800808" cy="0"/>
+          </a:xfrm>
+          <a:prstGeom prst="straightConnector1">
+            <a:avLst/>
+          </a:prstGeom>
+          <a:ln w="57150">
+            <a:solidFill>
+              <a:srgbClr val="FF0000"/>
+            </a:solidFill>
+            <a:tailEnd type="triangle"/>
+          </a:ln>
+        </p:spPr>
+        <p:style>
+          <a:lnRef idx="1">
+            <a:schemeClr val="accent1"/>
+          </a:lnRef>
+          <a:fillRef idx="0">
+            <a:schemeClr val="accent1"/>
+          </a:fillRef>
+          <a:effectRef idx="0">
+            <a:schemeClr val="accent1"/>
+          </a:effectRef>
+          <a:fontRef idx="minor">
+            <a:schemeClr val="tx1"/>
+          </a:fontRef>
+        </p:style>
+      </p:cxnSp>
+      <mc:AlternateContent xmlns:mc="http://schemas.openxmlformats.org/markup-compatibility/2006">
+        <mc:Choice xmlns:p14="http://schemas.microsoft.com/office/powerpoint/2010/main" Requires="p14">
+          <p:contentPart p14:bwMode="auto" r:id="rId4">
+            <p14:nvContentPartPr>
+              <p14:cNvPr id="4" name="Encre 3">
+                <a:extLst>
+                  <a:ext uri="{FF2B5EF4-FFF2-40B4-BE49-F238E27FC236}">
+                    <a16:creationId xmlns:a16="http://schemas.microsoft.com/office/drawing/2014/main" id="{2A69B990-4CBB-463E-BF0E-C2F0821F797A}"/>
+                  </a:ext>
+                </a:extLst>
+              </p14:cNvPr>
+              <p14:cNvContentPartPr/>
+              <p14:nvPr/>
+            </p14:nvContentPartPr>
+            <p14:xfrm>
+              <a:off x="3784680" y="1428840"/>
+              <a:ext cx="6826680" cy="3911760"/>
+            </p14:xfrm>
+          </p:contentPart>
+        </mc:Choice>
+        <mc:Fallback>
+          <p:pic>
+            <p:nvPicPr>
+              <p:cNvPr id="4" name="Encre 3">
+                <a:extLst>
+                  <a:ext uri="{FF2B5EF4-FFF2-40B4-BE49-F238E27FC236}">
+                    <a16:creationId xmlns:a16="http://schemas.microsoft.com/office/drawing/2014/main" id="{2A69B990-4CBB-463E-BF0E-C2F0821F797A}"/>
+                  </a:ext>
+                </a:extLst>
+              </p:cNvPr>
+              <p:cNvPicPr/>
+              <p:nvPr/>
+            </p:nvPicPr>
+            <p:blipFill>
+              <a:blip r:embed="rId5"/>
+              <a:stretch>
+                <a:fillRect/>
+              </a:stretch>
+            </p:blipFill>
+            <p:spPr>
+              <a:xfrm>
+                <a:off x="3775320" y="1419480"/>
+                <a:ext cx="6845400" cy="3930480"/>
+              </a:xfrm>
+              <a:prstGeom prst="rect">
+                <a:avLst/>
+              </a:prstGeom>
+            </p:spPr>
+          </p:pic>
+        </mc:Fallback>
+      </mc:AlternateContent>
     </p:spTree>
     <p:extLst>
       <p:ext uri="{BB962C8B-B14F-4D97-AF65-F5344CB8AC3E}">
-        <p14:creationId xmlns:p14="http://schemas.microsoft.com/office/powerpoint/2010/main" val="3523909857"/>
+        <p14:creationId xmlns:p14="http://schemas.microsoft.com/office/powerpoint/2010/main" val="486932463"/>
       </p:ext>
     </p:extLst>
   </p:cSld>
